--- a/Presentation/intro.pptx
+++ b/Presentation/intro.pptx
@@ -5,15 +5,16 @@
     <p:sldMasterId id="2147483648" r:id="rId1"/>
   </p:sldMasterIdLst>
   <p:notesMasterIdLst>
-    <p:notesMasterId r:id="rId8"/>
+    <p:notesMasterId r:id="rId9"/>
   </p:notesMasterIdLst>
   <p:sldIdLst>
     <p:sldId id="257" r:id="rId2"/>
-    <p:sldId id="264" r:id="rId3"/>
-    <p:sldId id="261" r:id="rId4"/>
-    <p:sldId id="262" r:id="rId5"/>
-    <p:sldId id="259" r:id="rId6"/>
-    <p:sldId id="263" r:id="rId7"/>
+    <p:sldId id="265" r:id="rId3"/>
+    <p:sldId id="264" r:id="rId4"/>
+    <p:sldId id="261" r:id="rId5"/>
+    <p:sldId id="262" r:id="rId6"/>
+    <p:sldId id="259" r:id="rId7"/>
+    <p:sldId id="263" r:id="rId8"/>
   </p:sldIdLst>
   <p:sldSz cx="9144000" cy="6858000" type="screen4x3"/>
   <p:notesSz cx="6858000" cy="9144000"/>
@@ -197,7 +198,7 @@
           <a:p>
             <a:fld id="{B24A7054-7FFB-49F4-A126-5DF6E687FF53}" type="datetimeFigureOut">
               <a:rPr lang="ru-RU" smtClean="0"/>
-              <a:t>06.11.2012</a:t>
+              <a:t>05.01.2013</a:t>
             </a:fld>
             <a:endParaRPr lang="ru-RU"/>
           </a:p>
@@ -1479,7 +1480,7 @@
           <a:p>
             <a:fld id="{8E6E6A2A-E9D3-4A0D-B04A-ABDD367A1E08}" type="datetimeFigureOut">
               <a:rPr lang="ru-RU" smtClean="0"/>
-              <a:t>06.11.2012</a:t>
+              <a:t>05.01.2013</a:t>
             </a:fld>
             <a:endParaRPr lang="ru-RU"/>
           </a:p>
@@ -2924,7 +2925,7 @@
           <a:p>
             <a:fld id="{AC3D3127-B7C4-45E3-9797-C527EC9FDD78}" type="datetimeFigureOut">
               <a:rPr lang="ru-RU" smtClean="0"/>
-              <a:t>06.11.2012</a:t>
+              <a:t>05.01.2013</a:t>
             </a:fld>
             <a:endParaRPr lang="ru-RU"/>
           </a:p>
@@ -3481,6 +3482,14 @@
 <file path=ppt/slides/slide2.xml><?xml version="1.0" encoding="utf-8"?>
 <p:sld xmlns:a="http://schemas.openxmlformats.org/drawingml/2006/main" xmlns:r="http://schemas.openxmlformats.org/officeDocument/2006/relationships" xmlns:p="http://schemas.openxmlformats.org/presentationml/2006/main">
   <p:cSld>
+    <p:bg>
+      <p:bgPr>
+        <a:solidFill>
+          <a:schemeClr val="accent1"/>
+        </a:solidFill>
+        <a:effectLst/>
+      </p:bgPr>
+    </p:bg>
     <p:spTree>
       <p:nvGrpSpPr>
         <p:cNvPr id="1" name=""/>
@@ -3495,94 +3504,51 @@
           <a:chExt cx="0" cy="0"/>
         </a:xfrm>
       </p:grpSpPr>
-      <p:sp>
-        <p:nvSpPr>
-          <p:cNvPr id="3" name="Rectangle 2"/>
-          <p:cNvSpPr/>
+      <p:pic>
+        <p:nvPicPr>
+          <p:cNvPr id="1026" name="Picture 2" descr="http://us.123rf.com/400wm/400/400/lurin/lurin1203/lurin120300011/12843555-black-and-red--please-turn-off-cell-phone--sign-with-black-border.jpg"/>
+          <p:cNvPicPr>
+            <a:picLocks noChangeAspect="1" noChangeArrowheads="1"/>
+          </p:cNvPicPr>
           <p:nvPr/>
-        </p:nvSpPr>
-        <p:spPr>
+        </p:nvPicPr>
+        <p:blipFill>
+          <a:blip r:embed="rId2">
+            <a:extLst>
+              <a:ext uri="{28A0092B-C50C-407E-A947-70E740481C1C}">
+                <a14:useLocalDpi xmlns:a14="http://schemas.microsoft.com/office/drawing/2010/main" val="0"/>
+              </a:ext>
+            </a:extLst>
+          </a:blip>
+          <a:srcRect/>
+          <a:stretch>
+            <a:fillRect/>
+          </a:stretch>
+        </p:blipFill>
+        <p:spPr bwMode="auto">
           <a:xfrm>
-            <a:off x="266775" y="1412776"/>
-            <a:ext cx="8640960" cy="830997"/>
+            <a:off x="2214563" y="481012"/>
+            <a:ext cx="4714875" cy="5895976"/>
           </a:xfrm>
           <a:prstGeom prst="rect">
             <a:avLst/>
           </a:prstGeom>
+          <a:noFill/>
+          <a:extLst>
+            <a:ext uri="{909E8E84-426E-40DD-AFC4-6F175D3DCCD1}">
+              <a14:hiddenFill xmlns:a14="http://schemas.microsoft.com/office/drawing/2010/main">
+                <a:solidFill>
+                  <a:srgbClr val="FFFFFF"/>
+                </a:solidFill>
+              </a14:hiddenFill>
+            </a:ext>
+          </a:extLst>
         </p:spPr>
-        <p:txBody>
-          <a:bodyPr wrap="square">
-            <a:spAutoFit/>
-          </a:bodyPr>
-          <a:lstStyle/>
-          <a:p>
-            <a:pPr lvl="0" algn="ctr"/>
-            <a:r>
-              <a:rPr lang="ru-RU" sz="4800" dirty="0" smtClean="0">
-                <a:solidFill>
-                  <a:schemeClr val="bg1"/>
-                </a:solidFill>
-              </a:rPr>
-              <a:t>Давайте знакомиться!</a:t>
-            </a:r>
-            <a:endParaRPr lang="ru-RU" sz="4800" dirty="0">
-              <a:solidFill>
-                <a:schemeClr val="bg1"/>
-              </a:solidFill>
-            </a:endParaRPr>
-          </a:p>
-        </p:txBody>
-      </p:sp>
-      <p:sp>
-        <p:nvSpPr>
-          <p:cNvPr id="4" name="Title 1"/>
-          <p:cNvSpPr txBox="1">
-            <a:spLocks/>
-          </p:cNvSpPr>
-          <p:nvPr/>
-        </p:nvSpPr>
-        <p:spPr>
-          <a:xfrm>
-            <a:off x="539552" y="2442002"/>
-            <a:ext cx="8229600" cy="1143000"/>
-          </a:xfrm>
-          <a:prstGeom prst="rect">
-            <a:avLst/>
-          </a:prstGeom>
-        </p:spPr>
-        <p:txBody>
-          <a:bodyPr vert="horz" lIns="91440" tIns="45720" rIns="91440" bIns="45720" rtlCol="0" anchor="ctr">
-            <a:normAutofit/>
-          </a:bodyPr>
-          <a:lstStyle>
-            <a:lvl1pPr algn="ctr" defTabSz="914400" rtl="0" eaLnBrk="1" latinLnBrk="0" hangingPunct="1">
-              <a:spcBef>
-                <a:spcPct val="0"/>
-              </a:spcBef>
-              <a:buNone/>
-              <a:defRPr sz="4400" kern="1200">
-                <a:solidFill>
-                  <a:schemeClr val="tx1"/>
-                </a:solidFill>
-                <a:latin typeface="+mj-lt"/>
-                <a:ea typeface="+mj-ea"/>
-                <a:cs typeface="+mj-cs"/>
-              </a:defRPr>
-            </a:lvl1pPr>
-          </a:lstStyle>
-          <a:p>
-            <a:r>
-              <a:rPr lang="en-US" dirty="0" smtClean="0"/>
-              <a:t>email@me.name</a:t>
-            </a:r>
-            <a:endParaRPr lang="ru-RU" dirty="0"/>
-          </a:p>
-        </p:txBody>
-      </p:sp>
+      </p:pic>
     </p:spTree>
     <p:extLst>
       <p:ext uri="{BB962C8B-B14F-4D97-AF65-F5344CB8AC3E}">
-        <p14:creationId xmlns:p14="http://schemas.microsoft.com/office/powerpoint/2010/main" val="1805584238"/>
+        <p14:creationId xmlns:p14="http://schemas.microsoft.com/office/powerpoint/2010/main" val="1119099355"/>
       </p:ext>
     </p:extLst>
   </p:cSld>
@@ -3624,8 +3590,8 @@
         </p:nvSpPr>
         <p:spPr>
           <a:xfrm>
-            <a:off x="251520" y="188640"/>
-            <a:ext cx="8640960" cy="769441"/>
+            <a:off x="266775" y="1412776"/>
+            <a:ext cx="8640960" cy="830997"/>
           </a:xfrm>
           <a:prstGeom prst="rect">
             <a:avLst/>
@@ -3639,14 +3605,14 @@
           <a:p>
             <a:pPr lvl="0" algn="ctr"/>
             <a:r>
-              <a:rPr lang="ru-RU" sz="4400" dirty="0" smtClean="0">
+              <a:rPr lang="ru-RU" sz="4800" dirty="0" smtClean="0">
                 <a:solidFill>
                   <a:schemeClr val="bg1"/>
                 </a:solidFill>
               </a:rPr>
-              <a:t>Организационные вопросы</a:t>
-            </a:r>
-            <a:endParaRPr lang="en-US" sz="4400" dirty="0">
+              <a:t>Давайте знакомиться!</a:t>
+            </a:r>
+            <a:endParaRPr lang="ru-RU" sz="4800" dirty="0">
               <a:solidFill>
                 <a:schemeClr val="bg1"/>
               </a:solidFill>
@@ -3656,218 +3622,54 @@
       </p:sp>
       <p:sp>
         <p:nvSpPr>
-          <p:cNvPr id="2" name="TextBox 1"/>
-          <p:cNvSpPr txBox="1"/>
+          <p:cNvPr id="4" name="Title 1"/>
+          <p:cNvSpPr txBox="1">
+            <a:spLocks/>
+          </p:cNvSpPr>
           <p:nvPr/>
         </p:nvSpPr>
         <p:spPr>
           <a:xfrm>
-            <a:off x="251520" y="1052736"/>
-            <a:ext cx="8640960" cy="4401205"/>
+            <a:off x="539552" y="2442002"/>
+            <a:ext cx="8229600" cy="1143000"/>
           </a:xfrm>
           <a:prstGeom prst="rect">
             <a:avLst/>
           </a:prstGeom>
-          <a:noFill/>
         </p:spPr>
         <p:txBody>
-          <a:bodyPr wrap="square" rtlCol="0">
-            <a:spAutoFit/>
+          <a:bodyPr vert="horz" lIns="91440" tIns="45720" rIns="91440" bIns="45720" rtlCol="0" anchor="ctr">
+            <a:normAutofit/>
           </a:bodyPr>
-          <a:lstStyle/>
-          <a:p>
-            <a:pPr marL="285750" indent="-285750">
-              <a:buFont typeface="Arial" pitchFamily="34" charset="0"/>
-              <a:buChar char="•"/>
-            </a:pPr>
-            <a:r>
-              <a:rPr lang="ru-RU" sz="2800" dirty="0">
-                <a:solidFill>
-                  <a:schemeClr val="bg1"/>
-                </a:solidFill>
-              </a:rPr>
-              <a:t>Начало </a:t>
-            </a:r>
-            <a:r>
-              <a:rPr lang="ru-RU" sz="2800" dirty="0" smtClean="0">
-                <a:solidFill>
-                  <a:schemeClr val="bg1"/>
-                </a:solidFill>
-              </a:rPr>
-              <a:t>занятий</a:t>
-            </a:r>
-          </a:p>
-          <a:p>
-            <a:pPr marL="285750" indent="-285750">
-              <a:buFont typeface="Arial" pitchFamily="34" charset="0"/>
-              <a:buChar char="•"/>
-            </a:pPr>
-            <a:r>
-              <a:rPr lang="ru-RU" sz="2800" dirty="0" smtClean="0">
-                <a:solidFill>
-                  <a:schemeClr val="bg1"/>
-                </a:solidFill>
-              </a:rPr>
-              <a:t>Посещаемость</a:t>
-            </a:r>
-          </a:p>
-          <a:p>
-            <a:pPr marL="285750" indent="-285750">
-              <a:buFont typeface="Arial" pitchFamily="34" charset="0"/>
-              <a:buChar char="•"/>
-            </a:pPr>
-            <a:r>
-              <a:rPr lang="ru-RU" sz="2800" dirty="0" smtClean="0">
-                <a:solidFill>
-                  <a:schemeClr val="bg1"/>
-                </a:solidFill>
-              </a:rPr>
-              <a:t>Домашняя </a:t>
-            </a:r>
-            <a:r>
-              <a:rPr lang="ru-RU" sz="2800" dirty="0" smtClean="0">
-                <a:solidFill>
-                  <a:schemeClr val="bg1"/>
-                </a:solidFill>
-              </a:rPr>
-              <a:t>работа</a:t>
-            </a:r>
-          </a:p>
-          <a:p>
-            <a:pPr marL="285750" indent="-285750">
-              <a:buFont typeface="Arial" pitchFamily="34" charset="0"/>
-              <a:buChar char="•"/>
-            </a:pPr>
-            <a:r>
-              <a:rPr lang="ru-RU" sz="2800" dirty="0" smtClean="0">
-                <a:solidFill>
-                  <a:schemeClr val="bg1"/>
-                </a:solidFill>
-              </a:rPr>
-              <a:t>Анкета</a:t>
-            </a:r>
-            <a:endParaRPr lang="ru-RU" sz="2800" dirty="0" smtClean="0">
-              <a:solidFill>
-                <a:schemeClr val="bg1"/>
-              </a:solidFill>
-            </a:endParaRPr>
-          </a:p>
-          <a:p>
-            <a:pPr marL="285750" indent="-285750">
-              <a:buFont typeface="Arial" pitchFamily="34" charset="0"/>
-              <a:buChar char="•"/>
-            </a:pPr>
-            <a:r>
-              <a:rPr lang="ru-RU" sz="2800" dirty="0" smtClean="0">
-                <a:solidFill>
-                  <a:schemeClr val="bg1"/>
-                </a:solidFill>
-              </a:rPr>
-              <a:t>Итоговый </a:t>
-            </a:r>
-            <a:r>
-              <a:rPr lang="ru-RU" sz="2800" dirty="0" smtClean="0">
-                <a:solidFill>
-                  <a:schemeClr val="bg1"/>
-                </a:solidFill>
-              </a:rPr>
-              <a:t>проект</a:t>
-            </a:r>
-            <a:endParaRPr lang="ru-RU" sz="2800" dirty="0" smtClean="0">
-              <a:solidFill>
-                <a:schemeClr val="bg1"/>
-              </a:solidFill>
-            </a:endParaRPr>
-          </a:p>
-          <a:p>
-            <a:pPr marL="285750" indent="-285750">
-              <a:buFont typeface="Arial" pitchFamily="34" charset="0"/>
-              <a:buChar char="•"/>
-            </a:pPr>
-            <a:r>
-              <a:rPr lang="ru-RU" sz="2800" dirty="0" smtClean="0">
-                <a:solidFill>
-                  <a:schemeClr val="bg1"/>
-                </a:solidFill>
-              </a:rPr>
-              <a:t>Сертификат об окончании курса</a:t>
-            </a:r>
-          </a:p>
-          <a:p>
-            <a:pPr marL="742950" lvl="1" indent="-285750">
-              <a:buFont typeface="Arial" pitchFamily="34" charset="0"/>
-              <a:buChar char="•"/>
-            </a:pPr>
-            <a:r>
-              <a:rPr lang="ru-RU" sz="2800" dirty="0" smtClean="0">
-                <a:solidFill>
-                  <a:schemeClr val="bg1"/>
-                </a:solidFill>
-              </a:rPr>
-              <a:t>Необходимо</a:t>
-            </a:r>
-            <a:r>
-              <a:rPr lang="ru-RU" sz="2800" dirty="0" smtClean="0">
-                <a:solidFill>
-                  <a:schemeClr val="bg1"/>
-                </a:solidFill>
-              </a:rPr>
-              <a:t>:</a:t>
-            </a:r>
-          </a:p>
-          <a:p>
-            <a:pPr marL="1200150" lvl="2" indent="-285750">
-              <a:buFont typeface="Arial" pitchFamily="34" charset="0"/>
-              <a:buChar char="•"/>
-            </a:pPr>
-            <a:r>
-              <a:rPr lang="ru-RU" sz="2800" dirty="0" smtClean="0">
-                <a:solidFill>
-                  <a:schemeClr val="bg1"/>
-                </a:solidFill>
-              </a:rPr>
-              <a:t>Посетить не менее 80% занятий</a:t>
-            </a:r>
-          </a:p>
-          <a:p>
-            <a:pPr marL="1200150" lvl="2" indent="-285750">
-              <a:buFont typeface="Arial" pitchFamily="34" charset="0"/>
-              <a:buChar char="•"/>
-            </a:pPr>
-            <a:r>
-              <a:rPr lang="ru-RU" sz="2800" dirty="0" smtClean="0">
-                <a:solidFill>
-                  <a:schemeClr val="bg1"/>
-                </a:solidFill>
-              </a:rPr>
-              <a:t>Выполнять домашние работы</a:t>
-            </a:r>
-          </a:p>
-          <a:p>
-            <a:pPr marL="1200150" lvl="2" indent="-285750">
-              <a:buFont typeface="Arial" pitchFamily="34" charset="0"/>
-              <a:buChar char="•"/>
-            </a:pPr>
-            <a:r>
-              <a:rPr lang="ru-RU" sz="2800" dirty="0" smtClean="0">
-                <a:solidFill>
-                  <a:schemeClr val="bg1"/>
-                </a:solidFill>
-              </a:rPr>
-              <a:t>Завершить итоговый проект</a:t>
-            </a:r>
-            <a:endParaRPr lang="en-US" sz="2800" dirty="0">
-              <a:solidFill>
-                <a:schemeClr val="bg1"/>
-              </a:solidFill>
-            </a:endParaRPr>
+          <a:lstStyle>
+            <a:lvl1pPr algn="ctr" defTabSz="914400" rtl="0" eaLnBrk="1" latinLnBrk="0" hangingPunct="1">
+              <a:spcBef>
+                <a:spcPct val="0"/>
+              </a:spcBef>
+              <a:buNone/>
+              <a:defRPr sz="4400" kern="1200">
+                <a:solidFill>
+                  <a:schemeClr val="tx1"/>
+                </a:solidFill>
+                <a:latin typeface="+mj-lt"/>
+                <a:ea typeface="+mj-ea"/>
+                <a:cs typeface="+mj-cs"/>
+              </a:defRPr>
+            </a:lvl1pPr>
+          </a:lstStyle>
+          <a:p>
+            <a:r>
+              <a:rPr lang="en-US" dirty="0" smtClean="0"/>
+              <a:t>email@me.name</a:t>
+            </a:r>
+            <a:endParaRPr lang="ru-RU" dirty="0"/>
           </a:p>
         </p:txBody>
       </p:sp>
     </p:spTree>
     <p:extLst>
       <p:ext uri="{BB962C8B-B14F-4D97-AF65-F5344CB8AC3E}">
-        <p14:creationId xmlns:p14="http://schemas.microsoft.com/office/powerpoint/2010/main" val="1086215874"/>
+        <p14:creationId xmlns:p14="http://schemas.microsoft.com/office/powerpoint/2010/main" val="1805584238"/>
       </p:ext>
     </p:extLst>
   </p:cSld>
@@ -3909,8 +3711,8 @@
         </p:nvSpPr>
         <p:spPr>
           <a:xfrm>
-            <a:off x="251520" y="3013502"/>
-            <a:ext cx="8640960" cy="830997"/>
+            <a:off x="251520" y="188640"/>
+            <a:ext cx="8640960" cy="769441"/>
           </a:xfrm>
           <a:prstGeom prst="rect">
             <a:avLst/>
@@ -3924,14 +3726,14 @@
           <a:p>
             <a:pPr lvl="0" algn="ctr"/>
             <a:r>
-              <a:rPr lang="ru-RU" sz="4800" dirty="0" smtClean="0">
+              <a:rPr lang="ru-RU" sz="4400" dirty="0" smtClean="0">
                 <a:solidFill>
                   <a:schemeClr val="bg1"/>
                 </a:solidFill>
               </a:rPr>
-              <a:t>Что ожидать от данного курса?</a:t>
-            </a:r>
-            <a:endParaRPr lang="ru-RU" sz="4800" dirty="0">
+              <a:t>Организационные вопросы</a:t>
+            </a:r>
+            <a:endParaRPr lang="en-US" sz="4400" dirty="0">
               <a:solidFill>
                 <a:schemeClr val="bg1"/>
               </a:solidFill>
@@ -3939,10 +3741,210 @@
           </a:p>
         </p:txBody>
       </p:sp>
+      <p:sp>
+        <p:nvSpPr>
+          <p:cNvPr id="2" name="TextBox 1"/>
+          <p:cNvSpPr txBox="1"/>
+          <p:nvPr/>
+        </p:nvSpPr>
+        <p:spPr>
+          <a:xfrm>
+            <a:off x="251520" y="1052736"/>
+            <a:ext cx="8640960" cy="3108543"/>
+          </a:xfrm>
+          <a:prstGeom prst="rect">
+            <a:avLst/>
+          </a:prstGeom>
+          <a:noFill/>
+        </p:spPr>
+        <p:txBody>
+          <a:bodyPr wrap="square" rtlCol="0">
+            <a:spAutoFit/>
+          </a:bodyPr>
+          <a:lstStyle/>
+          <a:p>
+            <a:pPr marL="285750" indent="-285750">
+              <a:buFont typeface="Arial" pitchFamily="34" charset="0"/>
+              <a:buChar char="•"/>
+            </a:pPr>
+            <a:r>
+              <a:rPr lang="ru-RU" sz="2800" dirty="0">
+                <a:solidFill>
+                  <a:schemeClr val="bg1"/>
+                </a:solidFill>
+              </a:rPr>
+              <a:t>Начало </a:t>
+            </a:r>
+            <a:r>
+              <a:rPr lang="ru-RU" sz="2800" dirty="0" smtClean="0">
+                <a:solidFill>
+                  <a:schemeClr val="bg1"/>
+                </a:solidFill>
+              </a:rPr>
+              <a:t>занятий</a:t>
+            </a:r>
+            <a:r>
+              <a:rPr lang="en-US" sz="2800" dirty="0">
+                <a:solidFill>
+                  <a:schemeClr val="bg1"/>
+                </a:solidFill>
+              </a:rPr>
+              <a:t> </a:t>
+            </a:r>
+            <a:r>
+              <a:rPr lang="en-US" sz="2800" dirty="0" smtClean="0">
+                <a:solidFill>
+                  <a:schemeClr val="bg1"/>
+                </a:solidFill>
+              </a:rPr>
+              <a:t>– </a:t>
+            </a:r>
+            <a:r>
+              <a:rPr lang="ru-RU" sz="2800" dirty="0" smtClean="0">
+                <a:solidFill>
+                  <a:schemeClr val="bg1"/>
+                </a:solidFill>
+              </a:rPr>
+              <a:t>19:00, один 5 мин. перерыв</a:t>
+            </a:r>
+            <a:endParaRPr lang="ru-RU" sz="2800" dirty="0" smtClean="0">
+              <a:solidFill>
+                <a:schemeClr val="bg1"/>
+              </a:solidFill>
+            </a:endParaRPr>
+          </a:p>
+          <a:p>
+            <a:pPr marL="285750" indent="-285750">
+              <a:buFont typeface="Arial" pitchFamily="34" charset="0"/>
+              <a:buChar char="•"/>
+            </a:pPr>
+            <a:r>
+              <a:rPr lang="ru-RU" sz="2800" dirty="0" smtClean="0">
+                <a:solidFill>
+                  <a:schemeClr val="bg1"/>
+                </a:solidFill>
+              </a:rPr>
+              <a:t>Домашняя </a:t>
+            </a:r>
+            <a:r>
+              <a:rPr lang="ru-RU" sz="2800" dirty="0" smtClean="0">
+                <a:solidFill>
+                  <a:schemeClr val="bg1"/>
+                </a:solidFill>
+              </a:rPr>
+              <a:t>работа</a:t>
+            </a:r>
+          </a:p>
+          <a:p>
+            <a:pPr marL="285750" indent="-285750">
+              <a:buFont typeface="Arial" pitchFamily="34" charset="0"/>
+              <a:buChar char="•"/>
+            </a:pPr>
+            <a:r>
+              <a:rPr lang="ru-RU" sz="2800" dirty="0" smtClean="0">
+                <a:solidFill>
+                  <a:schemeClr val="bg1"/>
+                </a:solidFill>
+              </a:rPr>
+              <a:t>Сертификат </a:t>
+            </a:r>
+            <a:r>
+              <a:rPr lang="ru-RU" sz="2800" dirty="0" smtClean="0">
+                <a:solidFill>
+                  <a:schemeClr val="bg1"/>
+                </a:solidFill>
+              </a:rPr>
+              <a:t>об окончании курса</a:t>
+            </a:r>
+          </a:p>
+          <a:p>
+            <a:pPr marL="742950" lvl="1" indent="-285750">
+              <a:buFont typeface="Arial" pitchFamily="34" charset="0"/>
+              <a:buChar char="•"/>
+            </a:pPr>
+            <a:r>
+              <a:rPr lang="ru-RU" sz="2800" dirty="0" smtClean="0">
+                <a:solidFill>
+                  <a:schemeClr val="bg1"/>
+                </a:solidFill>
+              </a:rPr>
+              <a:t>Необходимо:</a:t>
+            </a:r>
+          </a:p>
+          <a:p>
+            <a:pPr marL="1200150" lvl="2" indent="-285750">
+              <a:buFont typeface="Arial" pitchFamily="34" charset="0"/>
+              <a:buChar char="•"/>
+            </a:pPr>
+            <a:r>
+              <a:rPr lang="ru-RU" sz="2800" dirty="0" smtClean="0">
+                <a:solidFill>
+                  <a:schemeClr val="bg1"/>
+                </a:solidFill>
+              </a:rPr>
+              <a:t>Посетить не менее 80% </a:t>
+            </a:r>
+            <a:r>
+              <a:rPr lang="ru-RU" sz="2800" dirty="0" smtClean="0">
+                <a:solidFill>
+                  <a:schemeClr val="bg1"/>
+                </a:solidFill>
+              </a:rPr>
+              <a:t>занятий</a:t>
+            </a:r>
+            <a:endParaRPr lang="ru-RU" sz="2800" dirty="0" smtClean="0">
+              <a:solidFill>
+                <a:schemeClr val="bg1"/>
+              </a:solidFill>
+            </a:endParaRPr>
+          </a:p>
+          <a:p>
+            <a:pPr marL="1200150" lvl="2" indent="-285750">
+              <a:buFont typeface="Arial" pitchFamily="34" charset="0"/>
+              <a:buChar char="•"/>
+            </a:pPr>
+            <a:r>
+              <a:rPr lang="ru-RU" sz="2800" dirty="0" smtClean="0">
+                <a:solidFill>
+                  <a:schemeClr val="bg1"/>
+                </a:solidFill>
+              </a:rPr>
+              <a:t>Завершить итоговый </a:t>
+            </a:r>
+            <a:r>
+              <a:rPr lang="ru-RU" sz="2800" dirty="0" smtClean="0">
+                <a:solidFill>
+                  <a:schemeClr val="bg1"/>
+                </a:solidFill>
+              </a:rPr>
+              <a:t>проект</a:t>
+            </a:r>
+          </a:p>
+          <a:p>
+            <a:pPr marL="285750" indent="-285750">
+              <a:buFont typeface="Arial" pitchFamily="34" charset="0"/>
+              <a:buChar char="•"/>
+            </a:pPr>
+            <a:r>
+              <a:rPr lang="ru-RU" sz="2800" dirty="0" smtClean="0">
+                <a:solidFill>
+                  <a:schemeClr val="bg1"/>
+                </a:solidFill>
+              </a:rPr>
+              <a:t>Анкета качества</a:t>
+            </a:r>
+            <a:endParaRPr lang="en-US" sz="2800" dirty="0">
+              <a:solidFill>
+                <a:schemeClr val="bg1"/>
+              </a:solidFill>
+            </a:endParaRPr>
+          </a:p>
+        </p:txBody>
+      </p:sp>
     </p:spTree>
     <p:extLst>
       <p:ext uri="{BB962C8B-B14F-4D97-AF65-F5344CB8AC3E}">
-        <p14:creationId xmlns:p14="http://schemas.microsoft.com/office/powerpoint/2010/main" val="951556230"/>
+        <p14:creationId xmlns:p14="http://schemas.microsoft.com/office/powerpoint/2010/main" val="1086215874"/>
       </p:ext>
     </p:extLst>
   </p:cSld>
@@ -3984,6 +3986,81 @@
         </p:nvSpPr>
         <p:spPr>
           <a:xfrm>
+            <a:off x="251520" y="3013502"/>
+            <a:ext cx="8640960" cy="830997"/>
+          </a:xfrm>
+          <a:prstGeom prst="rect">
+            <a:avLst/>
+          </a:prstGeom>
+        </p:spPr>
+        <p:txBody>
+          <a:bodyPr wrap="square">
+            <a:spAutoFit/>
+          </a:bodyPr>
+          <a:lstStyle/>
+          <a:p>
+            <a:pPr lvl="0" algn="ctr"/>
+            <a:r>
+              <a:rPr lang="ru-RU" sz="4800" dirty="0" smtClean="0">
+                <a:solidFill>
+                  <a:schemeClr val="bg1"/>
+                </a:solidFill>
+              </a:rPr>
+              <a:t>Что ожидать от данного курса?</a:t>
+            </a:r>
+            <a:endParaRPr lang="ru-RU" sz="4800" dirty="0">
+              <a:solidFill>
+                <a:schemeClr val="bg1"/>
+              </a:solidFill>
+            </a:endParaRPr>
+          </a:p>
+        </p:txBody>
+      </p:sp>
+    </p:spTree>
+    <p:extLst>
+      <p:ext uri="{BB962C8B-B14F-4D97-AF65-F5344CB8AC3E}">
+        <p14:creationId xmlns:p14="http://schemas.microsoft.com/office/powerpoint/2010/main" val="951556230"/>
+      </p:ext>
+    </p:extLst>
+  </p:cSld>
+  <p:clrMapOvr>
+    <a:masterClrMapping/>
+  </p:clrMapOvr>
+  <p:timing>
+    <p:tnLst>
+      <p:par>
+        <p:cTn id="1" dur="indefinite" restart="never" nodeType="tmRoot"/>
+      </p:par>
+    </p:tnLst>
+  </p:timing>
+</p:sld>
+</file>
+
+<file path=ppt/slides/slide6.xml><?xml version="1.0" encoding="utf-8"?>
+<p:sld xmlns:a="http://schemas.openxmlformats.org/drawingml/2006/main" xmlns:r="http://schemas.openxmlformats.org/officeDocument/2006/relationships" xmlns:p="http://schemas.openxmlformats.org/presentationml/2006/main">
+  <p:cSld>
+    <p:spTree>
+      <p:nvGrpSpPr>
+        <p:cNvPr id="1" name=""/>
+        <p:cNvGrpSpPr/>
+        <p:nvPr/>
+      </p:nvGrpSpPr>
+      <p:grpSpPr>
+        <a:xfrm>
+          <a:off x="0" y="0"/>
+          <a:ext cx="0" cy="0"/>
+          <a:chOff x="0" y="0"/>
+          <a:chExt cx="0" cy="0"/>
+        </a:xfrm>
+      </p:grpSpPr>
+      <p:sp>
+        <p:nvSpPr>
+          <p:cNvPr id="3" name="Rectangle 2"/>
+          <p:cNvSpPr/>
+          <p:nvPr/>
+        </p:nvSpPr>
+        <p:spPr>
+          <a:xfrm>
             <a:off x="226765" y="1124744"/>
             <a:ext cx="8640960" cy="1077218"/>
           </a:xfrm>
@@ -4123,7 +4200,7 @@
 </p:sld>
 </file>
 
-<file path=ppt/slides/slide6.xml><?xml version="1.0" encoding="utf-8"?>
+<file path=ppt/slides/slide7.xml><?xml version="1.0" encoding="utf-8"?>
 <p:sld xmlns:a="http://schemas.openxmlformats.org/drawingml/2006/main" xmlns:r="http://schemas.openxmlformats.org/officeDocument/2006/relationships" xmlns:p="http://schemas.openxmlformats.org/presentationml/2006/main">
   <p:cSld>
     <p:spTree>

--- a/Presentation/intro.pptx
+++ b/Presentation/intro.pptx
@@ -5,7 +5,7 @@
     <p:sldMasterId id="2147483648" r:id="rId1"/>
   </p:sldMasterIdLst>
   <p:notesMasterIdLst>
-    <p:notesMasterId r:id="rId9"/>
+    <p:notesMasterId r:id="rId10"/>
   </p:notesMasterIdLst>
   <p:sldIdLst>
     <p:sldId id="257" r:id="rId2"/>
@@ -15,6 +15,7 @@
     <p:sldId id="262" r:id="rId6"/>
     <p:sldId id="259" r:id="rId7"/>
     <p:sldId id="263" r:id="rId8"/>
+    <p:sldId id="266" r:id="rId9"/>
   </p:sldIdLst>
   <p:sldSz cx="9144000" cy="6858000" type="screen4x3"/>
   <p:notesSz cx="6858000" cy="9144000"/>
@@ -198,7 +199,7 @@
           <a:p>
             <a:fld id="{B24A7054-7FFB-49F4-A126-5DF6E687FF53}" type="datetimeFigureOut">
               <a:rPr lang="ru-RU" smtClean="0"/>
-              <a:t>05.01.2013</a:t>
+              <a:t>07.02.2013</a:t>
             </a:fld>
             <a:endParaRPr lang="ru-RU"/>
           </a:p>
@@ -1480,7 +1481,7 @@
           <a:p>
             <a:fld id="{8E6E6A2A-E9D3-4A0D-B04A-ABDD367A1E08}" type="datetimeFigureOut">
               <a:rPr lang="ru-RU" smtClean="0"/>
-              <a:t>05.01.2013</a:t>
+              <a:t>07.02.2013</a:t>
             </a:fld>
             <a:endParaRPr lang="ru-RU"/>
           </a:p>
@@ -2925,7 +2926,7 @@
           <a:p>
             <a:fld id="{AC3D3127-B7C4-45E3-9797-C527EC9FDD78}" type="datetimeFigureOut">
               <a:rPr lang="ru-RU" smtClean="0"/>
-              <a:t>05.01.2013</a:t>
+              <a:t>07.02.2013</a:t>
             </a:fld>
             <a:endParaRPr lang="ru-RU"/>
           </a:p>
@@ -3807,11 +3808,6 @@
               </a:rPr>
               <a:t>19:00, один 5 мин. перерыв</a:t>
             </a:r>
-            <a:endParaRPr lang="ru-RU" sz="2800" dirty="0" smtClean="0">
-              <a:solidFill>
-                <a:schemeClr val="bg1"/>
-              </a:solidFill>
-            </a:endParaRPr>
           </a:p>
           <a:p>
             <a:pPr marL="285750" indent="-285750">
@@ -3824,15 +3820,7 @@
                   <a:schemeClr val="bg1"/>
                 </a:solidFill>
               </a:rPr>
-              <a:t>Домашняя </a:t>
-            </a:r>
-            <a:r>
-              <a:rPr lang="ru-RU" sz="2800" dirty="0" smtClean="0">
-                <a:solidFill>
-                  <a:schemeClr val="bg1"/>
-                </a:solidFill>
-              </a:rPr>
-              <a:t>работа</a:t>
+              <a:t>Домашняя работа</a:t>
             </a:r>
           </a:p>
           <a:p>
@@ -3846,15 +3834,7 @@
                   <a:schemeClr val="bg1"/>
                 </a:solidFill>
               </a:rPr>
-              <a:t>Сертификат </a:t>
-            </a:r>
-            <a:r>
-              <a:rPr lang="ru-RU" sz="2800" dirty="0" smtClean="0">
-                <a:solidFill>
-                  <a:schemeClr val="bg1"/>
-                </a:solidFill>
-              </a:rPr>
-              <a:t>об окончании курса</a:t>
+              <a:t>Сертификат об окончании курса</a:t>
             </a:r>
           </a:p>
           <a:p>
@@ -3882,21 +3862,8 @@
                   <a:schemeClr val="bg1"/>
                 </a:solidFill>
               </a:rPr>
-              <a:t>Посетить не менее 80% </a:t>
-            </a:r>
-            <a:r>
-              <a:rPr lang="ru-RU" sz="2800" dirty="0" smtClean="0">
-                <a:solidFill>
-                  <a:schemeClr val="bg1"/>
-                </a:solidFill>
-              </a:rPr>
-              <a:t>занятий</a:t>
-            </a:r>
-            <a:endParaRPr lang="ru-RU" sz="2800" dirty="0" smtClean="0">
-              <a:solidFill>
-                <a:schemeClr val="bg1"/>
-              </a:solidFill>
-            </a:endParaRPr>
+              <a:t>Посетить не менее 80% занятий</a:t>
+            </a:r>
           </a:p>
           <a:p>
             <a:pPr marL="1200150" lvl="2" indent="-285750">
@@ -3909,15 +3876,7 @@
                   <a:schemeClr val="bg1"/>
                 </a:solidFill>
               </a:rPr>
-              <a:t>Завершить итоговый </a:t>
-            </a:r>
-            <a:r>
-              <a:rPr lang="ru-RU" sz="2800" dirty="0" smtClean="0">
-                <a:solidFill>
-                  <a:schemeClr val="bg1"/>
-                </a:solidFill>
-              </a:rPr>
-              <a:t>проект</a:t>
+              <a:t>Завершить итоговый проект</a:t>
             </a:r>
           </a:p>
           <a:p>
@@ -4345,6 +4304,136 @@
     <p:extLst>
       <p:ext uri="{BB962C8B-B14F-4D97-AF65-F5344CB8AC3E}">
         <p14:creationId xmlns:p14="http://schemas.microsoft.com/office/powerpoint/2010/main" val="1514770362"/>
+      </p:ext>
+    </p:extLst>
+  </p:cSld>
+  <p:clrMapOvr>
+    <a:masterClrMapping/>
+  </p:clrMapOvr>
+  <p:timing>
+    <p:tnLst>
+      <p:par>
+        <p:cTn id="1" dur="indefinite" restart="never" nodeType="tmRoot"/>
+      </p:par>
+    </p:tnLst>
+  </p:timing>
+</p:sld>
+</file>
+
+<file path=ppt/slides/slide8.xml><?xml version="1.0" encoding="utf-8"?>
+<p:sld xmlns:a="http://schemas.openxmlformats.org/drawingml/2006/main" xmlns:r="http://schemas.openxmlformats.org/officeDocument/2006/relationships" xmlns:p="http://schemas.openxmlformats.org/presentationml/2006/main">
+  <p:cSld>
+    <p:spTree>
+      <p:nvGrpSpPr>
+        <p:cNvPr id="1" name=""/>
+        <p:cNvGrpSpPr/>
+        <p:nvPr/>
+      </p:nvGrpSpPr>
+      <p:grpSpPr>
+        <a:xfrm>
+          <a:off x="0" y="0"/>
+          <a:ext cx="0" cy="0"/>
+          <a:chOff x="0" y="0"/>
+          <a:chExt cx="0" cy="0"/>
+        </a:xfrm>
+      </p:grpSpPr>
+      <p:sp>
+        <p:nvSpPr>
+          <p:cNvPr id="3" name="Content Placeholder 2"/>
+          <p:cNvSpPr>
+            <a:spLocks noGrp="1"/>
+          </p:cNvSpPr>
+          <p:nvPr>
+            <p:ph idx="1"/>
+          </p:nvPr>
+        </p:nvSpPr>
+        <p:spPr>
+          <a:xfrm>
+            <a:off x="457200" y="764704"/>
+            <a:ext cx="8229600" cy="5361459"/>
+          </a:xfrm>
+        </p:spPr>
+        <p:txBody>
+          <a:bodyPr>
+            <a:normAutofit/>
+          </a:bodyPr>
+          <a:lstStyle/>
+          <a:p>
+            <a:r>
+              <a:rPr lang="ru-RU" dirty="0" smtClean="0">
+                <a:solidFill>
+                  <a:schemeClr val="bg1"/>
+                </a:solidFill>
+              </a:rPr>
+              <a:t>Задачи по программированию</a:t>
+            </a:r>
+          </a:p>
+          <a:p>
+            <a:pPr lvl="1"/>
+            <a:r>
+              <a:rPr lang="en-US" dirty="0">
+                <a:solidFill>
+                  <a:schemeClr val="bg1"/>
+                </a:solidFill>
+                <a:hlinkClick r:id="rId2"/>
+              </a:rPr>
+              <a:t>http://projecteuler.net</a:t>
+            </a:r>
+            <a:r>
+              <a:rPr lang="en-US" dirty="0" smtClean="0">
+                <a:solidFill>
+                  <a:schemeClr val="bg1"/>
+                </a:solidFill>
+                <a:hlinkClick r:id="rId2"/>
+              </a:rPr>
+              <a:t>/</a:t>
+            </a:r>
+            <a:endParaRPr lang="ru-RU" dirty="0" smtClean="0">
+              <a:solidFill>
+                <a:schemeClr val="bg1"/>
+              </a:solidFill>
+            </a:endParaRPr>
+          </a:p>
+          <a:p>
+            <a:pPr lvl="1"/>
+            <a:r>
+              <a:rPr lang="en-US" dirty="0">
+                <a:solidFill>
+                  <a:schemeClr val="bg1"/>
+                </a:solidFill>
+                <a:hlinkClick r:id="rId3"/>
+              </a:rPr>
+              <a:t>http://www.pex4fun.com</a:t>
+            </a:r>
+            <a:r>
+              <a:rPr lang="en-US" dirty="0" smtClean="0">
+                <a:solidFill>
+                  <a:schemeClr val="bg1"/>
+                </a:solidFill>
+                <a:hlinkClick r:id="rId3"/>
+              </a:rPr>
+              <a:t>/</a:t>
+            </a:r>
+            <a:endParaRPr lang="ru-RU" dirty="0" smtClean="0">
+              <a:solidFill>
+                <a:schemeClr val="bg1"/>
+              </a:solidFill>
+            </a:endParaRPr>
+          </a:p>
+          <a:p>
+            <a:pPr lvl="1"/>
+            <a:endParaRPr lang="en-US" dirty="0">
+              <a:solidFill>
+                <a:schemeClr val="bg1"/>
+              </a:solidFill>
+            </a:endParaRPr>
+          </a:p>
+        </p:txBody>
+      </p:sp>
+    </p:spTree>
+    <p:extLst>
+      <p:ext uri="{BB962C8B-B14F-4D97-AF65-F5344CB8AC3E}">
+        <p14:creationId xmlns:p14="http://schemas.microsoft.com/office/powerpoint/2010/main" val="3732031494"/>
       </p:ext>
     </p:extLst>
   </p:cSld>

--- a/Presentation/intro.pptx
+++ b/Presentation/intro.pptx
@@ -12,8 +12,8 @@
     <p:sldId id="265" r:id="rId3"/>
     <p:sldId id="264" r:id="rId4"/>
     <p:sldId id="261" r:id="rId5"/>
-    <p:sldId id="262" r:id="rId6"/>
-    <p:sldId id="259" r:id="rId7"/>
+    <p:sldId id="267" r:id="rId6"/>
+    <p:sldId id="262" r:id="rId7"/>
     <p:sldId id="263" r:id="rId8"/>
     <p:sldId id="266" r:id="rId9"/>
   </p:sldIdLst>
@@ -199,7 +199,7 @@
           <a:p>
             <a:fld id="{B24A7054-7FFB-49F4-A126-5DF6E687FF53}" type="datetimeFigureOut">
               <a:rPr lang="ru-RU" smtClean="0"/>
-              <a:t>07.02.2013</a:t>
+              <a:t>27.03.2013</a:t>
             </a:fld>
             <a:endParaRPr lang="ru-RU"/>
           </a:p>
@@ -1481,7 +1481,7 @@
           <a:p>
             <a:fld id="{8E6E6A2A-E9D3-4A0D-B04A-ABDD367A1E08}" type="datetimeFigureOut">
               <a:rPr lang="ru-RU" smtClean="0"/>
-              <a:t>07.02.2013</a:t>
+              <a:t>27.03.2013</a:t>
             </a:fld>
             <a:endParaRPr lang="ru-RU"/>
           </a:p>
@@ -2926,7 +2926,7 @@
           <a:p>
             <a:fld id="{AC3D3127-B7C4-45E3-9797-C527EC9FDD78}" type="datetimeFigureOut">
               <a:rPr lang="ru-RU" smtClean="0"/>
-              <a:t>07.02.2013</a:t>
+              <a:t>27.03.2013</a:t>
             </a:fld>
             <a:endParaRPr lang="ru-RU"/>
           </a:p>
@@ -3939,35 +3939,28 @@
       </p:grpSpPr>
       <p:sp>
         <p:nvSpPr>
-          <p:cNvPr id="3" name="Rectangle 2"/>
-          <p:cNvSpPr/>
-          <p:nvPr/>
-        </p:nvSpPr>
-        <p:spPr>
-          <a:xfrm>
-            <a:off x="251520" y="3013502"/>
-            <a:ext cx="8640960" cy="830997"/>
-          </a:xfrm>
-          <a:prstGeom prst="rect">
-            <a:avLst/>
-          </a:prstGeom>
-        </p:spPr>
-        <p:txBody>
-          <a:bodyPr wrap="square">
-            <a:spAutoFit/>
-          </a:bodyPr>
+          <p:cNvPr id="2" name="Title 1"/>
+          <p:cNvSpPr>
+            <a:spLocks noGrp="1"/>
+          </p:cNvSpPr>
+          <p:nvPr>
+            <p:ph type="title"/>
+          </p:nvPr>
+        </p:nvSpPr>
+        <p:spPr/>
+        <p:txBody>
+          <a:bodyPr/>
           <a:lstStyle/>
           <a:p>
-            <a:pPr lvl="0" algn="ctr"/>
-            <a:r>
-              <a:rPr lang="ru-RU" sz="4800" dirty="0" smtClean="0">
+            <a:r>
+              <a:rPr lang="ru-RU" dirty="0">
                 <a:solidFill>
                   <a:schemeClr val="bg1"/>
                 </a:solidFill>
               </a:rPr>
-              <a:t>Что ожидать от данного курса?</a:t>
-            </a:r>
-            <a:endParaRPr lang="ru-RU" sz="4800" dirty="0">
+              <a:t>Материалы для обучения</a:t>
+            </a:r>
+            <a:endParaRPr lang="en-US" dirty="0">
               <a:solidFill>
                 <a:schemeClr val="bg1"/>
               </a:solidFill>
@@ -3975,23 +3968,133 @@
           </a:p>
         </p:txBody>
       </p:sp>
+      <p:sp>
+        <p:nvSpPr>
+          <p:cNvPr id="3" name="Content Placeholder 2"/>
+          <p:cNvSpPr>
+            <a:spLocks noGrp="1"/>
+          </p:cNvSpPr>
+          <p:nvPr>
+            <p:ph idx="1"/>
+          </p:nvPr>
+        </p:nvSpPr>
+        <p:spPr/>
+        <p:txBody>
+          <a:bodyPr/>
+          <a:lstStyle/>
+          <a:p>
+            <a:r>
+              <a:rPr lang="en-US" dirty="0">
+                <a:solidFill>
+                  <a:schemeClr val="bg1"/>
+                </a:solidFill>
+                <a:hlinkClick r:id="rId2"/>
+              </a:rPr>
+              <a:t>https://</a:t>
+            </a:r>
+            <a:r>
+              <a:rPr lang="en-US" dirty="0" smtClean="0">
+                <a:solidFill>
+                  <a:schemeClr val="bg1"/>
+                </a:solidFill>
+                <a:hlinkClick r:id="rId2"/>
+              </a:rPr>
+              <a:t>github.com/bazile/Training</a:t>
+            </a:r>
+            <a:r>
+              <a:rPr lang="en-US" dirty="0" smtClean="0">
+                <a:solidFill>
+                  <a:schemeClr val="bg1"/>
+                </a:solidFill>
+              </a:rPr>
+              <a:t/>
+            </a:r>
+            <a:br>
+              <a:rPr lang="en-US" dirty="0" smtClean="0">
+                <a:solidFill>
+                  <a:schemeClr val="bg1"/>
+                </a:solidFill>
+              </a:rPr>
+            </a:br>
+            <a:r>
+              <a:rPr lang="ru-RU" dirty="0" smtClean="0">
+                <a:solidFill>
+                  <a:schemeClr val="bg1"/>
+                </a:solidFill>
+              </a:rPr>
+              <a:t>Презентации и примеры кода используемые во время занятия</a:t>
+            </a:r>
+          </a:p>
+          <a:p>
+            <a:endParaRPr lang="ru-RU" dirty="0" smtClean="0">
+              <a:solidFill>
+                <a:schemeClr val="bg1"/>
+              </a:solidFill>
+            </a:endParaRPr>
+          </a:p>
+          <a:p>
+            <a:r>
+              <a:rPr lang="en-US" dirty="0">
+                <a:solidFill>
+                  <a:schemeClr val="bg1"/>
+                </a:solidFill>
+                <a:hlinkClick r:id="rId3"/>
+              </a:rPr>
+              <a:t>http://belhard.nullptr.ru</a:t>
+            </a:r>
+            <a:r>
+              <a:rPr lang="en-US" dirty="0" smtClean="0">
+                <a:solidFill>
+                  <a:schemeClr val="bg1"/>
+                </a:solidFill>
+                <a:hlinkClick r:id="rId3"/>
+              </a:rPr>
+              <a:t>/</a:t>
+            </a:r>
+            <a:r>
+              <a:rPr lang="ru-RU" dirty="0" smtClean="0">
+                <a:solidFill>
+                  <a:schemeClr val="bg1"/>
+                </a:solidFill>
+              </a:rPr>
+              <a:t/>
+            </a:r>
+            <a:br>
+              <a:rPr lang="ru-RU" dirty="0" smtClean="0">
+                <a:solidFill>
+                  <a:schemeClr val="bg1"/>
+                </a:solidFill>
+              </a:rPr>
+            </a:br>
+            <a:r>
+              <a:rPr lang="ru-RU" dirty="0" smtClean="0">
+                <a:solidFill>
+                  <a:schemeClr val="bg1"/>
+                </a:solidFill>
+              </a:rPr>
+              <a:t>Книги, примеры к ним и другие полезные файлы.</a:t>
+            </a:r>
+            <a:endParaRPr lang="ru-RU" dirty="0">
+              <a:solidFill>
+                <a:schemeClr val="bg1"/>
+              </a:solidFill>
+            </a:endParaRPr>
+          </a:p>
+          <a:p>
+            <a:endParaRPr lang="en-US" dirty="0"/>
+          </a:p>
+        </p:txBody>
+      </p:sp>
     </p:spTree>
     <p:extLst>
       <p:ext uri="{BB962C8B-B14F-4D97-AF65-F5344CB8AC3E}">
-        <p14:creationId xmlns:p14="http://schemas.microsoft.com/office/powerpoint/2010/main" val="951556230"/>
+        <p14:creationId xmlns:p14="http://schemas.microsoft.com/office/powerpoint/2010/main" val="1430733616"/>
       </p:ext>
     </p:extLst>
   </p:cSld>
   <p:clrMapOvr>
     <a:masterClrMapping/>
   </p:clrMapOvr>
-  <p:timing>
-    <p:tnLst>
-      <p:par>
-        <p:cTn id="1" dur="indefinite" restart="never" nodeType="tmRoot"/>
-      </p:par>
-    </p:tnLst>
-  </p:timing>
 </p:sld>
 </file>
 
@@ -4020,8 +4123,8 @@
         </p:nvSpPr>
         <p:spPr>
           <a:xfrm>
-            <a:off x="226765" y="1124744"/>
-            <a:ext cx="8640960" cy="1077218"/>
+            <a:off x="251520" y="3013502"/>
+            <a:ext cx="8640960" cy="830997"/>
           </a:xfrm>
           <a:prstGeom prst="rect">
             <a:avLst/>
@@ -4033,116 +4136,27 @@
           </a:bodyPr>
           <a:lstStyle/>
           <a:p>
-            <a:pPr marL="457200" lvl="0" indent="-457200">
-              <a:buFont typeface="Arial" pitchFamily="34" charset="0"/>
-              <a:buChar char="•"/>
-            </a:pPr>
-            <a:r>
-              <a:rPr lang="en-US" sz="3200" dirty="0">
+            <a:pPr lvl="0" algn="ctr"/>
+            <a:r>
+              <a:rPr lang="ru-RU" sz="4800" dirty="0" smtClean="0">
                 <a:solidFill>
                   <a:schemeClr val="bg1"/>
                 </a:solidFill>
-                <a:hlinkClick r:id="rId2"/>
               </a:rPr>
-              <a:t>https://</a:t>
-            </a:r>
-            <a:r>
-              <a:rPr lang="en-US" sz="3200" dirty="0" smtClean="0">
-                <a:solidFill>
-                  <a:schemeClr val="bg1"/>
-                </a:solidFill>
-                <a:hlinkClick r:id="rId2"/>
-              </a:rPr>
-              <a:t>github.com/bazile/Training</a:t>
-            </a:r>
-            <a:endParaRPr lang="ru-RU" sz="3200" dirty="0" smtClean="0">
+              <a:t>Что ожидать от данного курса?</a:t>
+            </a:r>
+            <a:endParaRPr lang="ru-RU" sz="4800" dirty="0">
               <a:solidFill>
                 <a:schemeClr val="bg1"/>
               </a:solidFill>
             </a:endParaRPr>
           </a:p>
-          <a:p>
-            <a:pPr marL="457200" lvl="0" indent="-457200">
-              <a:buFont typeface="Arial" pitchFamily="34" charset="0"/>
-              <a:buChar char="•"/>
-            </a:pPr>
-            <a:r>
-              <a:rPr lang="en-US" sz="3200" dirty="0" smtClean="0">
-                <a:solidFill>
-                  <a:schemeClr val="bg1"/>
-                </a:solidFill>
-                <a:hlinkClick r:id="rId3"/>
-              </a:rPr>
-              <a:t>http</a:t>
-            </a:r>
-            <a:r>
-              <a:rPr lang="en-US" sz="3200" dirty="0">
-                <a:solidFill>
-                  <a:schemeClr val="bg1"/>
-                </a:solidFill>
-                <a:hlinkClick r:id="rId3"/>
-              </a:rPr>
-              <a:t>://belhard.nullptr.ru</a:t>
-            </a:r>
-            <a:r>
-              <a:rPr lang="en-US" sz="3200" dirty="0" smtClean="0">
-                <a:solidFill>
-                  <a:schemeClr val="bg1"/>
-                </a:solidFill>
-                <a:hlinkClick r:id="rId3"/>
-              </a:rPr>
-              <a:t>/</a:t>
-            </a:r>
-            <a:endParaRPr lang="en-US" sz="3200" dirty="0" smtClean="0">
-              <a:solidFill>
-                <a:schemeClr val="bg1"/>
-              </a:solidFill>
-            </a:endParaRPr>
-          </a:p>
-        </p:txBody>
-      </p:sp>
-      <p:sp>
-        <p:nvSpPr>
-          <p:cNvPr id="4" name="Rectangle 3"/>
-          <p:cNvSpPr/>
-          <p:nvPr/>
-        </p:nvSpPr>
-        <p:spPr>
-          <a:xfrm>
-            <a:off x="251520" y="188640"/>
-            <a:ext cx="8640960" cy="769441"/>
-          </a:xfrm>
-          <a:prstGeom prst="rect">
-            <a:avLst/>
-          </a:prstGeom>
-        </p:spPr>
-        <p:txBody>
-          <a:bodyPr wrap="square">
-            <a:spAutoFit/>
-          </a:bodyPr>
-          <a:lstStyle/>
-          <a:p>
-            <a:pPr lvl="0" algn="ctr"/>
-            <a:r>
-              <a:rPr lang="ru-RU" sz="4400" dirty="0" smtClean="0">
-                <a:solidFill>
-                  <a:schemeClr val="bg1"/>
-                </a:solidFill>
-              </a:rPr>
-              <a:t>Материалы</a:t>
-            </a:r>
-            <a:endParaRPr lang="en-US" sz="4400" dirty="0">
-              <a:solidFill>
-                <a:schemeClr val="bg1"/>
-              </a:solidFill>
-            </a:endParaRPr>
-          </a:p>
         </p:txBody>
       </p:sp>
     </p:spTree>
     <p:extLst>
       <p:ext uri="{BB962C8B-B14F-4D97-AF65-F5344CB8AC3E}">
-        <p14:creationId xmlns:p14="http://schemas.microsoft.com/office/powerpoint/2010/main" val="1418730179"/>
+        <p14:creationId xmlns:p14="http://schemas.microsoft.com/office/powerpoint/2010/main" val="951556230"/>
       </p:ext>
     </p:extLst>
   </p:cSld>

--- a/Presentation/intro.pptx
+++ b/Presentation/intro.pptx
@@ -199,7 +199,7 @@
           <a:p>
             <a:fld id="{B24A7054-7FFB-49F4-A126-5DF6E687FF53}" type="datetimeFigureOut">
               <a:rPr lang="ru-RU" smtClean="0"/>
-              <a:t>27.03.2013</a:t>
+              <a:t>28.03.2013</a:t>
             </a:fld>
             <a:endParaRPr lang="ru-RU"/>
           </a:p>
@@ -1481,7 +1481,7 @@
           <a:p>
             <a:fld id="{8E6E6A2A-E9D3-4A0D-B04A-ABDD367A1E08}" type="datetimeFigureOut">
               <a:rPr lang="ru-RU" smtClean="0"/>
-              <a:t>27.03.2013</a:t>
+              <a:t>28.03.2013</a:t>
             </a:fld>
             <a:endParaRPr lang="ru-RU"/>
           </a:p>
@@ -2926,7 +2926,7 @@
           <a:p>
             <a:fld id="{AC3D3127-B7C4-45E3-9797-C527EC9FDD78}" type="datetimeFigureOut">
               <a:rPr lang="ru-RU" smtClean="0"/>
-              <a:t>27.03.2013</a:t>
+              <a:t>28.03.2013</a:t>
             </a:fld>
             <a:endParaRPr lang="ru-RU"/>
           </a:p>
@@ -3751,7 +3751,7 @@
         <p:spPr>
           <a:xfrm>
             <a:off x="251520" y="1052736"/>
-            <a:ext cx="8640960" cy="3108543"/>
+            <a:ext cx="8640960" cy="4832092"/>
           </a:xfrm>
           <a:prstGeom prst="rect">
             <a:avLst/>
@@ -3890,7 +3890,58 @@
                   <a:schemeClr val="bg1"/>
                 </a:solidFill>
               </a:rPr>
-              <a:t>Анкета качества</a:t>
+              <a:t>Анкета </a:t>
+            </a:r>
+            <a:r>
+              <a:rPr lang="ru-RU" sz="2800" dirty="0" smtClean="0">
+                <a:solidFill>
+                  <a:schemeClr val="bg1"/>
+                </a:solidFill>
+              </a:rPr>
+              <a:t>качества</a:t>
+            </a:r>
+            <a:endParaRPr lang="en-US" sz="2800" dirty="0" smtClean="0">
+              <a:solidFill>
+                <a:schemeClr val="bg1"/>
+              </a:solidFill>
+            </a:endParaRPr>
+          </a:p>
+          <a:p>
+            <a:pPr marL="285750" indent="-285750">
+              <a:buFont typeface="Arial" pitchFamily="34" charset="0"/>
+              <a:buChar char="•"/>
+            </a:pPr>
+            <a:r>
+              <a:rPr lang="ru-RU" sz="2800" dirty="0" smtClean="0">
+                <a:solidFill>
+                  <a:schemeClr val="bg1"/>
+                </a:solidFill>
+              </a:rPr>
+              <a:t>Совместная работа</a:t>
+            </a:r>
+          </a:p>
+          <a:p>
+            <a:pPr marL="742950" lvl="1" indent="-285750">
+              <a:buFont typeface="Arial" pitchFamily="34" charset="0"/>
+              <a:buChar char="•"/>
+            </a:pPr>
+            <a:r>
+              <a:rPr lang="en-US" sz="2800" dirty="0">
+                <a:solidFill>
+                  <a:schemeClr val="bg1"/>
+                </a:solidFill>
+                <a:hlinkClick r:id="rId2"/>
+              </a:rPr>
+              <a:t>https://</a:t>
+            </a:r>
+            <a:r>
+              <a:rPr lang="en-US" sz="2800" dirty="0" smtClean="0">
+                <a:solidFill>
+                  <a:schemeClr val="bg1"/>
+                </a:solidFill>
+                <a:hlinkClick r:id="rId2"/>
+              </a:rPr>
+              <a:t>docs.google.com/spreadsheet/ccc?key=0Ah4Zqg1N7gYQdDR6MWw3NUtDYWVYOWJmTU1HRUtoQnc&amp;usp=sharing</a:t>
             </a:r>
             <a:endParaRPr lang="en-US" sz="2800" dirty="0">
               <a:solidFill>

--- a/Presentation/intro.pptx
+++ b/Presentation/intro.pptx
@@ -5,7 +5,7 @@
     <p:sldMasterId id="2147483648" r:id="rId1"/>
   </p:sldMasterIdLst>
   <p:notesMasterIdLst>
-    <p:notesMasterId r:id="rId10"/>
+    <p:notesMasterId r:id="rId11"/>
   </p:notesMasterIdLst>
   <p:sldIdLst>
     <p:sldId id="257" r:id="rId2"/>
@@ -14,8 +14,9 @@
     <p:sldId id="261" r:id="rId5"/>
     <p:sldId id="267" r:id="rId6"/>
     <p:sldId id="262" r:id="rId7"/>
-    <p:sldId id="263" r:id="rId8"/>
-    <p:sldId id="266" r:id="rId9"/>
+    <p:sldId id="269" r:id="rId8"/>
+    <p:sldId id="268" r:id="rId9"/>
+    <p:sldId id="263" r:id="rId10"/>
   </p:sldIdLst>
   <p:sldSz cx="9144000" cy="6858000" type="screen4x3"/>
   <p:notesSz cx="6858000" cy="9144000"/>
@@ -199,7 +200,7 @@
           <a:p>
             <a:fld id="{B24A7054-7FFB-49F4-A126-5DF6E687FF53}" type="datetimeFigureOut">
               <a:rPr lang="ru-RU" smtClean="0"/>
-              <a:t>28.03.2013</a:t>
+              <a:t>29.04.2013</a:t>
             </a:fld>
             <a:endParaRPr lang="ru-RU"/>
           </a:p>
@@ -1481,7 +1482,7 @@
           <a:p>
             <a:fld id="{8E6E6A2A-E9D3-4A0D-B04A-ABDD367A1E08}" type="datetimeFigureOut">
               <a:rPr lang="ru-RU" smtClean="0"/>
-              <a:t>28.03.2013</a:t>
+              <a:t>29.04.2013</a:t>
             </a:fld>
             <a:endParaRPr lang="ru-RU"/>
           </a:p>
@@ -2926,7 +2927,7 @@
           <a:p>
             <a:fld id="{AC3D3127-B7C4-45E3-9797-C527EC9FDD78}" type="datetimeFigureOut">
               <a:rPr lang="ru-RU" smtClean="0"/>
-              <a:t>28.03.2013</a:t>
+              <a:t>29.04.2013</a:t>
             </a:fld>
             <a:endParaRPr lang="ru-RU"/>
           </a:p>
@@ -3890,15 +3891,7 @@
                   <a:schemeClr val="bg1"/>
                 </a:solidFill>
               </a:rPr>
-              <a:t>Анкета </a:t>
-            </a:r>
-            <a:r>
-              <a:rPr lang="ru-RU" sz="2800" dirty="0" smtClean="0">
-                <a:solidFill>
-                  <a:schemeClr val="bg1"/>
-                </a:solidFill>
-              </a:rPr>
-              <a:t>качества</a:t>
+              <a:t>Анкета качества</a:t>
             </a:r>
             <a:endParaRPr lang="en-US" sz="2800" dirty="0" smtClean="0">
               <a:solidFill>
@@ -4146,6 +4139,13 @@
   <p:clrMapOvr>
     <a:masterClrMapping/>
   </p:clrMapOvr>
+  <p:timing>
+    <p:tnLst>
+      <p:par>
+        <p:cTn id="1" dur="indefinite" restart="never" nodeType="tmRoot"/>
+      </p:par>
+    </p:tnLst>
+  </p:timing>
 </p:sld>
 </file>
 
@@ -4243,145 +4243,322 @@
       </p:grpSpPr>
       <p:sp>
         <p:nvSpPr>
-          <p:cNvPr id="4" name="TextBox 3"/>
-          <p:cNvSpPr txBox="1"/>
-          <p:nvPr/>
-        </p:nvSpPr>
-        <p:spPr>
-          <a:xfrm>
-            <a:off x="179512" y="1988840"/>
-            <a:ext cx="8784976" cy="954107"/>
-          </a:xfrm>
-          <a:prstGeom prst="rect">
-            <a:avLst/>
-          </a:prstGeom>
-          <a:noFill/>
-        </p:spPr>
-        <p:txBody>
-          <a:bodyPr wrap="square" rtlCol="0">
-            <a:spAutoFit/>
+          <p:cNvPr id="2" name="Title 1"/>
+          <p:cNvSpPr>
+            <a:spLocks noGrp="1"/>
+          </p:cNvSpPr>
+          <p:nvPr>
+            <p:ph type="title"/>
+          </p:nvPr>
+        </p:nvSpPr>
+        <p:spPr/>
+        <p:txBody>
+          <a:bodyPr/>
+          <a:lstStyle/>
+          <a:p>
+            <a:r>
+              <a:rPr lang="ru-RU" dirty="0" smtClean="0"/>
+              <a:t>Программа занятий</a:t>
+            </a:r>
+            <a:endParaRPr lang="ru-RU" dirty="0"/>
+          </a:p>
+        </p:txBody>
+      </p:sp>
+      <p:sp>
+        <p:nvSpPr>
+          <p:cNvPr id="3" name="Content Placeholder 2"/>
+          <p:cNvSpPr>
+            <a:spLocks noGrp="1"/>
+          </p:cNvSpPr>
+          <p:nvPr>
+            <p:ph idx="1"/>
+          </p:nvPr>
+        </p:nvSpPr>
+        <p:spPr/>
+        <p:txBody>
+          <a:bodyPr>
+            <a:normAutofit fontScale="55000" lnSpcReduction="20000"/>
           </a:bodyPr>
           <a:lstStyle/>
           <a:p>
-            <a:pPr marL="457200" indent="-457200">
-              <a:buFont typeface="Arial" pitchFamily="34" charset="0"/>
-              <a:buChar char="•"/>
+            <a:pPr marL="514350" indent="-514350">
+              <a:buFont typeface="+mj-lt"/>
+              <a:buAutoNum type="arabicPeriod"/>
             </a:pPr>
             <a:r>
-              <a:rPr lang="en-US" sz="2800" dirty="0">
-                <a:solidFill>
-                  <a:schemeClr val="bg1"/>
-                </a:solidFill>
-                <a:hlinkClick r:id="rId2"/>
-              </a:rPr>
-              <a:t>http://</a:t>
-            </a:r>
-            <a:r>
-              <a:rPr lang="en-US" sz="2800" dirty="0" smtClean="0">
-                <a:solidFill>
-                  <a:schemeClr val="bg1"/>
-                </a:solidFill>
-                <a:hlinkClick r:id="rId2"/>
-              </a:rPr>
-              <a:t>www.tc.belhard.com/</a:t>
-            </a:r>
-            <a:endParaRPr lang="ru-RU" sz="2800" dirty="0" smtClean="0">
-              <a:solidFill>
-                <a:schemeClr val="bg1"/>
-              </a:solidFill>
-            </a:endParaRPr>
-          </a:p>
-          <a:p>
-            <a:pPr marL="457200" indent="-457200">
-              <a:buFont typeface="Arial" pitchFamily="34" charset="0"/>
-              <a:buChar char="•"/>
+              <a:rPr lang="ru-RU" dirty="0" smtClean="0"/>
+              <a:t>Введение </a:t>
+            </a:r>
+            <a:r>
+              <a:rPr lang="ru-RU" dirty="0"/>
+              <a:t>в С# и .NET </a:t>
+            </a:r>
+            <a:r>
+              <a:rPr lang="ru-RU" dirty="0" smtClean="0"/>
+              <a:t>Framework.</a:t>
+            </a:r>
+          </a:p>
+          <a:p>
+            <a:pPr marL="514350" indent="-514350">
+              <a:buFont typeface="+mj-lt"/>
+              <a:buAutoNum type="arabicPeriod"/>
             </a:pPr>
             <a:r>
-              <a:rPr lang="en-US" sz="2800" dirty="0" smtClean="0">
-                <a:solidFill>
-                  <a:schemeClr val="bg1"/>
-                </a:solidFill>
-                <a:hlinkClick r:id="rId3"/>
-              </a:rPr>
-              <a:t>http</a:t>
-            </a:r>
-            <a:r>
-              <a:rPr lang="en-US" sz="2800" dirty="0">
-                <a:solidFill>
-                  <a:schemeClr val="bg1"/>
-                </a:solidFill>
-                <a:hlinkClick r:id="rId3"/>
-              </a:rPr>
-              <a:t>://</a:t>
-            </a:r>
-            <a:r>
-              <a:rPr lang="en-US" sz="2800" dirty="0" smtClean="0">
-                <a:solidFill>
-                  <a:schemeClr val="bg1"/>
-                </a:solidFill>
-                <a:hlinkClick r:id="rId3"/>
-              </a:rPr>
-              <a:t>vk.com/club33848893</a:t>
-            </a:r>
-            <a:endParaRPr lang="en-US" sz="2800" dirty="0"/>
-          </a:p>
-        </p:txBody>
-      </p:sp>
-      <p:sp>
-        <p:nvSpPr>
-          <p:cNvPr id="5" name="Rectangle 4"/>
-          <p:cNvSpPr/>
-          <p:nvPr/>
-        </p:nvSpPr>
-        <p:spPr>
-          <a:xfrm>
-            <a:off x="251520" y="188640"/>
-            <a:ext cx="8640960" cy="1446550"/>
-          </a:xfrm>
-          <a:prstGeom prst="rect">
-            <a:avLst/>
-          </a:prstGeom>
-        </p:spPr>
-        <p:txBody>
-          <a:bodyPr wrap="square">
-            <a:spAutoFit/>
-          </a:bodyPr>
-          <a:lstStyle/>
-          <a:p>
-            <a:pPr lvl="0" algn="ctr"/>
-            <a:r>
-              <a:rPr lang="ru-RU" sz="4400" dirty="0" smtClean="0">
-                <a:solidFill>
-                  <a:schemeClr val="bg1"/>
-                </a:solidFill>
-              </a:rPr>
-              <a:t>Центр обучающих технологий «Белхард»</a:t>
-            </a:r>
-            <a:endParaRPr lang="en-US" sz="4400" dirty="0">
-              <a:solidFill>
-                <a:schemeClr val="bg1"/>
-              </a:solidFill>
-            </a:endParaRPr>
+              <a:rPr lang="ru-RU" dirty="0" smtClean="0"/>
+              <a:t>Основы объектно-ориентированного программирования </a:t>
+            </a:r>
+            <a:r>
+              <a:rPr lang="en-US" dirty="0" smtClean="0"/>
+              <a:t>(</a:t>
+            </a:r>
+            <a:r>
+              <a:rPr lang="ru-RU" dirty="0" smtClean="0"/>
+              <a:t>ООП).</a:t>
+            </a:r>
+          </a:p>
+          <a:p>
+            <a:pPr marL="514350" indent="-514350">
+              <a:buFont typeface="+mj-lt"/>
+              <a:buAutoNum type="arabicPeriod"/>
+            </a:pPr>
+            <a:r>
+              <a:rPr lang="ru-RU" dirty="0" smtClean="0"/>
+              <a:t>Углубленные </a:t>
+            </a:r>
+            <a:r>
+              <a:rPr lang="ru-RU" dirty="0"/>
+              <a:t>основы ООП. Жизненный цикл </a:t>
+            </a:r>
+            <a:r>
+              <a:rPr lang="ru-RU" dirty="0" smtClean="0"/>
+              <a:t>объекта.</a:t>
+            </a:r>
+          </a:p>
+          <a:p>
+            <a:pPr marL="514350" indent="-514350">
+              <a:buFont typeface="+mj-lt"/>
+              <a:buAutoNum type="arabicPeriod"/>
+            </a:pPr>
+            <a:r>
+              <a:rPr lang="ru-RU" dirty="0"/>
+              <a:t>Средства </a:t>
+            </a:r>
+            <a:r>
+              <a:rPr lang="ru-RU" dirty="0" smtClean="0"/>
+              <a:t>ввода/вывода.</a:t>
+            </a:r>
+          </a:p>
+          <a:p>
+            <a:pPr marL="514350" indent="-514350">
+              <a:buFont typeface="+mj-lt"/>
+              <a:buAutoNum type="arabicPeriod"/>
+            </a:pPr>
+            <a:r>
+              <a:rPr lang="ru-RU" dirty="0" smtClean="0"/>
+              <a:t>Делегаты </a:t>
+            </a:r>
+            <a:r>
+              <a:rPr lang="ru-RU" dirty="0"/>
+              <a:t>и </a:t>
+            </a:r>
+            <a:r>
+              <a:rPr lang="ru-RU" dirty="0" smtClean="0"/>
+              <a:t>события</a:t>
+            </a:r>
+            <a:r>
+              <a:rPr lang="en-US" dirty="0" smtClean="0"/>
+              <a:t>. </a:t>
+            </a:r>
+            <a:r>
+              <a:rPr lang="ru-RU" dirty="0" smtClean="0"/>
+              <a:t>Введение </a:t>
+            </a:r>
+            <a:r>
+              <a:rPr lang="ru-RU" dirty="0"/>
+              <a:t>в технологию </a:t>
+            </a:r>
+            <a:r>
+              <a:rPr lang="en-US" dirty="0" smtClean="0"/>
+              <a:t>Windows Forms</a:t>
+            </a:r>
+            <a:r>
+              <a:rPr lang="ru-RU" dirty="0" smtClean="0"/>
+              <a:t>.</a:t>
+            </a:r>
+          </a:p>
+          <a:p>
+            <a:pPr marL="514350" indent="-514350">
+              <a:buFont typeface="+mj-lt"/>
+              <a:buAutoNum type="arabicPeriod"/>
+            </a:pPr>
+            <a:r>
+              <a:rPr lang="ru-RU" dirty="0"/>
+              <a:t>Работа с </a:t>
+            </a:r>
+            <a:r>
+              <a:rPr lang="ru-RU" dirty="0" smtClean="0"/>
+              <a:t>XML.</a:t>
+            </a:r>
+          </a:p>
+          <a:p>
+            <a:pPr marL="514350" indent="-514350">
+              <a:buFont typeface="+mj-lt"/>
+              <a:buAutoNum type="arabicPeriod"/>
+            </a:pPr>
+            <a:r>
+              <a:rPr lang="ru-RU" dirty="0" smtClean="0"/>
+              <a:t>Понятие </a:t>
+            </a:r>
+            <a:r>
+              <a:rPr lang="ru-RU" dirty="0"/>
+              <a:t>сборки. </a:t>
+            </a:r>
+            <a:r>
+              <a:rPr lang="ru-RU" dirty="0" smtClean="0"/>
+              <a:t>Отражение.</a:t>
+            </a:r>
+          </a:p>
+          <a:p>
+            <a:pPr marL="514350" indent="-514350">
+              <a:buFont typeface="+mj-lt"/>
+              <a:buAutoNum type="arabicPeriod"/>
+            </a:pPr>
+            <a:r>
+              <a:rPr lang="ru-RU" dirty="0"/>
+              <a:t>Многопоточное </a:t>
+            </a:r>
+            <a:r>
+              <a:rPr lang="ru-RU" dirty="0" smtClean="0"/>
+              <a:t>программирование.</a:t>
+            </a:r>
+            <a:endParaRPr lang="en-US" dirty="0" smtClean="0"/>
+          </a:p>
+          <a:p>
+            <a:pPr marL="514350" indent="-514350">
+              <a:buFont typeface="+mj-lt"/>
+              <a:buAutoNum type="arabicPeriod"/>
+            </a:pPr>
+            <a:r>
+              <a:rPr lang="ru-RU" dirty="0" smtClean="0"/>
+              <a:t>Язык запросов </a:t>
+            </a:r>
+            <a:r>
+              <a:rPr lang="en-US" dirty="0" smtClean="0"/>
+              <a:t>LINQ (Language Integrated Query)</a:t>
+            </a:r>
+            <a:r>
+              <a:rPr lang="ru-RU" dirty="0" smtClean="0"/>
+              <a:t>.</a:t>
+            </a:r>
+          </a:p>
+          <a:p>
+            <a:pPr marL="514350" indent="-514350">
+              <a:buFont typeface="+mj-lt"/>
+              <a:buAutoNum type="arabicPeriod"/>
+            </a:pPr>
+            <a:r>
+              <a:rPr lang="ru-RU" dirty="0" smtClean="0"/>
+              <a:t>Введение в </a:t>
+            </a:r>
+            <a:r>
+              <a:rPr lang="en-US" dirty="0" smtClean="0"/>
+              <a:t>SQL</a:t>
+            </a:r>
+            <a:r>
+              <a:rPr lang="ru-RU" dirty="0" smtClean="0"/>
+              <a:t>.</a:t>
+            </a:r>
+            <a:endParaRPr lang="en-US" dirty="0" smtClean="0"/>
+          </a:p>
+          <a:p>
+            <a:pPr marL="514350" indent="-514350">
+              <a:buFont typeface="+mj-lt"/>
+              <a:buAutoNum type="arabicPeriod"/>
+            </a:pPr>
+            <a:r>
+              <a:rPr lang="ru-RU" dirty="0"/>
+              <a:t>Доступ к данным с использованием </a:t>
+            </a:r>
+            <a:r>
+              <a:rPr lang="ru-RU" dirty="0" smtClean="0"/>
+              <a:t>ADO.NET.</a:t>
+            </a:r>
+            <a:endParaRPr lang="en-US" dirty="0" smtClean="0"/>
+          </a:p>
+          <a:p>
+            <a:pPr marL="514350" indent="-514350">
+              <a:buFont typeface="+mj-lt"/>
+              <a:buAutoNum type="arabicPeriod"/>
+            </a:pPr>
+            <a:r>
+              <a:rPr lang="ru-RU" dirty="0" smtClean="0"/>
+              <a:t>Создание </a:t>
+            </a:r>
+            <a:r>
+              <a:rPr lang="en-US" dirty="0" smtClean="0"/>
+              <a:t>GUI </a:t>
+            </a:r>
+            <a:r>
+              <a:rPr lang="ru-RU" dirty="0" smtClean="0"/>
+              <a:t>приложений с помощью </a:t>
+            </a:r>
+            <a:r>
+              <a:rPr lang="en-US" dirty="0" smtClean="0"/>
+              <a:t>WPF</a:t>
+            </a:r>
+            <a:r>
+              <a:rPr lang="ru-RU" dirty="0"/>
+              <a:t>.</a:t>
+            </a:r>
+            <a:endParaRPr lang="ru-RU" dirty="0" smtClean="0"/>
+          </a:p>
+          <a:p>
+            <a:pPr marL="514350" indent="-514350">
+              <a:buFont typeface="+mj-lt"/>
+              <a:buAutoNum type="arabicPeriod"/>
+            </a:pPr>
+            <a:r>
+              <a:rPr lang="ru-RU" smtClean="0"/>
+              <a:t>Создание распределенных </a:t>
+            </a:r>
+            <a:r>
+              <a:rPr lang="ru-RU" dirty="0" smtClean="0"/>
+              <a:t>приложений на основе WCF.</a:t>
+            </a:r>
+          </a:p>
+          <a:p>
+            <a:pPr marL="514350" indent="-514350">
+              <a:buFont typeface="+mj-lt"/>
+              <a:buAutoNum type="arabicPeriod"/>
+            </a:pPr>
+            <a:r>
+              <a:rPr lang="ru-RU" dirty="0" smtClean="0"/>
+              <a:t>Архитектура приложений.</a:t>
+            </a:r>
+          </a:p>
+          <a:p>
+            <a:pPr marL="514350" indent="-514350">
+              <a:buFont typeface="+mj-lt"/>
+              <a:buAutoNum type="arabicPeriod"/>
+            </a:pPr>
+            <a:r>
+              <a:rPr lang="ru-RU" dirty="0" smtClean="0"/>
+              <a:t>Шаблоны проектирования.</a:t>
+            </a:r>
+            <a:endParaRPr lang="ru-RU" dirty="0"/>
           </a:p>
         </p:txBody>
       </p:sp>
     </p:spTree>
     <p:extLst>
       <p:ext uri="{BB962C8B-B14F-4D97-AF65-F5344CB8AC3E}">
-        <p14:creationId xmlns:p14="http://schemas.microsoft.com/office/powerpoint/2010/main" val="1514770362"/>
+        <p14:creationId xmlns:p14="http://schemas.microsoft.com/office/powerpoint/2010/main" val="1676107435"/>
       </p:ext>
     </p:extLst>
   </p:cSld>
   <p:clrMapOvr>
     <a:masterClrMapping/>
   </p:clrMapOvr>
-  <p:timing>
-    <p:tnLst>
-      <p:par>
-        <p:cTn id="1" dur="indefinite" restart="never" nodeType="tmRoot"/>
-      </p:par>
-    </p:tnLst>
-  </p:timing>
 </p:sld>
 </file>
 
@@ -4404,6 +4581,31 @@
       </p:grpSpPr>
       <p:sp>
         <p:nvSpPr>
+          <p:cNvPr id="2" name="Title 1"/>
+          <p:cNvSpPr>
+            <a:spLocks noGrp="1"/>
+          </p:cNvSpPr>
+          <p:nvPr>
+            <p:ph type="title"/>
+          </p:nvPr>
+        </p:nvSpPr>
+        <p:spPr/>
+        <p:txBody>
+          <a:bodyPr>
+            <a:normAutofit fontScale="90000"/>
+          </a:bodyPr>
+          <a:lstStyle/>
+          <a:p>
+            <a:r>
+              <a:rPr lang="ru-RU" dirty="0" smtClean="0"/>
+              <a:t>Рекомендуемое программное обеспечение</a:t>
+            </a:r>
+            <a:endParaRPr lang="ru-RU" dirty="0"/>
+          </a:p>
+        </p:txBody>
+      </p:sp>
+      <p:sp>
+        <p:nvSpPr>
           <p:cNvPr id="3" name="Content Placeholder 2"/>
           <p:cNvSpPr>
             <a:spLocks noGrp="1"/>
@@ -4412,46 +4614,212 @@
             <p:ph idx="1"/>
           </p:nvPr>
         </p:nvSpPr>
-        <p:spPr>
-          <a:xfrm>
-            <a:off x="457200" y="764704"/>
-            <a:ext cx="8229600" cy="5361459"/>
-          </a:xfrm>
-        </p:spPr>
+        <p:spPr/>
         <p:txBody>
           <a:bodyPr>
-            <a:normAutofit/>
+            <a:normAutofit fontScale="70000" lnSpcReduction="20000"/>
           </a:bodyPr>
           <a:lstStyle/>
           <a:p>
             <a:r>
+              <a:rPr lang="en-US" dirty="0" smtClean="0">
+                <a:solidFill>
+                  <a:srgbClr val="92D050"/>
+                </a:solidFill>
+              </a:rPr>
+              <a:t>Microsoft Visual Studio 2010 </a:t>
+            </a:r>
+            <a:r>
               <a:rPr lang="ru-RU" dirty="0" smtClean="0">
                 <a:solidFill>
+                  <a:srgbClr val="92D050"/>
+                </a:solidFill>
+              </a:rPr>
+              <a:t>или 2012</a:t>
+            </a:r>
+          </a:p>
+          <a:p>
+            <a:pPr lvl="1"/>
+            <a:r>
+              <a:rPr lang="ru-RU" dirty="0" smtClean="0">
+                <a:solidFill>
+                  <a:srgbClr val="92D050"/>
+                </a:solidFill>
+              </a:rPr>
+              <a:t>Обязательно установите </a:t>
+            </a:r>
+            <a:r>
+              <a:rPr lang="en-US" dirty="0" smtClean="0">
+                <a:solidFill>
+                  <a:srgbClr val="92D050"/>
+                </a:solidFill>
+              </a:rPr>
+              <a:t>Service Pack 1 </a:t>
+            </a:r>
+            <a:r>
+              <a:rPr lang="ru-RU" dirty="0" smtClean="0">
+                <a:solidFill>
+                  <a:srgbClr val="92D050"/>
+                </a:solidFill>
+              </a:rPr>
+              <a:t>для </a:t>
+            </a:r>
+            <a:r>
+              <a:rPr lang="en-US" dirty="0" smtClean="0">
+                <a:solidFill>
+                  <a:srgbClr val="92D050"/>
+                </a:solidFill>
+              </a:rPr>
+              <a:t>Visual Studio 2010 </a:t>
+            </a:r>
+            <a:r>
+              <a:rPr lang="ru-RU" dirty="0" smtClean="0">
+                <a:solidFill>
+                  <a:srgbClr val="92D050"/>
+                </a:solidFill>
+              </a:rPr>
+              <a:t>и/или </a:t>
+            </a:r>
+            <a:r>
+              <a:rPr lang="en-US" dirty="0" smtClean="0">
+                <a:solidFill>
+                  <a:srgbClr val="92D050"/>
+                </a:solidFill>
+              </a:rPr>
+              <a:t>Update 2 </a:t>
+            </a:r>
+            <a:r>
+              <a:rPr lang="ru-RU" dirty="0" smtClean="0">
+                <a:solidFill>
+                  <a:srgbClr val="92D050"/>
+                </a:solidFill>
+              </a:rPr>
+              <a:t>для </a:t>
+            </a:r>
+            <a:r>
+              <a:rPr lang="en-US" dirty="0" smtClean="0">
+                <a:solidFill>
+                  <a:srgbClr val="92D050"/>
+                </a:solidFill>
+              </a:rPr>
+              <a:t>Visual Studio 2012</a:t>
+            </a:r>
+            <a:endParaRPr lang="ru-RU" dirty="0" smtClean="0">
+              <a:solidFill>
+                <a:srgbClr val="92D050"/>
+              </a:solidFill>
+            </a:endParaRPr>
+          </a:p>
+          <a:p>
+            <a:pPr lvl="1"/>
+            <a:r>
+              <a:rPr lang="en-US" dirty="0" smtClean="0"/>
+              <a:t>NuGet</a:t>
+            </a:r>
+            <a:r>
+              <a:rPr lang="en-US" dirty="0"/>
+              <a:t>: </a:t>
+            </a:r>
+            <a:r>
+              <a:rPr lang="en-US" dirty="0">
+                <a:hlinkClick r:id="rId2"/>
+              </a:rPr>
+              <a:t>http://nuget.org</a:t>
+            </a:r>
+            <a:r>
+              <a:rPr lang="en-US" dirty="0" smtClean="0">
+                <a:hlinkClick r:id="rId2"/>
+              </a:rPr>
+              <a:t>/</a:t>
+            </a:r>
+            <a:endParaRPr lang="en-US" dirty="0" smtClean="0"/>
+          </a:p>
+          <a:p>
+            <a:pPr lvl="1"/>
+            <a:r>
+              <a:rPr lang="en-US" dirty="0" smtClean="0"/>
+              <a:t>Productivity Power </a:t>
+            </a:r>
+            <a:r>
+              <a:rPr lang="en-US" dirty="0"/>
+              <a:t>Tools: </a:t>
+            </a:r>
+            <a:r>
+              <a:rPr lang="en-US" dirty="0">
+                <a:hlinkClick r:id="rId3"/>
+              </a:rPr>
+              <a:t>http://</a:t>
+            </a:r>
+            <a:r>
+              <a:rPr lang="en-US" dirty="0" smtClean="0">
+                <a:hlinkClick r:id="rId3"/>
+              </a:rPr>
+              <a:t>visualstudiogallery.msdn.microsoft.com</a:t>
+            </a:r>
+            <a:endParaRPr lang="en-US" dirty="0" smtClean="0"/>
+          </a:p>
+          <a:p>
+            <a:pPr lvl="1"/>
+            <a:r>
+              <a:rPr lang="en-US" dirty="0"/>
+              <a:t>ReSharper: </a:t>
+            </a:r>
+            <a:r>
+              <a:rPr lang="en-US" dirty="0">
+                <a:hlinkClick r:id="rId4"/>
+              </a:rPr>
+              <a:t>http://www.jetbrains.com/resharper/</a:t>
+            </a:r>
+            <a:endParaRPr lang="en-US" dirty="0" smtClean="0"/>
+          </a:p>
+          <a:p>
+            <a:r>
+              <a:rPr lang="en-US" dirty="0" smtClean="0">
+                <a:solidFill>
+                  <a:srgbClr val="92D050"/>
+                </a:solidFill>
+              </a:rPr>
+              <a:t>Microsoft SQL Server Express 2005 </a:t>
+            </a:r>
+            <a:r>
+              <a:rPr lang="ru-RU" dirty="0" smtClean="0">
+                <a:solidFill>
+                  <a:srgbClr val="92D050"/>
+                </a:solidFill>
+              </a:rPr>
+              <a:t>или выше</a:t>
+            </a:r>
+            <a:endParaRPr lang="en-US" dirty="0" smtClean="0">
+              <a:solidFill>
+                <a:srgbClr val="92D050"/>
+              </a:solidFill>
+            </a:endParaRPr>
+          </a:p>
+          <a:p>
+            <a:pPr lvl="1"/>
+            <a:r>
+              <a:rPr lang="ru-RU" dirty="0" smtClean="0">
+                <a:solidFill>
                   <a:schemeClr val="bg1"/>
                 </a:solidFill>
               </a:rPr>
-              <a:t>Задачи по программированию</a:t>
-            </a:r>
-          </a:p>
-          <a:p>
-            <a:pPr lvl="1"/>
+              <a:t>Возможно понадобится доустановить </a:t>
+            </a:r>
             <a:r>
               <a:rPr lang="en-US" dirty="0">
                 <a:solidFill>
                   <a:schemeClr val="bg1"/>
                 </a:solidFill>
-                <a:hlinkClick r:id="rId2"/>
-              </a:rPr>
-              <a:t>http://projecteuler.net</a:t>
+              </a:rPr>
+              <a:t>Microsoft SQL Server Management Studio </a:t>
             </a:r>
             <a:r>
               <a:rPr lang="en-US" dirty="0" smtClean="0">
                 <a:solidFill>
                   <a:schemeClr val="bg1"/>
                 </a:solidFill>
-                <a:hlinkClick r:id="rId2"/>
-              </a:rPr>
-              <a:t>/</a:t>
+              </a:rPr>
+              <a:t>Express</a:t>
             </a:r>
             <a:endParaRPr lang="ru-RU" dirty="0" smtClean="0">
               <a:solidFill>
@@ -4466,39 +4834,269 @@
                 <a:solidFill>
                   <a:schemeClr val="bg1"/>
                 </a:solidFill>
-                <a:hlinkClick r:id="rId3"/>
-              </a:rPr>
-              <a:t>http://www.pex4fun.com</a:t>
+                <a:hlinkClick r:id="rId5"/>
+              </a:rPr>
+              <a:t>http://www.microsoft.com/downloads</a:t>
             </a:r>
             <a:r>
               <a:rPr lang="en-US" dirty="0" smtClean="0">
                 <a:solidFill>
                   <a:schemeClr val="bg1"/>
                 </a:solidFill>
-                <a:hlinkClick r:id="rId3"/>
+                <a:hlinkClick r:id="rId5"/>
               </a:rPr>
               <a:t>/</a:t>
             </a:r>
-            <a:endParaRPr lang="ru-RU" dirty="0" smtClean="0">
-              <a:solidFill>
-                <a:schemeClr val="bg1"/>
-              </a:solidFill>
-            </a:endParaRPr>
-          </a:p>
-          <a:p>
-            <a:pPr lvl="1"/>
             <a:endParaRPr lang="en-US" dirty="0">
               <a:solidFill>
                 <a:schemeClr val="bg1"/>
               </a:solidFill>
             </a:endParaRPr>
           </a:p>
+          <a:p>
+            <a:r>
+              <a:rPr lang="en-US" dirty="0" err="1" smtClean="0"/>
+              <a:t>LINQPad</a:t>
+            </a:r>
+            <a:r>
+              <a:rPr lang="en-US" dirty="0"/>
+              <a:t>: </a:t>
+            </a:r>
+            <a:r>
+              <a:rPr lang="en-US" dirty="0">
+                <a:hlinkClick r:id="rId6"/>
+              </a:rPr>
+              <a:t>http://www.linqpad.net</a:t>
+            </a:r>
+            <a:r>
+              <a:rPr lang="en-US" dirty="0" smtClean="0">
+                <a:hlinkClick r:id="rId6"/>
+              </a:rPr>
+              <a:t>/</a:t>
+            </a:r>
+            <a:endParaRPr lang="en-US" dirty="0" smtClean="0"/>
+          </a:p>
+          <a:p>
+            <a:r>
+              <a:rPr lang="en-US" dirty="0" err="1" smtClean="0"/>
+              <a:t>dotPeek</a:t>
+            </a:r>
+            <a:r>
+              <a:rPr lang="en-US" dirty="0" smtClean="0"/>
+              <a:t>: </a:t>
+            </a:r>
+            <a:r>
+              <a:rPr lang="en-US" dirty="0" smtClean="0">
+                <a:hlinkClick r:id="rId7"/>
+              </a:rPr>
+              <a:t>http</a:t>
+            </a:r>
+            <a:r>
+              <a:rPr lang="en-US" dirty="0">
+                <a:hlinkClick r:id="rId7"/>
+              </a:rPr>
+              <a:t>://www.jetbrains.com/decompiler</a:t>
+            </a:r>
+            <a:r>
+              <a:rPr lang="en-US" dirty="0" smtClean="0">
+                <a:hlinkClick r:id="rId7"/>
+              </a:rPr>
+              <a:t>/</a:t>
+            </a:r>
+            <a:endParaRPr lang="en-US" dirty="0" smtClean="0"/>
+          </a:p>
+          <a:p>
+            <a:r>
+              <a:rPr lang="en-US" dirty="0" smtClean="0"/>
+              <a:t>KDiff3: </a:t>
+            </a:r>
+            <a:r>
+              <a:rPr lang="en-US" dirty="0">
+                <a:hlinkClick r:id="rId8"/>
+              </a:rPr>
+              <a:t>http://kdiff3.sourceforge.net</a:t>
+            </a:r>
+            <a:r>
+              <a:rPr lang="en-US" dirty="0" smtClean="0">
+                <a:hlinkClick r:id="rId8"/>
+              </a:rPr>
+              <a:t>/</a:t>
+            </a:r>
+            <a:endParaRPr lang="en-US" dirty="0" smtClean="0"/>
+          </a:p>
+          <a:p>
+            <a:endParaRPr lang="ru-RU" dirty="0" smtClean="0"/>
+          </a:p>
+          <a:p>
+            <a:endParaRPr lang="ru-RU" dirty="0"/>
+          </a:p>
         </p:txBody>
       </p:sp>
     </p:spTree>
     <p:extLst>
       <p:ext uri="{BB962C8B-B14F-4D97-AF65-F5344CB8AC3E}">
-        <p14:creationId xmlns:p14="http://schemas.microsoft.com/office/powerpoint/2010/main" val="3732031494"/>
+        <p14:creationId xmlns:p14="http://schemas.microsoft.com/office/powerpoint/2010/main" val="2844174280"/>
+      </p:ext>
+    </p:extLst>
+  </p:cSld>
+  <p:clrMapOvr>
+    <a:masterClrMapping/>
+  </p:clrMapOvr>
+  <p:timing>
+    <p:tnLst>
+      <p:par>
+        <p:cTn id="1" dur="indefinite" restart="never" nodeType="tmRoot"/>
+      </p:par>
+    </p:tnLst>
+  </p:timing>
+</p:sld>
+</file>
+
+<file path=ppt/slides/slide9.xml><?xml version="1.0" encoding="utf-8"?>
+<p:sld xmlns:a="http://schemas.openxmlformats.org/drawingml/2006/main" xmlns:r="http://schemas.openxmlformats.org/officeDocument/2006/relationships" xmlns:p="http://schemas.openxmlformats.org/presentationml/2006/main">
+  <p:cSld>
+    <p:spTree>
+      <p:nvGrpSpPr>
+        <p:cNvPr id="1" name=""/>
+        <p:cNvGrpSpPr/>
+        <p:nvPr/>
+      </p:nvGrpSpPr>
+      <p:grpSpPr>
+        <a:xfrm>
+          <a:off x="0" y="0"/>
+          <a:ext cx="0" cy="0"/>
+          <a:chOff x="0" y="0"/>
+          <a:chExt cx="0" cy="0"/>
+        </a:xfrm>
+      </p:grpSpPr>
+      <p:sp>
+        <p:nvSpPr>
+          <p:cNvPr id="4" name="TextBox 3"/>
+          <p:cNvSpPr txBox="1"/>
+          <p:nvPr/>
+        </p:nvSpPr>
+        <p:spPr>
+          <a:xfrm>
+            <a:off x="179512" y="1988840"/>
+            <a:ext cx="8784976" cy="954107"/>
+          </a:xfrm>
+          <a:prstGeom prst="rect">
+            <a:avLst/>
+          </a:prstGeom>
+          <a:noFill/>
+        </p:spPr>
+        <p:txBody>
+          <a:bodyPr wrap="square" rtlCol="0">
+            <a:spAutoFit/>
+          </a:bodyPr>
+          <a:lstStyle/>
+          <a:p>
+            <a:pPr marL="457200" indent="-457200">
+              <a:buFont typeface="Arial" pitchFamily="34" charset="0"/>
+              <a:buChar char="•"/>
+            </a:pPr>
+            <a:r>
+              <a:rPr lang="en-US" sz="2800" dirty="0">
+                <a:solidFill>
+                  <a:schemeClr val="bg1"/>
+                </a:solidFill>
+                <a:hlinkClick r:id="rId2"/>
+              </a:rPr>
+              <a:t>http://</a:t>
+            </a:r>
+            <a:r>
+              <a:rPr lang="en-US" sz="2800" dirty="0" smtClean="0">
+                <a:solidFill>
+                  <a:schemeClr val="bg1"/>
+                </a:solidFill>
+                <a:hlinkClick r:id="rId2"/>
+              </a:rPr>
+              <a:t>www.tc.belhard.com/</a:t>
+            </a:r>
+            <a:endParaRPr lang="ru-RU" sz="2800" dirty="0" smtClean="0">
+              <a:solidFill>
+                <a:schemeClr val="bg1"/>
+              </a:solidFill>
+            </a:endParaRPr>
+          </a:p>
+          <a:p>
+            <a:pPr marL="457200" indent="-457200">
+              <a:buFont typeface="Arial" pitchFamily="34" charset="0"/>
+              <a:buChar char="•"/>
+            </a:pPr>
+            <a:r>
+              <a:rPr lang="en-US" sz="2800" dirty="0" smtClean="0">
+                <a:solidFill>
+                  <a:schemeClr val="bg1"/>
+                </a:solidFill>
+                <a:hlinkClick r:id="rId3"/>
+              </a:rPr>
+              <a:t>http</a:t>
+            </a:r>
+            <a:r>
+              <a:rPr lang="en-US" sz="2800" dirty="0">
+                <a:solidFill>
+                  <a:schemeClr val="bg1"/>
+                </a:solidFill>
+                <a:hlinkClick r:id="rId3"/>
+              </a:rPr>
+              <a:t>://</a:t>
+            </a:r>
+            <a:r>
+              <a:rPr lang="en-US" sz="2800" dirty="0" smtClean="0">
+                <a:solidFill>
+                  <a:schemeClr val="bg1"/>
+                </a:solidFill>
+                <a:hlinkClick r:id="rId3"/>
+              </a:rPr>
+              <a:t>vk.com/club33848893</a:t>
+            </a:r>
+            <a:endParaRPr lang="en-US" sz="2800" dirty="0"/>
+          </a:p>
+        </p:txBody>
+      </p:sp>
+      <p:sp>
+        <p:nvSpPr>
+          <p:cNvPr id="5" name="Rectangle 4"/>
+          <p:cNvSpPr/>
+          <p:nvPr/>
+        </p:nvSpPr>
+        <p:spPr>
+          <a:xfrm>
+            <a:off x="251520" y="188640"/>
+            <a:ext cx="8640960" cy="1446550"/>
+          </a:xfrm>
+          <a:prstGeom prst="rect">
+            <a:avLst/>
+          </a:prstGeom>
+        </p:spPr>
+        <p:txBody>
+          <a:bodyPr wrap="square">
+            <a:spAutoFit/>
+          </a:bodyPr>
+          <a:lstStyle/>
+          <a:p>
+            <a:pPr lvl="0" algn="ctr"/>
+            <a:r>
+              <a:rPr lang="ru-RU" sz="4400" dirty="0" smtClean="0">
+                <a:solidFill>
+                  <a:schemeClr val="bg1"/>
+                </a:solidFill>
+              </a:rPr>
+              <a:t>Центр обучающих технологий «Белхард»</a:t>
+            </a:r>
+            <a:endParaRPr lang="en-US" sz="4400" dirty="0">
+              <a:solidFill>
+                <a:schemeClr val="bg1"/>
+              </a:solidFill>
+            </a:endParaRPr>
+          </a:p>
+        </p:txBody>
+      </p:sp>
+    </p:spTree>
+    <p:extLst>
+      <p:ext uri="{BB962C8B-B14F-4D97-AF65-F5344CB8AC3E}">
+        <p14:creationId xmlns:p14="http://schemas.microsoft.com/office/powerpoint/2010/main" val="1514770362"/>
       </p:ext>
     </p:extLst>
   </p:cSld>

--- a/Presentation/intro.pptx
+++ b/Presentation/intro.pptx
@@ -5,7 +5,7 @@
     <p:sldMasterId id="2147483648" r:id="rId1"/>
   </p:sldMasterIdLst>
   <p:notesMasterIdLst>
-    <p:notesMasterId r:id="rId11"/>
+    <p:notesMasterId r:id="rId12"/>
   </p:notesMasterIdLst>
   <p:sldIdLst>
     <p:sldId id="257" r:id="rId2"/>
@@ -13,10 +13,11 @@
     <p:sldId id="264" r:id="rId4"/>
     <p:sldId id="261" r:id="rId5"/>
     <p:sldId id="267" r:id="rId6"/>
-    <p:sldId id="262" r:id="rId7"/>
-    <p:sldId id="269" r:id="rId8"/>
-    <p:sldId id="268" r:id="rId9"/>
-    <p:sldId id="263" r:id="rId10"/>
+    <p:sldId id="270" r:id="rId7"/>
+    <p:sldId id="262" r:id="rId8"/>
+    <p:sldId id="269" r:id="rId9"/>
+    <p:sldId id="268" r:id="rId10"/>
+    <p:sldId id="263" r:id="rId11"/>
   </p:sldIdLst>
   <p:sldSz cx="9144000" cy="6858000" type="screen4x3"/>
   <p:notesSz cx="6858000" cy="9144000"/>
@@ -200,7 +201,7 @@
           <a:p>
             <a:fld id="{B24A7054-7FFB-49F4-A126-5DF6E687FF53}" type="datetimeFigureOut">
               <a:rPr lang="ru-RU" smtClean="0"/>
-              <a:t>29.04.2013</a:t>
+              <a:t>04.10.2013</a:t>
             </a:fld>
             <a:endParaRPr lang="ru-RU"/>
           </a:p>
@@ -1482,7 +1483,7 @@
           <a:p>
             <a:fld id="{8E6E6A2A-E9D3-4A0D-B04A-ABDD367A1E08}" type="datetimeFigureOut">
               <a:rPr lang="ru-RU" smtClean="0"/>
-              <a:t>29.04.2013</a:t>
+              <a:t>04.10.2013</a:t>
             </a:fld>
             <a:endParaRPr lang="ru-RU"/>
           </a:p>
@@ -2927,7 +2928,7 @@
           <a:p>
             <a:fld id="{AC3D3127-B7C4-45E3-9797-C527EC9FDD78}" type="datetimeFigureOut">
               <a:rPr lang="ru-RU" smtClean="0"/>
-              <a:t>29.04.2013</a:t>
+              <a:t>04.10.2013</a:t>
             </a:fld>
             <a:endParaRPr lang="ru-RU"/>
           </a:p>
@@ -3481,6 +3482,167 @@
 </p:sld>
 </file>
 
+<file path=ppt/slides/slide10.xml><?xml version="1.0" encoding="utf-8"?>
+<p:sld xmlns:a="http://schemas.openxmlformats.org/drawingml/2006/main" xmlns:r="http://schemas.openxmlformats.org/officeDocument/2006/relationships" xmlns:p="http://schemas.openxmlformats.org/presentationml/2006/main">
+  <p:cSld>
+    <p:spTree>
+      <p:nvGrpSpPr>
+        <p:cNvPr id="1" name=""/>
+        <p:cNvGrpSpPr/>
+        <p:nvPr/>
+      </p:nvGrpSpPr>
+      <p:grpSpPr>
+        <a:xfrm>
+          <a:off x="0" y="0"/>
+          <a:ext cx="0" cy="0"/>
+          <a:chOff x="0" y="0"/>
+          <a:chExt cx="0" cy="0"/>
+        </a:xfrm>
+      </p:grpSpPr>
+      <p:sp>
+        <p:nvSpPr>
+          <p:cNvPr id="4" name="TextBox 3"/>
+          <p:cNvSpPr txBox="1"/>
+          <p:nvPr/>
+        </p:nvSpPr>
+        <p:spPr>
+          <a:xfrm>
+            <a:off x="179512" y="1988840"/>
+            <a:ext cx="8784976" cy="954107"/>
+          </a:xfrm>
+          <a:prstGeom prst="rect">
+            <a:avLst/>
+          </a:prstGeom>
+          <a:noFill/>
+        </p:spPr>
+        <p:txBody>
+          <a:bodyPr wrap="square" rtlCol="0">
+            <a:spAutoFit/>
+          </a:bodyPr>
+          <a:lstStyle/>
+          <a:p>
+            <a:pPr marL="457200" indent="-457200">
+              <a:buFont typeface="Arial" pitchFamily="34" charset="0"/>
+              <a:buChar char="•"/>
+            </a:pPr>
+            <a:r>
+              <a:rPr lang="en-US" sz="2800" dirty="0">
+                <a:solidFill>
+                  <a:schemeClr val="bg1"/>
+                </a:solidFill>
+                <a:hlinkClick r:id="rId2"/>
+              </a:rPr>
+              <a:t>http://</a:t>
+            </a:r>
+            <a:r>
+              <a:rPr lang="en-US" sz="2800" dirty="0" smtClean="0">
+                <a:solidFill>
+                  <a:schemeClr val="bg1"/>
+                </a:solidFill>
+                <a:hlinkClick r:id="rId2"/>
+              </a:rPr>
+              <a:t>www.tc.belhard.com/</a:t>
+            </a:r>
+            <a:endParaRPr lang="ru-RU" sz="2800" dirty="0" smtClean="0">
+              <a:solidFill>
+                <a:schemeClr val="bg1"/>
+              </a:solidFill>
+            </a:endParaRPr>
+          </a:p>
+          <a:p>
+            <a:pPr marL="457200" indent="-457200">
+              <a:buFont typeface="Arial" pitchFamily="34" charset="0"/>
+              <a:buChar char="•"/>
+            </a:pPr>
+            <a:r>
+              <a:rPr lang="en-US" sz="2800" dirty="0" smtClean="0">
+                <a:solidFill>
+                  <a:schemeClr val="bg1"/>
+                </a:solidFill>
+                <a:hlinkClick r:id="rId3"/>
+              </a:rPr>
+              <a:t>http</a:t>
+            </a:r>
+            <a:r>
+              <a:rPr lang="en-US" sz="2800" dirty="0">
+                <a:solidFill>
+                  <a:schemeClr val="bg1"/>
+                </a:solidFill>
+                <a:hlinkClick r:id="rId3"/>
+              </a:rPr>
+              <a:t>://</a:t>
+            </a:r>
+            <a:r>
+              <a:rPr lang="en-US" sz="2800" dirty="0" smtClean="0">
+                <a:solidFill>
+                  <a:schemeClr val="bg1"/>
+                </a:solidFill>
+                <a:hlinkClick r:id="rId3"/>
+              </a:rPr>
+              <a:t>vk.com/club33848893</a:t>
+            </a:r>
+            <a:endParaRPr lang="en-US" sz="2800" dirty="0"/>
+          </a:p>
+        </p:txBody>
+      </p:sp>
+      <p:sp>
+        <p:nvSpPr>
+          <p:cNvPr id="5" name="Rectangle 4"/>
+          <p:cNvSpPr/>
+          <p:nvPr/>
+        </p:nvSpPr>
+        <p:spPr>
+          <a:xfrm>
+            <a:off x="251520" y="188640"/>
+            <a:ext cx="8640960" cy="1446550"/>
+          </a:xfrm>
+          <a:prstGeom prst="rect">
+            <a:avLst/>
+          </a:prstGeom>
+        </p:spPr>
+        <p:txBody>
+          <a:bodyPr wrap="square">
+            <a:spAutoFit/>
+          </a:bodyPr>
+          <a:lstStyle/>
+          <a:p>
+            <a:pPr lvl="0" algn="ctr"/>
+            <a:r>
+              <a:rPr lang="ru-RU" sz="4400" dirty="0" smtClean="0">
+                <a:solidFill>
+                  <a:schemeClr val="bg1"/>
+                </a:solidFill>
+              </a:rPr>
+              <a:t>Центр обучающих технологий «Белхард»</a:t>
+            </a:r>
+            <a:endParaRPr lang="en-US" sz="4400" dirty="0">
+              <a:solidFill>
+                <a:schemeClr val="bg1"/>
+              </a:solidFill>
+            </a:endParaRPr>
+          </a:p>
+        </p:txBody>
+      </p:sp>
+    </p:spTree>
+    <p:extLst>
+      <p:ext uri="{BB962C8B-B14F-4D97-AF65-F5344CB8AC3E}">
+        <p14:creationId xmlns:p14="http://schemas.microsoft.com/office/powerpoint/2010/main" val="1514770362"/>
+      </p:ext>
+    </p:extLst>
+  </p:cSld>
+  <p:clrMapOvr>
+    <a:masterClrMapping/>
+  </p:clrMapOvr>
+  <p:timing>
+    <p:tnLst>
+      <p:par>
+        <p:cTn id="1" dur="indefinite" restart="never" nodeType="tmRoot"/>
+      </p:par>
+    </p:tnLst>
+  </p:timing>
+</p:sld>
+</file>
+
 <file path=ppt/slides/slide2.xml><?xml version="1.0" encoding="utf-8"?>
 <p:sld xmlns:a="http://schemas.openxmlformats.org/drawingml/2006/main" xmlns:r="http://schemas.openxmlformats.org/officeDocument/2006/relationships" xmlns:p="http://schemas.openxmlformats.org/presentationml/2006/main">
   <p:cSld>
@@ -3752,7 +3914,7 @@
         <p:spPr>
           <a:xfrm>
             <a:off x="251520" y="1052736"/>
-            <a:ext cx="8640960" cy="4832092"/>
+            <a:ext cx="8640960" cy="5693866"/>
           </a:xfrm>
           <a:prstGeom prst="rect">
             <a:avLst/>
@@ -3807,8 +3969,35 @@
                   <a:schemeClr val="bg1"/>
                 </a:solidFill>
               </a:rPr>
-              <a:t>19:00, один 5 мин. перерыв</a:t>
-            </a:r>
+              <a:t>19:00, один </a:t>
+            </a:r>
+            <a:r>
+              <a:rPr lang="ru-RU" sz="2800" dirty="0" smtClean="0">
+                <a:solidFill>
+                  <a:schemeClr val="bg1"/>
+                </a:solidFill>
+              </a:rPr>
+              <a:t>перерыв на 5 мин</a:t>
+            </a:r>
+          </a:p>
+          <a:p>
+            <a:pPr marL="742950" lvl="1" indent="-285750">
+              <a:buFont typeface="Arial" pitchFamily="34" charset="0"/>
+              <a:buChar char="•"/>
+            </a:pPr>
+            <a:r>
+              <a:rPr lang="ru-RU" sz="2800" dirty="0" smtClean="0">
+                <a:solidFill>
+                  <a:schemeClr val="bg1"/>
+                </a:solidFill>
+              </a:rPr>
+              <a:t>По возможности предупреждайте об отсутствии на занятии</a:t>
+            </a:r>
+            <a:endParaRPr lang="ru-RU" sz="2800" dirty="0" smtClean="0">
+              <a:solidFill>
+                <a:schemeClr val="bg1"/>
+              </a:solidFill>
+            </a:endParaRPr>
           </a:p>
           <a:p>
             <a:pPr marL="285750" indent="-285750">
@@ -3891,7 +4080,15 @@
                   <a:schemeClr val="bg1"/>
                 </a:solidFill>
               </a:rPr>
-              <a:t>Анкета качества</a:t>
+              <a:t>Анкета </a:t>
+            </a:r>
+            <a:r>
+              <a:rPr lang="ru-RU" sz="2800" dirty="0" smtClean="0">
+                <a:solidFill>
+                  <a:schemeClr val="bg1"/>
+                </a:solidFill>
+              </a:rPr>
+              <a:t>качества</a:t>
             </a:r>
             <a:endParaRPr lang="en-US" sz="2800" dirty="0" smtClean="0">
               <a:solidFill>
@@ -3919,22 +4116,13 @@
               <a:buChar char="•"/>
             </a:pPr>
             <a:r>
-              <a:rPr lang="en-US" sz="2800" dirty="0">
+              <a:rPr lang="en-US" sz="2800" dirty="0" smtClean="0">
                 <a:solidFill>
                   <a:schemeClr val="bg1"/>
                 </a:solidFill>
                 <a:hlinkClick r:id="rId2"/>
               </a:rPr>
-              <a:t>https://</a:t>
-            </a:r>
-            <a:r>
-              <a:rPr lang="en-US" sz="2800" dirty="0" smtClean="0">
-                <a:solidFill>
-                  <a:schemeClr val="bg1"/>
-                </a:solidFill>
-                <a:hlinkClick r:id="rId2"/>
-              </a:rPr>
-              <a:t>docs.google.com/spreadsheet/ccc?key=0Ah4Zqg1N7gYQdDR6MWw3NUtDYWVYOWJmTU1HRUtoQnc&amp;usp=sharing</a:t>
+              <a:t>https://docs.google.com/spreadsheet/ccc?key=0Ah4Zqg1N7gYQdDR6MWw3NUtDYWVYOWJmTU1HRUtoQnc&amp;usp=sharing</a:t>
             </a:r>
             <a:endParaRPr lang="en-US" sz="2800" dirty="0">
               <a:solidFill>
@@ -4152,6 +4340,74 @@
 <file path=ppt/slides/slide6.xml><?xml version="1.0" encoding="utf-8"?>
 <p:sld xmlns:a="http://schemas.openxmlformats.org/drawingml/2006/main" xmlns:r="http://schemas.openxmlformats.org/officeDocument/2006/relationships" xmlns:p="http://schemas.openxmlformats.org/presentationml/2006/main">
   <p:cSld>
+    <p:bg>
+      <p:bgPr>
+        <a:solidFill>
+          <a:srgbClr val="6600CC"/>
+        </a:solidFill>
+        <a:effectLst/>
+      </p:bgPr>
+    </p:bg>
+    <p:spTree>
+      <p:nvGrpSpPr>
+        <p:cNvPr id="1" name=""/>
+        <p:cNvGrpSpPr/>
+        <p:nvPr/>
+      </p:nvGrpSpPr>
+      <p:grpSpPr>
+        <a:xfrm>
+          <a:off x="0" y="0"/>
+          <a:ext cx="0" cy="0"/>
+          <a:chOff x="0" y="0"/>
+          <a:chExt cx="0" cy="0"/>
+        </a:xfrm>
+      </p:grpSpPr>
+      <p:sp>
+        <p:nvSpPr>
+          <p:cNvPr id="2" name="Title 1"/>
+          <p:cNvSpPr>
+            <a:spLocks noGrp="1"/>
+          </p:cNvSpPr>
+          <p:nvPr>
+            <p:ph type="ctrTitle"/>
+          </p:nvPr>
+        </p:nvSpPr>
+        <p:spPr>
+          <a:xfrm>
+            <a:off x="685800" y="2693988"/>
+            <a:ext cx="7772400" cy="1470025"/>
+          </a:xfrm>
+        </p:spPr>
+        <p:txBody>
+          <a:bodyPr>
+            <a:normAutofit fontScale="90000"/>
+          </a:bodyPr>
+          <a:lstStyle/>
+          <a:p>
+            <a:r>
+              <a:rPr lang="ru-RU" dirty="0" smtClean="0"/>
+              <a:t>Таким фоном в презентациях отмечаются задания для самостоятельного выполнения</a:t>
+            </a:r>
+            <a:endParaRPr lang="en-US" dirty="0"/>
+          </a:p>
+        </p:txBody>
+      </p:sp>
+    </p:spTree>
+    <p:extLst>
+      <p:ext uri="{BB962C8B-B14F-4D97-AF65-F5344CB8AC3E}">
+        <p14:creationId xmlns:p14="http://schemas.microsoft.com/office/powerpoint/2010/main" val="3993648252"/>
+      </p:ext>
+    </p:extLst>
+  </p:cSld>
+  <p:clrMapOvr>
+    <a:masterClrMapping/>
+  </p:clrMapOvr>
+</p:sld>
+</file>
+
+<file path=ppt/slides/slide7.xml><?xml version="1.0" encoding="utf-8"?>
+<p:sld xmlns:a="http://schemas.openxmlformats.org/drawingml/2006/main" xmlns:r="http://schemas.openxmlformats.org/officeDocument/2006/relationships" xmlns:p="http://schemas.openxmlformats.org/presentationml/2006/main">
+  <p:cSld>
     <p:spTree>
       <p:nvGrpSpPr>
         <p:cNvPr id="1" name=""/>
@@ -4224,344 +4480,6 @@
 </p:sld>
 </file>
 
-<file path=ppt/slides/slide7.xml><?xml version="1.0" encoding="utf-8"?>
-<p:sld xmlns:a="http://schemas.openxmlformats.org/drawingml/2006/main" xmlns:r="http://schemas.openxmlformats.org/officeDocument/2006/relationships" xmlns:p="http://schemas.openxmlformats.org/presentationml/2006/main">
-  <p:cSld>
-    <p:spTree>
-      <p:nvGrpSpPr>
-        <p:cNvPr id="1" name=""/>
-        <p:cNvGrpSpPr/>
-        <p:nvPr/>
-      </p:nvGrpSpPr>
-      <p:grpSpPr>
-        <a:xfrm>
-          <a:off x="0" y="0"/>
-          <a:ext cx="0" cy="0"/>
-          <a:chOff x="0" y="0"/>
-          <a:chExt cx="0" cy="0"/>
-        </a:xfrm>
-      </p:grpSpPr>
-      <p:sp>
-        <p:nvSpPr>
-          <p:cNvPr id="2" name="Title 1"/>
-          <p:cNvSpPr>
-            <a:spLocks noGrp="1"/>
-          </p:cNvSpPr>
-          <p:nvPr>
-            <p:ph type="title"/>
-          </p:nvPr>
-        </p:nvSpPr>
-        <p:spPr/>
-        <p:txBody>
-          <a:bodyPr/>
-          <a:lstStyle/>
-          <a:p>
-            <a:r>
-              <a:rPr lang="ru-RU" dirty="0" smtClean="0"/>
-              <a:t>Программа занятий</a:t>
-            </a:r>
-            <a:endParaRPr lang="ru-RU" dirty="0"/>
-          </a:p>
-        </p:txBody>
-      </p:sp>
-      <p:sp>
-        <p:nvSpPr>
-          <p:cNvPr id="3" name="Content Placeholder 2"/>
-          <p:cNvSpPr>
-            <a:spLocks noGrp="1"/>
-          </p:cNvSpPr>
-          <p:nvPr>
-            <p:ph idx="1"/>
-          </p:nvPr>
-        </p:nvSpPr>
-        <p:spPr/>
-        <p:txBody>
-          <a:bodyPr>
-            <a:normAutofit fontScale="55000" lnSpcReduction="20000"/>
-          </a:bodyPr>
-          <a:lstStyle/>
-          <a:p>
-            <a:pPr marL="514350" indent="-514350">
-              <a:buFont typeface="+mj-lt"/>
-              <a:buAutoNum type="arabicPeriod"/>
-            </a:pPr>
-            <a:r>
-              <a:rPr lang="ru-RU" dirty="0" smtClean="0"/>
-              <a:t>Введение </a:t>
-            </a:r>
-            <a:r>
-              <a:rPr lang="ru-RU" dirty="0"/>
-              <a:t>в С# и .NET </a:t>
-            </a:r>
-            <a:r>
-              <a:rPr lang="ru-RU" dirty="0" smtClean="0"/>
-              <a:t>Framework.</a:t>
-            </a:r>
-          </a:p>
-          <a:p>
-            <a:pPr marL="514350" indent="-514350">
-              <a:buFont typeface="+mj-lt"/>
-              <a:buAutoNum type="arabicPeriod"/>
-            </a:pPr>
-            <a:r>
-              <a:rPr lang="ru-RU" dirty="0" smtClean="0"/>
-              <a:t>Основы объектно-ориентированного программирования </a:t>
-            </a:r>
-            <a:r>
-              <a:rPr lang="en-US" dirty="0" smtClean="0"/>
-              <a:t>(</a:t>
-            </a:r>
-            <a:r>
-              <a:rPr lang="ru-RU" dirty="0" smtClean="0"/>
-              <a:t>ООП).</a:t>
-            </a:r>
-          </a:p>
-          <a:p>
-            <a:pPr marL="514350" indent="-514350">
-              <a:buFont typeface="+mj-lt"/>
-              <a:buAutoNum type="arabicPeriod"/>
-            </a:pPr>
-            <a:r>
-              <a:rPr lang="ru-RU" dirty="0" smtClean="0"/>
-              <a:t>Углубленные </a:t>
-            </a:r>
-            <a:r>
-              <a:rPr lang="ru-RU" dirty="0"/>
-              <a:t>основы ООП. Жизненный цикл </a:t>
-            </a:r>
-            <a:r>
-              <a:rPr lang="ru-RU" dirty="0" smtClean="0"/>
-              <a:t>объекта.</a:t>
-            </a:r>
-          </a:p>
-          <a:p>
-            <a:pPr marL="514350" indent="-514350">
-              <a:buFont typeface="+mj-lt"/>
-              <a:buAutoNum type="arabicPeriod"/>
-            </a:pPr>
-            <a:r>
-              <a:rPr lang="ru-RU" dirty="0"/>
-              <a:t>Средства </a:t>
-            </a:r>
-            <a:r>
-              <a:rPr lang="ru-RU" dirty="0" smtClean="0"/>
-              <a:t>ввода/вывода.</a:t>
-            </a:r>
-          </a:p>
-          <a:p>
-            <a:pPr marL="514350" indent="-514350">
-              <a:buFont typeface="+mj-lt"/>
-              <a:buAutoNum type="arabicPeriod"/>
-            </a:pPr>
-            <a:r>
-              <a:rPr lang="ru-RU" dirty="0" smtClean="0"/>
-              <a:t>Делегаты </a:t>
-            </a:r>
-            <a:r>
-              <a:rPr lang="ru-RU" dirty="0"/>
-              <a:t>и </a:t>
-            </a:r>
-            <a:r>
-              <a:rPr lang="ru-RU" dirty="0" smtClean="0"/>
-              <a:t>события</a:t>
-            </a:r>
-            <a:r>
-              <a:rPr lang="en-US" dirty="0" smtClean="0"/>
-              <a:t>. </a:t>
-            </a:r>
-            <a:r>
-              <a:rPr lang="ru-RU" dirty="0" smtClean="0"/>
-              <a:t>Введение </a:t>
-            </a:r>
-            <a:r>
-              <a:rPr lang="ru-RU" dirty="0"/>
-              <a:t>в технологию </a:t>
-            </a:r>
-            <a:r>
-              <a:rPr lang="en-US" dirty="0" smtClean="0"/>
-              <a:t>Windows Forms</a:t>
-            </a:r>
-            <a:r>
-              <a:rPr lang="ru-RU" dirty="0" smtClean="0"/>
-              <a:t>.</a:t>
-            </a:r>
-          </a:p>
-          <a:p>
-            <a:pPr marL="514350" indent="-514350">
-              <a:buFont typeface="+mj-lt"/>
-              <a:buAutoNum type="arabicPeriod"/>
-            </a:pPr>
-            <a:r>
-              <a:rPr lang="ru-RU" dirty="0"/>
-              <a:t>Работа с </a:t>
-            </a:r>
-            <a:r>
-              <a:rPr lang="ru-RU" dirty="0" smtClean="0"/>
-              <a:t>XML.</a:t>
-            </a:r>
-          </a:p>
-          <a:p>
-            <a:pPr marL="514350" indent="-514350">
-              <a:buFont typeface="+mj-lt"/>
-              <a:buAutoNum type="arabicPeriod"/>
-            </a:pPr>
-            <a:r>
-              <a:rPr lang="ru-RU" dirty="0" smtClean="0"/>
-              <a:t>Понятие </a:t>
-            </a:r>
-            <a:r>
-              <a:rPr lang="ru-RU" dirty="0"/>
-              <a:t>сборки. </a:t>
-            </a:r>
-            <a:r>
-              <a:rPr lang="ru-RU" dirty="0" smtClean="0"/>
-              <a:t>Отражение.</a:t>
-            </a:r>
-          </a:p>
-          <a:p>
-            <a:pPr marL="514350" indent="-514350">
-              <a:buFont typeface="+mj-lt"/>
-              <a:buAutoNum type="arabicPeriod"/>
-            </a:pPr>
-            <a:r>
-              <a:rPr lang="ru-RU" dirty="0"/>
-              <a:t>Многопоточное </a:t>
-            </a:r>
-            <a:r>
-              <a:rPr lang="ru-RU" dirty="0" smtClean="0"/>
-              <a:t>программирование.</a:t>
-            </a:r>
-            <a:endParaRPr lang="en-US" dirty="0" smtClean="0"/>
-          </a:p>
-          <a:p>
-            <a:pPr marL="514350" indent="-514350">
-              <a:buFont typeface="+mj-lt"/>
-              <a:buAutoNum type="arabicPeriod"/>
-            </a:pPr>
-            <a:r>
-              <a:rPr lang="ru-RU" dirty="0" smtClean="0"/>
-              <a:t>Язык запросов </a:t>
-            </a:r>
-            <a:r>
-              <a:rPr lang="en-US" dirty="0" smtClean="0"/>
-              <a:t>LINQ (Language Integrated Query)</a:t>
-            </a:r>
-            <a:r>
-              <a:rPr lang="ru-RU" dirty="0" smtClean="0"/>
-              <a:t>.</a:t>
-            </a:r>
-          </a:p>
-          <a:p>
-            <a:pPr marL="514350" indent="-514350">
-              <a:buFont typeface="+mj-lt"/>
-              <a:buAutoNum type="arabicPeriod"/>
-            </a:pPr>
-            <a:r>
-              <a:rPr lang="ru-RU" dirty="0" smtClean="0"/>
-              <a:t>Введение в </a:t>
-            </a:r>
-            <a:r>
-              <a:rPr lang="en-US" dirty="0" smtClean="0"/>
-              <a:t>SQL</a:t>
-            </a:r>
-            <a:r>
-              <a:rPr lang="ru-RU" dirty="0" smtClean="0"/>
-              <a:t>.</a:t>
-            </a:r>
-            <a:endParaRPr lang="en-US" dirty="0" smtClean="0"/>
-          </a:p>
-          <a:p>
-            <a:pPr marL="514350" indent="-514350">
-              <a:buFont typeface="+mj-lt"/>
-              <a:buAutoNum type="arabicPeriod"/>
-            </a:pPr>
-            <a:r>
-              <a:rPr lang="ru-RU" dirty="0"/>
-              <a:t>Доступ к данным с использованием </a:t>
-            </a:r>
-            <a:r>
-              <a:rPr lang="ru-RU" dirty="0" smtClean="0"/>
-              <a:t>ADO.NET.</a:t>
-            </a:r>
-            <a:endParaRPr lang="en-US" dirty="0" smtClean="0"/>
-          </a:p>
-          <a:p>
-            <a:pPr marL="514350" indent="-514350">
-              <a:buFont typeface="+mj-lt"/>
-              <a:buAutoNum type="arabicPeriod"/>
-            </a:pPr>
-            <a:r>
-              <a:rPr lang="ru-RU" dirty="0" smtClean="0"/>
-              <a:t>Создание </a:t>
-            </a:r>
-            <a:r>
-              <a:rPr lang="en-US" dirty="0" smtClean="0"/>
-              <a:t>GUI </a:t>
-            </a:r>
-            <a:r>
-              <a:rPr lang="ru-RU" dirty="0" smtClean="0"/>
-              <a:t>приложений с помощью </a:t>
-            </a:r>
-            <a:r>
-              <a:rPr lang="en-US" dirty="0" smtClean="0"/>
-              <a:t>WPF</a:t>
-            </a:r>
-            <a:r>
-              <a:rPr lang="ru-RU" dirty="0"/>
-              <a:t>.</a:t>
-            </a:r>
-            <a:endParaRPr lang="ru-RU" dirty="0" smtClean="0"/>
-          </a:p>
-          <a:p>
-            <a:pPr marL="514350" indent="-514350">
-              <a:buFont typeface="+mj-lt"/>
-              <a:buAutoNum type="arabicPeriod"/>
-            </a:pPr>
-            <a:r>
-              <a:rPr lang="ru-RU" smtClean="0"/>
-              <a:t>Создание распределенных </a:t>
-            </a:r>
-            <a:r>
-              <a:rPr lang="ru-RU" dirty="0" smtClean="0"/>
-              <a:t>приложений на основе WCF.</a:t>
-            </a:r>
-          </a:p>
-          <a:p>
-            <a:pPr marL="514350" indent="-514350">
-              <a:buFont typeface="+mj-lt"/>
-              <a:buAutoNum type="arabicPeriod"/>
-            </a:pPr>
-            <a:r>
-              <a:rPr lang="ru-RU" dirty="0" smtClean="0"/>
-              <a:t>Архитектура приложений.</a:t>
-            </a:r>
-          </a:p>
-          <a:p>
-            <a:pPr marL="514350" indent="-514350">
-              <a:buFont typeface="+mj-lt"/>
-              <a:buAutoNum type="arabicPeriod"/>
-            </a:pPr>
-            <a:r>
-              <a:rPr lang="ru-RU" dirty="0" smtClean="0"/>
-              <a:t>Шаблоны проектирования.</a:t>
-            </a:r>
-            <a:endParaRPr lang="ru-RU" dirty="0"/>
-          </a:p>
-        </p:txBody>
-      </p:sp>
-    </p:spTree>
-    <p:extLst>
-      <p:ext uri="{BB962C8B-B14F-4D97-AF65-F5344CB8AC3E}">
-        <p14:creationId xmlns:p14="http://schemas.microsoft.com/office/powerpoint/2010/main" val="1676107435"/>
-      </p:ext>
-    </p:extLst>
-  </p:cSld>
-  <p:clrMapOvr>
-    <a:masterClrMapping/>
-  </p:clrMapOvr>
-</p:sld>
-</file>
-
 <file path=ppt/slides/slide8.xml><?xml version="1.0" encoding="utf-8"?>
 <p:sld xmlns:a="http://schemas.openxmlformats.org/drawingml/2006/main" xmlns:r="http://schemas.openxmlformats.org/officeDocument/2006/relationships" xmlns:p="http://schemas.openxmlformats.org/presentationml/2006/main">
   <p:cSld>
@@ -4591,14 +4509,12 @@
         </p:nvSpPr>
         <p:spPr/>
         <p:txBody>
-          <a:bodyPr>
-            <a:normAutofit fontScale="90000"/>
-          </a:bodyPr>
+          <a:bodyPr/>
           <a:lstStyle/>
           <a:p>
             <a:r>
               <a:rPr lang="ru-RU" dirty="0" smtClean="0"/>
-              <a:t>Рекомендуемое программное обеспечение</a:t>
+              <a:t>Программа занятий</a:t>
             </a:r>
             <a:endParaRPr lang="ru-RU" dirty="0"/>
           </a:p>
@@ -4617,317 +4533,274 @@
         <p:spPr/>
         <p:txBody>
           <a:bodyPr>
-            <a:normAutofit fontScale="70000" lnSpcReduction="20000"/>
+            <a:normAutofit fontScale="55000" lnSpcReduction="20000"/>
           </a:bodyPr>
           <a:lstStyle/>
           <a:p>
-            <a:r>
-              <a:rPr lang="en-US" dirty="0" smtClean="0">
-                <a:solidFill>
-                  <a:srgbClr val="92D050"/>
-                </a:solidFill>
-              </a:rPr>
-              <a:t>Microsoft Visual Studio 2010 </a:t>
-            </a:r>
-            <a:r>
-              <a:rPr lang="ru-RU" dirty="0" smtClean="0">
-                <a:solidFill>
-                  <a:srgbClr val="92D050"/>
-                </a:solidFill>
-              </a:rPr>
-              <a:t>или 2012</a:t>
-            </a:r>
-          </a:p>
-          <a:p>
-            <a:pPr lvl="1"/>
-            <a:r>
-              <a:rPr lang="ru-RU" dirty="0" smtClean="0">
-                <a:solidFill>
-                  <a:srgbClr val="92D050"/>
-                </a:solidFill>
-              </a:rPr>
-              <a:t>Обязательно установите </a:t>
-            </a:r>
-            <a:r>
-              <a:rPr lang="en-US" dirty="0" smtClean="0">
-                <a:solidFill>
-                  <a:srgbClr val="92D050"/>
-                </a:solidFill>
-              </a:rPr>
-              <a:t>Service Pack 1 </a:t>
-            </a:r>
-            <a:r>
-              <a:rPr lang="ru-RU" dirty="0" smtClean="0">
-                <a:solidFill>
-                  <a:srgbClr val="92D050"/>
-                </a:solidFill>
-              </a:rPr>
-              <a:t>для </a:t>
-            </a:r>
-            <a:r>
-              <a:rPr lang="en-US" dirty="0" smtClean="0">
-                <a:solidFill>
-                  <a:srgbClr val="92D050"/>
-                </a:solidFill>
-              </a:rPr>
-              <a:t>Visual Studio 2010 </a:t>
-            </a:r>
-            <a:r>
-              <a:rPr lang="ru-RU" dirty="0" smtClean="0">
-                <a:solidFill>
-                  <a:srgbClr val="92D050"/>
-                </a:solidFill>
-              </a:rPr>
-              <a:t>и/или </a:t>
-            </a:r>
-            <a:r>
-              <a:rPr lang="en-US" dirty="0" smtClean="0">
-                <a:solidFill>
-                  <a:srgbClr val="92D050"/>
-                </a:solidFill>
-              </a:rPr>
-              <a:t>Update 2 </a:t>
-            </a:r>
-            <a:r>
-              <a:rPr lang="ru-RU" dirty="0" smtClean="0">
-                <a:solidFill>
-                  <a:srgbClr val="92D050"/>
-                </a:solidFill>
-              </a:rPr>
-              <a:t>для </a:t>
-            </a:r>
-            <a:r>
-              <a:rPr lang="en-US" dirty="0" smtClean="0">
-                <a:solidFill>
-                  <a:srgbClr val="92D050"/>
-                </a:solidFill>
-              </a:rPr>
-              <a:t>Visual Studio 2012</a:t>
-            </a:r>
-            <a:endParaRPr lang="ru-RU" dirty="0" smtClean="0">
-              <a:solidFill>
-                <a:srgbClr val="92D050"/>
-              </a:solidFill>
-            </a:endParaRPr>
-          </a:p>
-          <a:p>
-            <a:pPr lvl="1"/>
+            <a:pPr marL="514350" indent="-514350">
+              <a:buFont typeface="+mj-lt"/>
+              <a:buAutoNum type="arabicPeriod"/>
+            </a:pPr>
+            <a:r>
+              <a:rPr lang="ru-RU" dirty="0" smtClean="0"/>
+              <a:t>Введение </a:t>
+            </a:r>
+            <a:r>
+              <a:rPr lang="ru-RU" dirty="0"/>
+              <a:t>в С# и .NET </a:t>
+            </a:r>
+            <a:r>
+              <a:rPr lang="ru-RU" dirty="0" smtClean="0"/>
+              <a:t>Framework.</a:t>
+            </a:r>
+          </a:p>
+          <a:p>
+            <a:pPr marL="514350" indent="-514350">
+              <a:buFont typeface="+mj-lt"/>
+              <a:buAutoNum type="arabicPeriod"/>
+            </a:pPr>
+            <a:r>
+              <a:rPr lang="ru-RU" dirty="0" smtClean="0"/>
+              <a:t>Основы объектно-ориентированного программирования </a:t>
+            </a:r>
             <a:r>
               <a:rPr lang="en-US" dirty="0" smtClean="0"/>
-              <a:t>NuGet</a:t>
-            </a:r>
-            <a:r>
-              <a:rPr lang="en-US" dirty="0"/>
-              <a:t>: </a:t>
-            </a:r>
-            <a:r>
-              <a:rPr lang="en-US" dirty="0">
-                <a:hlinkClick r:id="rId2"/>
-              </a:rPr>
-              <a:t>http://nuget.org</a:t>
-            </a:r>
-            <a:r>
-              <a:rPr lang="en-US" dirty="0" smtClean="0">
-                <a:hlinkClick r:id="rId2"/>
-              </a:rPr>
-              <a:t>/</a:t>
+              <a:t>(</a:t>
+            </a:r>
+            <a:r>
+              <a:rPr lang="ru-RU" dirty="0" smtClean="0"/>
+              <a:t>ООП).</a:t>
+            </a:r>
+          </a:p>
+          <a:p>
+            <a:pPr marL="514350" indent="-514350">
+              <a:buFont typeface="+mj-lt"/>
+              <a:buAutoNum type="arabicPeriod"/>
+            </a:pPr>
+            <a:r>
+              <a:rPr lang="ru-RU" dirty="0" smtClean="0"/>
+              <a:t>Углубленные </a:t>
+            </a:r>
+            <a:r>
+              <a:rPr lang="ru-RU" dirty="0"/>
+              <a:t>основы ООП. Жизненный цикл </a:t>
+            </a:r>
+            <a:r>
+              <a:rPr lang="ru-RU" dirty="0" smtClean="0"/>
+              <a:t>объекта.</a:t>
+            </a:r>
+          </a:p>
+          <a:p>
+            <a:pPr marL="514350" indent="-514350">
+              <a:buFont typeface="+mj-lt"/>
+              <a:buAutoNum type="arabicPeriod"/>
+            </a:pPr>
+            <a:r>
+              <a:rPr lang="ru-RU" dirty="0"/>
+              <a:t>Средства </a:t>
+            </a:r>
+            <a:r>
+              <a:rPr lang="ru-RU" dirty="0" smtClean="0"/>
+              <a:t>ввода/вывода.</a:t>
+            </a:r>
+          </a:p>
+          <a:p>
+            <a:pPr marL="514350" indent="-514350">
+              <a:buFont typeface="+mj-lt"/>
+              <a:buAutoNum type="arabicPeriod"/>
+            </a:pPr>
+            <a:r>
+              <a:rPr lang="ru-RU" dirty="0" smtClean="0"/>
+              <a:t>Делегаты </a:t>
+            </a:r>
+            <a:r>
+              <a:rPr lang="ru-RU" dirty="0"/>
+              <a:t>и </a:t>
+            </a:r>
+            <a:r>
+              <a:rPr lang="ru-RU" dirty="0" smtClean="0"/>
+              <a:t>события</a:t>
+            </a:r>
+            <a:r>
+              <a:rPr lang="en-US" dirty="0" smtClean="0"/>
+              <a:t>. </a:t>
+            </a:r>
+            <a:r>
+              <a:rPr lang="ru-RU" dirty="0" smtClean="0"/>
+              <a:t>Введение </a:t>
+            </a:r>
+            <a:r>
+              <a:rPr lang="ru-RU" dirty="0"/>
+              <a:t>в технологию </a:t>
+            </a:r>
+            <a:r>
+              <a:rPr lang="en-US" dirty="0" smtClean="0"/>
+              <a:t>Windows Forms</a:t>
+            </a:r>
+            <a:r>
+              <a:rPr lang="ru-RU" dirty="0" smtClean="0"/>
+              <a:t>.</a:t>
+            </a:r>
+          </a:p>
+          <a:p>
+            <a:pPr marL="514350" indent="-514350">
+              <a:buFont typeface="+mj-lt"/>
+              <a:buAutoNum type="arabicPeriod"/>
+            </a:pPr>
+            <a:r>
+              <a:rPr lang="ru-RU" dirty="0"/>
+              <a:t>Работа с </a:t>
+            </a:r>
+            <a:r>
+              <a:rPr lang="ru-RU" dirty="0" smtClean="0"/>
+              <a:t>XML.</a:t>
+            </a:r>
+          </a:p>
+          <a:p>
+            <a:pPr marL="514350" indent="-514350">
+              <a:buFont typeface="+mj-lt"/>
+              <a:buAutoNum type="arabicPeriod"/>
+            </a:pPr>
+            <a:r>
+              <a:rPr lang="ru-RU" dirty="0" smtClean="0"/>
+              <a:t>Понятие </a:t>
+            </a:r>
+            <a:r>
+              <a:rPr lang="ru-RU" dirty="0"/>
+              <a:t>сборки. </a:t>
+            </a:r>
+            <a:r>
+              <a:rPr lang="ru-RU" dirty="0" smtClean="0"/>
+              <a:t>Отражение.</a:t>
+            </a:r>
+          </a:p>
+          <a:p>
+            <a:pPr marL="514350" indent="-514350">
+              <a:buFont typeface="+mj-lt"/>
+              <a:buAutoNum type="arabicPeriod"/>
+            </a:pPr>
+            <a:r>
+              <a:rPr lang="ru-RU" dirty="0"/>
+              <a:t>Многопоточное </a:t>
+            </a:r>
+            <a:r>
+              <a:rPr lang="ru-RU" dirty="0" smtClean="0"/>
+              <a:t>программирование.</a:t>
             </a:r>
             <a:endParaRPr lang="en-US" dirty="0" smtClean="0"/>
           </a:p>
           <a:p>
-            <a:pPr lvl="1"/>
+            <a:pPr marL="514350" indent="-514350">
+              <a:buFont typeface="+mj-lt"/>
+              <a:buAutoNum type="arabicPeriod"/>
+            </a:pPr>
+            <a:r>
+              <a:rPr lang="ru-RU" dirty="0" smtClean="0"/>
+              <a:t>Язык запросов </a:t>
+            </a:r>
             <a:r>
               <a:rPr lang="en-US" dirty="0" smtClean="0"/>
-              <a:t>Productivity Power </a:t>
-            </a:r>
-            <a:r>
-              <a:rPr lang="en-US" dirty="0"/>
-              <a:t>Tools: </a:t>
-            </a:r>
-            <a:r>
-              <a:rPr lang="en-US" dirty="0">
-                <a:hlinkClick r:id="rId3"/>
-              </a:rPr>
-              <a:t>http://</a:t>
-            </a:r>
-            <a:r>
-              <a:rPr lang="en-US" dirty="0" smtClean="0">
-                <a:hlinkClick r:id="rId3"/>
-              </a:rPr>
-              <a:t>visualstudiogallery.msdn.microsoft.com</a:t>
+              <a:t>LINQ (Language Integrated Query)</a:t>
+            </a:r>
+            <a:r>
+              <a:rPr lang="ru-RU" dirty="0" smtClean="0"/>
+              <a:t>.</a:t>
+            </a:r>
+          </a:p>
+          <a:p>
+            <a:pPr marL="514350" indent="-514350">
+              <a:buFont typeface="+mj-lt"/>
+              <a:buAutoNum type="arabicPeriod"/>
+            </a:pPr>
+            <a:r>
+              <a:rPr lang="ru-RU" dirty="0" smtClean="0"/>
+              <a:t>Введение в </a:t>
+            </a:r>
+            <a:r>
+              <a:rPr lang="en-US" dirty="0" smtClean="0"/>
+              <a:t>SQL</a:t>
+            </a:r>
+            <a:r>
+              <a:rPr lang="ru-RU" dirty="0" smtClean="0"/>
+              <a:t>.</a:t>
             </a:r>
             <a:endParaRPr lang="en-US" dirty="0" smtClean="0"/>
           </a:p>
           <a:p>
-            <a:pPr lvl="1"/>
-            <a:r>
-              <a:rPr lang="en-US" dirty="0"/>
-              <a:t>ReSharper: </a:t>
-            </a:r>
-            <a:r>
-              <a:rPr lang="en-US" dirty="0">
-                <a:hlinkClick r:id="rId4"/>
-              </a:rPr>
-              <a:t>http://www.jetbrains.com/resharper/</a:t>
+            <a:pPr marL="514350" indent="-514350">
+              <a:buFont typeface="+mj-lt"/>
+              <a:buAutoNum type="arabicPeriod"/>
+            </a:pPr>
+            <a:r>
+              <a:rPr lang="ru-RU" dirty="0"/>
+              <a:t>Доступ к данным с использованием </a:t>
+            </a:r>
+            <a:r>
+              <a:rPr lang="ru-RU" dirty="0" smtClean="0"/>
+              <a:t>ADO.NET.</a:t>
             </a:r>
             <a:endParaRPr lang="en-US" dirty="0" smtClean="0"/>
           </a:p>
           <a:p>
-            <a:r>
-              <a:rPr lang="en-US" dirty="0" smtClean="0">
-                <a:solidFill>
-                  <a:srgbClr val="92D050"/>
-                </a:solidFill>
-              </a:rPr>
-              <a:t>Microsoft SQL Server Express 2005 </a:t>
-            </a:r>
-            <a:r>
-              <a:rPr lang="ru-RU" dirty="0" smtClean="0">
-                <a:solidFill>
-                  <a:srgbClr val="92D050"/>
-                </a:solidFill>
-              </a:rPr>
-              <a:t>или выше</a:t>
-            </a:r>
-            <a:endParaRPr lang="en-US" dirty="0" smtClean="0">
-              <a:solidFill>
-                <a:srgbClr val="92D050"/>
-              </a:solidFill>
-            </a:endParaRPr>
-          </a:p>
-          <a:p>
-            <a:pPr lvl="1"/>
-            <a:r>
-              <a:rPr lang="ru-RU" dirty="0" smtClean="0">
-                <a:solidFill>
-                  <a:schemeClr val="bg1"/>
-                </a:solidFill>
-              </a:rPr>
-              <a:t>Возможно понадобится доустановить </a:t>
-            </a:r>
-            <a:r>
-              <a:rPr lang="en-US" dirty="0">
-                <a:solidFill>
-                  <a:schemeClr val="bg1"/>
-                </a:solidFill>
-              </a:rPr>
-              <a:t>Microsoft SQL Server Management Studio </a:t>
-            </a:r>
-            <a:r>
-              <a:rPr lang="en-US" dirty="0" smtClean="0">
-                <a:solidFill>
-                  <a:schemeClr val="bg1"/>
-                </a:solidFill>
-              </a:rPr>
-              <a:t>Express</a:t>
-            </a:r>
-            <a:endParaRPr lang="ru-RU" dirty="0" smtClean="0">
-              <a:solidFill>
-                <a:schemeClr val="bg1"/>
-              </a:solidFill>
-            </a:endParaRPr>
-          </a:p>
-          <a:p>
-            <a:pPr lvl="1"/>
-            <a:r>
-              <a:rPr lang="en-US" dirty="0">
-                <a:solidFill>
-                  <a:schemeClr val="bg1"/>
-                </a:solidFill>
-                <a:hlinkClick r:id="rId5"/>
-              </a:rPr>
-              <a:t>http://www.microsoft.com/downloads</a:t>
-            </a:r>
-            <a:r>
-              <a:rPr lang="en-US" dirty="0" smtClean="0">
-                <a:solidFill>
-                  <a:schemeClr val="bg1"/>
-                </a:solidFill>
-                <a:hlinkClick r:id="rId5"/>
-              </a:rPr>
-              <a:t>/</a:t>
-            </a:r>
-            <a:endParaRPr lang="en-US" dirty="0">
-              <a:solidFill>
-                <a:schemeClr val="bg1"/>
-              </a:solidFill>
-            </a:endParaRPr>
-          </a:p>
-          <a:p>
-            <a:r>
-              <a:rPr lang="en-US" dirty="0" err="1" smtClean="0"/>
-              <a:t>LINQPad</a:t>
-            </a:r>
-            <a:r>
-              <a:rPr lang="en-US" dirty="0"/>
-              <a:t>: </a:t>
-            </a:r>
-            <a:r>
-              <a:rPr lang="en-US" dirty="0">
-                <a:hlinkClick r:id="rId6"/>
-              </a:rPr>
-              <a:t>http://www.linqpad.net</a:t>
-            </a:r>
-            <a:r>
-              <a:rPr lang="en-US" dirty="0" smtClean="0">
-                <a:hlinkClick r:id="rId6"/>
-              </a:rPr>
-              <a:t>/</a:t>
-            </a:r>
-            <a:endParaRPr lang="en-US" dirty="0" smtClean="0"/>
-          </a:p>
-          <a:p>
-            <a:r>
-              <a:rPr lang="en-US" dirty="0" err="1" smtClean="0"/>
-              <a:t>dotPeek</a:t>
+            <a:pPr marL="514350" indent="-514350">
+              <a:buFont typeface="+mj-lt"/>
+              <a:buAutoNum type="arabicPeriod"/>
+            </a:pPr>
+            <a:r>
+              <a:rPr lang="ru-RU" dirty="0" smtClean="0"/>
+              <a:t>Создание </a:t>
             </a:r>
             <a:r>
               <a:rPr lang="en-US" dirty="0" smtClean="0"/>
-              <a:t>: </a:t>
-            </a:r>
-            <a:r>
-              <a:rPr lang="en-US" dirty="0" smtClean="0">
-                <a:hlinkClick r:id="rId7"/>
-              </a:rPr>
-              <a:t>http</a:t>
-            </a:r>
-            <a:r>
-              <a:rPr lang="en-US" dirty="0">
-                <a:hlinkClick r:id="rId7"/>
-              </a:rPr>
-              <a:t>://www.jetbrains.com/decompiler</a:t>
-            </a:r>
-            <a:r>
-              <a:rPr lang="en-US" dirty="0" smtClean="0">
-                <a:hlinkClick r:id="rId7"/>
-              </a:rPr>
-              <a:t>/</a:t>
-            </a:r>
-            <a:endParaRPr lang="en-US" dirty="0" smtClean="0"/>
-          </a:p>
-          <a:p>
+              <a:t>GUI </a:t>
+            </a:r>
+            <a:r>
+              <a:rPr lang="ru-RU" dirty="0" smtClean="0"/>
+              <a:t>приложений с помощью </a:t>
+            </a:r>
             <a:r>
               <a:rPr lang="en-US" dirty="0" smtClean="0"/>
-              <a:t>KDiff3: </a:t>
-            </a:r>
-            <a:r>
-              <a:rPr lang="en-US" dirty="0">
-                <a:hlinkClick r:id="rId8"/>
-              </a:rPr>
-              <a:t>http://kdiff3.sourceforge.net</a:t>
-            </a:r>
-            <a:r>
-              <a:rPr lang="en-US" dirty="0" smtClean="0">
-                <a:hlinkClick r:id="rId8"/>
-              </a:rPr>
-              <a:t>/</a:t>
-            </a:r>
-            <a:endParaRPr lang="en-US" dirty="0" smtClean="0"/>
-          </a:p>
-          <a:p>
+              <a:t>WPF</a:t>
+            </a:r>
+            <a:r>
+              <a:rPr lang="ru-RU" dirty="0"/>
+              <a:t>.</a:t>
+            </a:r>
             <a:endParaRPr lang="ru-RU" dirty="0" smtClean="0"/>
           </a:p>
           <a:p>
+            <a:pPr marL="514350" indent="-514350">
+              <a:buFont typeface="+mj-lt"/>
+              <a:buAutoNum type="arabicPeriod"/>
+            </a:pPr>
+            <a:r>
+              <a:rPr lang="ru-RU" smtClean="0"/>
+              <a:t>Создание распределенных </a:t>
+            </a:r>
+            <a:r>
+              <a:rPr lang="ru-RU" dirty="0" smtClean="0"/>
+              <a:t>приложений на основе WCF.</a:t>
+            </a:r>
+          </a:p>
+          <a:p>
+            <a:pPr marL="514350" indent="-514350">
+              <a:buFont typeface="+mj-lt"/>
+              <a:buAutoNum type="arabicPeriod"/>
+            </a:pPr>
+            <a:r>
+              <a:rPr lang="ru-RU" dirty="0" smtClean="0"/>
+              <a:t>Архитектура приложений.</a:t>
+            </a:r>
+          </a:p>
+          <a:p>
+            <a:pPr marL="514350" indent="-514350">
+              <a:buFont typeface="+mj-lt"/>
+              <a:buAutoNum type="arabicPeriod"/>
+            </a:pPr>
+            <a:r>
+              <a:rPr lang="ru-RU" dirty="0" smtClean="0"/>
+              <a:t>Шаблоны проектирования.</a:t>
+            </a:r>
             <a:endParaRPr lang="ru-RU" dirty="0"/>
           </a:p>
         </p:txBody>
@@ -4935,20 +4808,13 @@
     </p:spTree>
     <p:extLst>
       <p:ext uri="{BB962C8B-B14F-4D97-AF65-F5344CB8AC3E}">
-        <p14:creationId xmlns:p14="http://schemas.microsoft.com/office/powerpoint/2010/main" val="2844174280"/>
+        <p14:creationId xmlns:p14="http://schemas.microsoft.com/office/powerpoint/2010/main" val="1676107435"/>
       </p:ext>
     </p:extLst>
   </p:cSld>
   <p:clrMapOvr>
     <a:masterClrMapping/>
   </p:clrMapOvr>
-  <p:timing>
-    <p:tnLst>
-      <p:par>
-        <p:cTn id="1" dur="indefinite" restart="never" nodeType="tmRoot"/>
-      </p:par>
-    </p:tnLst>
-  </p:timing>
 </p:sld>
 </file>
 
@@ -4971,132 +4837,361 @@
       </p:grpSpPr>
       <p:sp>
         <p:nvSpPr>
-          <p:cNvPr id="4" name="TextBox 3"/>
-          <p:cNvSpPr txBox="1"/>
-          <p:nvPr/>
-        </p:nvSpPr>
-        <p:spPr>
-          <a:xfrm>
-            <a:off x="179512" y="1988840"/>
-            <a:ext cx="8784976" cy="954107"/>
-          </a:xfrm>
-          <a:prstGeom prst="rect">
-            <a:avLst/>
-          </a:prstGeom>
-          <a:noFill/>
-        </p:spPr>
-        <p:txBody>
-          <a:bodyPr wrap="square" rtlCol="0">
-            <a:spAutoFit/>
+          <p:cNvPr id="2" name="Title 1"/>
+          <p:cNvSpPr>
+            <a:spLocks noGrp="1"/>
+          </p:cNvSpPr>
+          <p:nvPr>
+            <p:ph type="title"/>
+          </p:nvPr>
+        </p:nvSpPr>
+        <p:spPr/>
+        <p:txBody>
+          <a:bodyPr>
+            <a:normAutofit fontScale="90000"/>
           </a:bodyPr>
           <a:lstStyle/>
           <a:p>
-            <a:pPr marL="457200" indent="-457200">
-              <a:buFont typeface="Arial" pitchFamily="34" charset="0"/>
-              <a:buChar char="•"/>
-            </a:pPr>
-            <a:r>
-              <a:rPr lang="en-US" sz="2800" dirty="0">
+            <a:r>
+              <a:rPr lang="ru-RU" dirty="0" smtClean="0"/>
+              <a:t>Рекомендуемое программное обеспечение</a:t>
+            </a:r>
+            <a:endParaRPr lang="ru-RU" dirty="0"/>
+          </a:p>
+        </p:txBody>
+      </p:sp>
+      <p:sp>
+        <p:nvSpPr>
+          <p:cNvPr id="3" name="Content Placeholder 2"/>
+          <p:cNvSpPr>
+            <a:spLocks noGrp="1"/>
+          </p:cNvSpPr>
+          <p:nvPr>
+            <p:ph idx="1"/>
+          </p:nvPr>
+        </p:nvSpPr>
+        <p:spPr/>
+        <p:txBody>
+          <a:bodyPr>
+            <a:normAutofit fontScale="70000" lnSpcReduction="20000"/>
+          </a:bodyPr>
+          <a:lstStyle/>
+          <a:p>
+            <a:r>
+              <a:rPr lang="en-US" dirty="0" smtClean="0">
+                <a:solidFill>
+                  <a:srgbClr val="92D050"/>
+                </a:solidFill>
+              </a:rPr>
+              <a:t>Microsoft Visual Studio 2010 </a:t>
+            </a:r>
+            <a:r>
+              <a:rPr lang="ru-RU" dirty="0" smtClean="0">
+                <a:solidFill>
+                  <a:srgbClr val="92D050"/>
+                </a:solidFill>
+              </a:rPr>
+              <a:t>или 2012</a:t>
+            </a:r>
+          </a:p>
+          <a:p>
+            <a:pPr lvl="1"/>
+            <a:r>
+              <a:rPr lang="ru-RU" dirty="0" smtClean="0">
+                <a:solidFill>
+                  <a:srgbClr val="92D050"/>
+                </a:solidFill>
+              </a:rPr>
+              <a:t>Обязательно установите </a:t>
+            </a:r>
+            <a:r>
+              <a:rPr lang="en-US" dirty="0" smtClean="0">
+                <a:solidFill>
+                  <a:srgbClr val="92D050"/>
+                </a:solidFill>
+              </a:rPr>
+              <a:t>Service Pack 1 </a:t>
+            </a:r>
+            <a:r>
+              <a:rPr lang="ru-RU" dirty="0" smtClean="0">
+                <a:solidFill>
+                  <a:srgbClr val="92D050"/>
+                </a:solidFill>
+              </a:rPr>
+              <a:t>для </a:t>
+            </a:r>
+            <a:r>
+              <a:rPr lang="en-US" dirty="0" smtClean="0">
+                <a:solidFill>
+                  <a:srgbClr val="92D050"/>
+                </a:solidFill>
+              </a:rPr>
+              <a:t>Visual Studio 2010 </a:t>
+            </a:r>
+            <a:r>
+              <a:rPr lang="ru-RU" dirty="0" smtClean="0">
+                <a:solidFill>
+                  <a:srgbClr val="92D050"/>
+                </a:solidFill>
+              </a:rPr>
+              <a:t>и/или </a:t>
+            </a:r>
+            <a:r>
+              <a:rPr lang="en-US" dirty="0" smtClean="0">
+                <a:solidFill>
+                  <a:srgbClr val="92D050"/>
+                </a:solidFill>
+              </a:rPr>
+              <a:t>Update 2 </a:t>
+            </a:r>
+            <a:r>
+              <a:rPr lang="ru-RU" dirty="0" smtClean="0">
+                <a:solidFill>
+                  <a:srgbClr val="92D050"/>
+                </a:solidFill>
+              </a:rPr>
+              <a:t>для </a:t>
+            </a:r>
+            <a:r>
+              <a:rPr lang="en-US" dirty="0" smtClean="0">
+                <a:solidFill>
+                  <a:srgbClr val="92D050"/>
+                </a:solidFill>
+              </a:rPr>
+              <a:t>Visual Studio 2012</a:t>
+            </a:r>
+            <a:endParaRPr lang="ru-RU" dirty="0" smtClean="0">
+              <a:solidFill>
+                <a:srgbClr val="92D050"/>
+              </a:solidFill>
+            </a:endParaRPr>
+          </a:p>
+          <a:p>
+            <a:pPr lvl="1"/>
+            <a:r>
+              <a:rPr lang="en-US" dirty="0" smtClean="0"/>
+              <a:t>NuGet</a:t>
+            </a:r>
+            <a:r>
+              <a:rPr lang="en-US" dirty="0"/>
+              <a:t>: </a:t>
+            </a:r>
+            <a:r>
+              <a:rPr lang="en-US" dirty="0">
+                <a:hlinkClick r:id="rId2"/>
+              </a:rPr>
+              <a:t>http://nuget.org</a:t>
+            </a:r>
+            <a:r>
+              <a:rPr lang="en-US" dirty="0" smtClean="0">
+                <a:hlinkClick r:id="rId2"/>
+              </a:rPr>
+              <a:t>/</a:t>
+            </a:r>
+            <a:endParaRPr lang="en-US" dirty="0" smtClean="0"/>
+          </a:p>
+          <a:p>
+            <a:pPr lvl="1"/>
+            <a:r>
+              <a:rPr lang="en-US" dirty="0" smtClean="0"/>
+              <a:t>Productivity Power </a:t>
+            </a:r>
+            <a:r>
+              <a:rPr lang="en-US" dirty="0"/>
+              <a:t>Tools: </a:t>
+            </a:r>
+            <a:r>
+              <a:rPr lang="en-US" dirty="0">
+                <a:hlinkClick r:id="rId3"/>
+              </a:rPr>
+              <a:t>http://</a:t>
+            </a:r>
+            <a:r>
+              <a:rPr lang="en-US" dirty="0" smtClean="0">
+                <a:hlinkClick r:id="rId3"/>
+              </a:rPr>
+              <a:t>visualstudiogallery.msdn.microsoft.com</a:t>
+            </a:r>
+            <a:endParaRPr lang="en-US" dirty="0" smtClean="0"/>
+          </a:p>
+          <a:p>
+            <a:pPr lvl="1"/>
+            <a:r>
+              <a:rPr lang="en-US" dirty="0"/>
+              <a:t>ReSharper: </a:t>
+            </a:r>
+            <a:r>
+              <a:rPr lang="en-US" dirty="0">
+                <a:hlinkClick r:id="rId4"/>
+              </a:rPr>
+              <a:t>http://www.jetbrains.com/resharper/</a:t>
+            </a:r>
+            <a:endParaRPr lang="en-US" dirty="0" smtClean="0"/>
+          </a:p>
+          <a:p>
+            <a:r>
+              <a:rPr lang="en-US" dirty="0" smtClean="0">
+                <a:solidFill>
+                  <a:srgbClr val="92D050"/>
+                </a:solidFill>
+              </a:rPr>
+              <a:t>Microsoft SQL Server Express 2005 </a:t>
+            </a:r>
+            <a:r>
+              <a:rPr lang="ru-RU" dirty="0" smtClean="0">
+                <a:solidFill>
+                  <a:srgbClr val="92D050"/>
+                </a:solidFill>
+              </a:rPr>
+              <a:t>или выше</a:t>
+            </a:r>
+            <a:endParaRPr lang="en-US" dirty="0" smtClean="0">
+              <a:solidFill>
+                <a:srgbClr val="92D050"/>
+              </a:solidFill>
+            </a:endParaRPr>
+          </a:p>
+          <a:p>
+            <a:pPr lvl="1"/>
+            <a:r>
+              <a:rPr lang="ru-RU" dirty="0" smtClean="0">
                 <a:solidFill>
                   <a:schemeClr val="bg1"/>
                 </a:solidFill>
-                <a:hlinkClick r:id="rId2"/>
-              </a:rPr>
-              <a:t>http://</a:t>
-            </a:r>
-            <a:r>
-              <a:rPr lang="en-US" sz="2800" dirty="0" smtClean="0">
+              </a:rPr>
+              <a:t>Возможно понадобится доустановить </a:t>
+            </a:r>
+            <a:r>
+              <a:rPr lang="en-US" dirty="0">
                 <a:solidFill>
                   <a:schemeClr val="bg1"/>
                 </a:solidFill>
-                <a:hlinkClick r:id="rId2"/>
-              </a:rPr>
-              <a:t>www.tc.belhard.com/</a:t>
-            </a:r>
-            <a:endParaRPr lang="ru-RU" sz="2800" dirty="0" smtClean="0">
+              </a:rPr>
+              <a:t>Microsoft SQL Server Management Studio </a:t>
+            </a:r>
+            <a:r>
+              <a:rPr lang="en-US" dirty="0" smtClean="0">
+                <a:solidFill>
+                  <a:schemeClr val="bg1"/>
+                </a:solidFill>
+              </a:rPr>
+              <a:t>Express</a:t>
+            </a:r>
+            <a:endParaRPr lang="ru-RU" dirty="0" smtClean="0">
               <a:solidFill>
                 <a:schemeClr val="bg1"/>
               </a:solidFill>
             </a:endParaRPr>
           </a:p>
           <a:p>
-            <a:pPr marL="457200" indent="-457200">
-              <a:buFont typeface="Arial" pitchFamily="34" charset="0"/>
-              <a:buChar char="•"/>
-            </a:pPr>
-            <a:r>
-              <a:rPr lang="en-US" sz="2800" dirty="0" smtClean="0">
+            <a:pPr lvl="1"/>
+            <a:r>
+              <a:rPr lang="en-US" dirty="0">
                 <a:solidFill>
                   <a:schemeClr val="bg1"/>
                 </a:solidFill>
-                <a:hlinkClick r:id="rId3"/>
-              </a:rPr>
-              <a:t>http</a:t>
-            </a:r>
-            <a:r>
-              <a:rPr lang="en-US" sz="2800" dirty="0">
+                <a:hlinkClick r:id="rId5"/>
+              </a:rPr>
+              <a:t>http://www.microsoft.com/downloads</a:t>
+            </a:r>
+            <a:r>
+              <a:rPr lang="en-US" dirty="0" smtClean="0">
                 <a:solidFill>
                   <a:schemeClr val="bg1"/>
                 </a:solidFill>
-                <a:hlinkClick r:id="rId3"/>
-              </a:rPr>
-              <a:t>://</a:t>
-            </a:r>
-            <a:r>
-              <a:rPr lang="en-US" sz="2800" dirty="0" smtClean="0">
-                <a:solidFill>
-                  <a:schemeClr val="bg1"/>
-                </a:solidFill>
-                <a:hlinkClick r:id="rId3"/>
-              </a:rPr>
-              <a:t>vk.com/club33848893</a:t>
-            </a:r>
-            <a:endParaRPr lang="en-US" sz="2800" dirty="0"/>
-          </a:p>
-        </p:txBody>
-      </p:sp>
-      <p:sp>
-        <p:nvSpPr>
-          <p:cNvPr id="5" name="Rectangle 4"/>
-          <p:cNvSpPr/>
-          <p:nvPr/>
-        </p:nvSpPr>
-        <p:spPr>
-          <a:xfrm>
-            <a:off x="251520" y="188640"/>
-            <a:ext cx="8640960" cy="1446550"/>
-          </a:xfrm>
-          <a:prstGeom prst="rect">
-            <a:avLst/>
-          </a:prstGeom>
-        </p:spPr>
-        <p:txBody>
-          <a:bodyPr wrap="square">
-            <a:spAutoFit/>
-          </a:bodyPr>
-          <a:lstStyle/>
-          <a:p>
-            <a:pPr lvl="0" algn="ctr"/>
-            <a:r>
-              <a:rPr lang="ru-RU" sz="4400" dirty="0" smtClean="0">
-                <a:solidFill>
-                  <a:schemeClr val="bg1"/>
-                </a:solidFill>
-              </a:rPr>
-              <a:t>Центр обучающих технологий «Белхард»</a:t>
-            </a:r>
-            <a:endParaRPr lang="en-US" sz="4400" dirty="0">
+                <a:hlinkClick r:id="rId5"/>
+              </a:rPr>
+              <a:t>/</a:t>
+            </a:r>
+            <a:endParaRPr lang="en-US" dirty="0">
               <a:solidFill>
                 <a:schemeClr val="bg1"/>
               </a:solidFill>
             </a:endParaRPr>
           </a:p>
+          <a:p>
+            <a:r>
+              <a:rPr lang="en-US" dirty="0" err="1" smtClean="0"/>
+              <a:t>LINQPad</a:t>
+            </a:r>
+            <a:r>
+              <a:rPr lang="en-US" dirty="0"/>
+              <a:t>: </a:t>
+            </a:r>
+            <a:r>
+              <a:rPr lang="en-US" dirty="0">
+                <a:hlinkClick r:id="rId6"/>
+              </a:rPr>
+              <a:t>http://www.linqpad.net</a:t>
+            </a:r>
+            <a:r>
+              <a:rPr lang="en-US" dirty="0" smtClean="0">
+                <a:hlinkClick r:id="rId6"/>
+              </a:rPr>
+              <a:t>/</a:t>
+            </a:r>
+            <a:endParaRPr lang="en-US" dirty="0" smtClean="0"/>
+          </a:p>
+          <a:p>
+            <a:r>
+              <a:rPr lang="en-US" dirty="0" err="1" smtClean="0"/>
+              <a:t>dotPeek</a:t>
+            </a:r>
+            <a:r>
+              <a:rPr lang="en-US" dirty="0" smtClean="0"/>
+              <a:t>: </a:t>
+            </a:r>
+            <a:r>
+              <a:rPr lang="en-US" dirty="0" smtClean="0">
+                <a:hlinkClick r:id="rId7"/>
+              </a:rPr>
+              <a:t>http</a:t>
+            </a:r>
+            <a:r>
+              <a:rPr lang="en-US" dirty="0">
+                <a:hlinkClick r:id="rId7"/>
+              </a:rPr>
+              <a:t>://www.jetbrains.com/decompiler</a:t>
+            </a:r>
+            <a:r>
+              <a:rPr lang="en-US" dirty="0" smtClean="0">
+                <a:hlinkClick r:id="rId7"/>
+              </a:rPr>
+              <a:t>/</a:t>
+            </a:r>
+            <a:endParaRPr lang="en-US" dirty="0" smtClean="0"/>
+          </a:p>
+          <a:p>
+            <a:r>
+              <a:rPr lang="en-US" dirty="0" smtClean="0"/>
+              <a:t>KDiff3: </a:t>
+            </a:r>
+            <a:r>
+              <a:rPr lang="en-US" dirty="0">
+                <a:hlinkClick r:id="rId8"/>
+              </a:rPr>
+              <a:t>http://kdiff3.sourceforge.net</a:t>
+            </a:r>
+            <a:r>
+              <a:rPr lang="en-US" dirty="0" smtClean="0">
+                <a:hlinkClick r:id="rId8"/>
+              </a:rPr>
+              <a:t>/</a:t>
+            </a:r>
+            <a:endParaRPr lang="en-US" dirty="0" smtClean="0"/>
+          </a:p>
+          <a:p>
+            <a:endParaRPr lang="ru-RU" dirty="0" smtClean="0"/>
+          </a:p>
+          <a:p>
+            <a:endParaRPr lang="ru-RU" dirty="0"/>
+          </a:p>
         </p:txBody>
       </p:sp>
     </p:spTree>
     <p:extLst>
       <p:ext uri="{BB962C8B-B14F-4D97-AF65-F5344CB8AC3E}">
-        <p14:creationId xmlns:p14="http://schemas.microsoft.com/office/powerpoint/2010/main" val="1514770362"/>
+        <p14:creationId xmlns:p14="http://schemas.microsoft.com/office/powerpoint/2010/main" val="2844174280"/>
       </p:ext>
     </p:extLst>
   </p:cSld>

--- a/Presentation/intro.pptx
+++ b/Presentation/intro.pptx
@@ -201,7 +201,7 @@
           <a:p>
             <a:fld id="{B24A7054-7FFB-49F4-A126-5DF6E687FF53}" type="datetimeFigureOut">
               <a:rPr lang="ru-RU" smtClean="0"/>
-              <a:t>04.10.2013</a:t>
+              <a:t>01.11.2013</a:t>
             </a:fld>
             <a:endParaRPr lang="ru-RU"/>
           </a:p>
@@ -1483,7 +1483,7 @@
           <a:p>
             <a:fld id="{8E6E6A2A-E9D3-4A0D-B04A-ABDD367A1E08}" type="datetimeFigureOut">
               <a:rPr lang="ru-RU" smtClean="0"/>
-              <a:t>04.10.2013</a:t>
+              <a:t>01.11.2013</a:t>
             </a:fld>
             <a:endParaRPr lang="ru-RU"/>
           </a:p>
@@ -2928,7 +2928,7 @@
           <a:p>
             <a:fld id="{AC3D3127-B7C4-45E3-9797-C527EC9FDD78}" type="datetimeFigureOut">
               <a:rPr lang="ru-RU" smtClean="0"/>
-              <a:t>04.10.2013</a:t>
+              <a:t>01.11.2013</a:t>
             </a:fld>
             <a:endParaRPr lang="ru-RU"/>
           </a:p>
@@ -3969,15 +3969,7 @@
                   <a:schemeClr val="bg1"/>
                 </a:solidFill>
               </a:rPr>
-              <a:t>19:00, один </a:t>
-            </a:r>
-            <a:r>
-              <a:rPr lang="ru-RU" sz="2800" dirty="0" smtClean="0">
-                <a:solidFill>
-                  <a:schemeClr val="bg1"/>
-                </a:solidFill>
-              </a:rPr>
-              <a:t>перерыв на 5 мин</a:t>
+              <a:t>19:00, один перерыв на 5 мин</a:t>
             </a:r>
           </a:p>
           <a:p>
@@ -3993,11 +3985,6 @@
               </a:rPr>
               <a:t>По возможности предупреждайте об отсутствии на занятии</a:t>
             </a:r>
-            <a:endParaRPr lang="ru-RU" sz="2800" dirty="0" smtClean="0">
-              <a:solidFill>
-                <a:schemeClr val="bg1"/>
-              </a:solidFill>
-            </a:endParaRPr>
           </a:p>
           <a:p>
             <a:pPr marL="285750" indent="-285750">
@@ -4080,15 +4067,7 @@
                   <a:schemeClr val="bg1"/>
                 </a:solidFill>
               </a:rPr>
-              <a:t>Анкета </a:t>
-            </a:r>
-            <a:r>
-              <a:rPr lang="ru-RU" sz="2800" dirty="0" smtClean="0">
-                <a:solidFill>
-                  <a:schemeClr val="bg1"/>
-                </a:solidFill>
-              </a:rPr>
-              <a:t>качества</a:t>
+              <a:t>Анкета качества</a:t>
             </a:r>
             <a:endParaRPr lang="en-US" sz="2800" dirty="0" smtClean="0">
               <a:solidFill>
@@ -4873,7 +4852,7 @@
         <p:spPr/>
         <p:txBody>
           <a:bodyPr>
-            <a:normAutofit fontScale="70000" lnSpcReduction="20000"/>
+            <a:normAutofit fontScale="77500" lnSpcReduction="20000"/>
           </a:bodyPr>
           <a:lstStyle/>
           <a:p>
@@ -4883,82 +4862,15 @@
                   <a:srgbClr val="92D050"/>
                 </a:solidFill>
               </a:rPr>
-              <a:t>Microsoft Visual Studio 2010 </a:t>
-            </a:r>
-            <a:r>
-              <a:rPr lang="ru-RU" dirty="0" smtClean="0">
+              <a:t>Microsoft Visual Studio </a:t>
+            </a:r>
+            <a:r>
+              <a:rPr lang="en-US" dirty="0" smtClean="0">
                 <a:solidFill>
                   <a:srgbClr val="92D050"/>
                 </a:solidFill>
               </a:rPr>
-              <a:t>или 2012</a:t>
-            </a:r>
-          </a:p>
-          <a:p>
-            <a:pPr lvl="1"/>
-            <a:r>
-              <a:rPr lang="ru-RU" dirty="0" smtClean="0">
-                <a:solidFill>
-                  <a:srgbClr val="92D050"/>
-                </a:solidFill>
-              </a:rPr>
-              <a:t>Обязательно установите </a:t>
-            </a:r>
-            <a:r>
-              <a:rPr lang="en-US" dirty="0" smtClean="0">
-                <a:solidFill>
-                  <a:srgbClr val="92D050"/>
-                </a:solidFill>
-              </a:rPr>
-              <a:t>Service Pack 1 </a:t>
-            </a:r>
-            <a:r>
-              <a:rPr lang="ru-RU" dirty="0" smtClean="0">
-                <a:solidFill>
-                  <a:srgbClr val="92D050"/>
-                </a:solidFill>
-              </a:rPr>
-              <a:t>для </a:t>
-            </a:r>
-            <a:r>
-              <a:rPr lang="en-US" dirty="0" smtClean="0">
-                <a:solidFill>
-                  <a:srgbClr val="92D050"/>
-                </a:solidFill>
-              </a:rPr>
-              <a:t>Visual Studio 2010 </a:t>
-            </a:r>
-            <a:r>
-              <a:rPr lang="ru-RU" dirty="0" smtClean="0">
-                <a:solidFill>
-                  <a:srgbClr val="92D050"/>
-                </a:solidFill>
-              </a:rPr>
-              <a:t>и/или </a:t>
-            </a:r>
-            <a:r>
-              <a:rPr lang="en-US" dirty="0" smtClean="0">
-                <a:solidFill>
-                  <a:srgbClr val="92D050"/>
-                </a:solidFill>
-              </a:rPr>
-              <a:t>Update 2 </a:t>
-            </a:r>
-            <a:r>
-              <a:rPr lang="ru-RU" dirty="0" smtClean="0">
-                <a:solidFill>
-                  <a:srgbClr val="92D050"/>
-                </a:solidFill>
-              </a:rPr>
-              <a:t>для </a:t>
-            </a:r>
-            <a:r>
-              <a:rPr lang="en-US" dirty="0" smtClean="0">
-                <a:solidFill>
-                  <a:srgbClr val="92D050"/>
-                </a:solidFill>
-              </a:rPr>
-              <a:t>Visual Studio 2012</a:t>
+              <a:t>2010</a:t>
             </a:r>
             <a:endParaRPr lang="ru-RU" dirty="0" smtClean="0">
               <a:solidFill>
@@ -4969,7 +4881,59 @@
           <a:p>
             <a:pPr lvl="1"/>
             <a:r>
-              <a:rPr lang="en-US" dirty="0" smtClean="0"/>
+              <a:rPr lang="ru-RU" dirty="0" smtClean="0">
+                <a:solidFill>
+                  <a:srgbClr val="FFFF00"/>
+                </a:solidFill>
+              </a:rPr>
+              <a:t>Обязательно установите </a:t>
+            </a:r>
+            <a:r>
+              <a:rPr lang="en-US" dirty="0" smtClean="0">
+                <a:solidFill>
+                  <a:srgbClr val="FFFF00"/>
+                </a:solidFill>
+              </a:rPr>
+              <a:t>Service Pack 1 </a:t>
+            </a:r>
+            <a:r>
+              <a:rPr lang="ru-RU" dirty="0" smtClean="0">
+                <a:solidFill>
+                  <a:srgbClr val="FFFF00"/>
+                </a:solidFill>
+              </a:rPr>
+              <a:t>для </a:t>
+            </a:r>
+            <a:r>
+              <a:rPr lang="en-US" dirty="0" smtClean="0">
+                <a:solidFill>
+                  <a:srgbClr val="FFFF00"/>
+                </a:solidFill>
+              </a:rPr>
+              <a:t>Visual Studio </a:t>
+            </a:r>
+            <a:r>
+              <a:rPr lang="en-US" dirty="0" smtClean="0">
+                <a:solidFill>
+                  <a:srgbClr val="FFFF00"/>
+                </a:solidFill>
+              </a:rPr>
+              <a:t>2010</a:t>
+            </a:r>
+            <a:endParaRPr lang="ru-RU" dirty="0" smtClean="0">
+              <a:solidFill>
+                <a:srgbClr val="FFFF00"/>
+              </a:solidFill>
+            </a:endParaRPr>
+          </a:p>
+          <a:p>
+            <a:pPr lvl="1"/>
+            <a:r>
+              <a:rPr lang="en-US" dirty="0" smtClean="0">
+                <a:solidFill>
+                  <a:srgbClr val="FFFF00"/>
+                </a:solidFill>
+              </a:rPr>
               <a:t>NuGet</a:t>
             </a:r>
             <a:r>
@@ -4987,6 +4951,18 @@
                 <a:hlinkClick r:id="rId2"/>
               </a:rPr>
               <a:t>/</a:t>
+            </a:r>
+            <a:r>
+              <a:rPr lang="ru-RU" dirty="0" smtClean="0"/>
+              <a:t> (Не входит в состав </a:t>
+            </a:r>
+            <a:r>
+              <a:rPr lang="en-US" dirty="0" smtClean="0"/>
+              <a:t>VS 2010</a:t>
+            </a:r>
+            <a:r>
+              <a:rPr lang="ru-RU" dirty="0" smtClean="0"/>
+              <a:t>)</a:t>
             </a:r>
             <a:endParaRPr lang="en-US" dirty="0" smtClean="0"/>
           </a:p>

--- a/Presentation/intro.pptx
+++ b/Presentation/intro.pptx
@@ -3508,7 +3508,7 @@
         <p:spPr>
           <a:xfrm>
             <a:off x="179512" y="1988840"/>
-            <a:ext cx="8784976" cy="954107"/>
+            <a:ext cx="8784976" cy="2246769"/>
           </a:xfrm>
           <a:prstGeom prst="rect">
             <a:avLst/>
@@ -3521,10 +3521,27 @@
           </a:bodyPr>
           <a:lstStyle/>
           <a:p>
-            <a:pPr marL="457200" indent="-457200">
-              <a:buFont typeface="Arial" pitchFamily="34" charset="0"/>
-              <a:buChar char="•"/>
-            </a:pPr>
+            <a:r>
+              <a:rPr lang="ru-RU" sz="2800" dirty="0"/>
+              <a:t>Центр Обучающих Технологий "БелХард"</a:t>
+            </a:r>
+            <a:endParaRPr lang="en-US" sz="2800" dirty="0" smtClean="0">
+              <a:solidFill>
+                <a:schemeClr val="bg1"/>
+              </a:solidFill>
+              <a:hlinkClick r:id="rId2"/>
+            </a:endParaRPr>
+          </a:p>
+          <a:p>
+            <a:r>
+              <a:rPr lang="en-US" sz="2800" dirty="0" smtClean="0">
+                <a:solidFill>
+                  <a:schemeClr val="bg1"/>
+                </a:solidFill>
+                <a:hlinkClick r:id="rId2"/>
+              </a:rPr>
+              <a:t>http</a:t>
+            </a:r>
             <a:r>
               <a:rPr lang="en-US" sz="2800" dirty="0">
                 <a:solidFill>
@@ -3532,7 +3549,7 @@
                 </a:solidFill>
                 <a:hlinkClick r:id="rId2"/>
               </a:rPr>
-              <a:t>http://</a:t>
+              <a:t>://</a:t>
             </a:r>
             <a:r>
               <a:rPr lang="en-US" sz="2800" dirty="0" smtClean="0">
@@ -3541,7 +3558,38 @@
                 </a:solidFill>
                 <a:hlinkClick r:id="rId2"/>
               </a:rPr>
-              <a:t>www.tc.belhard.com/</a:t>
+              <a:t>www.tc.belhard.com</a:t>
+            </a:r>
+            <a:r>
+              <a:rPr lang="en-US" sz="2800" dirty="0" smtClean="0">
+                <a:solidFill>
+                  <a:schemeClr val="bg1"/>
+                </a:solidFill>
+                <a:hlinkClick r:id="rId2"/>
+              </a:rPr>
+              <a:t>/</a:t>
+            </a:r>
+            <a:endParaRPr lang="en-US" sz="2800" dirty="0" smtClean="0">
+              <a:solidFill>
+                <a:schemeClr val="bg1"/>
+              </a:solidFill>
+            </a:endParaRPr>
+          </a:p>
+          <a:p>
+            <a:endParaRPr lang="en-US" sz="2800" dirty="0" smtClean="0">
+              <a:solidFill>
+                <a:schemeClr val="bg1"/>
+              </a:solidFill>
+            </a:endParaRPr>
+          </a:p>
+          <a:p>
+            <a:r>
+              <a:rPr lang="ru-RU" sz="2800" dirty="0" smtClean="0">
+                <a:solidFill>
+                  <a:schemeClr val="bg1"/>
+                </a:solidFill>
+              </a:rPr>
+              <a:t>Группа ВКонтакте</a:t>
             </a:r>
             <a:endParaRPr lang="ru-RU" sz="2800" dirty="0" smtClean="0">
               <a:solidFill>
@@ -3550,10 +3598,6 @@
             </a:endParaRPr>
           </a:p>
           <a:p>
-            <a:pPr marL="457200" indent="-457200">
-              <a:buFont typeface="Arial" pitchFamily="34" charset="0"/>
-              <a:buChar char="•"/>
-            </a:pPr>
             <a:r>
               <a:rPr lang="en-US" sz="2800" dirty="0" smtClean="0">
                 <a:solidFill>
@@ -3561,25 +3605,7 @@
                 </a:solidFill>
                 <a:hlinkClick r:id="rId3"/>
               </a:rPr>
-              <a:t>http</a:t>
-            </a:r>
-            <a:r>
-              <a:rPr lang="en-US" sz="2800" dirty="0">
-                <a:solidFill>
-                  <a:schemeClr val="bg1"/>
-                </a:solidFill>
-                <a:hlinkClick r:id="rId3"/>
-              </a:rPr>
-              <a:t>://</a:t>
-            </a:r>
-            <a:r>
-              <a:rPr lang="en-US" sz="2800" dirty="0" smtClean="0">
-                <a:solidFill>
-                  <a:schemeClr val="bg1"/>
-                </a:solidFill>
-                <a:hlinkClick r:id="rId3"/>
-              </a:rPr>
-              <a:t>vk.com/club33848893</a:t>
+              <a:t>http://vk.com/tcbelhard</a:t>
             </a:r>
             <a:endParaRPr lang="en-US" sz="2800" dirty="0"/>
           </a:p>
@@ -4862,15 +4888,7 @@
                   <a:srgbClr val="92D050"/>
                 </a:solidFill>
               </a:rPr>
-              <a:t>Microsoft Visual Studio </a:t>
-            </a:r>
-            <a:r>
-              <a:rPr lang="en-US" dirty="0" smtClean="0">
-                <a:solidFill>
-                  <a:srgbClr val="92D050"/>
-                </a:solidFill>
-              </a:rPr>
-              <a:t>2010</a:t>
+              <a:t>Microsoft Visual Studio 2010</a:t>
             </a:r>
             <a:endParaRPr lang="ru-RU" dirty="0" smtClean="0">
               <a:solidFill>
@@ -4910,15 +4928,7 @@
                   <a:srgbClr val="FFFF00"/>
                 </a:solidFill>
               </a:rPr>
-              <a:t>Visual Studio </a:t>
-            </a:r>
-            <a:r>
-              <a:rPr lang="en-US" dirty="0" smtClean="0">
-                <a:solidFill>
-                  <a:srgbClr val="FFFF00"/>
-                </a:solidFill>
-              </a:rPr>
-              <a:t>2010</a:t>
+              <a:t>Visual Studio 2010</a:t>
             </a:r>
             <a:endParaRPr lang="ru-RU" dirty="0" smtClean="0">
               <a:solidFill>

--- a/Presentation/intro.pptx
+++ b/Presentation/intro.pptx
@@ -5,7 +5,7 @@
     <p:sldMasterId id="2147483648" r:id="rId1"/>
   </p:sldMasterIdLst>
   <p:notesMasterIdLst>
-    <p:notesMasterId r:id="rId12"/>
+    <p:notesMasterId r:id="rId13"/>
   </p:notesMasterIdLst>
   <p:sldIdLst>
     <p:sldId id="257" r:id="rId2"/>
@@ -17,7 +17,8 @@
     <p:sldId id="262" r:id="rId8"/>
     <p:sldId id="269" r:id="rId9"/>
     <p:sldId id="268" r:id="rId10"/>
-    <p:sldId id="263" r:id="rId11"/>
+    <p:sldId id="271" r:id="rId11"/>
+    <p:sldId id="263" r:id="rId12"/>
   </p:sldIdLst>
   <p:sldSz cx="9144000" cy="6858000" type="screen4x3"/>
   <p:notesSz cx="6858000" cy="9144000"/>
@@ -201,7 +202,7 @@
           <a:p>
             <a:fld id="{B24A7054-7FFB-49F4-A126-5DF6E687FF53}" type="datetimeFigureOut">
               <a:rPr lang="ru-RU" smtClean="0"/>
-              <a:t>01.11.2013</a:t>
+              <a:t>02.11.2013</a:t>
             </a:fld>
             <a:endParaRPr lang="ru-RU"/>
           </a:p>
@@ -1483,7 +1484,7 @@
           <a:p>
             <a:fld id="{8E6E6A2A-E9D3-4A0D-B04A-ABDD367A1E08}" type="datetimeFigureOut">
               <a:rPr lang="ru-RU" smtClean="0"/>
-              <a:t>01.11.2013</a:t>
+              <a:t>02.11.2013</a:t>
             </a:fld>
             <a:endParaRPr lang="ru-RU"/>
           </a:p>
@@ -2928,7 +2929,7 @@
           <a:p>
             <a:fld id="{AC3D3127-B7C4-45E3-9797-C527EC9FDD78}" type="datetimeFigureOut">
               <a:rPr lang="ru-RU" smtClean="0"/>
-              <a:t>01.11.2013</a:t>
+              <a:t>02.11.2013</a:t>
             </a:fld>
             <a:endParaRPr lang="ru-RU"/>
           </a:p>
@@ -3501,6 +3502,139 @@
       </p:grpSpPr>
       <p:sp>
         <p:nvSpPr>
+          <p:cNvPr id="2" name="Title 1"/>
+          <p:cNvSpPr>
+            <a:spLocks noGrp="1"/>
+          </p:cNvSpPr>
+          <p:nvPr>
+            <p:ph type="title"/>
+          </p:nvPr>
+        </p:nvSpPr>
+        <p:spPr/>
+        <p:txBody>
+          <a:bodyPr/>
+          <a:lstStyle/>
+          <a:p>
+            <a:r>
+              <a:rPr lang="en-US" dirty="0" smtClean="0"/>
+              <a:t>Microsoft </a:t>
+            </a:r>
+            <a:r>
+              <a:rPr lang="en-US" dirty="0" err="1" smtClean="0"/>
+              <a:t>DreamSpark</a:t>
+            </a:r>
+            <a:endParaRPr lang="ru-RU" dirty="0"/>
+          </a:p>
+        </p:txBody>
+      </p:sp>
+      <p:sp>
+        <p:nvSpPr>
+          <p:cNvPr id="3" name="Content Placeholder 2"/>
+          <p:cNvSpPr>
+            <a:spLocks noGrp="1"/>
+          </p:cNvSpPr>
+          <p:nvPr>
+            <p:ph idx="1"/>
+          </p:nvPr>
+        </p:nvSpPr>
+        <p:spPr/>
+        <p:txBody>
+          <a:bodyPr/>
+          <a:lstStyle/>
+          <a:p>
+            <a:pPr marL="0" indent="0">
+              <a:buNone/>
+            </a:pPr>
+            <a:r>
+              <a:rPr lang="en-US" dirty="0" err="1" smtClean="0"/>
+              <a:t>DreamSpark</a:t>
+            </a:r>
+            <a:r>
+              <a:rPr lang="en-US" dirty="0" smtClean="0"/>
+              <a:t> </a:t>
+            </a:r>
+            <a:r>
+              <a:rPr lang="ru-RU" dirty="0" smtClean="0"/>
+              <a:t>– инициатива </a:t>
+            </a:r>
+            <a:r>
+              <a:rPr lang="en-US" dirty="0" smtClean="0"/>
+              <a:t>Microsoft </a:t>
+            </a:r>
+            <a:r>
+              <a:rPr lang="ru-RU" dirty="0" smtClean="0"/>
+              <a:t>предоставлющая студентам и учебным учреждениям бесплатный доступ к програмному обеспечению </a:t>
+            </a:r>
+            <a:r>
+              <a:rPr lang="en-US" dirty="0" smtClean="0"/>
+              <a:t>Microsoft.</a:t>
+            </a:r>
+          </a:p>
+          <a:p>
+            <a:pPr marL="0" indent="0">
+              <a:buNone/>
+            </a:pPr>
+            <a:endParaRPr lang="en-US" dirty="0"/>
+          </a:p>
+          <a:p>
+            <a:pPr marL="0" indent="0">
+              <a:buNone/>
+            </a:pPr>
+            <a:r>
+              <a:rPr lang="en-US" dirty="0">
+                <a:hlinkClick r:id="rId2"/>
+              </a:rPr>
+              <a:t>https://www.dreamspark.com</a:t>
+            </a:r>
+            <a:r>
+              <a:rPr lang="en-US" dirty="0" smtClean="0">
+                <a:hlinkClick r:id="rId2"/>
+              </a:rPr>
+              <a:t>/</a:t>
+            </a:r>
+            <a:endParaRPr lang="ru-RU" dirty="0"/>
+          </a:p>
+        </p:txBody>
+      </p:sp>
+    </p:spTree>
+    <p:extLst>
+      <p:ext uri="{BB962C8B-B14F-4D97-AF65-F5344CB8AC3E}">
+        <p14:creationId xmlns:p14="http://schemas.microsoft.com/office/powerpoint/2010/main" val="2224165556"/>
+      </p:ext>
+    </p:extLst>
+  </p:cSld>
+  <p:clrMapOvr>
+    <a:masterClrMapping/>
+  </p:clrMapOvr>
+  <p:timing>
+    <p:tnLst>
+      <p:par>
+        <p:cTn id="1" dur="indefinite" restart="never" nodeType="tmRoot"/>
+      </p:par>
+    </p:tnLst>
+  </p:timing>
+</p:sld>
+</file>
+
+<file path=ppt/slides/slide11.xml><?xml version="1.0" encoding="utf-8"?>
+<p:sld xmlns:a="http://schemas.openxmlformats.org/drawingml/2006/main" xmlns:r="http://schemas.openxmlformats.org/officeDocument/2006/relationships" xmlns:p="http://schemas.openxmlformats.org/presentationml/2006/main">
+  <p:cSld>
+    <p:spTree>
+      <p:nvGrpSpPr>
+        <p:cNvPr id="1" name=""/>
+        <p:cNvGrpSpPr/>
+        <p:nvPr/>
+      </p:nvGrpSpPr>
+      <p:grpSpPr>
+        <a:xfrm>
+          <a:off x="0" y="0"/>
+          <a:ext cx="0" cy="0"/>
+          <a:chOff x="0" y="0"/>
+          <a:chExt cx="0" cy="0"/>
+        </a:xfrm>
+      </p:grpSpPr>
+      <p:sp>
+        <p:nvSpPr>
           <p:cNvPr id="4" name="TextBox 3"/>
           <p:cNvSpPr txBox="1"/>
           <p:nvPr/>
@@ -3508,7 +3642,7 @@
         <p:spPr>
           <a:xfrm>
             <a:off x="179512" y="1988840"/>
-            <a:ext cx="8784976" cy="2246769"/>
+            <a:ext cx="8784976" cy="3293209"/>
           </a:xfrm>
           <a:prstGeom prst="rect">
             <a:avLst/>
@@ -3521,18 +3655,34 @@
           </a:bodyPr>
           <a:lstStyle/>
           <a:p>
+            <a:pPr marL="457200" indent="-457200">
+              <a:spcAft>
+                <a:spcPts val="2400"/>
+              </a:spcAft>
+              <a:buFont typeface="Arial" panose="020B0604020202020204" pitchFamily="34" charset="0"/>
+              <a:buChar char="•"/>
+            </a:pPr>
             <a:r>
               <a:rPr lang="ru-RU" sz="2800" dirty="0"/>
-              <a:t>Центр Обучающих Технологий "БелХард"</a:t>
-            </a:r>
-            <a:endParaRPr lang="en-US" sz="2800" dirty="0" smtClean="0">
-              <a:solidFill>
-                <a:schemeClr val="bg1"/>
-              </a:solidFill>
-              <a:hlinkClick r:id="rId2"/>
-            </a:endParaRPr>
-          </a:p>
-          <a:p>
+              <a:t>Центр Обучающих Технологий "</a:t>
+            </a:r>
+            <a:r>
+              <a:rPr lang="ru-RU" sz="2800" dirty="0" smtClean="0"/>
+              <a:t>БелХард</a:t>
+            </a:r>
+            <a:r>
+              <a:rPr lang="ru-RU" sz="2800" dirty="0" smtClean="0">
+                <a:hlinkClick r:id="rId2"/>
+              </a:rPr>
+              <a:t>“</a:t>
+            </a:r>
+            <a:r>
+              <a:rPr lang="en-US" sz="2800" dirty="0" smtClean="0"/>
+              <a:t/>
+            </a:r>
+            <a:br>
+              <a:rPr lang="en-US" sz="2800" dirty="0" smtClean="0"/>
+            </a:br>
             <a:r>
               <a:rPr lang="en-US" sz="2800" dirty="0" smtClean="0">
                 <a:solidFill>
@@ -3558,16 +3708,7 @@
                 </a:solidFill>
                 <a:hlinkClick r:id="rId2"/>
               </a:rPr>
-              <a:t>www.tc.belhard.com</a:t>
-            </a:r>
-            <a:r>
-              <a:rPr lang="en-US" sz="2800" dirty="0" smtClean="0">
-                <a:solidFill>
-                  <a:schemeClr val="bg1"/>
-                </a:solidFill>
-                <a:hlinkClick r:id="rId2"/>
-              </a:rPr>
-              <a:t>/</a:t>
+              <a:t>www.tc.belhard.com/</a:t>
             </a:r>
             <a:endParaRPr lang="en-US" sz="2800" dirty="0" smtClean="0">
               <a:solidFill>
@@ -3576,6 +3717,63 @@
             </a:endParaRPr>
           </a:p>
           <a:p>
+            <a:pPr marL="457200" indent="-457200">
+              <a:spcAft>
+                <a:spcPts val="2400"/>
+              </a:spcAft>
+              <a:buFont typeface="Arial" panose="020B0604020202020204" pitchFamily="34" charset="0"/>
+              <a:buChar char="•"/>
+            </a:pPr>
+            <a:r>
+              <a:rPr lang="ru-RU" sz="2800" dirty="0" smtClean="0">
+                <a:solidFill>
+                  <a:schemeClr val="bg1"/>
+                </a:solidFill>
+              </a:rPr>
+              <a:t>Группа ВКонтакте</a:t>
+            </a:r>
+            <a:r>
+              <a:rPr lang="en-US" sz="2800" dirty="0" smtClean="0">
+                <a:solidFill>
+                  <a:schemeClr val="bg1"/>
+                </a:solidFill>
+              </a:rPr>
+              <a:t/>
+            </a:r>
+            <a:br>
+              <a:rPr lang="en-US" sz="2800" dirty="0" smtClean="0">
+                <a:solidFill>
+                  <a:schemeClr val="bg1"/>
+                </a:solidFill>
+              </a:rPr>
+            </a:br>
+            <a:r>
+              <a:rPr lang="en-US" sz="2800" dirty="0" smtClean="0">
+                <a:solidFill>
+                  <a:schemeClr val="bg1"/>
+                </a:solidFill>
+                <a:hlinkClick r:id="rId3"/>
+              </a:rPr>
+              <a:t>http</a:t>
+            </a:r>
+            <a:r>
+              <a:rPr lang="en-US" sz="2800" dirty="0" smtClean="0">
+                <a:solidFill>
+                  <a:schemeClr val="bg1"/>
+                </a:solidFill>
+                <a:hlinkClick r:id="rId3"/>
+              </a:rPr>
+              <a:t>://</a:t>
+            </a:r>
+            <a:r>
+              <a:rPr lang="en-US" sz="2800" dirty="0" smtClean="0">
+                <a:solidFill>
+                  <a:schemeClr val="bg1"/>
+                </a:solidFill>
+                <a:hlinkClick r:id="rId3"/>
+              </a:rPr>
+              <a:t>vk.com/tcbelhard</a:t>
+            </a:r>
             <a:endParaRPr lang="en-US" sz="2800" dirty="0" smtClean="0">
               <a:solidFill>
                 <a:schemeClr val="bg1"/>
@@ -3583,29 +3781,45 @@
             </a:endParaRPr>
           </a:p>
           <a:p>
-            <a:r>
-              <a:rPr lang="ru-RU" sz="2800" dirty="0" smtClean="0">
+            <a:pPr marL="457200" indent="-457200">
+              <a:spcAft>
+                <a:spcPts val="2400"/>
+              </a:spcAft>
+              <a:buFont typeface="Arial" panose="020B0604020202020204" pitchFamily="34" charset="0"/>
+              <a:buChar char="•"/>
+            </a:pPr>
+            <a:r>
+              <a:rPr lang="en-US" sz="2800" dirty="0" smtClean="0">
                 <a:solidFill>
                   <a:schemeClr val="bg1"/>
                 </a:solidFill>
               </a:rPr>
-              <a:t>Группа ВКонтакте</a:t>
-            </a:r>
-            <a:endParaRPr lang="ru-RU" sz="2800" dirty="0" smtClean="0">
-              <a:solidFill>
-                <a:schemeClr val="bg1"/>
-              </a:solidFill>
-            </a:endParaRPr>
-          </a:p>
-          <a:p>
-            <a:r>
+              <a:t>Facebook</a:t>
+            </a:r>
+            <a:br>
               <a:rPr lang="en-US" sz="2800" dirty="0" smtClean="0">
                 <a:solidFill>
                   <a:schemeClr val="bg1"/>
                 </a:solidFill>
-                <a:hlinkClick r:id="rId3"/>
-              </a:rPr>
-              <a:t>http://vk.com/tcbelhard</a:t>
+              </a:rPr>
+            </a:br>
+            <a:r>
+              <a:rPr lang="en-US" sz="2800" dirty="0" smtClean="0">
+                <a:hlinkClick r:id="rId4"/>
+              </a:rPr>
+              <a:t>https</a:t>
+            </a:r>
+            <a:r>
+              <a:rPr lang="en-US" sz="2800" dirty="0">
+                <a:hlinkClick r:id="rId4"/>
+              </a:rPr>
+              <a:t>://</a:t>
+            </a:r>
+            <a:r>
+              <a:rPr lang="en-US" sz="2800" dirty="0" smtClean="0">
+                <a:hlinkClick r:id="rId4"/>
+              </a:rPr>
+              <a:t>www.facebook.com/CentrBelhard</a:t>
             </a:r>
             <a:endParaRPr lang="en-US" sz="2800" dirty="0"/>
           </a:p>

--- a/Presentation/intro.pptx
+++ b/Presentation/intro.pptx
@@ -202,7 +202,7 @@
           <a:p>
             <a:fld id="{B24A7054-7FFB-49F4-A126-5DF6E687FF53}" type="datetimeFigureOut">
               <a:rPr lang="ru-RU" smtClean="0"/>
-              <a:t>02.11.2013</a:t>
+              <a:t>20.04.2014</a:t>
             </a:fld>
             <a:endParaRPr lang="ru-RU"/>
           </a:p>
@@ -1484,7 +1484,7 @@
           <a:p>
             <a:fld id="{8E6E6A2A-E9D3-4A0D-B04A-ABDD367A1E08}" type="datetimeFigureOut">
               <a:rPr lang="ru-RU" smtClean="0"/>
-              <a:t>02.11.2013</a:t>
+              <a:t>20.04.2014</a:t>
             </a:fld>
             <a:endParaRPr lang="ru-RU"/>
           </a:p>
@@ -2929,7 +2929,7 @@
           <a:p>
             <a:fld id="{AC3D3127-B7C4-45E3-9797-C527EC9FDD78}" type="datetimeFigureOut">
               <a:rPr lang="ru-RU" smtClean="0"/>
-              <a:t>02.11.2013</a:t>
+              <a:t>20.04.2014</a:t>
             </a:fld>
             <a:endParaRPr lang="ru-RU"/>
           </a:p>
@@ -3754,25 +3754,7 @@
                 </a:solidFill>
                 <a:hlinkClick r:id="rId3"/>
               </a:rPr>
-              <a:t>http</a:t>
-            </a:r>
-            <a:r>
-              <a:rPr lang="en-US" sz="2800" dirty="0" smtClean="0">
-                <a:solidFill>
-                  <a:schemeClr val="bg1"/>
-                </a:solidFill>
-                <a:hlinkClick r:id="rId3"/>
-              </a:rPr>
-              <a:t>://</a:t>
-            </a:r>
-            <a:r>
-              <a:rPr lang="en-US" sz="2800" dirty="0" smtClean="0">
-                <a:solidFill>
-                  <a:schemeClr val="bg1"/>
-                </a:solidFill>
-                <a:hlinkClick r:id="rId3"/>
-              </a:rPr>
-              <a:t>vk.com/tcbelhard</a:t>
+              <a:t>http://vk.com/tcbelhard</a:t>
             </a:r>
             <a:endParaRPr lang="en-US" sz="2800" dirty="0" smtClean="0">
               <a:solidFill>
@@ -4154,7 +4136,7 @@
         <p:spPr>
           <a:xfrm>
             <a:off x="251520" y="1052736"/>
-            <a:ext cx="8640960" cy="5693866"/>
+            <a:ext cx="8640960" cy="3970318"/>
           </a:xfrm>
           <a:prstGeom prst="rect">
             <a:avLst/>
@@ -4307,43 +4289,17 @@
                   <a:schemeClr val="bg1"/>
                 </a:solidFill>
               </a:rPr>
-              <a:t>Анкета качества</a:t>
+              <a:t>Анкета </a:t>
+            </a:r>
+            <a:r>
+              <a:rPr lang="ru-RU" sz="2800" dirty="0" smtClean="0">
+                <a:solidFill>
+                  <a:schemeClr val="bg1"/>
+                </a:solidFill>
+              </a:rPr>
+              <a:t>качества</a:t>
             </a:r>
             <a:endParaRPr lang="en-US" sz="2800" dirty="0" smtClean="0">
-              <a:solidFill>
-                <a:schemeClr val="bg1"/>
-              </a:solidFill>
-            </a:endParaRPr>
-          </a:p>
-          <a:p>
-            <a:pPr marL="285750" indent="-285750">
-              <a:buFont typeface="Arial" pitchFamily="34" charset="0"/>
-              <a:buChar char="•"/>
-            </a:pPr>
-            <a:r>
-              <a:rPr lang="ru-RU" sz="2800" dirty="0" smtClean="0">
-                <a:solidFill>
-                  <a:schemeClr val="bg1"/>
-                </a:solidFill>
-              </a:rPr>
-              <a:t>Совместная работа</a:t>
-            </a:r>
-          </a:p>
-          <a:p>
-            <a:pPr marL="742950" lvl="1" indent="-285750">
-              <a:buFont typeface="Arial" pitchFamily="34" charset="0"/>
-              <a:buChar char="•"/>
-            </a:pPr>
-            <a:r>
-              <a:rPr lang="en-US" sz="2800" dirty="0" smtClean="0">
-                <a:solidFill>
-                  <a:schemeClr val="bg1"/>
-                </a:solidFill>
-                <a:hlinkClick r:id="rId2"/>
-              </a:rPr>
-              <a:t>https://docs.google.com/spreadsheet/ccc?key=0Ah4Zqg1N7gYQdDR6MWw3NUtDYWVYOWJmTU1HRUtoQnc&amp;usp=sharing</a:t>
-            </a:r>
-            <a:endParaRPr lang="en-US" sz="2800" dirty="0">
               <a:solidFill>
                 <a:schemeClr val="bg1"/>
               </a:solidFill>
@@ -5092,7 +5048,7 @@
         <p:spPr/>
         <p:txBody>
           <a:bodyPr>
-            <a:normAutofit fontScale="77500" lnSpcReduction="20000"/>
+            <a:normAutofit fontScale="85000" lnSpcReduction="20000"/>
           </a:bodyPr>
           <a:lstStyle/>
           <a:p>
@@ -5142,7 +5098,7 @@
                   <a:srgbClr val="FFFF00"/>
                 </a:solidFill>
               </a:rPr>
-              <a:t>Visual Studio 2010</a:t>
+              <a:t>VS 2010!</a:t>
             </a:r>
             <a:endParaRPr lang="ru-RU" dirty="0" smtClean="0">
               <a:solidFill>
@@ -5197,34 +5153,29 @@
               <a:t>Productivity Power </a:t>
             </a:r>
             <a:r>
-              <a:rPr lang="en-US" dirty="0"/>
-              <a:t>Tools: </a:t>
+              <a:rPr lang="en-US" dirty="0" smtClean="0"/>
+              <a:t>Tools:</a:t>
+            </a:r>
+            <a:br>
+              <a:rPr lang="en-US" dirty="0" smtClean="0"/>
+            </a:br>
+            <a:r>
+              <a:rPr lang="en-US" dirty="0" smtClean="0">
+                <a:hlinkClick r:id="rId3"/>
+              </a:rPr>
+              <a:t>http</a:t>
             </a:r>
             <a:r>
               <a:rPr lang="en-US" dirty="0">
                 <a:hlinkClick r:id="rId3"/>
               </a:rPr>
-              <a:t>http://</a:t>
+              <a:t>://</a:t>
             </a:r>
             <a:r>
               <a:rPr lang="en-US" dirty="0" smtClean="0">
                 <a:hlinkClick r:id="rId3"/>
               </a:rPr>
               <a:t>visualstudiogallery.msdn.microsoft.com</a:t>
-            </a:r>
-            <a:endParaRPr lang="en-US" dirty="0" smtClean="0"/>
-          </a:p>
-          <a:p>
-            <a:pPr lvl="1"/>
-            <a:r>
-              <a:rPr lang="en-US" dirty="0"/>
-              <a:t>ReSharper: </a:t>
-            </a:r>
-            <a:r>
-              <a:rPr lang="en-US" dirty="0">
-                <a:hlinkClick r:id="rId4"/>
-              </a:rPr>
-              <a:t>http://www.jetbrains.com/resharper/</a:t>
             </a:r>
             <a:endParaRPr lang="en-US" dirty="0" smtClean="0"/>
           </a:p>
@@ -5290,7 +5241,7 @@
                 <a:solidFill>
                   <a:schemeClr val="bg1"/>
                 </a:solidFill>
-                <a:hlinkClick r:id="rId5"/>
+                <a:hlinkClick r:id="rId4"/>
               </a:rPr>
               <a:t>http://www.microsoft.com/downloads</a:t>
             </a:r>
@@ -5299,7 +5250,7 @@
                 <a:solidFill>
                   <a:schemeClr val="bg1"/>
                 </a:solidFill>
-                <a:hlinkClick r:id="rId5"/>
+                <a:hlinkClick r:id="rId4"/>
               </a:rPr>
               <a:t>/</a:t>
             </a:r>
@@ -5320,61 +5271,61 @@
             </a:r>
             <a:r>
               <a:rPr lang="en-US" dirty="0">
-                <a:hlinkClick r:id="rId6"/>
+                <a:hlinkClick r:id="rId5"/>
               </a:rPr>
               <a:t>http://www.linqpad.net</a:t>
+            </a:r>
+            <a:r>
+              <a:rPr lang="en-US" dirty="0" smtClean="0">
+                <a:hlinkClick r:id="rId5"/>
+              </a:rPr>
+              <a:t>/</a:t>
+            </a:r>
+            <a:endParaRPr lang="en-US" dirty="0" smtClean="0"/>
+          </a:p>
+          <a:p>
+            <a:r>
+              <a:rPr lang="en-US" dirty="0" err="1" smtClean="0"/>
+              <a:t>dotPeek</a:t>
+            </a:r>
+            <a:r>
+              <a:rPr lang="en-US" dirty="0" smtClean="0"/>
+              <a:t>: </a:t>
             </a:r>
             <a:r>
               <a:rPr lang="en-US" dirty="0" smtClean="0">
                 <a:hlinkClick r:id="rId6"/>
               </a:rPr>
+              <a:t>http</a:t>
+            </a:r>
+            <a:r>
+              <a:rPr lang="en-US" dirty="0">
+                <a:hlinkClick r:id="rId6"/>
+              </a:rPr>
+              <a:t>://www.jetbrains.com/decompiler</a:t>
+            </a:r>
+            <a:r>
+              <a:rPr lang="en-US" dirty="0" smtClean="0">
+                <a:hlinkClick r:id="rId6"/>
+              </a:rPr>
               <a:t>/</a:t>
             </a:r>
             <a:endParaRPr lang="en-US" dirty="0" smtClean="0"/>
           </a:p>
           <a:p>
             <a:r>
-              <a:rPr lang="en-US" dirty="0" err="1" smtClean="0"/>
-              <a:t>dotPeek</a:t>
-            </a:r>
-            <a:r>
               <a:rPr lang="en-US" dirty="0" smtClean="0"/>
-              <a:t>: </a:t>
+              <a:t>KDiff3: </a:t>
+            </a:r>
+            <a:r>
+              <a:rPr lang="en-US" dirty="0">
+                <a:hlinkClick r:id="rId7"/>
+              </a:rPr>
+              <a:t>http://kdiff3.sourceforge.net</a:t>
             </a:r>
             <a:r>
               <a:rPr lang="en-US" dirty="0" smtClean="0">
                 <a:hlinkClick r:id="rId7"/>
-              </a:rPr>
-              <a:t>http</a:t>
-            </a:r>
-            <a:r>
-              <a:rPr lang="en-US" dirty="0">
-                <a:hlinkClick r:id="rId7"/>
-              </a:rPr>
-              <a:t>://www.jetbrains.com/decompiler</a:t>
-            </a:r>
-            <a:r>
-              <a:rPr lang="en-US" dirty="0" smtClean="0">
-                <a:hlinkClick r:id="rId7"/>
-              </a:rPr>
-              <a:t>/</a:t>
-            </a:r>
-            <a:endParaRPr lang="en-US" dirty="0" smtClean="0"/>
-          </a:p>
-          <a:p>
-            <a:r>
-              <a:rPr lang="en-US" dirty="0" smtClean="0"/>
-              <a:t>KDiff3: </a:t>
-            </a:r>
-            <a:r>
-              <a:rPr lang="en-US" dirty="0">
-                <a:hlinkClick r:id="rId8"/>
-              </a:rPr>
-              <a:t>http://kdiff3.sourceforge.net</a:t>
-            </a:r>
-            <a:r>
-              <a:rPr lang="en-US" dirty="0" smtClean="0">
-                <a:hlinkClick r:id="rId8"/>
               </a:rPr>
               <a:t>/</a:t>
             </a:r>

--- a/Presentation/intro.pptx
+++ b/Presentation/intro.pptx
@@ -5,7 +5,7 @@
     <p:sldMasterId id="2147483648" r:id="rId1"/>
   </p:sldMasterIdLst>
   <p:notesMasterIdLst>
-    <p:notesMasterId r:id="rId13"/>
+    <p:notesMasterId r:id="rId12"/>
   </p:notesMasterIdLst>
   <p:sldIdLst>
     <p:sldId id="257" r:id="rId2"/>
@@ -17,8 +17,7 @@
     <p:sldId id="262" r:id="rId8"/>
     <p:sldId id="269" r:id="rId9"/>
     <p:sldId id="268" r:id="rId10"/>
-    <p:sldId id="271" r:id="rId11"/>
-    <p:sldId id="263" r:id="rId12"/>
+    <p:sldId id="263" r:id="rId11"/>
   </p:sldIdLst>
   <p:sldSz cx="9144000" cy="6858000" type="screen4x3"/>
   <p:notesSz cx="6858000" cy="9144000"/>
@@ -202,7 +201,7 @@
           <a:p>
             <a:fld id="{B24A7054-7FFB-49F4-A126-5DF6E687FF53}" type="datetimeFigureOut">
               <a:rPr lang="ru-RU" smtClean="0"/>
-              <a:t>20.04.2014</a:t>
+              <a:t>24.11.2015</a:t>
             </a:fld>
             <a:endParaRPr lang="ru-RU"/>
           </a:p>
@@ -1484,7 +1483,7 @@
           <a:p>
             <a:fld id="{8E6E6A2A-E9D3-4A0D-B04A-ABDD367A1E08}" type="datetimeFigureOut">
               <a:rPr lang="ru-RU" smtClean="0"/>
-              <a:t>20.04.2014</a:t>
+              <a:t>24.11.2015</a:t>
             </a:fld>
             <a:endParaRPr lang="ru-RU"/>
           </a:p>
@@ -2929,7 +2928,7 @@
           <a:p>
             <a:fld id="{AC3D3127-B7C4-45E3-9797-C527EC9FDD78}" type="datetimeFigureOut">
               <a:rPr lang="ru-RU" smtClean="0"/>
-              <a:t>20.04.2014</a:t>
+              <a:t>24.11.2015</a:t>
             </a:fld>
             <a:endParaRPr lang="ru-RU"/>
           </a:p>
@@ -3502,139 +3501,6 @@
       </p:grpSpPr>
       <p:sp>
         <p:nvSpPr>
-          <p:cNvPr id="2" name="Title 1"/>
-          <p:cNvSpPr>
-            <a:spLocks noGrp="1"/>
-          </p:cNvSpPr>
-          <p:nvPr>
-            <p:ph type="title"/>
-          </p:nvPr>
-        </p:nvSpPr>
-        <p:spPr/>
-        <p:txBody>
-          <a:bodyPr/>
-          <a:lstStyle/>
-          <a:p>
-            <a:r>
-              <a:rPr lang="en-US" dirty="0" smtClean="0"/>
-              <a:t>Microsoft </a:t>
-            </a:r>
-            <a:r>
-              <a:rPr lang="en-US" dirty="0" err="1" smtClean="0"/>
-              <a:t>DreamSpark</a:t>
-            </a:r>
-            <a:endParaRPr lang="ru-RU" dirty="0"/>
-          </a:p>
-        </p:txBody>
-      </p:sp>
-      <p:sp>
-        <p:nvSpPr>
-          <p:cNvPr id="3" name="Content Placeholder 2"/>
-          <p:cNvSpPr>
-            <a:spLocks noGrp="1"/>
-          </p:cNvSpPr>
-          <p:nvPr>
-            <p:ph idx="1"/>
-          </p:nvPr>
-        </p:nvSpPr>
-        <p:spPr/>
-        <p:txBody>
-          <a:bodyPr/>
-          <a:lstStyle/>
-          <a:p>
-            <a:pPr marL="0" indent="0">
-              <a:buNone/>
-            </a:pPr>
-            <a:r>
-              <a:rPr lang="en-US" dirty="0" err="1" smtClean="0"/>
-              <a:t>DreamSpark</a:t>
-            </a:r>
-            <a:r>
-              <a:rPr lang="en-US" dirty="0" smtClean="0"/>
-              <a:t> </a:t>
-            </a:r>
-            <a:r>
-              <a:rPr lang="ru-RU" dirty="0" smtClean="0"/>
-              <a:t>– инициатива </a:t>
-            </a:r>
-            <a:r>
-              <a:rPr lang="en-US" dirty="0" smtClean="0"/>
-              <a:t>Microsoft </a:t>
-            </a:r>
-            <a:r>
-              <a:rPr lang="ru-RU" dirty="0" smtClean="0"/>
-              <a:t>предоставлющая студентам и учебным учреждениям бесплатный доступ к програмному обеспечению </a:t>
-            </a:r>
-            <a:r>
-              <a:rPr lang="en-US" dirty="0" smtClean="0"/>
-              <a:t>Microsoft.</a:t>
-            </a:r>
-          </a:p>
-          <a:p>
-            <a:pPr marL="0" indent="0">
-              <a:buNone/>
-            </a:pPr>
-            <a:endParaRPr lang="en-US" dirty="0"/>
-          </a:p>
-          <a:p>
-            <a:pPr marL="0" indent="0">
-              <a:buNone/>
-            </a:pPr>
-            <a:r>
-              <a:rPr lang="en-US" dirty="0">
-                <a:hlinkClick r:id="rId2"/>
-              </a:rPr>
-              <a:t>https://www.dreamspark.com</a:t>
-            </a:r>
-            <a:r>
-              <a:rPr lang="en-US" dirty="0" smtClean="0">
-                <a:hlinkClick r:id="rId2"/>
-              </a:rPr>
-              <a:t>/</a:t>
-            </a:r>
-            <a:endParaRPr lang="ru-RU" dirty="0"/>
-          </a:p>
-        </p:txBody>
-      </p:sp>
-    </p:spTree>
-    <p:extLst>
-      <p:ext uri="{BB962C8B-B14F-4D97-AF65-F5344CB8AC3E}">
-        <p14:creationId xmlns:p14="http://schemas.microsoft.com/office/powerpoint/2010/main" val="2224165556"/>
-      </p:ext>
-    </p:extLst>
-  </p:cSld>
-  <p:clrMapOvr>
-    <a:masterClrMapping/>
-  </p:clrMapOvr>
-  <p:timing>
-    <p:tnLst>
-      <p:par>
-        <p:cTn id="1" dur="indefinite" restart="never" nodeType="tmRoot"/>
-      </p:par>
-    </p:tnLst>
-  </p:timing>
-</p:sld>
-</file>
-
-<file path=ppt/slides/slide11.xml><?xml version="1.0" encoding="utf-8"?>
-<p:sld xmlns:a="http://schemas.openxmlformats.org/drawingml/2006/main" xmlns:r="http://schemas.openxmlformats.org/officeDocument/2006/relationships" xmlns:p="http://schemas.openxmlformats.org/presentationml/2006/main">
-  <p:cSld>
-    <p:spTree>
-      <p:nvGrpSpPr>
-        <p:cNvPr id="1" name=""/>
-        <p:cNvGrpSpPr/>
-        <p:nvPr/>
-      </p:nvGrpSpPr>
-      <p:grpSpPr>
-        <a:xfrm>
-          <a:off x="0" y="0"/>
-          <a:ext cx="0" cy="0"/>
-          <a:chOff x="0" y="0"/>
-          <a:chExt cx="0" cy="0"/>
-        </a:xfrm>
-      </p:grpSpPr>
-      <p:sp>
-        <p:nvSpPr>
           <p:cNvPr id="4" name="TextBox 3"/>
           <p:cNvSpPr txBox="1"/>
           <p:nvPr/>
@@ -3664,7 +3530,19 @@
             </a:pPr>
             <a:r>
               <a:rPr lang="ru-RU" sz="2800" dirty="0"/>
-              <a:t>Центр Обучающих Технологий "</a:t>
+              <a:t>Центр Обучающих </a:t>
+            </a:r>
+            <a:r>
+              <a:rPr lang="ru-RU" sz="2800" dirty="0" smtClean="0"/>
+              <a:t>Технологий </a:t>
+            </a:r>
+            <a:r>
+              <a:rPr lang="ru-RU" sz="2800" dirty="0" smtClean="0">
+                <a:solidFill>
+                  <a:schemeClr val="bg1"/>
+                </a:solidFill>
+              </a:rPr>
+              <a:t>«</a:t>
             </a:r>
             <a:r>
               <a:rPr lang="ru-RU" sz="2800" dirty="0" smtClean="0"/>
@@ -3672,9 +3550,11 @@
             </a:r>
             <a:r>
               <a:rPr lang="ru-RU" sz="2800" dirty="0" smtClean="0">
-                <a:hlinkClick r:id="rId2"/>
-              </a:rPr>
-              <a:t>“</a:t>
+                <a:solidFill>
+                  <a:schemeClr val="bg1"/>
+                </a:solidFill>
+              </a:rPr>
+              <a:t>»</a:t>
             </a:r>
             <a:r>
               <a:rPr lang="en-US" sz="2800" dirty="0" smtClean="0"/>
@@ -3835,7 +3715,23 @@
                   <a:schemeClr val="bg1"/>
                 </a:solidFill>
               </a:rPr>
-              <a:t>Центр обучающих технологий «Белхард»</a:t>
+              <a:t>Центр обучающих </a:t>
+            </a:r>
+            <a:r>
+              <a:rPr lang="ru-RU" sz="4400" dirty="0" smtClean="0">
+                <a:solidFill>
+                  <a:schemeClr val="bg1"/>
+                </a:solidFill>
+              </a:rPr>
+              <a:t>технологий </a:t>
+            </a:r>
+            <a:r>
+              <a:rPr lang="ru-RU" sz="4400" dirty="0" smtClean="0">
+                <a:solidFill>
+                  <a:schemeClr val="bg1"/>
+                </a:solidFill>
+              </a:rPr>
+              <a:t>«Белхард»</a:t>
             </a:r>
             <a:endParaRPr lang="en-US" sz="4400" dirty="0">
               <a:solidFill>
@@ -4289,15 +4185,7 @@
                   <a:schemeClr val="bg1"/>
                 </a:solidFill>
               </a:rPr>
-              <a:t>Анкета </a:t>
-            </a:r>
-            <a:r>
-              <a:rPr lang="ru-RU" sz="2800" dirty="0" smtClean="0">
-                <a:solidFill>
-                  <a:schemeClr val="bg1"/>
-                </a:solidFill>
-              </a:rPr>
-              <a:t>качества</a:t>
+              <a:t>Анкета качества</a:t>
             </a:r>
             <a:endParaRPr lang="en-US" sz="2800" dirty="0" smtClean="0">
               <a:solidFill>
@@ -5058,7 +4946,31 @@
                   <a:srgbClr val="92D050"/>
                 </a:solidFill>
               </a:rPr>
-              <a:t>Microsoft Visual Studio 2010</a:t>
+              <a:t>Microsoft Visual Studio </a:t>
+            </a:r>
+            <a:r>
+              <a:rPr lang="en-US" dirty="0" smtClean="0">
+                <a:solidFill>
+                  <a:srgbClr val="92D050"/>
+                </a:solidFill>
+              </a:rPr>
+              <a:t>2010</a:t>
+            </a:r>
+            <a:r>
+              <a:rPr lang="ru-RU" dirty="0" smtClean="0">
+                <a:solidFill>
+                  <a:srgbClr val="92D050"/>
+                </a:solidFill>
+              </a:rPr>
+              <a:t> </a:t>
+            </a:r>
+            <a:r>
+              <a:rPr lang="ru-RU" dirty="0" smtClean="0">
+                <a:solidFill>
+                  <a:srgbClr val="92D050"/>
+                </a:solidFill>
+              </a:rPr>
+              <a:t>или выше</a:t>
             </a:r>
             <a:endParaRPr lang="ru-RU" dirty="0" smtClean="0">
               <a:solidFill>
@@ -5150,11 +5062,7 @@
             <a:pPr lvl="1"/>
             <a:r>
               <a:rPr lang="en-US" dirty="0" smtClean="0"/>
-              <a:t>Productivity Power </a:t>
-            </a:r>
-            <a:r>
-              <a:rPr lang="en-US" dirty="0" smtClean="0"/>
-              <a:t>Tools:</a:t>
+              <a:t>Productivity Power Tools:</a:t>
             </a:r>
             <a:br>
               <a:rPr lang="en-US" dirty="0" smtClean="0"/>

--- a/Presentation/intro.pptx
+++ b/Presentation/intro.pptx
@@ -116,6 +116,22 @@
       </a:defRPr>
     </a:lvl9pPr>
   </p:defaultTextStyle>
+  <p:extLst>
+    <p:ext uri="{EFAFB233-063F-42B5-8137-9DF3F51BA10A}">
+      <p15:sldGuideLst xmlns:p15="http://schemas.microsoft.com/office/powerpoint/2012/main">
+        <p15:guide id="1" orient="horz" pos="2160">
+          <p15:clr>
+            <a:srgbClr val="A4A3A4"/>
+          </p15:clr>
+        </p15:guide>
+        <p15:guide id="2" pos="2880">
+          <p15:clr>
+            <a:srgbClr val="A4A3A4"/>
+          </p15:clr>
+        </p15:guide>
+      </p15:sldGuideLst>
+    </p:ext>
+  </p:extLst>
 </p:presentation>
 </file>
 
@@ -201,7 +217,7 @@
           <a:p>
             <a:fld id="{B24A7054-7FFB-49F4-A126-5DF6E687FF53}" type="datetimeFigureOut">
               <a:rPr lang="ru-RU" smtClean="0"/>
-              <a:t>24.11.2015</a:t>
+              <a:t>01.07.2018</a:t>
             </a:fld>
             <a:endParaRPr lang="ru-RU"/>
           </a:p>
@@ -265,35 +281,35 @@
           <a:p>
             <a:pPr lvl="0"/>
             <a:r>
-              <a:rPr lang="en-US" smtClean="0"/>
+              <a:rPr lang="en-US"/>
               <a:t>Click to edit Master text styles</a:t>
             </a:r>
           </a:p>
           <a:p>
             <a:pPr lvl="1"/>
             <a:r>
-              <a:rPr lang="en-US" smtClean="0"/>
+              <a:rPr lang="en-US"/>
               <a:t>Second level</a:t>
             </a:r>
           </a:p>
           <a:p>
             <a:pPr lvl="2"/>
             <a:r>
-              <a:rPr lang="en-US" smtClean="0"/>
+              <a:rPr lang="en-US"/>
               <a:t>Third level</a:t>
             </a:r>
           </a:p>
           <a:p>
             <a:pPr lvl="3"/>
             <a:r>
-              <a:rPr lang="en-US" smtClean="0"/>
+              <a:rPr lang="en-US"/>
               <a:t>Fourth level</a:t>
             </a:r>
           </a:p>
           <a:p>
             <a:pPr lvl="4"/>
             <a:r>
-              <a:rPr lang="en-US" smtClean="0"/>
+              <a:rPr lang="en-US"/>
               <a:t>Fifth level</a:t>
             </a:r>
             <a:endParaRPr lang="ru-RU"/>
@@ -509,7 +525,7 @@
           <a:p>
             <a:pPr algn="ctr"/>
             <a:r>
-              <a:rPr lang="ru-RU" sz="3600" b="1" i="1" dirty="0" smtClean="0">
+              <a:rPr lang="ru-RU" sz="3600" b="1" i="1" dirty="0">
                 <a:solidFill>
                   <a:schemeClr val="bg1"/>
                 </a:solidFill>
@@ -517,7 +533,7 @@
               <a:t>Основы программирования на </a:t>
             </a:r>
             <a:r>
-              <a:rPr lang="en-US" sz="3600" b="1" i="1" dirty="0" smtClean="0">
+              <a:rPr lang="en-US" sz="3600" b="1" i="1" dirty="0">
                 <a:solidFill>
                   <a:schemeClr val="bg1"/>
                 </a:solidFill>
@@ -624,26 +640,18 @@
                   <a:schemeClr val="bg1"/>
                 </a:solidFill>
               </a:rPr>
-              <a:t>Занятие </a:t>
-            </a:r>
-            <a:r>
-              <a:rPr lang="ru-RU" sz="2400" dirty="0" smtClean="0">
+              <a:t>Занятие №</a:t>
+            </a:r>
+            <a:r>
+              <a:rPr lang="en-US" sz="2400" dirty="0">
                 <a:solidFill>
                   <a:schemeClr val="bg1"/>
                 </a:solidFill>
               </a:rPr>
-              <a:t>№</a:t>
-            </a:r>
-            <a:r>
-              <a:rPr lang="en-US" sz="2400" dirty="0" smtClean="0">
-                <a:solidFill>
-                  <a:schemeClr val="bg1"/>
-                </a:solidFill>
-              </a:rPr>
               <a:t>1</a:t>
             </a:r>
             <a:r>
-              <a:rPr lang="ru-RU" sz="2400" dirty="0" smtClean="0">
+              <a:rPr lang="ru-RU" sz="2400" dirty="0">
                 <a:solidFill>
                   <a:schemeClr val="bg1"/>
                 </a:solidFill>
@@ -668,13 +676,6 @@
   <p:clrMapOvr>
     <a:masterClrMapping/>
   </p:clrMapOvr>
-  <p:timing>
-    <p:tnLst>
-      <p:par>
-        <p:cTn id="1" dur="indefinite" restart="never" nodeType="tmRoot"/>
-      </p:par>
-    </p:tnLst>
-  </p:timing>
 </p:sldLayout>
 </file>
 
@@ -720,7 +721,7 @@
           </a:lstStyle>
           <a:p>
             <a:r>
-              <a:rPr lang="en-US" smtClean="0"/>
+              <a:rPr lang="en-US"/>
               <a:t>Click to edit Master title style</a:t>
             </a:r>
             <a:endParaRPr lang="ru-RU" dirty="0"/>
@@ -777,35 +778,35 @@
           <a:p>
             <a:pPr lvl="0"/>
             <a:r>
-              <a:rPr lang="en-US" smtClean="0"/>
+              <a:rPr lang="en-US"/>
               <a:t>Click to edit Master text styles</a:t>
             </a:r>
           </a:p>
           <a:p>
             <a:pPr lvl="1"/>
             <a:r>
-              <a:rPr lang="en-US" smtClean="0"/>
+              <a:rPr lang="en-US"/>
               <a:t>Second level</a:t>
             </a:r>
           </a:p>
           <a:p>
             <a:pPr lvl="2"/>
             <a:r>
-              <a:rPr lang="en-US" smtClean="0"/>
+              <a:rPr lang="en-US"/>
               <a:t>Third level</a:t>
             </a:r>
           </a:p>
           <a:p>
             <a:pPr lvl="3"/>
             <a:r>
-              <a:rPr lang="en-US" smtClean="0"/>
+              <a:rPr lang="en-US"/>
               <a:t>Fourth level</a:t>
             </a:r>
           </a:p>
           <a:p>
             <a:pPr lvl="4"/>
             <a:r>
-              <a:rPr lang="en-US" smtClean="0"/>
+              <a:rPr lang="en-US"/>
               <a:t>Fifth level</a:t>
             </a:r>
             <a:endParaRPr lang="ru-RU" dirty="0"/>
@@ -871,7 +872,7 @@
           <a:p>
             <a:pPr lvl="0"/>
             <a:r>
-              <a:rPr lang="en-US" smtClean="0"/>
+              <a:rPr lang="en-US"/>
               <a:t>Click to edit Master text styles</a:t>
             </a:r>
           </a:p>
@@ -932,7 +933,7 @@
           </a:lstStyle>
           <a:p>
             <a:r>
-              <a:rPr lang="en-US" smtClean="0"/>
+              <a:rPr lang="en-US"/>
               <a:t>Click to edit Master title style</a:t>
             </a:r>
             <a:endParaRPr lang="ru-RU" dirty="0"/>
@@ -997,7 +998,7 @@
           </a:lstStyle>
           <a:p>
             <a:r>
-              <a:rPr lang="en-US" smtClean="0"/>
+              <a:rPr lang="en-US"/>
               <a:t>Click icon to add picture</a:t>
             </a:r>
             <a:endParaRPr lang="ru-RU"/>
@@ -1063,7 +1064,7 @@
           <a:p>
             <a:pPr lvl="0"/>
             <a:r>
-              <a:rPr lang="en-US" smtClean="0"/>
+              <a:rPr lang="en-US"/>
               <a:t>Click to edit Master text styles</a:t>
             </a:r>
           </a:p>
@@ -1115,7 +1116,7 @@
           <a:lstStyle/>
           <a:p>
             <a:r>
-              <a:rPr lang="en-US" smtClean="0"/>
+              <a:rPr lang="en-US"/>
               <a:t>Click to edit Master title style</a:t>
             </a:r>
             <a:endParaRPr lang="ru-RU" dirty="0"/>
@@ -1139,35 +1140,35 @@
           <a:p>
             <a:pPr lvl="0"/>
             <a:r>
-              <a:rPr lang="en-US" smtClean="0"/>
+              <a:rPr lang="en-US"/>
               <a:t>Click to edit Master text styles</a:t>
             </a:r>
           </a:p>
           <a:p>
             <a:pPr lvl="1"/>
             <a:r>
-              <a:rPr lang="en-US" smtClean="0"/>
+              <a:rPr lang="en-US"/>
               <a:t>Second level</a:t>
             </a:r>
           </a:p>
           <a:p>
             <a:pPr lvl="2"/>
             <a:r>
-              <a:rPr lang="en-US" smtClean="0"/>
+              <a:rPr lang="en-US"/>
               <a:t>Third level</a:t>
             </a:r>
           </a:p>
           <a:p>
             <a:pPr lvl="3"/>
             <a:r>
-              <a:rPr lang="en-US" smtClean="0"/>
+              <a:rPr lang="en-US"/>
               <a:t>Fourth level</a:t>
             </a:r>
           </a:p>
           <a:p>
             <a:pPr lvl="4"/>
             <a:r>
-              <a:rPr lang="en-US" smtClean="0"/>
+              <a:rPr lang="en-US"/>
               <a:t>Fifth level</a:t>
             </a:r>
             <a:endParaRPr lang="ru-RU" dirty="0"/>
@@ -1225,7 +1226,7 @@
           <a:lstStyle/>
           <a:p>
             <a:r>
-              <a:rPr lang="en-US" smtClean="0"/>
+              <a:rPr lang="en-US"/>
               <a:t>Click to edit Master title style</a:t>
             </a:r>
             <a:endParaRPr lang="ru-RU" dirty="0"/>
@@ -1254,35 +1255,35 @@
           <a:p>
             <a:pPr lvl="0"/>
             <a:r>
-              <a:rPr lang="en-US" smtClean="0"/>
+              <a:rPr lang="en-US"/>
               <a:t>Click to edit Master text styles</a:t>
             </a:r>
           </a:p>
           <a:p>
             <a:pPr lvl="1"/>
             <a:r>
-              <a:rPr lang="en-US" smtClean="0"/>
+              <a:rPr lang="en-US"/>
               <a:t>Second level</a:t>
             </a:r>
           </a:p>
           <a:p>
             <a:pPr lvl="2"/>
             <a:r>
-              <a:rPr lang="en-US" smtClean="0"/>
+              <a:rPr lang="en-US"/>
               <a:t>Third level</a:t>
             </a:r>
           </a:p>
           <a:p>
             <a:pPr lvl="3"/>
             <a:r>
-              <a:rPr lang="en-US" smtClean="0"/>
+              <a:rPr lang="en-US"/>
               <a:t>Fourth level</a:t>
             </a:r>
           </a:p>
           <a:p>
             <a:pPr lvl="4"/>
             <a:r>
-              <a:rPr lang="en-US" smtClean="0"/>
+              <a:rPr lang="en-US"/>
               <a:t>Fifth level</a:t>
             </a:r>
             <a:endParaRPr lang="ru-RU" dirty="0"/>
@@ -1340,7 +1341,7 @@
           <a:lstStyle/>
           <a:p>
             <a:r>
-              <a:rPr lang="en-US" smtClean="0"/>
+              <a:rPr lang="en-US"/>
               <a:t>Click to edit Master title style</a:t>
             </a:r>
             <a:endParaRPr lang="ru-RU"/>
@@ -1459,7 +1460,7 @@
           </a:lstStyle>
           <a:p>
             <a:r>
-              <a:rPr lang="en-US" smtClean="0"/>
+              <a:rPr lang="en-US"/>
               <a:t>Click to edit Master subtitle style</a:t>
             </a:r>
             <a:endParaRPr lang="ru-RU"/>
@@ -1483,7 +1484,7 @@
           <a:p>
             <a:fld id="{8E6E6A2A-E9D3-4A0D-B04A-ABDD367A1E08}" type="datetimeFigureOut">
               <a:rPr lang="ru-RU" smtClean="0"/>
-              <a:t>24.11.2015</a:t>
+              <a:t>01.07.2018</a:t>
             </a:fld>
             <a:endParaRPr lang="ru-RU"/>
           </a:p>
@@ -1589,26 +1590,18 @@
                   <a:schemeClr val="bg1"/>
                 </a:solidFill>
               </a:rPr>
-              <a:t>Занятие </a:t>
-            </a:r>
-            <a:r>
-              <a:rPr lang="ru-RU" sz="2400" dirty="0" smtClean="0">
+              <a:t>Занятие №</a:t>
+            </a:r>
+            <a:r>
+              <a:rPr lang="en-US" sz="2400" dirty="0">
                 <a:solidFill>
                   <a:schemeClr val="bg1"/>
                 </a:solidFill>
               </a:rPr>
-              <a:t>№</a:t>
-            </a:r>
-            <a:r>
-              <a:rPr lang="en-US" sz="2400" dirty="0" smtClean="0">
-                <a:solidFill>
-                  <a:schemeClr val="bg1"/>
-                </a:solidFill>
-              </a:rPr>
               <a:t>2</a:t>
             </a:r>
             <a:r>
-              <a:rPr lang="ru-RU" sz="2400" dirty="0" smtClean="0">
+              <a:rPr lang="ru-RU" sz="2400" dirty="0">
                 <a:solidFill>
                   <a:schemeClr val="bg1"/>
                 </a:solidFill>
@@ -1646,7 +1639,7 @@
           <a:p>
             <a:pPr algn="ctr"/>
             <a:r>
-              <a:rPr lang="ru-RU" sz="3600" b="1" i="1" dirty="0" smtClean="0">
+              <a:rPr lang="ru-RU" sz="3600" b="1" i="1" dirty="0">
                 <a:solidFill>
                   <a:schemeClr val="bg1"/>
                 </a:solidFill>
@@ -1654,7 +1647,7 @@
               <a:t>Основы программирования на </a:t>
             </a:r>
             <a:r>
-              <a:rPr lang="en-US" sz="3600" b="1" i="1" dirty="0" smtClean="0">
+              <a:rPr lang="en-US" sz="3600" b="1" i="1" dirty="0">
                 <a:solidFill>
                   <a:schemeClr val="bg1"/>
                 </a:solidFill>
@@ -1743,13 +1736,6 @@
   <p:clrMapOvr>
     <a:masterClrMapping/>
   </p:clrMapOvr>
-  <p:timing>
-    <p:tnLst>
-      <p:par>
-        <p:cTn id="1" dur="indefinite" restart="never" nodeType="tmRoot"/>
-      </p:par>
-    </p:tnLst>
-  </p:timing>
 </p:sldLayout>
 </file>
 
@@ -1786,7 +1772,7 @@
           <a:lstStyle/>
           <a:p>
             <a:r>
-              <a:rPr lang="en-US" smtClean="0"/>
+              <a:rPr lang="en-US"/>
               <a:t>Click to edit Master title style</a:t>
             </a:r>
             <a:endParaRPr lang="ru-RU" dirty="0"/>
@@ -1810,35 +1796,35 @@
           <a:p>
             <a:pPr lvl="0"/>
             <a:r>
-              <a:rPr lang="en-US" smtClean="0"/>
+              <a:rPr lang="en-US"/>
               <a:t>Click to edit Master text styles</a:t>
             </a:r>
           </a:p>
           <a:p>
             <a:pPr lvl="1"/>
             <a:r>
-              <a:rPr lang="en-US" smtClean="0"/>
+              <a:rPr lang="en-US"/>
               <a:t>Second level</a:t>
             </a:r>
           </a:p>
           <a:p>
             <a:pPr lvl="2"/>
             <a:r>
-              <a:rPr lang="en-US" smtClean="0"/>
+              <a:rPr lang="en-US"/>
               <a:t>Third level</a:t>
             </a:r>
           </a:p>
           <a:p>
             <a:pPr lvl="3"/>
             <a:r>
-              <a:rPr lang="en-US" smtClean="0"/>
+              <a:rPr lang="en-US"/>
               <a:t>Fourth level</a:t>
             </a:r>
           </a:p>
           <a:p>
             <a:pPr lvl="4"/>
             <a:r>
-              <a:rPr lang="en-US" smtClean="0"/>
+              <a:rPr lang="en-US"/>
               <a:t>Fifth level</a:t>
             </a:r>
             <a:endParaRPr lang="ru-RU" dirty="0"/>
@@ -1900,7 +1886,7 @@
           </a:lstStyle>
           <a:p>
             <a:r>
-              <a:rPr lang="en-US" smtClean="0"/>
+              <a:rPr lang="en-US"/>
               <a:t>Click to edit Master title style</a:t>
             </a:r>
             <a:endParaRPr lang="ru-RU" dirty="0"/>
@@ -2020,7 +2006,7 @@
           <a:p>
             <a:pPr lvl="0"/>
             <a:r>
-              <a:rPr lang="en-US" smtClean="0"/>
+              <a:rPr lang="en-US"/>
               <a:t>Click to edit Master text styles</a:t>
             </a:r>
           </a:p>
@@ -2072,7 +2058,7 @@
           <a:lstStyle/>
           <a:p>
             <a:r>
-              <a:rPr lang="en-US" smtClean="0"/>
+              <a:rPr lang="en-US"/>
               <a:t>Click to edit Master title style</a:t>
             </a:r>
             <a:endParaRPr lang="ru-RU" dirty="0"/>
@@ -2129,35 +2115,35 @@
           <a:p>
             <a:pPr lvl="0"/>
             <a:r>
-              <a:rPr lang="en-US" smtClean="0"/>
+              <a:rPr lang="en-US"/>
               <a:t>Click to edit Master text styles</a:t>
             </a:r>
           </a:p>
           <a:p>
             <a:pPr lvl="1"/>
             <a:r>
-              <a:rPr lang="en-US" smtClean="0"/>
+              <a:rPr lang="en-US"/>
               <a:t>Second level</a:t>
             </a:r>
           </a:p>
           <a:p>
             <a:pPr lvl="2"/>
             <a:r>
-              <a:rPr lang="en-US" smtClean="0"/>
+              <a:rPr lang="en-US"/>
               <a:t>Third level</a:t>
             </a:r>
           </a:p>
           <a:p>
             <a:pPr lvl="3"/>
             <a:r>
-              <a:rPr lang="en-US" smtClean="0"/>
+              <a:rPr lang="en-US"/>
               <a:t>Fourth level</a:t>
             </a:r>
           </a:p>
           <a:p>
             <a:pPr lvl="4"/>
             <a:r>
-              <a:rPr lang="en-US" smtClean="0"/>
+              <a:rPr lang="en-US"/>
               <a:t>Fifth level</a:t>
             </a:r>
             <a:endParaRPr lang="ru-RU" dirty="0"/>
@@ -2214,35 +2200,35 @@
           <a:p>
             <a:pPr lvl="0"/>
             <a:r>
-              <a:rPr lang="en-US" smtClean="0"/>
+              <a:rPr lang="en-US"/>
               <a:t>Click to edit Master text styles</a:t>
             </a:r>
           </a:p>
           <a:p>
             <a:pPr lvl="1"/>
             <a:r>
-              <a:rPr lang="en-US" smtClean="0"/>
+              <a:rPr lang="en-US"/>
               <a:t>Second level</a:t>
             </a:r>
           </a:p>
           <a:p>
             <a:pPr lvl="2"/>
             <a:r>
-              <a:rPr lang="en-US" smtClean="0"/>
+              <a:rPr lang="en-US"/>
               <a:t>Third level</a:t>
             </a:r>
           </a:p>
           <a:p>
             <a:pPr lvl="3"/>
             <a:r>
-              <a:rPr lang="en-US" smtClean="0"/>
+              <a:rPr lang="en-US"/>
               <a:t>Fourth level</a:t>
             </a:r>
           </a:p>
           <a:p>
             <a:pPr lvl="4"/>
             <a:r>
-              <a:rPr lang="en-US" smtClean="0"/>
+              <a:rPr lang="en-US"/>
               <a:t>Fifth level</a:t>
             </a:r>
             <a:endParaRPr lang="ru-RU" dirty="0"/>
@@ -2299,7 +2285,7 @@
           </a:lstStyle>
           <a:p>
             <a:r>
-              <a:rPr lang="en-US" smtClean="0"/>
+              <a:rPr lang="en-US"/>
               <a:t>Click to edit Master title style</a:t>
             </a:r>
             <a:endParaRPr lang="ru-RU" dirty="0"/>
@@ -2365,7 +2351,7 @@
           <a:p>
             <a:pPr lvl="0"/>
             <a:r>
-              <a:rPr lang="en-US" smtClean="0"/>
+              <a:rPr lang="en-US"/>
               <a:t>Click to edit Master text styles</a:t>
             </a:r>
           </a:p>
@@ -2421,35 +2407,35 @@
           <a:p>
             <a:pPr lvl="0"/>
             <a:r>
-              <a:rPr lang="en-US" smtClean="0"/>
+              <a:rPr lang="en-US"/>
               <a:t>Click to edit Master text styles</a:t>
             </a:r>
           </a:p>
           <a:p>
             <a:pPr lvl="1"/>
             <a:r>
-              <a:rPr lang="en-US" smtClean="0"/>
+              <a:rPr lang="en-US"/>
               <a:t>Second level</a:t>
             </a:r>
           </a:p>
           <a:p>
             <a:pPr lvl="2"/>
             <a:r>
-              <a:rPr lang="en-US" smtClean="0"/>
+              <a:rPr lang="en-US"/>
               <a:t>Third level</a:t>
             </a:r>
           </a:p>
           <a:p>
             <a:pPr lvl="3"/>
             <a:r>
-              <a:rPr lang="en-US" smtClean="0"/>
+              <a:rPr lang="en-US"/>
               <a:t>Fourth level</a:t>
             </a:r>
           </a:p>
           <a:p>
             <a:pPr lvl="4"/>
             <a:r>
-              <a:rPr lang="en-US" smtClean="0"/>
+              <a:rPr lang="en-US"/>
               <a:t>Fifth level</a:t>
             </a:r>
             <a:endParaRPr lang="ru-RU" dirty="0"/>
@@ -2515,7 +2501,7 @@
           <a:p>
             <a:pPr lvl="0"/>
             <a:r>
-              <a:rPr lang="en-US" smtClean="0"/>
+              <a:rPr lang="en-US"/>
               <a:t>Click to edit Master text styles</a:t>
             </a:r>
           </a:p>
@@ -2571,35 +2557,35 @@
           <a:p>
             <a:pPr lvl="0"/>
             <a:r>
-              <a:rPr lang="en-US" smtClean="0"/>
+              <a:rPr lang="en-US"/>
               <a:t>Click to edit Master text styles</a:t>
             </a:r>
           </a:p>
           <a:p>
             <a:pPr lvl="1"/>
             <a:r>
-              <a:rPr lang="en-US" smtClean="0"/>
+              <a:rPr lang="en-US"/>
               <a:t>Second level</a:t>
             </a:r>
           </a:p>
           <a:p>
             <a:pPr lvl="2"/>
             <a:r>
-              <a:rPr lang="en-US" smtClean="0"/>
+              <a:rPr lang="en-US"/>
               <a:t>Third level</a:t>
             </a:r>
           </a:p>
           <a:p>
             <a:pPr lvl="3"/>
             <a:r>
-              <a:rPr lang="en-US" smtClean="0"/>
+              <a:rPr lang="en-US"/>
               <a:t>Fourth level</a:t>
             </a:r>
           </a:p>
           <a:p>
             <a:pPr lvl="4"/>
             <a:r>
-              <a:rPr lang="en-US" smtClean="0"/>
+              <a:rPr lang="en-US"/>
               <a:t>Fifth level</a:t>
             </a:r>
             <a:endParaRPr lang="ru-RU" dirty="0"/>
@@ -2652,7 +2638,7 @@
           <a:lstStyle/>
           <a:p>
             <a:r>
-              <a:rPr lang="en-US" smtClean="0"/>
+              <a:rPr lang="en-US"/>
               <a:t>Click to edit Master title style</a:t>
             </a:r>
             <a:endParaRPr lang="ru-RU" dirty="0"/>
@@ -2713,14 +2699,14 @@
           <a:p>
             <a:pPr algn="ctr"/>
             <a:r>
-              <a:rPr lang="ru-RU" sz="3200" dirty="0" smtClean="0"/>
+              <a:rPr lang="ru-RU" sz="3200" dirty="0"/>
               <a:t>Название.</a:t>
             </a:r>
             <a:r>
-              <a:rPr lang="ru-RU" sz="3200" baseline="0" dirty="0" smtClean="0"/>
+              <a:rPr lang="ru-RU" sz="3200" baseline="0" dirty="0"/>
               <a:t> Демонстрация.</a:t>
             </a:r>
-            <a:endParaRPr lang="ru-RU" sz="3200" dirty="0" smtClean="0"/>
+            <a:endParaRPr lang="ru-RU" sz="3200" dirty="0"/>
           </a:p>
         </p:txBody>
       </p:sp>
@@ -2824,7 +2810,7 @@
           <a:lstStyle/>
           <a:p>
             <a:r>
-              <a:rPr lang="en-US" smtClean="0"/>
+              <a:rPr lang="en-US"/>
               <a:t>Click to edit Master title style</a:t>
             </a:r>
             <a:endParaRPr lang="ru-RU"/>
@@ -2858,35 +2844,35 @@
           <a:p>
             <a:pPr lvl="0"/>
             <a:r>
-              <a:rPr lang="en-US" smtClean="0"/>
+              <a:rPr lang="en-US"/>
               <a:t>Click to edit Master text styles</a:t>
             </a:r>
           </a:p>
           <a:p>
             <a:pPr lvl="1"/>
             <a:r>
-              <a:rPr lang="en-US" smtClean="0"/>
+              <a:rPr lang="en-US"/>
               <a:t>Second level</a:t>
             </a:r>
           </a:p>
           <a:p>
             <a:pPr lvl="2"/>
             <a:r>
-              <a:rPr lang="en-US" smtClean="0"/>
+              <a:rPr lang="en-US"/>
               <a:t>Third level</a:t>
             </a:r>
           </a:p>
           <a:p>
             <a:pPr lvl="3"/>
             <a:r>
-              <a:rPr lang="en-US" smtClean="0"/>
+              <a:rPr lang="en-US"/>
               <a:t>Fourth level</a:t>
             </a:r>
           </a:p>
           <a:p>
             <a:pPr lvl="4"/>
             <a:r>
-              <a:rPr lang="en-US" smtClean="0"/>
+              <a:rPr lang="en-US"/>
               <a:t>Fifth level</a:t>
             </a:r>
             <a:endParaRPr lang="ru-RU"/>
@@ -2928,7 +2914,7 @@
           <a:p>
             <a:fld id="{AC3D3127-B7C4-45E3-9797-C527EC9FDD78}" type="datetimeFigureOut">
               <a:rPr lang="ru-RU" smtClean="0"/>
-              <a:t>24.11.2015</a:t>
+              <a:t>01.07.2018</a:t>
             </a:fld>
             <a:endParaRPr lang="ru-RU"/>
           </a:p>
@@ -3036,13 +3022,6 @@
     <p:sldLayoutId id="2147483659" r:id="rId13"/>
     <p:sldLayoutId id="2147483662" r:id="rId14"/>
   </p:sldLayoutIdLst>
-  <p:timing>
-    <p:tnLst>
-      <p:par>
-        <p:cTn id="1" dur="indefinite" restart="never" nodeType="tmRoot"/>
-      </p:par>
-    </p:tnLst>
-  </p:timing>
   <p:txStyles>
     <p:titleStyle>
       <a:lvl1pPr algn="ctr" defTabSz="914400" rtl="0" eaLnBrk="1" latinLnBrk="0" hangingPunct="1">
@@ -3322,7 +3301,7 @@
         <p:spPr>
           <a:xfrm>
             <a:off x="143508" y="1304764"/>
-            <a:ext cx="8856984" cy="646331"/>
+            <a:ext cx="8856984" cy="523220"/>
           </a:xfrm>
           <a:prstGeom prst="rect">
             <a:avLst/>
@@ -3336,7 +3315,7 @@
           <a:p>
             <a:pPr algn="ctr"/>
             <a:r>
-              <a:rPr lang="ru-RU" sz="3600" b="1" i="1" dirty="0" smtClean="0">
+              <a:rPr lang="ru-RU" sz="2800" i="1" dirty="0">
                 <a:solidFill>
                   <a:schemeClr val="bg1"/>
                 </a:solidFill>
@@ -3344,14 +3323,14 @@
               <a:t>Основы программирования на </a:t>
             </a:r>
             <a:r>
-              <a:rPr lang="en-US" sz="3600" b="1" i="1" dirty="0" smtClean="0">
+              <a:rPr lang="en-US" sz="2800" i="1" dirty="0">
                 <a:solidFill>
                   <a:schemeClr val="bg1"/>
                 </a:solidFill>
               </a:rPr>
               <a:t>C#</a:t>
             </a:r>
-            <a:endParaRPr lang="ru-RU" sz="3600" b="1" i="1" dirty="0">
+            <a:endParaRPr lang="ru-RU" sz="2800" i="1" dirty="0">
               <a:solidFill>
                 <a:schemeClr val="bg1"/>
               </a:solidFill>
@@ -3359,70 +3338,6 @@
           </a:p>
         </p:txBody>
       </p:sp>
-      <p:pic>
-        <p:nvPicPr>
-          <p:cNvPr id="6" name="Picture 5"/>
-          <p:cNvPicPr>
-            <a:picLocks noChangeAspect="1" noChangeArrowheads="1"/>
-          </p:cNvPicPr>
-          <p:nvPr/>
-        </p:nvPicPr>
-        <p:blipFill>
-          <a:blip r:embed="rId2">
-            <a:extLst>
-              <a:ext uri="{28A0092B-C50C-407E-A947-70E740481C1C}">
-                <a14:useLocalDpi xmlns:a14="http://schemas.microsoft.com/office/drawing/2010/main" val="0"/>
-              </a:ext>
-            </a:extLst>
-          </a:blip>
-          <a:srcRect/>
-          <a:stretch>
-            <a:fillRect/>
-          </a:stretch>
-        </p:blipFill>
-        <p:spPr bwMode="auto">
-          <a:xfrm>
-            <a:off x="1638300" y="3829211"/>
-            <a:ext cx="5867400" cy="1724025"/>
-          </a:xfrm>
-          <a:prstGeom prst="rect">
-            <a:avLst/>
-          </a:prstGeom>
-          <a:noFill/>
-          <a:ln>
-            <a:noFill/>
-          </a:ln>
-          <a:effectLst/>
-          <a:extLst>
-            <a:ext uri="{909E8E84-426E-40DD-AFC4-6F175D3DCCD1}">
-              <a14:hiddenFill xmlns:a14="http://schemas.microsoft.com/office/drawing/2010/main">
-                <a:solidFill>
-                  <a:schemeClr val="accent1"/>
-                </a:solidFill>
-              </a14:hiddenFill>
-            </a:ext>
-            <a:ext uri="{91240B29-F687-4F45-9708-019B960494DF}">
-              <a14:hiddenLine xmlns:a14="http://schemas.microsoft.com/office/drawing/2010/main" w="9525">
-                <a:solidFill>
-                  <a:schemeClr val="tx1"/>
-                </a:solidFill>
-                <a:miter lim="800000"/>
-                <a:headEnd/>
-                <a:tailEnd/>
-              </a14:hiddenLine>
-            </a:ext>
-            <a:ext uri="{AF507438-7753-43E0-B8FC-AC1667EBCBE1}">
-              <a14:hiddenEffects xmlns:a14="http://schemas.microsoft.com/office/drawing/2010/main">
-                <a:effectLst>
-                  <a:outerShdw dist="35921" dir="2700000" algn="ctr" rotWithShape="0">
-                    <a:schemeClr val="bg2"/>
-                  </a:outerShdw>
-                </a:effectLst>
-              </a14:hiddenEffects>
-            </a:ext>
-          </a:extLst>
-        </p:spPr>
-      </p:pic>
       <p:sp>
         <p:nvSpPr>
           <p:cNvPr id="7" name="TextBox 6"/>
@@ -3432,7 +3347,7 @@
         <p:spPr>
           <a:xfrm>
             <a:off x="143508" y="2528900"/>
-            <a:ext cx="8856984" cy="461665"/>
+            <a:ext cx="8856984" cy="646331"/>
           </a:xfrm>
           <a:prstGeom prst="rect">
             <a:avLst/>
@@ -3447,17 +3362,142 @@
           <a:p>
             <a:pPr algn="ctr"/>
             <a:r>
-              <a:rPr lang="ru-RU" sz="2400" dirty="0" smtClean="0">
+              <a:rPr lang="en-US" sz="3600" b="1" dirty="0">
                 <a:solidFill>
                   <a:schemeClr val="bg1"/>
                 </a:solidFill>
+                <a:latin typeface="Footlight MT Light" panose="0204060206030A020304" pitchFamily="18" charset="77"/>
+              </a:rPr>
+              <a:t>§ </a:t>
+            </a:r>
+            <a:r>
+              <a:rPr lang="ru-RU" sz="3600" b="1" dirty="0">
+                <a:solidFill>
+                  <a:schemeClr val="bg1"/>
+                </a:solidFill>
+                <a:latin typeface="Footlight MT Light" panose="0204060206030A020304" pitchFamily="18" charset="77"/>
               </a:rPr>
               <a:t>Введение</a:t>
             </a:r>
-            <a:endParaRPr lang="en-US" sz="2400" dirty="0">
+            <a:endParaRPr lang="en-US" sz="3600" b="1" dirty="0">
               <a:solidFill>
                 <a:schemeClr val="bg1"/>
               </a:solidFill>
+              <a:latin typeface="Footlight MT Light" panose="0204060206030A020304" pitchFamily="18" charset="77"/>
+            </a:endParaRPr>
+          </a:p>
+        </p:txBody>
+      </p:sp>
+      <p:sp>
+        <p:nvSpPr>
+          <p:cNvPr id="8" name="TextBox 7">
+            <a:extLst>
+              <a:ext uri="{FF2B5EF4-FFF2-40B4-BE49-F238E27FC236}">
+                <a16:creationId xmlns:a16="http://schemas.microsoft.com/office/drawing/2014/main" id="{E19F6F93-9A93-B748-9053-0C08EE9A4027}"/>
+              </a:ext>
+            </a:extLst>
+          </p:cNvPr>
+          <p:cNvSpPr txBox="1"/>
+          <p:nvPr/>
+        </p:nvSpPr>
+        <p:spPr>
+          <a:xfrm>
+            <a:off x="2339752" y="4984720"/>
+            <a:ext cx="4464496" cy="1138773"/>
+          </a:xfrm>
+          <a:prstGeom prst="rect">
+            <a:avLst/>
+          </a:prstGeom>
+          <a:noFill/>
+        </p:spPr>
+        <p:txBody>
+          <a:bodyPr wrap="square" rtlCol="0">
+            <a:spAutoFit/>
+          </a:bodyPr>
+          <a:lstStyle/>
+          <a:p>
+            <a:r>
+              <a:rPr lang="ru-RU" sz="2000" dirty="0">
+                <a:solidFill>
+                  <a:schemeClr val="bg1"/>
+                </a:solidFill>
+                <a:effectLst>
+                  <a:outerShdw blurRad="50800" dist="38100" dir="5400000" algn="t" rotWithShape="0">
+                    <a:prstClr val="black">
+                      <a:alpha val="40000"/>
+                    </a:prstClr>
+                  </a:outerShdw>
+                </a:effectLst>
+                <a:latin typeface="Segoe Print" panose="02000800000000000000" pitchFamily="2" charset="0"/>
+              </a:rPr>
+              <a:t>Центр Обучающих Технологий</a:t>
+            </a:r>
+          </a:p>
+          <a:p>
+            <a:pPr algn="ctr"/>
+            <a:r>
+              <a:rPr lang="ru-RU" sz="1600" dirty="0">
+                <a:solidFill>
+                  <a:schemeClr val="bg1"/>
+                </a:solidFill>
+                <a:effectLst>
+                  <a:outerShdw blurRad="50800" dist="38100" dir="5400000" algn="t" rotWithShape="0">
+                    <a:prstClr val="black">
+                      <a:alpha val="40000"/>
+                    </a:prstClr>
+                  </a:outerShdw>
+                </a:effectLst>
+                <a:latin typeface="Segoe Print" panose="02000800000000000000" pitchFamily="2" charset="0"/>
+              </a:rPr>
+              <a:t>основан в 2002 году</a:t>
+            </a:r>
+          </a:p>
+          <a:p>
+            <a:pPr algn="ctr"/>
+            <a:endParaRPr lang="ru-RU" sz="1600" dirty="0">
+              <a:solidFill>
+                <a:schemeClr val="bg1"/>
+              </a:solidFill>
+              <a:effectLst>
+                <a:outerShdw blurRad="50800" dist="38100" dir="5400000" algn="t" rotWithShape="0">
+                  <a:prstClr val="black">
+                    <a:alpha val="40000"/>
+                  </a:prstClr>
+                </a:outerShdw>
+              </a:effectLst>
+              <a:latin typeface="Segoe Print" panose="02000800000000000000" pitchFamily="2" charset="0"/>
+            </a:endParaRPr>
+          </a:p>
+          <a:p>
+            <a:pPr algn="ctr"/>
+            <a:r>
+              <a:rPr lang="en-US" sz="1600" dirty="0" err="1">
+                <a:solidFill>
+                  <a:schemeClr val="bg1"/>
+                </a:solidFill>
+                <a:effectLst>
+                  <a:outerShdw blurRad="50800" dist="38100" dir="5400000" algn="t" rotWithShape="0">
+                    <a:prstClr val="black">
+                      <a:alpha val="40000"/>
+                    </a:prstClr>
+                  </a:outerShdw>
+                </a:effectLst>
+                <a:latin typeface="Segoe Print" panose="02000800000000000000" pitchFamily="2" charset="0"/>
+              </a:rPr>
+              <a:t>trainingcenter.by</a:t>
+            </a:r>
+            <a:endParaRPr lang="en-US" sz="1600" dirty="0">
+              <a:solidFill>
+                <a:schemeClr val="bg1"/>
+              </a:solidFill>
+              <a:effectLst>
+                <a:outerShdw blurRad="50800" dist="38100" dir="5400000" algn="t" rotWithShape="0">
+                  <a:prstClr val="black">
+                    <a:alpha val="40000"/>
+                  </a:prstClr>
+                </a:outerShdw>
+              </a:effectLst>
+              <a:latin typeface="Segoe Print" panose="02000800000000000000" pitchFamily="2" charset="0"/>
             </a:endParaRPr>
           </a:p>
         </p:txBody>
@@ -3472,13 +3512,6 @@
   <p:clrMapOvr>
     <a:masterClrMapping/>
   </p:clrMapOvr>
-  <p:timing>
-    <p:tnLst>
-      <p:par>
-        <p:cTn id="1" dur="indefinite" restart="never" nodeType="tmRoot"/>
-      </p:par>
-    </p:tnLst>
-  </p:timing>
 </p:sld>
 </file>
 
@@ -3530,14 +3563,10 @@
             </a:pPr>
             <a:r>
               <a:rPr lang="ru-RU" sz="2800" dirty="0"/>
-              <a:t>Центр Обучающих </a:t>
-            </a:r>
-            <a:r>
-              <a:rPr lang="ru-RU" sz="2800" dirty="0" smtClean="0"/>
-              <a:t>Технологий </a:t>
-            </a:r>
-            <a:r>
-              <a:rPr lang="ru-RU" sz="2800" dirty="0" smtClean="0">
+              <a:t>Центр Обучающих Технологий </a:t>
+            </a:r>
+            <a:r>
+              <a:rPr lang="ru-RU" sz="2800" dirty="0">
                 <a:solidFill>
                   <a:schemeClr val="bg1"/>
                 </a:solidFill>
@@ -3545,52 +3574,30 @@
               <a:t>«</a:t>
             </a:r>
             <a:r>
-              <a:rPr lang="ru-RU" sz="2800" dirty="0" smtClean="0"/>
+              <a:rPr lang="ru-RU" sz="2800" dirty="0"/>
               <a:t>БелХард</a:t>
             </a:r>
             <a:r>
-              <a:rPr lang="ru-RU" sz="2800" dirty="0" smtClean="0">
+              <a:rPr lang="ru-RU" sz="2800" dirty="0">
                 <a:solidFill>
                   <a:schemeClr val="bg1"/>
                 </a:solidFill>
               </a:rPr>
               <a:t>»</a:t>
             </a:r>
-            <a:r>
-              <a:rPr lang="en-US" sz="2800" dirty="0" smtClean="0"/>
-              <a:t/>
-            </a:r>
             <a:br>
-              <a:rPr lang="en-US" sz="2800" dirty="0" smtClean="0"/>
+              <a:rPr lang="en-US" sz="2800" dirty="0"/>
             </a:br>
             <a:r>
-              <a:rPr lang="en-US" sz="2800" dirty="0" smtClean="0">
+              <a:rPr lang="en-US" sz="2800" dirty="0">
                 <a:solidFill>
                   <a:schemeClr val="bg1"/>
                 </a:solidFill>
                 <a:hlinkClick r:id="rId2"/>
               </a:rPr>
-              <a:t>http</a:t>
-            </a:r>
-            <a:r>
-              <a:rPr lang="en-US" sz="2800" dirty="0">
-                <a:solidFill>
-                  <a:schemeClr val="bg1"/>
-                </a:solidFill>
-                <a:hlinkClick r:id="rId2"/>
-              </a:rPr>
-              <a:t>://</a:t>
-            </a:r>
-            <a:r>
-              <a:rPr lang="en-US" sz="2800" dirty="0" smtClean="0">
-                <a:solidFill>
-                  <a:schemeClr val="bg1"/>
-                </a:solidFill>
-                <a:hlinkClick r:id="rId2"/>
-              </a:rPr>
-              <a:t>www.tc.belhard.com/</a:t>
-            </a:r>
-            <a:endParaRPr lang="en-US" sz="2800" dirty="0" smtClean="0">
+              <a:t>http://www.tc.belhard.com/</a:t>
+            </a:r>
+            <a:endParaRPr lang="en-US" sz="2800" dirty="0">
               <a:solidFill>
                 <a:schemeClr val="bg1"/>
               </a:solidFill>
@@ -3605,38 +3612,30 @@
               <a:buChar char="•"/>
             </a:pPr>
             <a:r>
-              <a:rPr lang="ru-RU" sz="2800" dirty="0" smtClean="0">
+              <a:rPr lang="ru-RU" sz="2800" dirty="0">
                 <a:solidFill>
                   <a:schemeClr val="bg1"/>
                 </a:solidFill>
               </a:rPr>
               <a:t>Группа ВКонтакте</a:t>
             </a:r>
-            <a:r>
-              <a:rPr lang="en-US" sz="2800" dirty="0" smtClean="0">
+            <a:br>
+              <a:rPr lang="en-US" sz="2800" dirty="0">
                 <a:solidFill>
                   <a:schemeClr val="bg1"/>
                 </a:solidFill>
               </a:rPr>
-              <a:t/>
-            </a:r>
-            <a:br>
-              <a:rPr lang="en-US" sz="2800" dirty="0" smtClean="0">
+            </a:br>
+            <a:r>
+              <a:rPr lang="en-US" sz="2800" dirty="0">
                 <a:solidFill>
                   <a:schemeClr val="bg1"/>
                 </a:solidFill>
-              </a:rPr>
-            </a:br>
-            <a:r>
-              <a:rPr lang="en-US" sz="2800" dirty="0" smtClean="0">
-                <a:solidFill>
-                  <a:schemeClr val="bg1"/>
-                </a:solidFill>
                 <a:hlinkClick r:id="rId3"/>
               </a:rPr>
               <a:t>http://vk.com/tcbelhard</a:t>
             </a:r>
-            <a:endParaRPr lang="en-US" sz="2800" dirty="0" smtClean="0">
+            <a:endParaRPr lang="en-US" sz="2800" dirty="0">
               <a:solidFill>
                 <a:schemeClr val="bg1"/>
               </a:solidFill>
@@ -3651,7 +3650,7 @@
               <a:buChar char="•"/>
             </a:pPr>
             <a:r>
-              <a:rPr lang="en-US" sz="2800" dirty="0" smtClean="0">
+              <a:rPr lang="en-US" sz="2800" dirty="0">
                 <a:solidFill>
                   <a:schemeClr val="bg1"/>
                 </a:solidFill>
@@ -3659,29 +3658,17 @@
               <a:t>Facebook</a:t>
             </a:r>
             <a:br>
-              <a:rPr lang="en-US" sz="2800" dirty="0" smtClean="0">
+              <a:rPr lang="en-US" sz="2800" dirty="0">
                 <a:solidFill>
                   <a:schemeClr val="bg1"/>
                 </a:solidFill>
               </a:rPr>
             </a:br>
-            <a:r>
-              <a:rPr lang="en-US" sz="2800" dirty="0" smtClean="0">
-                <a:hlinkClick r:id="rId4"/>
-              </a:rPr>
-              <a:t>https</a:t>
-            </a:r>
             <a:r>
               <a:rPr lang="en-US" sz="2800" dirty="0">
                 <a:hlinkClick r:id="rId4"/>
               </a:rPr>
-              <a:t>://</a:t>
-            </a:r>
-            <a:r>
-              <a:rPr lang="en-US" sz="2800" dirty="0" smtClean="0">
-                <a:hlinkClick r:id="rId4"/>
-              </a:rPr>
-              <a:t>www.facebook.com/CentrBelhard</a:t>
+              <a:t>https://www.facebook.com/CentrBelhard</a:t>
             </a:r>
             <a:endParaRPr lang="en-US" sz="2800" dirty="0"/>
           </a:p>
@@ -3710,28 +3697,12 @@
           <a:p>
             <a:pPr lvl="0" algn="ctr"/>
             <a:r>
-              <a:rPr lang="ru-RU" sz="4400" dirty="0" smtClean="0">
+              <a:rPr lang="ru-RU" sz="4400" dirty="0">
                 <a:solidFill>
                   <a:schemeClr val="bg1"/>
                 </a:solidFill>
               </a:rPr>
-              <a:t>Центр обучающих </a:t>
-            </a:r>
-            <a:r>
-              <a:rPr lang="ru-RU" sz="4400" dirty="0" smtClean="0">
-                <a:solidFill>
-                  <a:schemeClr val="bg1"/>
-                </a:solidFill>
-              </a:rPr>
-              <a:t>технологий </a:t>
-            </a:r>
-            <a:r>
-              <a:rPr lang="ru-RU" sz="4400" dirty="0" smtClean="0">
-                <a:solidFill>
-                  <a:schemeClr val="bg1"/>
-                </a:solidFill>
-              </a:rPr>
-              <a:t>«Белхард»</a:t>
+              <a:t>Центр обучающих технологий «Белхард»</a:t>
             </a:r>
             <a:endParaRPr lang="en-US" sz="4400" dirty="0">
               <a:solidFill>
@@ -3751,13 +3722,6 @@
   <p:clrMapOvr>
     <a:masterClrMapping/>
   </p:clrMapOvr>
-  <p:timing>
-    <p:tnLst>
-      <p:par>
-        <p:cTn id="1" dur="indefinite" restart="never" nodeType="tmRoot"/>
-      </p:par>
-    </p:tnLst>
-  </p:timing>
 </p:sld>
 </file>
 
@@ -3837,13 +3801,6 @@
   <p:clrMapOvr>
     <a:masterClrMapping/>
   </p:clrMapOvr>
-  <p:timing>
-    <p:tnLst>
-      <p:par>
-        <p:cTn id="1" dur="indefinite" restart="never" nodeType="tmRoot"/>
-      </p:par>
-    </p:tnLst>
-  </p:timing>
 </p:sld>
 </file>
 
@@ -3887,18 +3844,13 @@
           <a:p>
             <a:pPr lvl="0" algn="ctr"/>
             <a:r>
-              <a:rPr lang="ru-RU" sz="4800" dirty="0" smtClean="0">
+              <a:rPr lang="ru-RU" sz="4800" dirty="0">
                 <a:solidFill>
                   <a:schemeClr val="bg1"/>
                 </a:solidFill>
               </a:rPr>
               <a:t>Давайте знакомиться!</a:t>
             </a:r>
-            <a:endParaRPr lang="ru-RU" sz="4800" dirty="0">
-              <a:solidFill>
-                <a:schemeClr val="bg1"/>
-              </a:solidFill>
-            </a:endParaRPr>
           </a:p>
         </p:txBody>
       </p:sp>
@@ -3941,7 +3893,7 @@
           </a:lstStyle>
           <a:p>
             <a:r>
-              <a:rPr lang="en-US" dirty="0" smtClean="0"/>
+              <a:rPr lang="en-US" dirty="0"/>
               <a:t>email@me.name</a:t>
             </a:r>
             <a:endParaRPr lang="ru-RU" dirty="0"/>
@@ -3958,13 +3910,6 @@
   <p:clrMapOvr>
     <a:masterClrMapping/>
   </p:clrMapOvr>
-  <p:timing>
-    <p:tnLst>
-      <p:par>
-        <p:cTn id="1" dur="indefinite" restart="never" nodeType="tmRoot"/>
-      </p:par>
-    </p:tnLst>
-  </p:timing>
 </p:sld>
 </file>
 
@@ -4008,7 +3953,7 @@
           <a:p>
             <a:pPr lvl="0" algn="ctr"/>
             <a:r>
-              <a:rPr lang="ru-RU" sz="4400" dirty="0" smtClean="0">
+              <a:rPr lang="ru-RU" sz="4400" dirty="0">
                 <a:solidFill>
                   <a:schemeClr val="bg1"/>
                 </a:solidFill>
@@ -4055,34 +4000,18 @@
                   <a:schemeClr val="bg1"/>
                 </a:solidFill>
               </a:rPr>
-              <a:t>Начало </a:t>
-            </a:r>
-            <a:r>
-              <a:rPr lang="ru-RU" sz="2800" dirty="0" smtClean="0">
+              <a:t>Начало занятий</a:t>
+            </a:r>
+            <a:r>
+              <a:rPr lang="en-US" sz="2800" dirty="0">
                 <a:solidFill>
                   <a:schemeClr val="bg1"/>
                 </a:solidFill>
               </a:rPr>
-              <a:t>занятий</a:t>
-            </a:r>
-            <a:r>
-              <a:rPr lang="en-US" sz="2800" dirty="0">
-                <a:solidFill>
-                  <a:schemeClr val="bg1"/>
-                </a:solidFill>
-              </a:rPr>
-              <a:t> </a:t>
-            </a:r>
-            <a:r>
-              <a:rPr lang="en-US" sz="2800" dirty="0" smtClean="0">
-                <a:solidFill>
-                  <a:schemeClr val="bg1"/>
-                </a:solidFill>
-              </a:rPr>
-              <a:t>– </a:t>
-            </a:r>
-            <a:r>
-              <a:rPr lang="ru-RU" sz="2800" dirty="0" smtClean="0">
+              <a:t> – </a:t>
+            </a:r>
+            <a:r>
+              <a:rPr lang="ru-RU" sz="2800" dirty="0">
                 <a:solidFill>
                   <a:schemeClr val="bg1"/>
                 </a:solidFill>
@@ -4096,7 +4025,7 @@
               <a:buChar char="•"/>
             </a:pPr>
             <a:r>
-              <a:rPr lang="ru-RU" sz="2800" dirty="0" smtClean="0">
+              <a:rPr lang="ru-RU" sz="2800" dirty="0">
                 <a:solidFill>
                   <a:schemeClr val="bg1"/>
                 </a:solidFill>
@@ -4110,7 +4039,7 @@
               <a:buChar char="•"/>
             </a:pPr>
             <a:r>
-              <a:rPr lang="ru-RU" sz="2800" dirty="0" smtClean="0">
+              <a:rPr lang="ru-RU" sz="2800" dirty="0">
                 <a:solidFill>
                   <a:schemeClr val="bg1"/>
                 </a:solidFill>
@@ -4124,7 +4053,7 @@
               <a:buChar char="•"/>
             </a:pPr>
             <a:r>
-              <a:rPr lang="ru-RU" sz="2800" dirty="0" smtClean="0">
+              <a:rPr lang="ru-RU" sz="2800" dirty="0">
                 <a:solidFill>
                   <a:schemeClr val="bg1"/>
                 </a:solidFill>
@@ -4138,7 +4067,7 @@
               <a:buChar char="•"/>
             </a:pPr>
             <a:r>
-              <a:rPr lang="ru-RU" sz="2800" dirty="0" smtClean="0">
+              <a:rPr lang="ru-RU" sz="2800" dirty="0">
                 <a:solidFill>
                   <a:schemeClr val="bg1"/>
                 </a:solidFill>
@@ -4152,7 +4081,7 @@
               <a:buChar char="•"/>
             </a:pPr>
             <a:r>
-              <a:rPr lang="ru-RU" sz="2800" dirty="0" smtClean="0">
+              <a:rPr lang="ru-RU" sz="2800" dirty="0">
                 <a:solidFill>
                   <a:schemeClr val="bg1"/>
                 </a:solidFill>
@@ -4166,7 +4095,7 @@
               <a:buChar char="•"/>
             </a:pPr>
             <a:r>
-              <a:rPr lang="ru-RU" sz="2800" dirty="0" smtClean="0">
+              <a:rPr lang="ru-RU" sz="2800" dirty="0">
                 <a:solidFill>
                   <a:schemeClr val="bg1"/>
                 </a:solidFill>
@@ -4180,14 +4109,14 @@
               <a:buChar char="•"/>
             </a:pPr>
             <a:r>
-              <a:rPr lang="ru-RU" sz="2800" dirty="0" smtClean="0">
+              <a:rPr lang="ru-RU" sz="2800" dirty="0">
                 <a:solidFill>
                   <a:schemeClr val="bg1"/>
                 </a:solidFill>
               </a:rPr>
               <a:t>Анкета качества</a:t>
             </a:r>
-            <a:endParaRPr lang="en-US" sz="2800" dirty="0" smtClean="0">
+            <a:endParaRPr lang="en-US" sz="2800" dirty="0">
               <a:solidFill>
                 <a:schemeClr val="bg1"/>
               </a:solidFill>
@@ -4205,13 +4134,6 @@
   <p:clrMapOvr>
     <a:masterClrMapping/>
   </p:clrMapOvr>
-  <p:timing>
-    <p:tnLst>
-      <p:par>
-        <p:cTn id="1" dur="indefinite" restart="never" nodeType="tmRoot"/>
-      </p:par>
-    </p:tnLst>
-  </p:timing>
 </p:sld>
 </file>
 
@@ -4285,95 +4207,56 @@
                 </a:solidFill>
                 <a:hlinkClick r:id="rId2"/>
               </a:rPr>
-              <a:t>https://</a:t>
-            </a:r>
-            <a:r>
-              <a:rPr lang="en-US" dirty="0" smtClean="0">
+              <a:t>https://github.com/bazile/Training</a:t>
+            </a:r>
+            <a:br>
+              <a:rPr lang="en-US" dirty="0">
                 <a:solidFill>
                   <a:schemeClr val="bg1"/>
                 </a:solidFill>
-                <a:hlinkClick r:id="rId2"/>
-              </a:rPr>
-              <a:t>github.com/bazile/Training</a:t>
-            </a:r>
-            <a:r>
-              <a:rPr lang="en-US" dirty="0" smtClean="0">
+              </a:rPr>
+            </a:br>
+            <a:r>
+              <a:rPr lang="ru-RU" dirty="0">
                 <a:solidFill>
                   <a:schemeClr val="bg1"/>
                 </a:solidFill>
               </a:rPr>
-              <a:t/>
-            </a:r>
-            <a:br>
-              <a:rPr lang="en-US" dirty="0" smtClean="0">
-                <a:solidFill>
-                  <a:schemeClr val="bg1"/>
-                </a:solidFill>
-              </a:rPr>
-            </a:br>
-            <a:r>
-              <a:rPr lang="ru-RU" dirty="0" smtClean="0">
-                <a:solidFill>
-                  <a:schemeClr val="bg1"/>
-                </a:solidFill>
-              </a:rPr>
               <a:t>Презентации и примеры кода используемые во время занятия</a:t>
             </a:r>
           </a:p>
           <a:p>
-            <a:endParaRPr lang="ru-RU" dirty="0" smtClean="0">
-              <a:solidFill>
-                <a:schemeClr val="bg1"/>
-              </a:solidFill>
-            </a:endParaRPr>
-          </a:p>
-          <a:p>
-            <a:r>
-              <a:rPr lang="en-US" dirty="0">
-                <a:solidFill>
-                  <a:schemeClr val="bg1"/>
-                </a:solidFill>
-                <a:hlinkClick r:id="rId3"/>
-              </a:rPr>
-              <a:t>http://belhard.nullptr.ru</a:t>
-            </a:r>
-            <a:r>
-              <a:rPr lang="en-US" dirty="0" smtClean="0">
-                <a:solidFill>
-                  <a:schemeClr val="bg1"/>
-                </a:solidFill>
-                <a:hlinkClick r:id="rId3"/>
-              </a:rPr>
-              <a:t>/</a:t>
-            </a:r>
-            <a:r>
-              <a:rPr lang="ru-RU" dirty="0" smtClean="0">
-                <a:solidFill>
-                  <a:schemeClr val="bg1"/>
-                </a:solidFill>
-              </a:rPr>
-              <a:t/>
-            </a:r>
-            <a:br>
-              <a:rPr lang="ru-RU" dirty="0" smtClean="0">
-                <a:solidFill>
-                  <a:schemeClr val="bg1"/>
-                </a:solidFill>
-              </a:rPr>
-            </a:br>
-            <a:r>
-              <a:rPr lang="ru-RU" dirty="0" smtClean="0">
-                <a:solidFill>
-                  <a:schemeClr val="bg1"/>
-                </a:solidFill>
-              </a:rPr>
-              <a:t>Книги, примеры к ним и другие полезные файлы.</a:t>
-            </a:r>
             <a:endParaRPr lang="ru-RU" dirty="0">
               <a:solidFill>
                 <a:schemeClr val="bg1"/>
               </a:solidFill>
             </a:endParaRPr>
+          </a:p>
+          <a:p>
+            <a:r>
+              <a:rPr lang="en-US" dirty="0">
+                <a:solidFill>
+                  <a:schemeClr val="bg1"/>
+                </a:solidFill>
+                <a:hlinkClick r:id="rId3"/>
+              </a:rPr>
+              <a:t>http://belhard.nullptr.ru/</a:t>
+            </a:r>
+            <a:br>
+              <a:rPr lang="ru-RU" dirty="0">
+                <a:solidFill>
+                  <a:schemeClr val="bg1"/>
+                </a:solidFill>
+              </a:rPr>
+            </a:br>
+            <a:r>
+              <a:rPr lang="ru-RU" dirty="0">
+                <a:solidFill>
+                  <a:schemeClr val="bg1"/>
+                </a:solidFill>
+              </a:rPr>
+              <a:t>Книги, примеры к ним и другие полезные файлы.</a:t>
+            </a:r>
           </a:p>
           <a:p>
             <a:endParaRPr lang="en-US" dirty="0"/>
@@ -4390,13 +4273,6 @@
   <p:clrMapOvr>
     <a:masterClrMapping/>
   </p:clrMapOvr>
-  <p:timing>
-    <p:tnLst>
-      <p:par>
-        <p:cTn id="1" dur="indefinite" restart="never" nodeType="tmRoot"/>
-      </p:par>
-    </p:tnLst>
-  </p:timing>
 </p:sld>
 </file>
 
@@ -4448,7 +4324,7 @@
           <a:lstStyle/>
           <a:p>
             <a:r>
-              <a:rPr lang="ru-RU" dirty="0" smtClean="0"/>
+              <a:rPr lang="ru-RU" dirty="0"/>
               <a:t>Таким фоном в презентациях отмечаются задания для самостоятельного выполнения</a:t>
             </a:r>
             <a:endParaRPr lang="en-US" dirty="0"/>
@@ -4508,18 +4384,13 @@
           <a:p>
             <a:pPr lvl="0" algn="ctr"/>
             <a:r>
-              <a:rPr lang="ru-RU" sz="4800" dirty="0" smtClean="0">
+              <a:rPr lang="ru-RU" sz="4800" dirty="0">
                 <a:solidFill>
                   <a:schemeClr val="bg1"/>
                 </a:solidFill>
               </a:rPr>
               <a:t>Что ожидать от данного курса?</a:t>
             </a:r>
-            <a:endParaRPr lang="ru-RU" sz="4800" dirty="0">
-              <a:solidFill>
-                <a:schemeClr val="bg1"/>
-              </a:solidFill>
-            </a:endParaRPr>
           </a:p>
         </p:txBody>
       </p:sp>
@@ -4533,13 +4404,6 @@
   <p:clrMapOvr>
     <a:masterClrMapping/>
   </p:clrMapOvr>
-  <p:timing>
-    <p:tnLst>
-      <p:par>
-        <p:cTn id="1" dur="indefinite" restart="never" nodeType="tmRoot"/>
-      </p:par>
-    </p:tnLst>
-  </p:timing>
 </p:sld>
 </file>
 
@@ -4576,10 +4440,9 @@
           <a:lstStyle/>
           <a:p>
             <a:r>
-              <a:rPr lang="ru-RU" dirty="0" smtClean="0"/>
+              <a:rPr lang="ru-RU" dirty="0"/>
               <a:t>Программа занятий</a:t>
             </a:r>
-            <a:endParaRPr lang="ru-RU" dirty="0"/>
           </a:p>
         </p:txBody>
       </p:sp>
@@ -4605,16 +4468,8 @@
               <a:buAutoNum type="arabicPeriod"/>
             </a:pPr>
             <a:r>
-              <a:rPr lang="ru-RU" dirty="0" smtClean="0"/>
-              <a:t>Введение </a:t>
-            </a:r>
-            <a:r>
               <a:rPr lang="ru-RU" dirty="0"/>
-              <a:t>в С# и .NET </a:t>
-            </a:r>
-            <a:r>
-              <a:rPr lang="ru-RU" dirty="0" smtClean="0"/>
-              <a:t>Framework.</a:t>
+              <a:t>Введение в С# и .NET Framework.</a:t>
             </a:r>
           </a:p>
           <a:p>
@@ -4623,15 +4478,15 @@
               <a:buAutoNum type="arabicPeriod"/>
             </a:pPr>
             <a:r>
-              <a:rPr lang="ru-RU" dirty="0" smtClean="0"/>
+              <a:rPr lang="ru-RU" dirty="0"/>
               <a:t>Основы объектно-ориентированного программирования </a:t>
             </a:r>
             <a:r>
-              <a:rPr lang="en-US" dirty="0" smtClean="0"/>
+              <a:rPr lang="en-US" dirty="0"/>
               <a:t>(</a:t>
             </a:r>
             <a:r>
-              <a:rPr lang="ru-RU" dirty="0" smtClean="0"/>
+              <a:rPr lang="ru-RU" dirty="0"/>
               <a:t>ООП).</a:t>
             </a:r>
           </a:p>
@@ -4641,16 +4496,8 @@
               <a:buAutoNum type="arabicPeriod"/>
             </a:pPr>
             <a:r>
-              <a:rPr lang="ru-RU" dirty="0" smtClean="0"/>
-              <a:t>Углубленные </a:t>
-            </a:r>
-            <a:r>
               <a:rPr lang="ru-RU" dirty="0"/>
-              <a:t>основы ООП. Жизненный цикл </a:t>
-            </a:r>
-            <a:r>
-              <a:rPr lang="ru-RU" dirty="0" smtClean="0"/>
-              <a:t>объекта.</a:t>
+              <a:t>Углубленные основы ООП. Жизненный цикл объекта.</a:t>
             </a:r>
           </a:p>
           <a:p>
@@ -4660,11 +4507,7 @@
             </a:pPr>
             <a:r>
               <a:rPr lang="ru-RU" dirty="0"/>
-              <a:t>Средства </a:t>
-            </a:r>
-            <a:r>
-              <a:rPr lang="ru-RU" dirty="0" smtClean="0"/>
-              <a:t>ввода/вывода.</a:t>
+              <a:t>Средства ввода/вывода.</a:t>
             </a:r>
           </a:p>
           <a:p>
@@ -4673,35 +4516,23 @@
               <a:buAutoNum type="arabicPeriod"/>
             </a:pPr>
             <a:r>
-              <a:rPr lang="ru-RU" dirty="0" smtClean="0"/>
-              <a:t>Делегаты </a:t>
-            </a:r>
-            <a:r>
               <a:rPr lang="ru-RU" dirty="0"/>
-              <a:t>и </a:t>
-            </a:r>
-            <a:r>
-              <a:rPr lang="ru-RU" dirty="0" smtClean="0"/>
-              <a:t>события</a:t>
-            </a:r>
-            <a:r>
-              <a:rPr lang="en-US" dirty="0" smtClean="0"/>
+              <a:t>Делегаты и события</a:t>
+            </a:r>
+            <a:r>
+              <a:rPr lang="en-US" dirty="0"/>
               <a:t>. </a:t>
             </a:r>
             <a:r>
-              <a:rPr lang="ru-RU" dirty="0" smtClean="0"/>
-              <a:t>Введение </a:t>
-            </a:r>
-            <a:r>
               <a:rPr lang="ru-RU" dirty="0"/>
-              <a:t>в технологию </a:t>
-            </a:r>
-            <a:r>
-              <a:rPr lang="en-US" dirty="0" smtClean="0"/>
+              <a:t>Введение в технологию </a:t>
+            </a:r>
+            <a:r>
+              <a:rPr lang="en-US" dirty="0"/>
               <a:t>Windows Forms</a:t>
             </a:r>
             <a:r>
-              <a:rPr lang="ru-RU" dirty="0" smtClean="0"/>
+              <a:rPr lang="ru-RU" dirty="0"/>
               <a:t>.</a:t>
             </a:r>
           </a:p>
@@ -4712,11 +4543,7 @@
             </a:pPr>
             <a:r>
               <a:rPr lang="ru-RU" dirty="0"/>
-              <a:t>Работа с </a:t>
-            </a:r>
-            <a:r>
-              <a:rPr lang="ru-RU" dirty="0" smtClean="0"/>
-              <a:t>XML.</a:t>
+              <a:t>Работа с XML.</a:t>
             </a:r>
           </a:p>
           <a:p>
@@ -4725,16 +4552,8 @@
               <a:buAutoNum type="arabicPeriod"/>
             </a:pPr>
             <a:r>
-              <a:rPr lang="ru-RU" dirty="0" smtClean="0"/>
-              <a:t>Понятие </a:t>
-            </a:r>
-            <a:r>
               <a:rPr lang="ru-RU" dirty="0"/>
-              <a:t>сборки. </a:t>
-            </a:r>
-            <a:r>
-              <a:rPr lang="ru-RU" dirty="0" smtClean="0"/>
-              <a:t>Отражение.</a:t>
+              <a:t>Понятие сборки. Отражение.</a:t>
             </a:r>
           </a:p>
           <a:p>
@@ -4744,13 +4563,9 @@
             </a:pPr>
             <a:r>
               <a:rPr lang="ru-RU" dirty="0"/>
-              <a:t>Многопоточное </a:t>
-            </a:r>
-            <a:r>
-              <a:rPr lang="ru-RU" dirty="0" smtClean="0"/>
-              <a:t>программирование.</a:t>
-            </a:r>
-            <a:endParaRPr lang="en-US" dirty="0" smtClean="0"/>
+              <a:t>Многопоточное программирование.</a:t>
+            </a:r>
+            <a:endParaRPr lang="en-US" dirty="0"/>
           </a:p>
           <a:p>
             <a:pPr marL="514350" indent="-514350">
@@ -4758,15 +4573,15 @@
               <a:buAutoNum type="arabicPeriod"/>
             </a:pPr>
             <a:r>
-              <a:rPr lang="ru-RU" dirty="0" smtClean="0"/>
+              <a:rPr lang="ru-RU" dirty="0"/>
               <a:t>Язык запросов </a:t>
             </a:r>
             <a:r>
-              <a:rPr lang="en-US" dirty="0" smtClean="0"/>
+              <a:rPr lang="en-US" dirty="0"/>
               <a:t>LINQ (Language Integrated Query)</a:t>
             </a:r>
             <a:r>
-              <a:rPr lang="ru-RU" dirty="0" smtClean="0"/>
+              <a:rPr lang="ru-RU" dirty="0"/>
               <a:t>.</a:t>
             </a:r>
           </a:p>
@@ -4776,18 +4591,18 @@
               <a:buAutoNum type="arabicPeriod"/>
             </a:pPr>
             <a:r>
-              <a:rPr lang="ru-RU" dirty="0" smtClean="0"/>
+              <a:rPr lang="ru-RU" dirty="0"/>
               <a:t>Введение в </a:t>
             </a:r>
             <a:r>
-              <a:rPr lang="en-US" dirty="0" smtClean="0"/>
+              <a:rPr lang="en-US" dirty="0"/>
               <a:t>SQL</a:t>
             </a:r>
             <a:r>
-              <a:rPr lang="ru-RU" dirty="0" smtClean="0"/>
+              <a:rPr lang="ru-RU" dirty="0"/>
               <a:t>.</a:t>
             </a:r>
-            <a:endParaRPr lang="en-US" dirty="0" smtClean="0"/>
+            <a:endParaRPr lang="en-US" dirty="0"/>
           </a:p>
           <a:p>
             <a:pPr marL="514350" indent="-514350">
@@ -4796,13 +4611,9 @@
             </a:pPr>
             <a:r>
               <a:rPr lang="ru-RU" dirty="0"/>
-              <a:t>Доступ к данным с использованием </a:t>
-            </a:r>
-            <a:r>
-              <a:rPr lang="ru-RU" dirty="0" smtClean="0"/>
-              <a:t>ADO.NET.</a:t>
-            </a:r>
-            <a:endParaRPr lang="en-US" dirty="0" smtClean="0"/>
+              <a:t>Доступ к данным с использованием ADO.NET.</a:t>
+            </a:r>
+            <a:endParaRPr lang="en-US" dirty="0"/>
           </a:p>
           <a:p>
             <a:pPr marL="514350" indent="-514350">
@@ -4810,26 +4621,25 @@
               <a:buAutoNum type="arabicPeriod"/>
             </a:pPr>
             <a:r>
-              <a:rPr lang="ru-RU" dirty="0" smtClean="0"/>
+              <a:rPr lang="ru-RU" dirty="0"/>
               <a:t>Создание </a:t>
             </a:r>
             <a:r>
-              <a:rPr lang="en-US" dirty="0" smtClean="0"/>
+              <a:rPr lang="en-US" dirty="0"/>
               <a:t>GUI </a:t>
             </a:r>
             <a:r>
-              <a:rPr lang="ru-RU" dirty="0" smtClean="0"/>
+              <a:rPr lang="ru-RU" dirty="0"/>
               <a:t>приложений с помощью </a:t>
             </a:r>
             <a:r>
-              <a:rPr lang="en-US" dirty="0" smtClean="0"/>
+              <a:rPr lang="en-US" dirty="0"/>
               <a:t>WPF</a:t>
             </a:r>
             <a:r>
               <a:rPr lang="ru-RU" dirty="0"/>
               <a:t>.</a:t>
             </a:r>
-            <a:endParaRPr lang="ru-RU" dirty="0" smtClean="0"/>
           </a:p>
           <a:p>
             <a:pPr marL="514350" indent="-514350">
@@ -4837,11 +4647,11 @@
               <a:buAutoNum type="arabicPeriod"/>
             </a:pPr>
             <a:r>
-              <a:rPr lang="ru-RU" smtClean="0"/>
+              <a:rPr lang="ru-RU"/>
               <a:t>Создание распределенных </a:t>
             </a:r>
             <a:r>
-              <a:rPr lang="ru-RU" dirty="0" smtClean="0"/>
+              <a:rPr lang="ru-RU" dirty="0"/>
               <a:t>приложений на основе WCF.</a:t>
             </a:r>
           </a:p>
@@ -4851,7 +4661,7 @@
               <a:buAutoNum type="arabicPeriod"/>
             </a:pPr>
             <a:r>
-              <a:rPr lang="ru-RU" dirty="0" smtClean="0"/>
+              <a:rPr lang="ru-RU" dirty="0"/>
               <a:t>Архитектура приложений.</a:t>
             </a:r>
           </a:p>
@@ -4861,10 +4671,9 @@
               <a:buAutoNum type="arabicPeriod"/>
             </a:pPr>
             <a:r>
-              <a:rPr lang="ru-RU" dirty="0" smtClean="0"/>
+              <a:rPr lang="ru-RU" dirty="0"/>
               <a:t>Шаблоны проектирования.</a:t>
             </a:r>
-            <a:endParaRPr lang="ru-RU" dirty="0"/>
           </a:p>
         </p:txBody>
       </p:sp>
@@ -4916,10 +4725,9 @@
           <a:lstStyle/>
           <a:p>
             <a:r>
-              <a:rPr lang="ru-RU" dirty="0" smtClean="0"/>
+              <a:rPr lang="ru-RU" dirty="0"/>
               <a:t>Рекомендуемое программное обеспечение</a:t>
             </a:r>
-            <a:endParaRPr lang="ru-RU" dirty="0"/>
           </a:p>
         </p:txBody>
       </p:sp>
@@ -4941,38 +4749,131 @@
           <a:lstStyle/>
           <a:p>
             <a:r>
-              <a:rPr lang="en-US" dirty="0" smtClean="0">
+              <a:rPr lang="en-US" dirty="0">
                 <a:solidFill>
                   <a:srgbClr val="92D050"/>
                 </a:solidFill>
               </a:rPr>
-              <a:t>Microsoft Visual Studio </a:t>
-            </a:r>
-            <a:r>
-              <a:rPr lang="en-US" dirty="0" smtClean="0">
+              <a:t>Microsoft Visual Studio 2010</a:t>
+            </a:r>
+            <a:r>
+              <a:rPr lang="ru-RU" dirty="0">
                 <a:solidFill>
                   <a:srgbClr val="92D050"/>
                 </a:solidFill>
               </a:rPr>
-              <a:t>2010</a:t>
-            </a:r>
-            <a:r>
-              <a:rPr lang="ru-RU" dirty="0" smtClean="0">
+              <a:t> или выше</a:t>
+            </a:r>
+          </a:p>
+          <a:p>
+            <a:pPr lvl="1"/>
+            <a:r>
+              <a:rPr lang="ru-RU" dirty="0">
+                <a:solidFill>
+                  <a:srgbClr val="FFFF00"/>
+                </a:solidFill>
+              </a:rPr>
+              <a:t>Обязательно установите </a:t>
+            </a:r>
+            <a:r>
+              <a:rPr lang="en-US" dirty="0">
+                <a:solidFill>
+                  <a:srgbClr val="FFFF00"/>
+                </a:solidFill>
+              </a:rPr>
+              <a:t>Service Pack 1 </a:t>
+            </a:r>
+            <a:r>
+              <a:rPr lang="ru-RU" dirty="0">
+                <a:solidFill>
+                  <a:srgbClr val="FFFF00"/>
+                </a:solidFill>
+              </a:rPr>
+              <a:t>для </a:t>
+            </a:r>
+            <a:r>
+              <a:rPr lang="en-US" dirty="0">
+                <a:solidFill>
+                  <a:srgbClr val="FFFF00"/>
+                </a:solidFill>
+              </a:rPr>
+              <a:t>VS 2010!</a:t>
+            </a:r>
+            <a:endParaRPr lang="ru-RU" dirty="0">
+              <a:solidFill>
+                <a:srgbClr val="FFFF00"/>
+              </a:solidFill>
+            </a:endParaRPr>
+          </a:p>
+          <a:p>
+            <a:pPr lvl="1"/>
+            <a:r>
+              <a:rPr lang="en-US" dirty="0">
+                <a:solidFill>
+                  <a:srgbClr val="FFFF00"/>
+                </a:solidFill>
+              </a:rPr>
+              <a:t>NuGet</a:t>
+            </a:r>
+            <a:r>
+              <a:rPr lang="en-US" dirty="0"/>
+              <a:t>: </a:t>
+            </a:r>
+            <a:r>
+              <a:rPr lang="en-US" dirty="0">
+                <a:hlinkClick r:id="rId2"/>
+              </a:rPr>
+              <a:t>http://nuget.org/</a:t>
+            </a:r>
+            <a:r>
+              <a:rPr lang="ru-RU" dirty="0"/>
+              <a:t> (Не входит в состав </a:t>
+            </a:r>
+            <a:r>
+              <a:rPr lang="en-US" dirty="0"/>
+              <a:t>VS 2010</a:t>
+            </a:r>
+            <a:r>
+              <a:rPr lang="ru-RU" dirty="0"/>
+              <a:t>)</a:t>
+            </a:r>
+            <a:endParaRPr lang="en-US" dirty="0"/>
+          </a:p>
+          <a:p>
+            <a:pPr lvl="1"/>
+            <a:r>
+              <a:rPr lang="en-US" dirty="0"/>
+              <a:t>Productivity Power Tools:</a:t>
+            </a:r>
+            <a:br>
+              <a:rPr lang="en-US" dirty="0"/>
+            </a:br>
+            <a:r>
+              <a:rPr lang="en-US" dirty="0">
+                <a:hlinkClick r:id="rId3"/>
+              </a:rPr>
+              <a:t>http://visualstudiogallery.msdn.microsoft.com</a:t>
+            </a:r>
+            <a:endParaRPr lang="en-US" dirty="0"/>
+          </a:p>
+          <a:p>
+            <a:r>
+              <a:rPr lang="en-US" dirty="0">
                 <a:solidFill>
                   <a:srgbClr val="92D050"/>
                 </a:solidFill>
               </a:rPr>
-              <a:t> </a:t>
-            </a:r>
-            <a:r>
-              <a:rPr lang="ru-RU" dirty="0" smtClean="0">
+              <a:t>Microsoft SQL Server Express 2005 </a:t>
+            </a:r>
+            <a:r>
+              <a:rPr lang="ru-RU" dirty="0">
                 <a:solidFill>
                   <a:srgbClr val="92D050"/>
                 </a:solidFill>
               </a:rPr>
               <a:t>или выше</a:t>
             </a:r>
-            <a:endParaRPr lang="ru-RU" dirty="0" smtClean="0">
+            <a:endParaRPr lang="en-US" dirty="0">
               <a:solidFill>
                 <a:srgbClr val="92D050"/>
               </a:solidFill>
@@ -4981,162 +4882,22 @@
           <a:p>
             <a:pPr lvl="1"/>
             <a:r>
-              <a:rPr lang="ru-RU" dirty="0" smtClean="0">
-                <a:solidFill>
-                  <a:srgbClr val="FFFF00"/>
-                </a:solidFill>
-              </a:rPr>
-              <a:t>Обязательно установите </a:t>
-            </a:r>
-            <a:r>
-              <a:rPr lang="en-US" dirty="0" smtClean="0">
-                <a:solidFill>
-                  <a:srgbClr val="FFFF00"/>
-                </a:solidFill>
-              </a:rPr>
-              <a:t>Service Pack 1 </a:t>
-            </a:r>
-            <a:r>
-              <a:rPr lang="ru-RU" dirty="0" smtClean="0">
-                <a:solidFill>
-                  <a:srgbClr val="FFFF00"/>
-                </a:solidFill>
-              </a:rPr>
-              <a:t>для </a:t>
-            </a:r>
-            <a:r>
-              <a:rPr lang="en-US" dirty="0" smtClean="0">
-                <a:solidFill>
-                  <a:srgbClr val="FFFF00"/>
-                </a:solidFill>
-              </a:rPr>
-              <a:t>VS 2010!</a:t>
-            </a:r>
-            <a:endParaRPr lang="ru-RU" dirty="0" smtClean="0">
-              <a:solidFill>
-                <a:srgbClr val="FFFF00"/>
-              </a:solidFill>
-            </a:endParaRPr>
-          </a:p>
-          <a:p>
-            <a:pPr lvl="1"/>
-            <a:r>
-              <a:rPr lang="en-US" dirty="0" smtClean="0">
-                <a:solidFill>
-                  <a:srgbClr val="FFFF00"/>
-                </a:solidFill>
-              </a:rPr>
-              <a:t>NuGet</a:t>
-            </a:r>
-            <a:r>
-              <a:rPr lang="en-US" dirty="0"/>
-              <a:t>: </a:t>
+              <a:rPr lang="ru-RU" dirty="0">
+                <a:solidFill>
+                  <a:schemeClr val="bg1"/>
+                </a:solidFill>
+              </a:rPr>
+              <a:t>Возможно понадобится доустановить </a:t>
             </a:r>
             <a:r>
               <a:rPr lang="en-US" dirty="0">
-                <a:hlinkClick r:id="rId2"/>
-              </a:rPr>
-              <a:t>http://nuget.org</a:t>
-            </a:r>
-            <a:r>
-              <a:rPr lang="en-US" dirty="0" smtClean="0">
-                <a:hlinkClick r:id="rId2"/>
-              </a:rPr>
-              <a:t>/</a:t>
-            </a:r>
-            <a:r>
-              <a:rPr lang="ru-RU" dirty="0" smtClean="0"/>
-              <a:t> (Не входит в состав </a:t>
-            </a:r>
-            <a:r>
-              <a:rPr lang="en-US" dirty="0" smtClean="0"/>
-              <a:t>VS 2010</a:t>
-            </a:r>
-            <a:r>
-              <a:rPr lang="ru-RU" dirty="0" smtClean="0"/>
-              <a:t>)</a:t>
-            </a:r>
-            <a:endParaRPr lang="en-US" dirty="0" smtClean="0"/>
-          </a:p>
-          <a:p>
-            <a:pPr lvl="1"/>
-            <a:r>
-              <a:rPr lang="en-US" dirty="0" smtClean="0"/>
-              <a:t>Productivity Power Tools:</a:t>
-            </a:r>
-            <a:br>
-              <a:rPr lang="en-US" dirty="0" smtClean="0"/>
-            </a:br>
-            <a:r>
-              <a:rPr lang="en-US" dirty="0" smtClean="0">
-                <a:hlinkClick r:id="rId3"/>
-              </a:rPr>
-              <a:t>http</a:t>
-            </a:r>
-            <a:r>
-              <a:rPr lang="en-US" dirty="0">
-                <a:hlinkClick r:id="rId3"/>
-              </a:rPr>
-              <a:t>://</a:t>
-            </a:r>
-            <a:r>
-              <a:rPr lang="en-US" dirty="0" smtClean="0">
-                <a:hlinkClick r:id="rId3"/>
-              </a:rPr>
-              <a:t>visualstudiogallery.msdn.microsoft.com</a:t>
-            </a:r>
-            <a:endParaRPr lang="en-US" dirty="0" smtClean="0"/>
-          </a:p>
-          <a:p>
-            <a:r>
-              <a:rPr lang="en-US" dirty="0" smtClean="0">
-                <a:solidFill>
-                  <a:srgbClr val="92D050"/>
-                </a:solidFill>
-              </a:rPr>
-              <a:t>Microsoft SQL Server Express 2005 </a:t>
-            </a:r>
-            <a:r>
-              <a:rPr lang="ru-RU" dirty="0" smtClean="0">
-                <a:solidFill>
-                  <a:srgbClr val="92D050"/>
-                </a:solidFill>
-              </a:rPr>
-              <a:t>или выше</a:t>
-            </a:r>
-            <a:endParaRPr lang="en-US" dirty="0" smtClean="0">
-              <a:solidFill>
-                <a:srgbClr val="92D050"/>
-              </a:solidFill>
-            </a:endParaRPr>
-          </a:p>
-          <a:p>
-            <a:pPr lvl="1"/>
-            <a:r>
-              <a:rPr lang="ru-RU" dirty="0" smtClean="0">
                 <a:solidFill>
                   <a:schemeClr val="bg1"/>
                 </a:solidFill>
               </a:rPr>
-              <a:t>Возможно понадобится доустановить </a:t>
-            </a:r>
-            <a:r>
-              <a:rPr lang="en-US" dirty="0">
-                <a:solidFill>
-                  <a:schemeClr val="bg1"/>
-                </a:solidFill>
-              </a:rPr>
-              <a:t>Microsoft SQL Server Management Studio </a:t>
-            </a:r>
-            <a:r>
-              <a:rPr lang="en-US" dirty="0" smtClean="0">
-                <a:solidFill>
-                  <a:schemeClr val="bg1"/>
-                </a:solidFill>
-              </a:rPr>
-              <a:t>Express</a:t>
-            </a:r>
-            <a:endParaRPr lang="ru-RU" dirty="0" smtClean="0">
+              <a:t>Microsoft SQL Server Management Studio Express</a:t>
+            </a:r>
+            <a:endParaRPr lang="ru-RU" dirty="0">
               <a:solidFill>
                 <a:schemeClr val="bg1"/>
               </a:solidFill>
@@ -5151,16 +4912,7 @@
                 </a:solidFill>
                 <a:hlinkClick r:id="rId4"/>
               </a:rPr>
-              <a:t>http://www.microsoft.com/downloads</a:t>
-            </a:r>
-            <a:r>
-              <a:rPr lang="en-US" dirty="0" smtClean="0">
-                <a:solidFill>
-                  <a:schemeClr val="bg1"/>
-                </a:solidFill>
-                <a:hlinkClick r:id="rId4"/>
-              </a:rPr>
-              <a:t>/</a:t>
+              <a:t>http://www.microsoft.com/downloads/</a:t>
             </a:r>
             <a:endParaRPr lang="en-US" dirty="0">
               <a:solidFill>
@@ -5170,7 +4922,7 @@
           </a:p>
           <a:p>
             <a:r>
-              <a:rPr lang="en-US" dirty="0" err="1" smtClean="0"/>
+              <a:rPr lang="en-US" dirty="0" err="1"/>
               <a:t>LINQPad</a:t>
             </a:r>
             <a:r>
@@ -5181,66 +4933,42 @@
               <a:rPr lang="en-US" dirty="0">
                 <a:hlinkClick r:id="rId5"/>
               </a:rPr>
-              <a:t>http://www.linqpad.net</a:t>
-            </a:r>
-            <a:r>
-              <a:rPr lang="en-US" dirty="0" smtClean="0">
-                <a:hlinkClick r:id="rId5"/>
-              </a:rPr>
-              <a:t>/</a:t>
-            </a:r>
-            <a:endParaRPr lang="en-US" dirty="0" smtClean="0"/>
-          </a:p>
-          <a:p>
-            <a:r>
-              <a:rPr lang="en-US" dirty="0" err="1" smtClean="0"/>
+              <a:t>http://www.linqpad.net/</a:t>
+            </a:r>
+            <a:endParaRPr lang="en-US" dirty="0"/>
+          </a:p>
+          <a:p>
+            <a:r>
+              <a:rPr lang="en-US" dirty="0" err="1"/>
               <a:t>dotPeek</a:t>
             </a:r>
             <a:r>
-              <a:rPr lang="en-US" dirty="0" smtClean="0"/>
+              <a:rPr lang="en-US" dirty="0"/>
               <a:t>: </a:t>
-            </a:r>
-            <a:r>
-              <a:rPr lang="en-US" dirty="0" smtClean="0">
-                <a:hlinkClick r:id="rId6"/>
-              </a:rPr>
-              <a:t>http</a:t>
             </a:r>
             <a:r>
               <a:rPr lang="en-US" dirty="0">
                 <a:hlinkClick r:id="rId6"/>
               </a:rPr>
-              <a:t>://www.jetbrains.com/decompiler</a:t>
-            </a:r>
-            <a:r>
-              <a:rPr lang="en-US" dirty="0" smtClean="0">
-                <a:hlinkClick r:id="rId6"/>
-              </a:rPr>
-              <a:t>/</a:t>
-            </a:r>
-            <a:endParaRPr lang="en-US" dirty="0" smtClean="0"/>
-          </a:p>
-          <a:p>
-            <a:r>
-              <a:rPr lang="en-US" dirty="0" smtClean="0"/>
+              <a:t>http://www.jetbrains.com/decompiler/</a:t>
+            </a:r>
+            <a:endParaRPr lang="en-US" dirty="0"/>
+          </a:p>
+          <a:p>
+            <a:r>
+              <a:rPr lang="en-US" dirty="0"/>
               <a:t>KDiff3: </a:t>
             </a:r>
             <a:r>
               <a:rPr lang="en-US" dirty="0">
                 <a:hlinkClick r:id="rId7"/>
               </a:rPr>
-              <a:t>http://kdiff3.sourceforge.net</a:t>
-            </a:r>
-            <a:r>
-              <a:rPr lang="en-US" dirty="0" smtClean="0">
-                <a:hlinkClick r:id="rId7"/>
-              </a:rPr>
-              <a:t>/</a:t>
-            </a:r>
-            <a:endParaRPr lang="en-US" dirty="0" smtClean="0"/>
-          </a:p>
-          <a:p>
-            <a:endParaRPr lang="ru-RU" dirty="0" smtClean="0"/>
+              <a:t>http://kdiff3.sourceforge.net/</a:t>
+            </a:r>
+            <a:endParaRPr lang="en-US" dirty="0"/>
+          </a:p>
+          <a:p>
+            <a:endParaRPr lang="ru-RU" dirty="0"/>
           </a:p>
           <a:p>
             <a:endParaRPr lang="ru-RU" dirty="0"/>
@@ -5257,13 +4985,6 @@
   <p:clrMapOvr>
     <a:masterClrMapping/>
   </p:clrMapOvr>
-  <p:timing>
-    <p:tnLst>
-      <p:par>
-        <p:cTn id="1" dur="indefinite" restart="never" nodeType="tmRoot"/>
-      </p:par>
-    </p:tnLst>
-  </p:timing>
 </p:sld>
 </file>
 

--- a/Presentation/intro.pptx
+++ b/Presentation/intro.pptx
@@ -17,7 +17,7 @@
     <p:sldId id="262" r:id="rId8"/>
     <p:sldId id="269" r:id="rId9"/>
     <p:sldId id="268" r:id="rId10"/>
-    <p:sldId id="263" r:id="rId11"/>
+    <p:sldId id="271" r:id="rId11"/>
   </p:sldIdLst>
   <p:sldSz cx="9144000" cy="6858000" type="screen4x3"/>
   <p:notesSz cx="6858000" cy="9144000"/>
@@ -118,7 +118,7 @@
   </p:defaultTextStyle>
   <p:extLst>
     <p:ext uri="{EFAFB233-063F-42B5-8137-9DF3F51BA10A}">
-      <p15:sldGuideLst xmlns:p15="http://schemas.microsoft.com/office/powerpoint/2012/main">
+      <p15:sldGuideLst xmlns:p15="http://schemas.microsoft.com/office/powerpoint/2012/main" xmlns="">
         <p15:guide id="1" orient="horz" pos="2160">
           <p15:clr>
             <a:srgbClr val="A4A3A4"/>
@@ -217,7 +217,7 @@
           <a:p>
             <a:fld id="{B24A7054-7FFB-49F4-A126-5DF6E687FF53}" type="datetimeFigureOut">
               <a:rPr lang="ru-RU" smtClean="0"/>
-              <a:t>01.07.2018</a:t>
+              <a:t>30.11.2018</a:t>
             </a:fld>
             <a:endParaRPr lang="ru-RU"/>
           </a:p>
@@ -1484,7 +1484,7 @@
           <a:p>
             <a:fld id="{8E6E6A2A-E9D3-4A0D-B04A-ABDD367A1E08}" type="datetimeFigureOut">
               <a:rPr lang="ru-RU" smtClean="0"/>
-              <a:t>01.07.2018</a:t>
+              <a:t>30.11.2018</a:t>
             </a:fld>
             <a:endParaRPr lang="ru-RU"/>
           </a:p>
@@ -2914,7 +2914,7 @@
           <a:p>
             <a:fld id="{AC3D3127-B7C4-45E3-9797-C527EC9FDD78}" type="datetimeFigureOut">
               <a:rPr lang="ru-RU" smtClean="0"/>
-              <a:t>01.07.2018</a:t>
+              <a:t>30.11.2018</a:t>
             </a:fld>
             <a:endParaRPr lang="ru-RU"/>
           </a:p>
@@ -3393,7 +3393,7 @@
           <p:cNvPr id="8" name="TextBox 7">
             <a:extLst>
               <a:ext uri="{FF2B5EF4-FFF2-40B4-BE49-F238E27FC236}">
-                <a16:creationId xmlns:a16="http://schemas.microsoft.com/office/drawing/2014/main" id="{E19F6F93-9A93-B748-9053-0C08EE9A4027}"/>
+                <a16:creationId xmlns:a16="http://schemas.microsoft.com/office/drawing/2014/main" xmlns="" id="{E19F6F93-9A93-B748-9053-0C08EE9A4027}"/>
               </a:ext>
             </a:extLst>
           </p:cNvPr>
@@ -3534,23 +3534,45 @@
       </p:grpSpPr>
       <p:sp>
         <p:nvSpPr>
-          <p:cNvPr id="4" name="TextBox 3"/>
-          <p:cNvSpPr txBox="1"/>
-          <p:nvPr/>
-        </p:nvSpPr>
-        <p:spPr>
-          <a:xfrm>
-            <a:off x="179512" y="1988840"/>
-            <a:ext cx="8784976" cy="3293209"/>
-          </a:xfrm>
-          <a:prstGeom prst="rect">
-            <a:avLst/>
-          </a:prstGeom>
-          <a:noFill/>
-        </p:spPr>
-        <p:txBody>
-          <a:bodyPr wrap="square" rtlCol="0">
-            <a:spAutoFit/>
+          <p:cNvPr id="2" name="Title 1"/>
+          <p:cNvSpPr>
+            <a:spLocks noGrp="1"/>
+          </p:cNvSpPr>
+          <p:nvPr>
+            <p:ph type="title"/>
+          </p:nvPr>
+        </p:nvSpPr>
+        <p:spPr/>
+        <p:txBody>
+          <a:bodyPr/>
+          <a:lstStyle/>
+          <a:p>
+            <a:r>
+              <a:rPr lang="ru-RU" dirty="0">
+                <a:solidFill>
+                  <a:schemeClr val="bg1"/>
+                </a:solidFill>
+              </a:rPr>
+              <a:t>Центр обучающих технологий</a:t>
+            </a:r>
+            <a:endParaRPr lang="ru-RU" dirty="0"/>
+          </a:p>
+        </p:txBody>
+      </p:sp>
+      <p:sp>
+        <p:nvSpPr>
+          <p:cNvPr id="3" name="Content Placeholder 2"/>
+          <p:cNvSpPr>
+            <a:spLocks noGrp="1"/>
+          </p:cNvSpPr>
+          <p:nvPr>
+            <p:ph idx="1"/>
+          </p:nvPr>
+        </p:nvSpPr>
+        <p:spPr/>
+        <p:txBody>
+          <a:bodyPr>
+            <a:normAutofit/>
           </a:bodyPr>
           <a:lstStyle/>
           <a:p>
@@ -3558,44 +3580,63 @@
               <a:spcAft>
                 <a:spcPts val="2400"/>
               </a:spcAft>
-              <a:buFont typeface="Arial" panose="020B0604020202020204" pitchFamily="34" charset="0"/>
-              <a:buChar char="•"/>
             </a:pPr>
             <a:r>
               <a:rPr lang="ru-RU" sz="2800" dirty="0"/>
-              <a:t>Центр Обучающих Технологий </a:t>
-            </a:r>
-            <a:r>
-              <a:rPr lang="ru-RU" sz="2800" dirty="0">
-                <a:solidFill>
-                  <a:schemeClr val="bg1"/>
-                </a:solidFill>
-              </a:rPr>
-              <a:t>«</a:t>
-            </a:r>
-            <a:r>
-              <a:rPr lang="ru-RU" sz="2800" dirty="0"/>
-              <a:t>БелХард</a:t>
-            </a:r>
-            <a:r>
-              <a:rPr lang="ru-RU" sz="2800" dirty="0">
-                <a:solidFill>
-                  <a:schemeClr val="bg1"/>
-                </a:solidFill>
-              </a:rPr>
-              <a:t>»</a:t>
+              <a:t>Центр Обучающих Технологий</a:t>
+            </a:r>
+            <a:r>
+              <a:rPr lang="en-US" sz="2800" dirty="0"/>
+              <a:t/>
             </a:r>
             <a:br>
               <a:rPr lang="en-US" sz="2800" dirty="0"/>
             </a:br>
             <a:r>
               <a:rPr lang="en-US" sz="2800" dirty="0">
+                <a:hlinkClick r:id="rId2"/>
+              </a:rPr>
+              <a:t>https://trainingcenter.by/</a:t>
+            </a:r>
+            <a:endParaRPr lang="en-US" sz="2800" dirty="0"/>
+          </a:p>
+          <a:p>
+            <a:pPr marL="457200" indent="-457200">
+              <a:spcAft>
+                <a:spcPts val="2400"/>
+              </a:spcAft>
+            </a:pPr>
+            <a:r>
+              <a:rPr lang="ru-RU" sz="2800" dirty="0">
                 <a:solidFill>
                   <a:schemeClr val="bg1"/>
                 </a:solidFill>
-                <a:hlinkClick r:id="rId2"/>
-              </a:rPr>
-              <a:t>http://www.tc.belhard.com/</a:t>
+              </a:rPr>
+              <a:t>Группа ВКонтакте</a:t>
+            </a:r>
+            <a:r>
+              <a:rPr lang="en-US" sz="2800" dirty="0">
+                <a:solidFill>
+                  <a:schemeClr val="bg1"/>
+                </a:solidFill>
+              </a:rPr>
+              <a:t/>
+            </a:r>
+            <a:br>
+              <a:rPr lang="en-US" sz="2800" dirty="0">
+                <a:solidFill>
+                  <a:schemeClr val="bg1"/>
+                </a:solidFill>
+              </a:rPr>
+            </a:br>
+            <a:r>
+              <a:rPr lang="en-US" sz="2800" dirty="0">
+                <a:solidFill>
+                  <a:schemeClr val="bg1"/>
+                </a:solidFill>
+                <a:hlinkClick r:id="rId3"/>
+              </a:rPr>
+              <a:t>https://vk.com/training_center_minsk</a:t>
             </a:r>
             <a:endParaRPr lang="en-US" sz="2800" dirty="0">
               <a:solidFill>
@@ -3608,16 +3649,14 @@
               <a:spcAft>
                 <a:spcPts val="2400"/>
               </a:spcAft>
-              <a:buFont typeface="Arial" panose="020B0604020202020204" pitchFamily="34" charset="0"/>
-              <a:buChar char="•"/>
             </a:pPr>
             <a:r>
-              <a:rPr lang="ru-RU" sz="2800" dirty="0">
+              <a:rPr lang="en-US" sz="2800" dirty="0">
                 <a:solidFill>
                   <a:schemeClr val="bg1"/>
                 </a:solidFill>
               </a:rPr>
-              <a:t>Группа ВКонтакте</a:t>
+              <a:t>Facebook</a:t>
             </a:r>
             <a:br>
               <a:rPr lang="en-US" sz="2800" dirty="0">
@@ -3631,91 +3670,18 @@
                 <a:solidFill>
                   <a:schemeClr val="bg1"/>
                 </a:solidFill>
-                <a:hlinkClick r:id="rId3"/>
-              </a:rPr>
-              <a:t>http://vk.com/tcbelhard</a:t>
-            </a:r>
-            <a:endParaRPr lang="en-US" sz="2800" dirty="0">
-              <a:solidFill>
-                <a:schemeClr val="bg1"/>
-              </a:solidFill>
-            </a:endParaRPr>
-          </a:p>
-          <a:p>
-            <a:pPr marL="457200" indent="-457200">
-              <a:spcAft>
-                <a:spcPts val="2400"/>
-              </a:spcAft>
-              <a:buFont typeface="Arial" panose="020B0604020202020204" pitchFamily="34" charset="0"/>
-              <a:buChar char="•"/>
-            </a:pPr>
-            <a:r>
-              <a:rPr lang="en-US" sz="2800" dirty="0">
-                <a:solidFill>
-                  <a:schemeClr val="bg1"/>
-                </a:solidFill>
-              </a:rPr>
-              <a:t>Facebook</a:t>
-            </a:r>
-            <a:br>
-              <a:rPr lang="en-US" sz="2800" dirty="0">
-                <a:solidFill>
-                  <a:schemeClr val="bg1"/>
-                </a:solidFill>
-              </a:rPr>
-            </a:br>
-            <a:r>
-              <a:rPr lang="en-US" sz="2800" dirty="0">
                 <a:hlinkClick r:id="rId4"/>
               </a:rPr>
-              <a:t>https://www.facebook.com/CentrBelhard</a:t>
-            </a:r>
-            <a:endParaRPr lang="en-US" sz="2800" dirty="0"/>
-          </a:p>
-        </p:txBody>
-      </p:sp>
-      <p:sp>
-        <p:nvSpPr>
-          <p:cNvPr id="5" name="Rectangle 4"/>
-          <p:cNvSpPr/>
-          <p:nvPr/>
-        </p:nvSpPr>
-        <p:spPr>
-          <a:xfrm>
-            <a:off x="251520" y="188640"/>
-            <a:ext cx="8640960" cy="1446550"/>
-          </a:xfrm>
-          <a:prstGeom prst="rect">
-            <a:avLst/>
-          </a:prstGeom>
-        </p:spPr>
-        <p:txBody>
-          <a:bodyPr wrap="square">
-            <a:spAutoFit/>
-          </a:bodyPr>
-          <a:lstStyle/>
-          <a:p>
-            <a:pPr lvl="0" algn="ctr"/>
-            <a:r>
-              <a:rPr lang="ru-RU" sz="4400" dirty="0">
-                <a:solidFill>
-                  <a:schemeClr val="bg1"/>
-                </a:solidFill>
-              </a:rPr>
-              <a:t>Центр обучающих технологий «Белхард»</a:t>
-            </a:r>
-            <a:endParaRPr lang="en-US" sz="4400" dirty="0">
-              <a:solidFill>
-                <a:schemeClr val="bg1"/>
-              </a:solidFill>
-            </a:endParaRPr>
+              <a:t>https://www.facebook.com/trainingcenterminsk/</a:t>
+            </a:r>
+            <a:endParaRPr lang="ru-RU" sz="2800" dirty="0"/>
           </a:p>
         </p:txBody>
       </p:sp>
     </p:spTree>
     <p:extLst>
       <p:ext uri="{BB962C8B-B14F-4D97-AF65-F5344CB8AC3E}">
-        <p14:creationId xmlns:p14="http://schemas.microsoft.com/office/powerpoint/2010/main" val="1514770362"/>
+        <p14:creationId xmlns:p14="http://schemas.microsoft.com/office/powerpoint/2010/main" val="3782166802"/>
       </p:ext>
     </p:extLst>
   </p:cSld>
@@ -4209,6 +4175,14 @@
               </a:rPr>
               <a:t>https://github.com/bazile/Training</a:t>
             </a:r>
+            <a:r>
+              <a:rPr lang="en-US" dirty="0">
+                <a:solidFill>
+                  <a:schemeClr val="bg1"/>
+                </a:solidFill>
+              </a:rPr>
+              <a:t/>
+            </a:r>
             <a:br>
               <a:rPr lang="en-US" dirty="0">
                 <a:solidFill>
@@ -4241,6 +4215,14 @@
                 <a:hlinkClick r:id="rId3"/>
               </a:rPr>
               <a:t>http://belhard.nullptr.ru/</a:t>
+            </a:r>
+            <a:r>
+              <a:rPr lang="ru-RU" dirty="0">
+                <a:solidFill>
+                  <a:schemeClr val="bg1"/>
+                </a:solidFill>
+              </a:rPr>
+              <a:t/>
             </a:r>
             <a:br>
               <a:rPr lang="ru-RU" dirty="0">

--- a/Presentation/intro.pptx
+++ b/Presentation/intro.pptx
@@ -118,7 +118,7 @@
   </p:defaultTextStyle>
   <p:extLst>
     <p:ext uri="{EFAFB233-063F-42B5-8137-9DF3F51BA10A}">
-      <p15:sldGuideLst xmlns:p15="http://schemas.microsoft.com/office/powerpoint/2012/main" xmlns="">
+      <p15:sldGuideLst xmlns="" xmlns:p15="http://schemas.microsoft.com/office/powerpoint/2012/main">
         <p15:guide id="1" orient="horz" pos="2160">
           <p15:clr>
             <a:srgbClr val="A4A3A4"/>
@@ -217,7 +217,7 @@
           <a:p>
             <a:fld id="{B24A7054-7FFB-49F4-A126-5DF6E687FF53}" type="datetimeFigureOut">
               <a:rPr lang="ru-RU" smtClean="0"/>
-              <a:t>30.11.2018</a:t>
+              <a:t>22.02.2019</a:t>
             </a:fld>
             <a:endParaRPr lang="ru-RU"/>
           </a:p>
@@ -486,8 +486,8 @@
 </file>
 
 <file path=ppt/slideLayouts/slideLayout1.xml><?xml version="1.0" encoding="utf-8"?>
-<p:sldLayout xmlns:a="http://schemas.openxmlformats.org/drawingml/2006/main" xmlns:r="http://schemas.openxmlformats.org/officeDocument/2006/relationships" xmlns:p="http://schemas.openxmlformats.org/presentationml/2006/main" preserve="1" userDrawn="1">
-  <p:cSld name="Title Slide">
+<p:sldLayout xmlns:a="http://schemas.openxmlformats.org/drawingml/2006/main" xmlns:r="http://schemas.openxmlformats.org/officeDocument/2006/relationships" xmlns:p="http://schemas.openxmlformats.org/presentationml/2006/main" type="obj" preserve="1">
+  <p:cSld name="Title and Content">
     <p:spTree>
       <p:nvGrpSpPr>
         <p:cNvPr id="1" name=""/>
@@ -504,172 +504,83 @@
       </p:grpSpPr>
       <p:sp>
         <p:nvSpPr>
-          <p:cNvPr id="7" name="Rectangle 6"/>
-          <p:cNvSpPr/>
-          <p:nvPr userDrawn="1"/>
-        </p:nvSpPr>
-        <p:spPr>
-          <a:xfrm>
-            <a:off x="143508" y="1304764"/>
-            <a:ext cx="8856984" cy="646331"/>
-          </a:xfrm>
-          <a:prstGeom prst="rect">
-            <a:avLst/>
-          </a:prstGeom>
-        </p:spPr>
-        <p:txBody>
-          <a:bodyPr wrap="square">
-            <a:spAutoFit/>
-          </a:bodyPr>
+          <p:cNvPr id="2" name="Title 1"/>
+          <p:cNvSpPr>
+            <a:spLocks noGrp="1"/>
+          </p:cNvSpPr>
+          <p:nvPr>
+            <p:ph type="title"/>
+          </p:nvPr>
+        </p:nvSpPr>
+        <p:spPr/>
+        <p:txBody>
+          <a:bodyPr/>
           <a:lstStyle/>
           <a:p>
-            <a:pPr algn="ctr"/>
-            <a:r>
-              <a:rPr lang="ru-RU" sz="3600" b="1" i="1" dirty="0">
-                <a:solidFill>
-                  <a:schemeClr val="bg1"/>
-                </a:solidFill>
-              </a:rPr>
-              <a:t>Основы программирования на </a:t>
-            </a:r>
-            <a:r>
-              <a:rPr lang="en-US" sz="3600" b="1" i="1" dirty="0">
-                <a:solidFill>
-                  <a:schemeClr val="bg1"/>
-                </a:solidFill>
-              </a:rPr>
-              <a:t>C#</a:t>
-            </a:r>
-            <a:endParaRPr lang="ru-RU" sz="3600" b="1" i="1" dirty="0">
-              <a:solidFill>
-                <a:schemeClr val="bg1"/>
-              </a:solidFill>
-            </a:endParaRPr>
-          </a:p>
-        </p:txBody>
-      </p:sp>
-      <p:pic>
-        <p:nvPicPr>
-          <p:cNvPr id="8" name="Picture 5"/>
-          <p:cNvPicPr>
-            <a:picLocks noChangeAspect="1" noChangeArrowheads="1"/>
-          </p:cNvPicPr>
-          <p:nvPr userDrawn="1"/>
-        </p:nvPicPr>
-        <p:blipFill>
-          <a:blip r:embed="rId2">
-            <a:extLst>
-              <a:ext uri="{28A0092B-C50C-407E-A947-70E740481C1C}">
-                <a14:useLocalDpi xmlns:a14="http://schemas.microsoft.com/office/drawing/2010/main" val="0"/>
-              </a:ext>
-            </a:extLst>
-          </a:blip>
-          <a:srcRect/>
-          <a:stretch>
-            <a:fillRect/>
-          </a:stretch>
-        </p:blipFill>
-        <p:spPr bwMode="auto">
-          <a:xfrm>
-            <a:off x="1638300" y="3829211"/>
-            <a:ext cx="5867400" cy="1724025"/>
-          </a:xfrm>
-          <a:prstGeom prst="rect">
-            <a:avLst/>
-          </a:prstGeom>
-          <a:noFill/>
-          <a:ln>
-            <a:noFill/>
-          </a:ln>
-          <a:effectLst/>
-          <a:extLst>
-            <a:ext uri="{909E8E84-426E-40DD-AFC4-6F175D3DCCD1}">
-              <a14:hiddenFill xmlns:a14="http://schemas.microsoft.com/office/drawing/2010/main">
-                <a:solidFill>
-                  <a:schemeClr val="accent1"/>
-                </a:solidFill>
-              </a14:hiddenFill>
-            </a:ext>
-            <a:ext uri="{91240B29-F687-4F45-9708-019B960494DF}">
-              <a14:hiddenLine xmlns:a14="http://schemas.microsoft.com/office/drawing/2010/main" w="9525">
-                <a:solidFill>
-                  <a:schemeClr val="tx1"/>
-                </a:solidFill>
-                <a:miter lim="800000"/>
-                <a:headEnd/>
-                <a:tailEnd/>
-              </a14:hiddenLine>
-            </a:ext>
-            <a:ext uri="{AF507438-7753-43E0-B8FC-AC1667EBCBE1}">
-              <a14:hiddenEffects xmlns:a14="http://schemas.microsoft.com/office/drawing/2010/main">
-                <a:effectLst>
-                  <a:outerShdw dist="35921" dir="2700000" algn="ctr" rotWithShape="0">
-                    <a:schemeClr val="bg2"/>
-                  </a:outerShdw>
-                </a:effectLst>
-              </a14:hiddenEffects>
-            </a:ext>
-          </a:extLst>
-        </p:spPr>
-      </p:pic>
-      <p:sp>
-        <p:nvSpPr>
-          <p:cNvPr id="9" name="TextBox 8"/>
-          <p:cNvSpPr txBox="1"/>
-          <p:nvPr userDrawn="1"/>
-        </p:nvSpPr>
-        <p:spPr>
-          <a:xfrm>
-            <a:off x="2774873" y="2528900"/>
-            <a:ext cx="4240263" cy="461665"/>
-          </a:xfrm>
-          <a:prstGeom prst="rect">
-            <a:avLst/>
-          </a:prstGeom>
-          <a:noFill/>
-        </p:spPr>
-        <p:txBody>
-          <a:bodyPr wrap="none" rtlCol="0">
-            <a:spAutoFit/>
-          </a:bodyPr>
+            <a:r>
+              <a:rPr lang="en-US"/>
+              <a:t>Click to edit Master title style</a:t>
+            </a:r>
+            <a:endParaRPr lang="ru-RU" dirty="0"/>
+          </a:p>
+        </p:txBody>
+      </p:sp>
+      <p:sp>
+        <p:nvSpPr>
+          <p:cNvPr id="3" name="Content Placeholder 2"/>
+          <p:cNvSpPr>
+            <a:spLocks noGrp="1"/>
+          </p:cNvSpPr>
+          <p:nvPr>
+            <p:ph idx="1"/>
+          </p:nvPr>
+        </p:nvSpPr>
+        <p:spPr/>
+        <p:txBody>
+          <a:bodyPr/>
           <a:lstStyle/>
           <a:p>
-            <a:r>
-              <a:rPr lang="ru-RU" sz="2400" dirty="0">
-                <a:solidFill>
-                  <a:schemeClr val="bg1"/>
-                </a:solidFill>
-              </a:rPr>
-              <a:t>Занятие №</a:t>
-            </a:r>
-            <a:r>
-              <a:rPr lang="en-US" sz="2400" dirty="0">
-                <a:solidFill>
-                  <a:schemeClr val="bg1"/>
-                </a:solidFill>
-              </a:rPr>
-              <a:t>1</a:t>
-            </a:r>
-            <a:r>
-              <a:rPr lang="ru-RU" sz="2400" dirty="0">
-                <a:solidFill>
-                  <a:schemeClr val="bg1"/>
-                </a:solidFill>
-              </a:rPr>
-              <a:t>. Название занятия</a:t>
-            </a:r>
-            <a:endParaRPr lang="en-US" sz="2400" dirty="0">
-              <a:solidFill>
-                <a:schemeClr val="bg1"/>
-              </a:solidFill>
-            </a:endParaRPr>
+            <a:pPr lvl="0"/>
+            <a:r>
+              <a:rPr lang="en-US"/>
+              <a:t>Click to edit Master text styles</a:t>
+            </a:r>
+          </a:p>
+          <a:p>
+            <a:pPr lvl="1"/>
+            <a:r>
+              <a:rPr lang="en-US"/>
+              <a:t>Second level</a:t>
+            </a:r>
+          </a:p>
+          <a:p>
+            <a:pPr lvl="2"/>
+            <a:r>
+              <a:rPr lang="en-US"/>
+              <a:t>Third level</a:t>
+            </a:r>
+          </a:p>
+          <a:p>
+            <a:pPr lvl="3"/>
+            <a:r>
+              <a:rPr lang="en-US"/>
+              <a:t>Fourth level</a:t>
+            </a:r>
+          </a:p>
+          <a:p>
+            <a:pPr lvl="4"/>
+            <a:r>
+              <a:rPr lang="en-US"/>
+              <a:t>Fifth level</a:t>
+            </a:r>
+            <a:endParaRPr lang="ru-RU" dirty="0"/>
           </a:p>
         </p:txBody>
       </p:sp>
     </p:spTree>
     <p:extLst>
       <p:ext uri="{BB962C8B-B14F-4D97-AF65-F5344CB8AC3E}">
-        <p14:creationId xmlns:p14="http://schemas.microsoft.com/office/powerpoint/2010/main" val="2062725571"/>
+        <p14:creationId xmlns:p14="http://schemas.microsoft.com/office/powerpoint/2010/main" val="3363467697"/>
       </p:ext>
     </p:extLst>
   </p:cSld>
@@ -680,6 +591,1377 @@
 </file>
 
 <file path=ppt/slideLayouts/slideLayout10.xml><?xml version="1.0" encoding="utf-8"?>
+<p:sldLayout xmlns:a="http://schemas.openxmlformats.org/drawingml/2006/main" xmlns:r="http://schemas.openxmlformats.org/officeDocument/2006/relationships" xmlns:p="http://schemas.openxmlformats.org/presentationml/2006/main" type="vertTx" preserve="1">
+  <p:cSld name="Title and Vertical Text">
+    <p:spTree>
+      <p:nvGrpSpPr>
+        <p:cNvPr id="1" name=""/>
+        <p:cNvGrpSpPr/>
+        <p:nvPr/>
+      </p:nvGrpSpPr>
+      <p:grpSpPr>
+        <a:xfrm>
+          <a:off x="0" y="0"/>
+          <a:ext cx="0" cy="0"/>
+          <a:chOff x="0" y="0"/>
+          <a:chExt cx="0" cy="0"/>
+        </a:xfrm>
+      </p:grpSpPr>
+      <p:sp>
+        <p:nvSpPr>
+          <p:cNvPr id="2" name="Title 1"/>
+          <p:cNvSpPr>
+            <a:spLocks noGrp="1"/>
+          </p:cNvSpPr>
+          <p:nvPr>
+            <p:ph type="title"/>
+          </p:nvPr>
+        </p:nvSpPr>
+        <p:spPr/>
+        <p:txBody>
+          <a:bodyPr/>
+          <a:lstStyle/>
+          <a:p>
+            <a:r>
+              <a:rPr lang="en-US"/>
+              <a:t>Click to edit Master title style</a:t>
+            </a:r>
+            <a:endParaRPr lang="ru-RU" dirty="0"/>
+          </a:p>
+        </p:txBody>
+      </p:sp>
+      <p:sp>
+        <p:nvSpPr>
+          <p:cNvPr id="3" name="Vertical Text Placeholder 2"/>
+          <p:cNvSpPr>
+            <a:spLocks noGrp="1"/>
+          </p:cNvSpPr>
+          <p:nvPr>
+            <p:ph type="body" orient="vert" idx="1"/>
+          </p:nvPr>
+        </p:nvSpPr>
+        <p:spPr/>
+        <p:txBody>
+          <a:bodyPr vert="eaVert"/>
+          <a:lstStyle/>
+          <a:p>
+            <a:pPr lvl="0"/>
+            <a:r>
+              <a:rPr lang="en-US"/>
+              <a:t>Click to edit Master text styles</a:t>
+            </a:r>
+          </a:p>
+          <a:p>
+            <a:pPr lvl="1"/>
+            <a:r>
+              <a:rPr lang="en-US"/>
+              <a:t>Second level</a:t>
+            </a:r>
+          </a:p>
+          <a:p>
+            <a:pPr lvl="2"/>
+            <a:r>
+              <a:rPr lang="en-US"/>
+              <a:t>Third level</a:t>
+            </a:r>
+          </a:p>
+          <a:p>
+            <a:pPr lvl="3"/>
+            <a:r>
+              <a:rPr lang="en-US"/>
+              <a:t>Fourth level</a:t>
+            </a:r>
+          </a:p>
+          <a:p>
+            <a:pPr lvl="4"/>
+            <a:r>
+              <a:rPr lang="en-US"/>
+              <a:t>Fifth level</a:t>
+            </a:r>
+            <a:endParaRPr lang="ru-RU" dirty="0"/>
+          </a:p>
+        </p:txBody>
+      </p:sp>
+    </p:spTree>
+    <p:extLst>
+      <p:ext uri="{BB962C8B-B14F-4D97-AF65-F5344CB8AC3E}">
+        <p14:creationId xmlns:p14="http://schemas.microsoft.com/office/powerpoint/2010/main" val="2015559697"/>
+      </p:ext>
+    </p:extLst>
+  </p:cSld>
+  <p:clrMapOvr>
+    <a:masterClrMapping/>
+  </p:clrMapOvr>
+</p:sldLayout>
+</file>
+
+<file path=ppt/slideLayouts/slideLayout11.xml><?xml version="1.0" encoding="utf-8"?>
+<p:sldLayout xmlns:a="http://schemas.openxmlformats.org/drawingml/2006/main" xmlns:r="http://schemas.openxmlformats.org/officeDocument/2006/relationships" xmlns:p="http://schemas.openxmlformats.org/presentationml/2006/main" type="vertTitleAndTx" preserve="1">
+  <p:cSld name="Vertical Title and Text">
+    <p:spTree>
+      <p:nvGrpSpPr>
+        <p:cNvPr id="1" name=""/>
+        <p:cNvGrpSpPr/>
+        <p:nvPr/>
+      </p:nvGrpSpPr>
+      <p:grpSpPr>
+        <a:xfrm>
+          <a:off x="0" y="0"/>
+          <a:ext cx="0" cy="0"/>
+          <a:chOff x="0" y="0"/>
+          <a:chExt cx="0" cy="0"/>
+        </a:xfrm>
+      </p:grpSpPr>
+      <p:sp>
+        <p:nvSpPr>
+          <p:cNvPr id="2" name="Vertical Title 1"/>
+          <p:cNvSpPr>
+            <a:spLocks noGrp="1"/>
+          </p:cNvSpPr>
+          <p:nvPr>
+            <p:ph type="title" orient="vert"/>
+          </p:nvPr>
+        </p:nvSpPr>
+        <p:spPr>
+          <a:xfrm>
+            <a:off x="6629400" y="274638"/>
+            <a:ext cx="2057400" cy="5851525"/>
+          </a:xfrm>
+        </p:spPr>
+        <p:txBody>
+          <a:bodyPr vert="eaVert"/>
+          <a:lstStyle/>
+          <a:p>
+            <a:r>
+              <a:rPr lang="en-US"/>
+              <a:t>Click to edit Master title style</a:t>
+            </a:r>
+            <a:endParaRPr lang="ru-RU" dirty="0"/>
+          </a:p>
+        </p:txBody>
+      </p:sp>
+      <p:sp>
+        <p:nvSpPr>
+          <p:cNvPr id="3" name="Vertical Text Placeholder 2"/>
+          <p:cNvSpPr>
+            <a:spLocks noGrp="1"/>
+          </p:cNvSpPr>
+          <p:nvPr>
+            <p:ph type="body" orient="vert" idx="1"/>
+          </p:nvPr>
+        </p:nvSpPr>
+        <p:spPr>
+          <a:xfrm>
+            <a:off x="457200" y="274638"/>
+            <a:ext cx="6019800" cy="5851525"/>
+          </a:xfrm>
+        </p:spPr>
+        <p:txBody>
+          <a:bodyPr vert="eaVert"/>
+          <a:lstStyle/>
+          <a:p>
+            <a:pPr lvl="0"/>
+            <a:r>
+              <a:rPr lang="en-US"/>
+              <a:t>Click to edit Master text styles</a:t>
+            </a:r>
+          </a:p>
+          <a:p>
+            <a:pPr lvl="1"/>
+            <a:r>
+              <a:rPr lang="en-US"/>
+              <a:t>Second level</a:t>
+            </a:r>
+          </a:p>
+          <a:p>
+            <a:pPr lvl="2"/>
+            <a:r>
+              <a:rPr lang="en-US"/>
+              <a:t>Third level</a:t>
+            </a:r>
+          </a:p>
+          <a:p>
+            <a:pPr lvl="3"/>
+            <a:r>
+              <a:rPr lang="en-US"/>
+              <a:t>Fourth level</a:t>
+            </a:r>
+          </a:p>
+          <a:p>
+            <a:pPr lvl="4"/>
+            <a:r>
+              <a:rPr lang="en-US"/>
+              <a:t>Fifth level</a:t>
+            </a:r>
+            <a:endParaRPr lang="ru-RU" dirty="0"/>
+          </a:p>
+        </p:txBody>
+      </p:sp>
+    </p:spTree>
+    <p:extLst>
+      <p:ext uri="{BB962C8B-B14F-4D97-AF65-F5344CB8AC3E}">
+        <p14:creationId xmlns:p14="http://schemas.microsoft.com/office/powerpoint/2010/main" val="370514854"/>
+      </p:ext>
+    </p:extLst>
+  </p:cSld>
+  <p:clrMapOvr>
+    <a:masterClrMapping/>
+  </p:clrMapOvr>
+</p:sldLayout>
+</file>
+
+<file path=ppt/slideLayouts/slideLayout12.xml><?xml version="1.0" encoding="utf-8"?>
+<p:sldLayout xmlns:a="http://schemas.openxmlformats.org/drawingml/2006/main" xmlns:r="http://schemas.openxmlformats.org/officeDocument/2006/relationships" xmlns:p="http://schemas.openxmlformats.org/presentationml/2006/main" type="title">
+  <p:cSld name="2_Title Slide">
+    <p:spTree>
+      <p:nvGrpSpPr>
+        <p:cNvPr id="1" name=""/>
+        <p:cNvGrpSpPr/>
+        <p:nvPr/>
+      </p:nvGrpSpPr>
+      <p:grpSpPr>
+        <a:xfrm>
+          <a:off x="0" y="0"/>
+          <a:ext cx="0" cy="0"/>
+          <a:chOff x="0" y="0"/>
+          <a:chExt cx="0" cy="0"/>
+        </a:xfrm>
+      </p:grpSpPr>
+      <p:sp>
+        <p:nvSpPr>
+          <p:cNvPr id="2" name="Title 1"/>
+          <p:cNvSpPr>
+            <a:spLocks noGrp="1"/>
+          </p:cNvSpPr>
+          <p:nvPr>
+            <p:ph type="ctrTitle"/>
+          </p:nvPr>
+        </p:nvSpPr>
+        <p:spPr>
+          <a:xfrm>
+            <a:off x="685800" y="2130425"/>
+            <a:ext cx="7772400" cy="1470025"/>
+          </a:xfrm>
+        </p:spPr>
+        <p:txBody>
+          <a:bodyPr/>
+          <a:lstStyle/>
+          <a:p>
+            <a:r>
+              <a:rPr lang="en-US"/>
+              <a:t>Click to edit Master title style</a:t>
+            </a:r>
+            <a:endParaRPr lang="ru-RU"/>
+          </a:p>
+        </p:txBody>
+      </p:sp>
+      <p:sp>
+        <p:nvSpPr>
+          <p:cNvPr id="3" name="Subtitle 2"/>
+          <p:cNvSpPr>
+            <a:spLocks noGrp="1"/>
+          </p:cNvSpPr>
+          <p:nvPr>
+            <p:ph type="subTitle" idx="1"/>
+          </p:nvPr>
+        </p:nvSpPr>
+        <p:spPr>
+          <a:xfrm>
+            <a:off x="1371600" y="3886200"/>
+            <a:ext cx="6400800" cy="1752600"/>
+          </a:xfrm>
+        </p:spPr>
+        <p:txBody>
+          <a:bodyPr/>
+          <a:lstStyle>
+            <a:lvl1pPr marL="0" indent="0" algn="ctr">
+              <a:buNone/>
+              <a:defRPr>
+                <a:solidFill>
+                  <a:schemeClr val="tx1">
+                    <a:tint val="75000"/>
+                  </a:schemeClr>
+                </a:solidFill>
+              </a:defRPr>
+            </a:lvl1pPr>
+            <a:lvl2pPr marL="457200" indent="0" algn="ctr">
+              <a:buNone/>
+              <a:defRPr>
+                <a:solidFill>
+                  <a:schemeClr val="tx1">
+                    <a:tint val="75000"/>
+                  </a:schemeClr>
+                </a:solidFill>
+              </a:defRPr>
+            </a:lvl2pPr>
+            <a:lvl3pPr marL="914400" indent="0" algn="ctr">
+              <a:buNone/>
+              <a:defRPr>
+                <a:solidFill>
+                  <a:schemeClr val="tx1">
+                    <a:tint val="75000"/>
+                  </a:schemeClr>
+                </a:solidFill>
+              </a:defRPr>
+            </a:lvl3pPr>
+            <a:lvl4pPr marL="1371600" indent="0" algn="ctr">
+              <a:buNone/>
+              <a:defRPr>
+                <a:solidFill>
+                  <a:schemeClr val="tx1">
+                    <a:tint val="75000"/>
+                  </a:schemeClr>
+                </a:solidFill>
+              </a:defRPr>
+            </a:lvl4pPr>
+            <a:lvl5pPr marL="1828800" indent="0" algn="ctr">
+              <a:buNone/>
+              <a:defRPr>
+                <a:solidFill>
+                  <a:schemeClr val="tx1">
+                    <a:tint val="75000"/>
+                  </a:schemeClr>
+                </a:solidFill>
+              </a:defRPr>
+            </a:lvl5pPr>
+            <a:lvl6pPr marL="2286000" indent="0" algn="ctr">
+              <a:buNone/>
+              <a:defRPr>
+                <a:solidFill>
+                  <a:schemeClr val="tx1">
+                    <a:tint val="75000"/>
+                  </a:schemeClr>
+                </a:solidFill>
+              </a:defRPr>
+            </a:lvl6pPr>
+            <a:lvl7pPr marL="2743200" indent="0" algn="ctr">
+              <a:buNone/>
+              <a:defRPr>
+                <a:solidFill>
+                  <a:schemeClr val="tx1">
+                    <a:tint val="75000"/>
+                  </a:schemeClr>
+                </a:solidFill>
+              </a:defRPr>
+            </a:lvl7pPr>
+            <a:lvl8pPr marL="3200400" indent="0" algn="ctr">
+              <a:buNone/>
+              <a:defRPr>
+                <a:solidFill>
+                  <a:schemeClr val="tx1">
+                    <a:tint val="75000"/>
+                  </a:schemeClr>
+                </a:solidFill>
+              </a:defRPr>
+            </a:lvl8pPr>
+            <a:lvl9pPr marL="3657600" indent="0" algn="ctr">
+              <a:buNone/>
+              <a:defRPr>
+                <a:solidFill>
+                  <a:schemeClr val="tx1">
+                    <a:tint val="75000"/>
+                  </a:schemeClr>
+                </a:solidFill>
+              </a:defRPr>
+            </a:lvl9pPr>
+          </a:lstStyle>
+          <a:p>
+            <a:r>
+              <a:rPr lang="en-US"/>
+              <a:t>Click to edit Master subtitle style</a:t>
+            </a:r>
+            <a:endParaRPr lang="ru-RU"/>
+          </a:p>
+        </p:txBody>
+      </p:sp>
+      <p:sp>
+        <p:nvSpPr>
+          <p:cNvPr id="4" name="Date Placeholder 3"/>
+          <p:cNvSpPr>
+            <a:spLocks noGrp="1"/>
+          </p:cNvSpPr>
+          <p:nvPr>
+            <p:ph type="dt" sz="half" idx="10"/>
+          </p:nvPr>
+        </p:nvSpPr>
+        <p:spPr/>
+        <p:txBody>
+          <a:bodyPr/>
+          <a:lstStyle/>
+          <a:p>
+            <a:fld id="{8E6E6A2A-E9D3-4A0D-B04A-ABDD367A1E08}" type="datetimeFigureOut">
+              <a:rPr lang="ru-RU" smtClean="0"/>
+              <a:t>22.02.2019</a:t>
+            </a:fld>
+            <a:endParaRPr lang="ru-RU"/>
+          </a:p>
+        </p:txBody>
+      </p:sp>
+      <p:sp>
+        <p:nvSpPr>
+          <p:cNvPr id="5" name="Footer Placeholder 4"/>
+          <p:cNvSpPr>
+            <a:spLocks noGrp="1"/>
+          </p:cNvSpPr>
+          <p:nvPr>
+            <p:ph type="ftr" sz="quarter" idx="11"/>
+          </p:nvPr>
+        </p:nvSpPr>
+        <p:spPr/>
+        <p:txBody>
+          <a:bodyPr/>
+          <a:lstStyle/>
+          <a:p>
+            <a:endParaRPr lang="ru-RU"/>
+          </a:p>
+        </p:txBody>
+      </p:sp>
+      <p:sp>
+        <p:nvSpPr>
+          <p:cNvPr id="6" name="Slide Number Placeholder 5"/>
+          <p:cNvSpPr>
+            <a:spLocks noGrp="1"/>
+          </p:cNvSpPr>
+          <p:nvPr>
+            <p:ph type="sldNum" sz="quarter" idx="12"/>
+          </p:nvPr>
+        </p:nvSpPr>
+        <p:spPr/>
+        <p:txBody>
+          <a:bodyPr/>
+          <a:lstStyle/>
+          <a:p>
+            <a:fld id="{BC0D3D34-2E8A-4A38-B864-C677BA056495}" type="slidenum">
+              <a:rPr lang="ru-RU" smtClean="0"/>
+              <a:t>‹#›</a:t>
+            </a:fld>
+            <a:endParaRPr lang="ru-RU"/>
+          </a:p>
+        </p:txBody>
+      </p:sp>
+    </p:spTree>
+    <p:extLst>
+      <p:ext uri="{BB962C8B-B14F-4D97-AF65-F5344CB8AC3E}">
+        <p14:creationId xmlns:p14="http://schemas.microsoft.com/office/powerpoint/2010/main" val="4222294974"/>
+      </p:ext>
+    </p:extLst>
+  </p:cSld>
+  <p:clrMapOvr>
+    <a:masterClrMapping/>
+  </p:clrMapOvr>
+</p:sldLayout>
+</file>
+
+<file path=ppt/slideLayouts/slideLayout2.xml><?xml version="1.0" encoding="utf-8"?>
+<p:sldLayout xmlns:a="http://schemas.openxmlformats.org/drawingml/2006/main" xmlns:r="http://schemas.openxmlformats.org/officeDocument/2006/relationships" xmlns:p="http://schemas.openxmlformats.org/presentationml/2006/main" type="secHead" preserve="1">
+  <p:cSld name="Section Header">
+    <p:spTree>
+      <p:nvGrpSpPr>
+        <p:cNvPr id="1" name=""/>
+        <p:cNvGrpSpPr/>
+        <p:nvPr/>
+      </p:nvGrpSpPr>
+      <p:grpSpPr>
+        <a:xfrm>
+          <a:off x="0" y="0"/>
+          <a:ext cx="0" cy="0"/>
+          <a:chOff x="0" y="0"/>
+          <a:chExt cx="0" cy="0"/>
+        </a:xfrm>
+      </p:grpSpPr>
+      <p:sp>
+        <p:nvSpPr>
+          <p:cNvPr id="2" name="Title 1"/>
+          <p:cNvSpPr>
+            <a:spLocks noGrp="1"/>
+          </p:cNvSpPr>
+          <p:nvPr>
+            <p:ph type="title"/>
+          </p:nvPr>
+        </p:nvSpPr>
+        <p:spPr>
+          <a:xfrm>
+            <a:off x="722313" y="4406900"/>
+            <a:ext cx="7772400" cy="1362075"/>
+          </a:xfrm>
+        </p:spPr>
+        <p:txBody>
+          <a:bodyPr anchor="t"/>
+          <a:lstStyle>
+            <a:lvl1pPr algn="l">
+              <a:defRPr sz="4000" b="1" cap="all"/>
+            </a:lvl1pPr>
+          </a:lstStyle>
+          <a:p>
+            <a:r>
+              <a:rPr lang="en-US"/>
+              <a:t>Click to edit Master title style</a:t>
+            </a:r>
+            <a:endParaRPr lang="ru-RU" dirty="0"/>
+          </a:p>
+        </p:txBody>
+      </p:sp>
+      <p:sp>
+        <p:nvSpPr>
+          <p:cNvPr id="3" name="Text Placeholder 2"/>
+          <p:cNvSpPr>
+            <a:spLocks noGrp="1"/>
+          </p:cNvSpPr>
+          <p:nvPr>
+            <p:ph type="body" idx="1"/>
+          </p:nvPr>
+        </p:nvSpPr>
+        <p:spPr>
+          <a:xfrm>
+            <a:off x="722313" y="2906713"/>
+            <a:ext cx="7772400" cy="1500187"/>
+          </a:xfrm>
+        </p:spPr>
+        <p:txBody>
+          <a:bodyPr anchor="b"/>
+          <a:lstStyle>
+            <a:lvl1pPr marL="0" indent="0">
+              <a:buNone/>
+              <a:defRPr sz="2000">
+                <a:solidFill>
+                  <a:schemeClr val="tx1">
+                    <a:tint val="75000"/>
+                  </a:schemeClr>
+                </a:solidFill>
+              </a:defRPr>
+            </a:lvl1pPr>
+            <a:lvl2pPr marL="457200" indent="0">
+              <a:buNone/>
+              <a:defRPr sz="1800">
+                <a:solidFill>
+                  <a:schemeClr val="tx1">
+                    <a:tint val="75000"/>
+                  </a:schemeClr>
+                </a:solidFill>
+              </a:defRPr>
+            </a:lvl2pPr>
+            <a:lvl3pPr marL="914400" indent="0">
+              <a:buNone/>
+              <a:defRPr sz="1600">
+                <a:solidFill>
+                  <a:schemeClr val="tx1">
+                    <a:tint val="75000"/>
+                  </a:schemeClr>
+                </a:solidFill>
+              </a:defRPr>
+            </a:lvl3pPr>
+            <a:lvl4pPr marL="1371600" indent="0">
+              <a:buNone/>
+              <a:defRPr sz="1400">
+                <a:solidFill>
+                  <a:schemeClr val="tx1">
+                    <a:tint val="75000"/>
+                  </a:schemeClr>
+                </a:solidFill>
+              </a:defRPr>
+            </a:lvl4pPr>
+            <a:lvl5pPr marL="1828800" indent="0">
+              <a:buNone/>
+              <a:defRPr sz="1400">
+                <a:solidFill>
+                  <a:schemeClr val="tx1">
+                    <a:tint val="75000"/>
+                  </a:schemeClr>
+                </a:solidFill>
+              </a:defRPr>
+            </a:lvl5pPr>
+            <a:lvl6pPr marL="2286000" indent="0">
+              <a:buNone/>
+              <a:defRPr sz="1400">
+                <a:solidFill>
+                  <a:schemeClr val="tx1">
+                    <a:tint val="75000"/>
+                  </a:schemeClr>
+                </a:solidFill>
+              </a:defRPr>
+            </a:lvl6pPr>
+            <a:lvl7pPr marL="2743200" indent="0">
+              <a:buNone/>
+              <a:defRPr sz="1400">
+                <a:solidFill>
+                  <a:schemeClr val="tx1">
+                    <a:tint val="75000"/>
+                  </a:schemeClr>
+                </a:solidFill>
+              </a:defRPr>
+            </a:lvl7pPr>
+            <a:lvl8pPr marL="3200400" indent="0">
+              <a:buNone/>
+              <a:defRPr sz="1400">
+                <a:solidFill>
+                  <a:schemeClr val="tx1">
+                    <a:tint val="75000"/>
+                  </a:schemeClr>
+                </a:solidFill>
+              </a:defRPr>
+            </a:lvl8pPr>
+            <a:lvl9pPr marL="3657600" indent="0">
+              <a:buNone/>
+              <a:defRPr sz="1400">
+                <a:solidFill>
+                  <a:schemeClr val="tx1">
+                    <a:tint val="75000"/>
+                  </a:schemeClr>
+                </a:solidFill>
+              </a:defRPr>
+            </a:lvl9pPr>
+          </a:lstStyle>
+          <a:p>
+            <a:pPr lvl="0"/>
+            <a:r>
+              <a:rPr lang="en-US"/>
+              <a:t>Click to edit Master text styles</a:t>
+            </a:r>
+          </a:p>
+        </p:txBody>
+      </p:sp>
+    </p:spTree>
+    <p:extLst>
+      <p:ext uri="{BB962C8B-B14F-4D97-AF65-F5344CB8AC3E}">
+        <p14:creationId xmlns:p14="http://schemas.microsoft.com/office/powerpoint/2010/main" val="1627150216"/>
+      </p:ext>
+    </p:extLst>
+  </p:cSld>
+  <p:clrMapOvr>
+    <a:masterClrMapping/>
+  </p:clrMapOvr>
+</p:sldLayout>
+</file>
+
+<file path=ppt/slideLayouts/slideLayout3.xml><?xml version="1.0" encoding="utf-8"?>
+<p:sldLayout xmlns:a="http://schemas.openxmlformats.org/drawingml/2006/main" xmlns:r="http://schemas.openxmlformats.org/officeDocument/2006/relationships" xmlns:p="http://schemas.openxmlformats.org/presentationml/2006/main" type="twoObj" preserve="1">
+  <p:cSld name="Two Content">
+    <p:spTree>
+      <p:nvGrpSpPr>
+        <p:cNvPr id="1" name=""/>
+        <p:cNvGrpSpPr/>
+        <p:nvPr/>
+      </p:nvGrpSpPr>
+      <p:grpSpPr>
+        <a:xfrm>
+          <a:off x="0" y="0"/>
+          <a:ext cx="0" cy="0"/>
+          <a:chOff x="0" y="0"/>
+          <a:chExt cx="0" cy="0"/>
+        </a:xfrm>
+      </p:grpSpPr>
+      <p:sp>
+        <p:nvSpPr>
+          <p:cNvPr id="2" name="Title 1"/>
+          <p:cNvSpPr>
+            <a:spLocks noGrp="1"/>
+          </p:cNvSpPr>
+          <p:nvPr>
+            <p:ph type="title"/>
+          </p:nvPr>
+        </p:nvSpPr>
+        <p:spPr/>
+        <p:txBody>
+          <a:bodyPr/>
+          <a:lstStyle/>
+          <a:p>
+            <a:r>
+              <a:rPr lang="en-US"/>
+              <a:t>Click to edit Master title style</a:t>
+            </a:r>
+            <a:endParaRPr lang="ru-RU" dirty="0"/>
+          </a:p>
+        </p:txBody>
+      </p:sp>
+      <p:sp>
+        <p:nvSpPr>
+          <p:cNvPr id="3" name="Content Placeholder 2"/>
+          <p:cNvSpPr>
+            <a:spLocks noGrp="1"/>
+          </p:cNvSpPr>
+          <p:nvPr>
+            <p:ph sz="half" idx="1"/>
+          </p:nvPr>
+        </p:nvSpPr>
+        <p:spPr>
+          <a:xfrm>
+            <a:off x="457200" y="1600200"/>
+            <a:ext cx="4038600" cy="4525963"/>
+          </a:xfrm>
+        </p:spPr>
+        <p:txBody>
+          <a:bodyPr/>
+          <a:lstStyle>
+            <a:lvl1pPr>
+              <a:defRPr sz="2800"/>
+            </a:lvl1pPr>
+            <a:lvl2pPr>
+              <a:defRPr sz="2400"/>
+            </a:lvl2pPr>
+            <a:lvl3pPr>
+              <a:defRPr sz="2000"/>
+            </a:lvl3pPr>
+            <a:lvl4pPr>
+              <a:defRPr sz="1800"/>
+            </a:lvl4pPr>
+            <a:lvl5pPr>
+              <a:defRPr sz="1800"/>
+            </a:lvl5pPr>
+            <a:lvl6pPr>
+              <a:defRPr sz="1800"/>
+            </a:lvl6pPr>
+            <a:lvl7pPr>
+              <a:defRPr sz="1800"/>
+            </a:lvl7pPr>
+            <a:lvl8pPr>
+              <a:defRPr sz="1800"/>
+            </a:lvl8pPr>
+            <a:lvl9pPr>
+              <a:defRPr sz="1800"/>
+            </a:lvl9pPr>
+          </a:lstStyle>
+          <a:p>
+            <a:pPr lvl="0"/>
+            <a:r>
+              <a:rPr lang="en-US"/>
+              <a:t>Click to edit Master text styles</a:t>
+            </a:r>
+          </a:p>
+          <a:p>
+            <a:pPr lvl="1"/>
+            <a:r>
+              <a:rPr lang="en-US"/>
+              <a:t>Second level</a:t>
+            </a:r>
+          </a:p>
+          <a:p>
+            <a:pPr lvl="2"/>
+            <a:r>
+              <a:rPr lang="en-US"/>
+              <a:t>Third level</a:t>
+            </a:r>
+          </a:p>
+          <a:p>
+            <a:pPr lvl="3"/>
+            <a:r>
+              <a:rPr lang="en-US"/>
+              <a:t>Fourth level</a:t>
+            </a:r>
+          </a:p>
+          <a:p>
+            <a:pPr lvl="4"/>
+            <a:r>
+              <a:rPr lang="en-US"/>
+              <a:t>Fifth level</a:t>
+            </a:r>
+            <a:endParaRPr lang="ru-RU" dirty="0"/>
+          </a:p>
+        </p:txBody>
+      </p:sp>
+      <p:sp>
+        <p:nvSpPr>
+          <p:cNvPr id="4" name="Content Placeholder 3"/>
+          <p:cNvSpPr>
+            <a:spLocks noGrp="1"/>
+          </p:cNvSpPr>
+          <p:nvPr>
+            <p:ph sz="half" idx="2"/>
+          </p:nvPr>
+        </p:nvSpPr>
+        <p:spPr>
+          <a:xfrm>
+            <a:off x="4648200" y="1600200"/>
+            <a:ext cx="4038600" cy="4525963"/>
+          </a:xfrm>
+        </p:spPr>
+        <p:txBody>
+          <a:bodyPr/>
+          <a:lstStyle>
+            <a:lvl1pPr>
+              <a:defRPr sz="2800"/>
+            </a:lvl1pPr>
+            <a:lvl2pPr>
+              <a:defRPr sz="2400"/>
+            </a:lvl2pPr>
+            <a:lvl3pPr>
+              <a:defRPr sz="2000"/>
+            </a:lvl3pPr>
+            <a:lvl4pPr>
+              <a:defRPr sz="1800"/>
+            </a:lvl4pPr>
+            <a:lvl5pPr>
+              <a:defRPr sz="1800"/>
+            </a:lvl5pPr>
+            <a:lvl6pPr>
+              <a:defRPr sz="1800"/>
+            </a:lvl6pPr>
+            <a:lvl7pPr>
+              <a:defRPr sz="1800"/>
+            </a:lvl7pPr>
+            <a:lvl8pPr>
+              <a:defRPr sz="1800"/>
+            </a:lvl8pPr>
+            <a:lvl9pPr>
+              <a:defRPr sz="1800"/>
+            </a:lvl9pPr>
+          </a:lstStyle>
+          <a:p>
+            <a:pPr lvl="0"/>
+            <a:r>
+              <a:rPr lang="en-US"/>
+              <a:t>Click to edit Master text styles</a:t>
+            </a:r>
+          </a:p>
+          <a:p>
+            <a:pPr lvl="1"/>
+            <a:r>
+              <a:rPr lang="en-US"/>
+              <a:t>Second level</a:t>
+            </a:r>
+          </a:p>
+          <a:p>
+            <a:pPr lvl="2"/>
+            <a:r>
+              <a:rPr lang="en-US"/>
+              <a:t>Third level</a:t>
+            </a:r>
+          </a:p>
+          <a:p>
+            <a:pPr lvl="3"/>
+            <a:r>
+              <a:rPr lang="en-US"/>
+              <a:t>Fourth level</a:t>
+            </a:r>
+          </a:p>
+          <a:p>
+            <a:pPr lvl="4"/>
+            <a:r>
+              <a:rPr lang="en-US"/>
+              <a:t>Fifth level</a:t>
+            </a:r>
+            <a:endParaRPr lang="ru-RU" dirty="0"/>
+          </a:p>
+        </p:txBody>
+      </p:sp>
+    </p:spTree>
+    <p:extLst>
+      <p:ext uri="{BB962C8B-B14F-4D97-AF65-F5344CB8AC3E}">
+        <p14:creationId xmlns:p14="http://schemas.microsoft.com/office/powerpoint/2010/main" val="1026234569"/>
+      </p:ext>
+    </p:extLst>
+  </p:cSld>
+  <p:clrMapOvr>
+    <a:masterClrMapping/>
+  </p:clrMapOvr>
+</p:sldLayout>
+</file>
+
+<file path=ppt/slideLayouts/slideLayout4.xml><?xml version="1.0" encoding="utf-8"?>
+<p:sldLayout xmlns:a="http://schemas.openxmlformats.org/drawingml/2006/main" xmlns:r="http://schemas.openxmlformats.org/officeDocument/2006/relationships" xmlns:p="http://schemas.openxmlformats.org/presentationml/2006/main" type="twoTxTwoObj" preserve="1">
+  <p:cSld name="Comparison">
+    <p:spTree>
+      <p:nvGrpSpPr>
+        <p:cNvPr id="1" name=""/>
+        <p:cNvGrpSpPr/>
+        <p:nvPr/>
+      </p:nvGrpSpPr>
+      <p:grpSpPr>
+        <a:xfrm>
+          <a:off x="0" y="0"/>
+          <a:ext cx="0" cy="0"/>
+          <a:chOff x="0" y="0"/>
+          <a:chExt cx="0" cy="0"/>
+        </a:xfrm>
+      </p:grpSpPr>
+      <p:sp>
+        <p:nvSpPr>
+          <p:cNvPr id="2" name="Title 1"/>
+          <p:cNvSpPr>
+            <a:spLocks noGrp="1"/>
+          </p:cNvSpPr>
+          <p:nvPr>
+            <p:ph type="title"/>
+          </p:nvPr>
+        </p:nvSpPr>
+        <p:spPr/>
+        <p:txBody>
+          <a:bodyPr/>
+          <a:lstStyle>
+            <a:lvl1pPr>
+              <a:defRPr/>
+            </a:lvl1pPr>
+          </a:lstStyle>
+          <a:p>
+            <a:r>
+              <a:rPr lang="en-US"/>
+              <a:t>Click to edit Master title style</a:t>
+            </a:r>
+            <a:endParaRPr lang="ru-RU" dirty="0"/>
+          </a:p>
+        </p:txBody>
+      </p:sp>
+      <p:sp>
+        <p:nvSpPr>
+          <p:cNvPr id="3" name="Text Placeholder 2"/>
+          <p:cNvSpPr>
+            <a:spLocks noGrp="1"/>
+          </p:cNvSpPr>
+          <p:nvPr>
+            <p:ph type="body" idx="1"/>
+          </p:nvPr>
+        </p:nvSpPr>
+        <p:spPr>
+          <a:xfrm>
+            <a:off x="457200" y="1535113"/>
+            <a:ext cx="4040188" cy="639762"/>
+          </a:xfrm>
+        </p:spPr>
+        <p:txBody>
+          <a:bodyPr anchor="b"/>
+          <a:lstStyle>
+            <a:lvl1pPr marL="0" indent="0">
+              <a:buNone/>
+              <a:defRPr sz="2400" b="1"/>
+            </a:lvl1pPr>
+            <a:lvl2pPr marL="457200" indent="0">
+              <a:buNone/>
+              <a:defRPr sz="2000" b="1"/>
+            </a:lvl2pPr>
+            <a:lvl3pPr marL="914400" indent="0">
+              <a:buNone/>
+              <a:defRPr sz="1800" b="1"/>
+            </a:lvl3pPr>
+            <a:lvl4pPr marL="1371600" indent="0">
+              <a:buNone/>
+              <a:defRPr sz="1600" b="1"/>
+            </a:lvl4pPr>
+            <a:lvl5pPr marL="1828800" indent="0">
+              <a:buNone/>
+              <a:defRPr sz="1600" b="1"/>
+            </a:lvl5pPr>
+            <a:lvl6pPr marL="2286000" indent="0">
+              <a:buNone/>
+              <a:defRPr sz="1600" b="1"/>
+            </a:lvl6pPr>
+            <a:lvl7pPr marL="2743200" indent="0">
+              <a:buNone/>
+              <a:defRPr sz="1600" b="1"/>
+            </a:lvl7pPr>
+            <a:lvl8pPr marL="3200400" indent="0">
+              <a:buNone/>
+              <a:defRPr sz="1600" b="1"/>
+            </a:lvl8pPr>
+            <a:lvl9pPr marL="3657600" indent="0">
+              <a:buNone/>
+              <a:defRPr sz="1600" b="1"/>
+            </a:lvl9pPr>
+          </a:lstStyle>
+          <a:p>
+            <a:pPr lvl="0"/>
+            <a:r>
+              <a:rPr lang="en-US"/>
+              <a:t>Click to edit Master text styles</a:t>
+            </a:r>
+          </a:p>
+        </p:txBody>
+      </p:sp>
+      <p:sp>
+        <p:nvSpPr>
+          <p:cNvPr id="4" name="Content Placeholder 3"/>
+          <p:cNvSpPr>
+            <a:spLocks noGrp="1"/>
+          </p:cNvSpPr>
+          <p:nvPr>
+            <p:ph sz="half" idx="2"/>
+          </p:nvPr>
+        </p:nvSpPr>
+        <p:spPr>
+          <a:xfrm>
+            <a:off x="457200" y="2174875"/>
+            <a:ext cx="4040188" cy="3951288"/>
+          </a:xfrm>
+        </p:spPr>
+        <p:txBody>
+          <a:bodyPr/>
+          <a:lstStyle>
+            <a:lvl1pPr>
+              <a:defRPr sz="2400"/>
+            </a:lvl1pPr>
+            <a:lvl2pPr>
+              <a:defRPr sz="2000"/>
+            </a:lvl2pPr>
+            <a:lvl3pPr>
+              <a:defRPr sz="1800"/>
+            </a:lvl3pPr>
+            <a:lvl4pPr>
+              <a:defRPr sz="1600"/>
+            </a:lvl4pPr>
+            <a:lvl5pPr>
+              <a:defRPr sz="1600"/>
+            </a:lvl5pPr>
+            <a:lvl6pPr>
+              <a:defRPr sz="1600"/>
+            </a:lvl6pPr>
+            <a:lvl7pPr>
+              <a:defRPr sz="1600"/>
+            </a:lvl7pPr>
+            <a:lvl8pPr>
+              <a:defRPr sz="1600"/>
+            </a:lvl8pPr>
+            <a:lvl9pPr>
+              <a:defRPr sz="1600"/>
+            </a:lvl9pPr>
+          </a:lstStyle>
+          <a:p>
+            <a:pPr lvl="0"/>
+            <a:r>
+              <a:rPr lang="en-US"/>
+              <a:t>Click to edit Master text styles</a:t>
+            </a:r>
+          </a:p>
+          <a:p>
+            <a:pPr lvl="1"/>
+            <a:r>
+              <a:rPr lang="en-US"/>
+              <a:t>Second level</a:t>
+            </a:r>
+          </a:p>
+          <a:p>
+            <a:pPr lvl="2"/>
+            <a:r>
+              <a:rPr lang="en-US"/>
+              <a:t>Third level</a:t>
+            </a:r>
+          </a:p>
+          <a:p>
+            <a:pPr lvl="3"/>
+            <a:r>
+              <a:rPr lang="en-US"/>
+              <a:t>Fourth level</a:t>
+            </a:r>
+          </a:p>
+          <a:p>
+            <a:pPr lvl="4"/>
+            <a:r>
+              <a:rPr lang="en-US"/>
+              <a:t>Fifth level</a:t>
+            </a:r>
+            <a:endParaRPr lang="ru-RU" dirty="0"/>
+          </a:p>
+        </p:txBody>
+      </p:sp>
+      <p:sp>
+        <p:nvSpPr>
+          <p:cNvPr id="5" name="Text Placeholder 4"/>
+          <p:cNvSpPr>
+            <a:spLocks noGrp="1"/>
+          </p:cNvSpPr>
+          <p:nvPr>
+            <p:ph type="body" sz="quarter" idx="3"/>
+          </p:nvPr>
+        </p:nvSpPr>
+        <p:spPr>
+          <a:xfrm>
+            <a:off x="4645025" y="1535113"/>
+            <a:ext cx="4041775" cy="639762"/>
+          </a:xfrm>
+        </p:spPr>
+        <p:txBody>
+          <a:bodyPr anchor="b"/>
+          <a:lstStyle>
+            <a:lvl1pPr marL="0" indent="0">
+              <a:buNone/>
+              <a:defRPr sz="2400" b="1"/>
+            </a:lvl1pPr>
+            <a:lvl2pPr marL="457200" indent="0">
+              <a:buNone/>
+              <a:defRPr sz="2000" b="1"/>
+            </a:lvl2pPr>
+            <a:lvl3pPr marL="914400" indent="0">
+              <a:buNone/>
+              <a:defRPr sz="1800" b="1"/>
+            </a:lvl3pPr>
+            <a:lvl4pPr marL="1371600" indent="0">
+              <a:buNone/>
+              <a:defRPr sz="1600" b="1"/>
+            </a:lvl4pPr>
+            <a:lvl5pPr marL="1828800" indent="0">
+              <a:buNone/>
+              <a:defRPr sz="1600" b="1"/>
+            </a:lvl5pPr>
+            <a:lvl6pPr marL="2286000" indent="0">
+              <a:buNone/>
+              <a:defRPr sz="1600" b="1"/>
+            </a:lvl6pPr>
+            <a:lvl7pPr marL="2743200" indent="0">
+              <a:buNone/>
+              <a:defRPr sz="1600" b="1"/>
+            </a:lvl7pPr>
+            <a:lvl8pPr marL="3200400" indent="0">
+              <a:buNone/>
+              <a:defRPr sz="1600" b="1"/>
+            </a:lvl8pPr>
+            <a:lvl9pPr marL="3657600" indent="0">
+              <a:buNone/>
+              <a:defRPr sz="1600" b="1"/>
+            </a:lvl9pPr>
+          </a:lstStyle>
+          <a:p>
+            <a:pPr lvl="0"/>
+            <a:r>
+              <a:rPr lang="en-US"/>
+              <a:t>Click to edit Master text styles</a:t>
+            </a:r>
+          </a:p>
+        </p:txBody>
+      </p:sp>
+      <p:sp>
+        <p:nvSpPr>
+          <p:cNvPr id="6" name="Content Placeholder 5"/>
+          <p:cNvSpPr>
+            <a:spLocks noGrp="1"/>
+          </p:cNvSpPr>
+          <p:nvPr>
+            <p:ph sz="quarter" idx="4"/>
+          </p:nvPr>
+        </p:nvSpPr>
+        <p:spPr>
+          <a:xfrm>
+            <a:off x="4645025" y="2174875"/>
+            <a:ext cx="4041775" cy="3951288"/>
+          </a:xfrm>
+        </p:spPr>
+        <p:txBody>
+          <a:bodyPr/>
+          <a:lstStyle>
+            <a:lvl1pPr>
+              <a:defRPr sz="2400"/>
+            </a:lvl1pPr>
+            <a:lvl2pPr>
+              <a:defRPr sz="2000"/>
+            </a:lvl2pPr>
+            <a:lvl3pPr>
+              <a:defRPr sz="1800"/>
+            </a:lvl3pPr>
+            <a:lvl4pPr>
+              <a:defRPr sz="1600"/>
+            </a:lvl4pPr>
+            <a:lvl5pPr>
+              <a:defRPr sz="1600"/>
+            </a:lvl5pPr>
+            <a:lvl6pPr>
+              <a:defRPr sz="1600"/>
+            </a:lvl6pPr>
+            <a:lvl7pPr>
+              <a:defRPr sz="1600"/>
+            </a:lvl7pPr>
+            <a:lvl8pPr>
+              <a:defRPr sz="1600"/>
+            </a:lvl8pPr>
+            <a:lvl9pPr>
+              <a:defRPr sz="1600"/>
+            </a:lvl9pPr>
+          </a:lstStyle>
+          <a:p>
+            <a:pPr lvl="0"/>
+            <a:r>
+              <a:rPr lang="en-US"/>
+              <a:t>Click to edit Master text styles</a:t>
+            </a:r>
+          </a:p>
+          <a:p>
+            <a:pPr lvl="1"/>
+            <a:r>
+              <a:rPr lang="en-US"/>
+              <a:t>Second level</a:t>
+            </a:r>
+          </a:p>
+          <a:p>
+            <a:pPr lvl="2"/>
+            <a:r>
+              <a:rPr lang="en-US"/>
+              <a:t>Third level</a:t>
+            </a:r>
+          </a:p>
+          <a:p>
+            <a:pPr lvl="3"/>
+            <a:r>
+              <a:rPr lang="en-US"/>
+              <a:t>Fourth level</a:t>
+            </a:r>
+          </a:p>
+          <a:p>
+            <a:pPr lvl="4"/>
+            <a:r>
+              <a:rPr lang="en-US"/>
+              <a:t>Fifth level</a:t>
+            </a:r>
+            <a:endParaRPr lang="ru-RU" dirty="0"/>
+          </a:p>
+        </p:txBody>
+      </p:sp>
+    </p:spTree>
+    <p:extLst>
+      <p:ext uri="{BB962C8B-B14F-4D97-AF65-F5344CB8AC3E}">
+        <p14:creationId xmlns:p14="http://schemas.microsoft.com/office/powerpoint/2010/main" val="4044979405"/>
+      </p:ext>
+    </p:extLst>
+  </p:cSld>
+  <p:clrMapOvr>
+    <a:masterClrMapping/>
+  </p:clrMapOvr>
+</p:sldLayout>
+</file>
+
+<file path=ppt/slideLayouts/slideLayout5.xml><?xml version="1.0" encoding="utf-8"?>
+<p:sldLayout xmlns:a="http://schemas.openxmlformats.org/drawingml/2006/main" xmlns:r="http://schemas.openxmlformats.org/officeDocument/2006/relationships" xmlns:p="http://schemas.openxmlformats.org/presentationml/2006/main" type="titleOnly" preserve="1">
+  <p:cSld name="Title Only">
+    <p:spTree>
+      <p:nvGrpSpPr>
+        <p:cNvPr id="1" name=""/>
+        <p:cNvGrpSpPr/>
+        <p:nvPr/>
+      </p:nvGrpSpPr>
+      <p:grpSpPr>
+        <a:xfrm>
+          <a:off x="0" y="0"/>
+          <a:ext cx="0" cy="0"/>
+          <a:chOff x="0" y="0"/>
+          <a:chExt cx="0" cy="0"/>
+        </a:xfrm>
+      </p:grpSpPr>
+      <p:sp>
+        <p:nvSpPr>
+          <p:cNvPr id="2" name="Title 1"/>
+          <p:cNvSpPr>
+            <a:spLocks noGrp="1"/>
+          </p:cNvSpPr>
+          <p:nvPr>
+            <p:ph type="title"/>
+          </p:nvPr>
+        </p:nvSpPr>
+        <p:spPr/>
+        <p:txBody>
+          <a:bodyPr/>
+          <a:lstStyle/>
+          <a:p>
+            <a:r>
+              <a:rPr lang="en-US"/>
+              <a:t>Click to edit Master title style</a:t>
+            </a:r>
+            <a:endParaRPr lang="ru-RU" dirty="0"/>
+          </a:p>
+        </p:txBody>
+      </p:sp>
+    </p:spTree>
+    <p:extLst>
+      <p:ext uri="{BB962C8B-B14F-4D97-AF65-F5344CB8AC3E}">
+        <p14:creationId xmlns:p14="http://schemas.microsoft.com/office/powerpoint/2010/main" val="125202666"/>
+      </p:ext>
+    </p:extLst>
+  </p:cSld>
+  <p:clrMapOvr>
+    <a:masterClrMapping/>
+  </p:clrMapOvr>
+</p:sldLayout>
+</file>
+
+<file path=ppt/slideLayouts/slideLayout6.xml><?xml version="1.0" encoding="utf-8"?>
+<p:sldLayout xmlns:a="http://schemas.openxmlformats.org/drawingml/2006/main" xmlns:r="http://schemas.openxmlformats.org/officeDocument/2006/relationships" xmlns:p="http://schemas.openxmlformats.org/presentationml/2006/main" preserve="1" userDrawn="1">
+  <p:cSld name="Demo">
+    <p:spTree>
+      <p:nvGrpSpPr>
+        <p:cNvPr id="1" name=""/>
+        <p:cNvGrpSpPr/>
+        <p:nvPr/>
+      </p:nvGrpSpPr>
+      <p:grpSpPr>
+        <a:xfrm>
+          <a:off x="0" y="0"/>
+          <a:ext cx="0" cy="0"/>
+          <a:chOff x="0" y="0"/>
+          <a:chExt cx="0" cy="0"/>
+        </a:xfrm>
+      </p:grpSpPr>
+      <p:sp>
+        <p:nvSpPr>
+          <p:cNvPr id="10" name="TextBox 9"/>
+          <p:cNvSpPr txBox="1"/>
+          <p:nvPr userDrawn="1"/>
+        </p:nvSpPr>
+        <p:spPr>
+          <a:xfrm>
+            <a:off x="359532" y="3136613"/>
+            <a:ext cx="8424936" cy="584775"/>
+          </a:xfrm>
+          <a:prstGeom prst="rect">
+            <a:avLst/>
+          </a:prstGeom>
+          <a:noFill/>
+        </p:spPr>
+        <p:txBody>
+          <a:bodyPr wrap="square" rtlCol="0" anchor="ctr">
+            <a:spAutoFit/>
+          </a:bodyPr>
+          <a:lstStyle/>
+          <a:p>
+            <a:pPr algn="ctr"/>
+            <a:r>
+              <a:rPr lang="ru-RU" sz="3200" dirty="0"/>
+              <a:t>Название.</a:t>
+            </a:r>
+            <a:r>
+              <a:rPr lang="ru-RU" sz="3200" baseline="0" dirty="0"/>
+              <a:t> Демонстрация.</a:t>
+            </a:r>
+            <a:endParaRPr lang="ru-RU" sz="3200" dirty="0"/>
+          </a:p>
+        </p:txBody>
+      </p:sp>
+    </p:spTree>
+    <p:extLst>
+      <p:ext uri="{BB962C8B-B14F-4D97-AF65-F5344CB8AC3E}">
+        <p14:creationId xmlns:p14="http://schemas.microsoft.com/office/powerpoint/2010/main" val="3308008441"/>
+      </p:ext>
+    </p:extLst>
+  </p:cSld>
+  <p:clrMapOvr>
+    <a:masterClrMapping/>
+  </p:clrMapOvr>
+</p:sldLayout>
+</file>
+
+<file path=ppt/slideLayouts/slideLayout7.xml><?xml version="1.0" encoding="utf-8"?>
+<p:sldLayout xmlns:a="http://schemas.openxmlformats.org/drawingml/2006/main" xmlns:r="http://schemas.openxmlformats.org/officeDocument/2006/relationships" xmlns:p="http://schemas.openxmlformats.org/presentationml/2006/main" type="blank" preserve="1">
+  <p:cSld name="1_Blank">
+    <p:spTree>
+      <p:nvGrpSpPr>
+        <p:cNvPr id="1" name=""/>
+        <p:cNvGrpSpPr/>
+        <p:nvPr/>
+      </p:nvGrpSpPr>
+      <p:grpSpPr>
+        <a:xfrm>
+          <a:off x="0" y="0"/>
+          <a:ext cx="0" cy="0"/>
+          <a:chOff x="0" y="0"/>
+          <a:chExt cx="0" cy="0"/>
+        </a:xfrm>
+      </p:grpSpPr>
+    </p:spTree>
+    <p:extLst>
+      <p:ext uri="{BB962C8B-B14F-4D97-AF65-F5344CB8AC3E}">
+        <p14:creationId xmlns:p14="http://schemas.microsoft.com/office/powerpoint/2010/main" val="2618453949"/>
+      </p:ext>
+    </p:extLst>
+  </p:cSld>
+  <p:clrMapOvr>
+    <a:masterClrMapping/>
+  </p:clrMapOvr>
+</p:sldLayout>
+</file>
+
+<file path=ppt/slideLayouts/slideLayout8.xml><?xml version="1.0" encoding="utf-8"?>
 <p:sldLayout xmlns:a="http://schemas.openxmlformats.org/drawingml/2006/main" xmlns:r="http://schemas.openxmlformats.org/officeDocument/2006/relationships" xmlns:p="http://schemas.openxmlformats.org/presentationml/2006/main" type="objTx" preserve="1">
   <p:cSld name="Content with Caption">
     <p:spTree>
@@ -891,7 +2173,7 @@
 </p:sldLayout>
 </file>
 
-<file path=ppt/slideLayouts/slideLayout11.xml><?xml version="1.0" encoding="utf-8"?>
+<file path=ppt/slideLayouts/slideLayout9.xml><?xml version="1.0" encoding="utf-8"?>
 <p:sldLayout xmlns:a="http://schemas.openxmlformats.org/drawingml/2006/main" xmlns:r="http://schemas.openxmlformats.org/officeDocument/2006/relationships" xmlns:p="http://schemas.openxmlformats.org/presentationml/2006/main" type="picTx" preserve="1">
   <p:cSld name="Picture with Caption">
     <p:spTree>
@@ -1083,1683 +2365,13 @@
 </p:sldLayout>
 </file>
 
-<file path=ppt/slideLayouts/slideLayout12.xml><?xml version="1.0" encoding="utf-8"?>
-<p:sldLayout xmlns:a="http://schemas.openxmlformats.org/drawingml/2006/main" xmlns:r="http://schemas.openxmlformats.org/officeDocument/2006/relationships" xmlns:p="http://schemas.openxmlformats.org/presentationml/2006/main" type="vertTx" preserve="1">
-  <p:cSld name="Title and Vertical Text">
-    <p:spTree>
-      <p:nvGrpSpPr>
-        <p:cNvPr id="1" name=""/>
-        <p:cNvGrpSpPr/>
-        <p:nvPr/>
-      </p:nvGrpSpPr>
-      <p:grpSpPr>
-        <a:xfrm>
-          <a:off x="0" y="0"/>
-          <a:ext cx="0" cy="0"/>
-          <a:chOff x="0" y="0"/>
-          <a:chExt cx="0" cy="0"/>
-        </a:xfrm>
-      </p:grpSpPr>
-      <p:sp>
-        <p:nvSpPr>
-          <p:cNvPr id="2" name="Title 1"/>
-          <p:cNvSpPr>
-            <a:spLocks noGrp="1"/>
-          </p:cNvSpPr>
-          <p:nvPr>
-            <p:ph type="title"/>
-          </p:nvPr>
-        </p:nvSpPr>
-        <p:spPr/>
-        <p:txBody>
-          <a:bodyPr/>
-          <a:lstStyle/>
-          <a:p>
-            <a:r>
-              <a:rPr lang="en-US"/>
-              <a:t>Click to edit Master title style</a:t>
-            </a:r>
-            <a:endParaRPr lang="ru-RU" dirty="0"/>
-          </a:p>
-        </p:txBody>
-      </p:sp>
-      <p:sp>
-        <p:nvSpPr>
-          <p:cNvPr id="3" name="Vertical Text Placeholder 2"/>
-          <p:cNvSpPr>
-            <a:spLocks noGrp="1"/>
-          </p:cNvSpPr>
-          <p:nvPr>
-            <p:ph type="body" orient="vert" idx="1"/>
-          </p:nvPr>
-        </p:nvSpPr>
-        <p:spPr/>
-        <p:txBody>
-          <a:bodyPr vert="eaVert"/>
-          <a:lstStyle/>
-          <a:p>
-            <a:pPr lvl="0"/>
-            <a:r>
-              <a:rPr lang="en-US"/>
-              <a:t>Click to edit Master text styles</a:t>
-            </a:r>
-          </a:p>
-          <a:p>
-            <a:pPr lvl="1"/>
-            <a:r>
-              <a:rPr lang="en-US"/>
-              <a:t>Second level</a:t>
-            </a:r>
-          </a:p>
-          <a:p>
-            <a:pPr lvl="2"/>
-            <a:r>
-              <a:rPr lang="en-US"/>
-              <a:t>Third level</a:t>
-            </a:r>
-          </a:p>
-          <a:p>
-            <a:pPr lvl="3"/>
-            <a:r>
-              <a:rPr lang="en-US"/>
-              <a:t>Fourth level</a:t>
-            </a:r>
-          </a:p>
-          <a:p>
-            <a:pPr lvl="4"/>
-            <a:r>
-              <a:rPr lang="en-US"/>
-              <a:t>Fifth level</a:t>
-            </a:r>
-            <a:endParaRPr lang="ru-RU" dirty="0"/>
-          </a:p>
-        </p:txBody>
-      </p:sp>
-    </p:spTree>
-    <p:extLst>
-      <p:ext uri="{BB962C8B-B14F-4D97-AF65-F5344CB8AC3E}">
-        <p14:creationId xmlns:p14="http://schemas.microsoft.com/office/powerpoint/2010/main" val="2015559697"/>
-      </p:ext>
-    </p:extLst>
-  </p:cSld>
-  <p:clrMapOvr>
-    <a:masterClrMapping/>
-  </p:clrMapOvr>
-</p:sldLayout>
-</file>
-
-<file path=ppt/slideLayouts/slideLayout13.xml><?xml version="1.0" encoding="utf-8"?>
-<p:sldLayout xmlns:a="http://schemas.openxmlformats.org/drawingml/2006/main" xmlns:r="http://schemas.openxmlformats.org/officeDocument/2006/relationships" xmlns:p="http://schemas.openxmlformats.org/presentationml/2006/main" type="vertTitleAndTx" preserve="1">
-  <p:cSld name="Vertical Title and Text">
-    <p:spTree>
-      <p:nvGrpSpPr>
-        <p:cNvPr id="1" name=""/>
-        <p:cNvGrpSpPr/>
-        <p:nvPr/>
-      </p:nvGrpSpPr>
-      <p:grpSpPr>
-        <a:xfrm>
-          <a:off x="0" y="0"/>
-          <a:ext cx="0" cy="0"/>
-          <a:chOff x="0" y="0"/>
-          <a:chExt cx="0" cy="0"/>
-        </a:xfrm>
-      </p:grpSpPr>
-      <p:sp>
-        <p:nvSpPr>
-          <p:cNvPr id="2" name="Vertical Title 1"/>
-          <p:cNvSpPr>
-            <a:spLocks noGrp="1"/>
-          </p:cNvSpPr>
-          <p:nvPr>
-            <p:ph type="title" orient="vert"/>
-          </p:nvPr>
-        </p:nvSpPr>
-        <p:spPr>
-          <a:xfrm>
-            <a:off x="6629400" y="274638"/>
-            <a:ext cx="2057400" cy="5851525"/>
-          </a:xfrm>
-        </p:spPr>
-        <p:txBody>
-          <a:bodyPr vert="eaVert"/>
-          <a:lstStyle/>
-          <a:p>
-            <a:r>
-              <a:rPr lang="en-US"/>
-              <a:t>Click to edit Master title style</a:t>
-            </a:r>
-            <a:endParaRPr lang="ru-RU" dirty="0"/>
-          </a:p>
-        </p:txBody>
-      </p:sp>
-      <p:sp>
-        <p:nvSpPr>
-          <p:cNvPr id="3" name="Vertical Text Placeholder 2"/>
-          <p:cNvSpPr>
-            <a:spLocks noGrp="1"/>
-          </p:cNvSpPr>
-          <p:nvPr>
-            <p:ph type="body" orient="vert" idx="1"/>
-          </p:nvPr>
-        </p:nvSpPr>
-        <p:spPr>
-          <a:xfrm>
-            <a:off x="457200" y="274638"/>
-            <a:ext cx="6019800" cy="5851525"/>
-          </a:xfrm>
-        </p:spPr>
-        <p:txBody>
-          <a:bodyPr vert="eaVert"/>
-          <a:lstStyle/>
-          <a:p>
-            <a:pPr lvl="0"/>
-            <a:r>
-              <a:rPr lang="en-US"/>
-              <a:t>Click to edit Master text styles</a:t>
-            </a:r>
-          </a:p>
-          <a:p>
-            <a:pPr lvl="1"/>
-            <a:r>
-              <a:rPr lang="en-US"/>
-              <a:t>Second level</a:t>
-            </a:r>
-          </a:p>
-          <a:p>
-            <a:pPr lvl="2"/>
-            <a:r>
-              <a:rPr lang="en-US"/>
-              <a:t>Third level</a:t>
-            </a:r>
-          </a:p>
-          <a:p>
-            <a:pPr lvl="3"/>
-            <a:r>
-              <a:rPr lang="en-US"/>
-              <a:t>Fourth level</a:t>
-            </a:r>
-          </a:p>
-          <a:p>
-            <a:pPr lvl="4"/>
-            <a:r>
-              <a:rPr lang="en-US"/>
-              <a:t>Fifth level</a:t>
-            </a:r>
-            <a:endParaRPr lang="ru-RU" dirty="0"/>
-          </a:p>
-        </p:txBody>
-      </p:sp>
-    </p:spTree>
-    <p:extLst>
-      <p:ext uri="{BB962C8B-B14F-4D97-AF65-F5344CB8AC3E}">
-        <p14:creationId xmlns:p14="http://schemas.microsoft.com/office/powerpoint/2010/main" val="370514854"/>
-      </p:ext>
-    </p:extLst>
-  </p:cSld>
-  <p:clrMapOvr>
-    <a:masterClrMapping/>
-  </p:clrMapOvr>
-</p:sldLayout>
-</file>
-
-<file path=ppt/slideLayouts/slideLayout14.xml><?xml version="1.0" encoding="utf-8"?>
-<p:sldLayout xmlns:a="http://schemas.openxmlformats.org/drawingml/2006/main" xmlns:r="http://schemas.openxmlformats.org/officeDocument/2006/relationships" xmlns:p="http://schemas.openxmlformats.org/presentationml/2006/main" type="title">
-  <p:cSld name="2_Title Slide">
-    <p:spTree>
-      <p:nvGrpSpPr>
-        <p:cNvPr id="1" name=""/>
-        <p:cNvGrpSpPr/>
-        <p:nvPr/>
-      </p:nvGrpSpPr>
-      <p:grpSpPr>
-        <a:xfrm>
-          <a:off x="0" y="0"/>
-          <a:ext cx="0" cy="0"/>
-          <a:chOff x="0" y="0"/>
-          <a:chExt cx="0" cy="0"/>
-        </a:xfrm>
-      </p:grpSpPr>
-      <p:sp>
-        <p:nvSpPr>
-          <p:cNvPr id="2" name="Title 1"/>
-          <p:cNvSpPr>
-            <a:spLocks noGrp="1"/>
-          </p:cNvSpPr>
-          <p:nvPr>
-            <p:ph type="ctrTitle"/>
-          </p:nvPr>
-        </p:nvSpPr>
-        <p:spPr>
-          <a:xfrm>
-            <a:off x="685800" y="2130425"/>
-            <a:ext cx="7772400" cy="1470025"/>
-          </a:xfrm>
-        </p:spPr>
-        <p:txBody>
-          <a:bodyPr/>
-          <a:lstStyle/>
-          <a:p>
-            <a:r>
-              <a:rPr lang="en-US"/>
-              <a:t>Click to edit Master title style</a:t>
-            </a:r>
-            <a:endParaRPr lang="ru-RU"/>
-          </a:p>
-        </p:txBody>
-      </p:sp>
-      <p:sp>
-        <p:nvSpPr>
-          <p:cNvPr id="3" name="Subtitle 2"/>
-          <p:cNvSpPr>
-            <a:spLocks noGrp="1"/>
-          </p:cNvSpPr>
-          <p:nvPr>
-            <p:ph type="subTitle" idx="1"/>
-          </p:nvPr>
-        </p:nvSpPr>
-        <p:spPr>
-          <a:xfrm>
-            <a:off x="1371600" y="3886200"/>
-            <a:ext cx="6400800" cy="1752600"/>
-          </a:xfrm>
-        </p:spPr>
-        <p:txBody>
-          <a:bodyPr/>
-          <a:lstStyle>
-            <a:lvl1pPr marL="0" indent="0" algn="ctr">
-              <a:buNone/>
-              <a:defRPr>
-                <a:solidFill>
-                  <a:schemeClr val="tx1">
-                    <a:tint val="75000"/>
-                  </a:schemeClr>
-                </a:solidFill>
-              </a:defRPr>
-            </a:lvl1pPr>
-            <a:lvl2pPr marL="457200" indent="0" algn="ctr">
-              <a:buNone/>
-              <a:defRPr>
-                <a:solidFill>
-                  <a:schemeClr val="tx1">
-                    <a:tint val="75000"/>
-                  </a:schemeClr>
-                </a:solidFill>
-              </a:defRPr>
-            </a:lvl2pPr>
-            <a:lvl3pPr marL="914400" indent="0" algn="ctr">
-              <a:buNone/>
-              <a:defRPr>
-                <a:solidFill>
-                  <a:schemeClr val="tx1">
-                    <a:tint val="75000"/>
-                  </a:schemeClr>
-                </a:solidFill>
-              </a:defRPr>
-            </a:lvl3pPr>
-            <a:lvl4pPr marL="1371600" indent="0" algn="ctr">
-              <a:buNone/>
-              <a:defRPr>
-                <a:solidFill>
-                  <a:schemeClr val="tx1">
-                    <a:tint val="75000"/>
-                  </a:schemeClr>
-                </a:solidFill>
-              </a:defRPr>
-            </a:lvl4pPr>
-            <a:lvl5pPr marL="1828800" indent="0" algn="ctr">
-              <a:buNone/>
-              <a:defRPr>
-                <a:solidFill>
-                  <a:schemeClr val="tx1">
-                    <a:tint val="75000"/>
-                  </a:schemeClr>
-                </a:solidFill>
-              </a:defRPr>
-            </a:lvl5pPr>
-            <a:lvl6pPr marL="2286000" indent="0" algn="ctr">
-              <a:buNone/>
-              <a:defRPr>
-                <a:solidFill>
-                  <a:schemeClr val="tx1">
-                    <a:tint val="75000"/>
-                  </a:schemeClr>
-                </a:solidFill>
-              </a:defRPr>
-            </a:lvl6pPr>
-            <a:lvl7pPr marL="2743200" indent="0" algn="ctr">
-              <a:buNone/>
-              <a:defRPr>
-                <a:solidFill>
-                  <a:schemeClr val="tx1">
-                    <a:tint val="75000"/>
-                  </a:schemeClr>
-                </a:solidFill>
-              </a:defRPr>
-            </a:lvl7pPr>
-            <a:lvl8pPr marL="3200400" indent="0" algn="ctr">
-              <a:buNone/>
-              <a:defRPr>
-                <a:solidFill>
-                  <a:schemeClr val="tx1">
-                    <a:tint val="75000"/>
-                  </a:schemeClr>
-                </a:solidFill>
-              </a:defRPr>
-            </a:lvl8pPr>
-            <a:lvl9pPr marL="3657600" indent="0" algn="ctr">
-              <a:buNone/>
-              <a:defRPr>
-                <a:solidFill>
-                  <a:schemeClr val="tx1">
-                    <a:tint val="75000"/>
-                  </a:schemeClr>
-                </a:solidFill>
-              </a:defRPr>
-            </a:lvl9pPr>
-          </a:lstStyle>
-          <a:p>
-            <a:r>
-              <a:rPr lang="en-US"/>
-              <a:t>Click to edit Master subtitle style</a:t>
-            </a:r>
-            <a:endParaRPr lang="ru-RU"/>
-          </a:p>
-        </p:txBody>
-      </p:sp>
-      <p:sp>
-        <p:nvSpPr>
-          <p:cNvPr id="4" name="Date Placeholder 3"/>
-          <p:cNvSpPr>
-            <a:spLocks noGrp="1"/>
-          </p:cNvSpPr>
-          <p:nvPr>
-            <p:ph type="dt" sz="half" idx="10"/>
-          </p:nvPr>
-        </p:nvSpPr>
-        <p:spPr/>
-        <p:txBody>
-          <a:bodyPr/>
-          <a:lstStyle/>
-          <a:p>
-            <a:fld id="{8E6E6A2A-E9D3-4A0D-B04A-ABDD367A1E08}" type="datetimeFigureOut">
-              <a:rPr lang="ru-RU" smtClean="0"/>
-              <a:t>30.11.2018</a:t>
-            </a:fld>
-            <a:endParaRPr lang="ru-RU"/>
-          </a:p>
-        </p:txBody>
-      </p:sp>
-      <p:sp>
-        <p:nvSpPr>
-          <p:cNvPr id="5" name="Footer Placeholder 4"/>
-          <p:cNvSpPr>
-            <a:spLocks noGrp="1"/>
-          </p:cNvSpPr>
-          <p:nvPr>
-            <p:ph type="ftr" sz="quarter" idx="11"/>
-          </p:nvPr>
-        </p:nvSpPr>
-        <p:spPr/>
-        <p:txBody>
-          <a:bodyPr/>
-          <a:lstStyle/>
-          <a:p>
-            <a:endParaRPr lang="ru-RU"/>
-          </a:p>
-        </p:txBody>
-      </p:sp>
-      <p:sp>
-        <p:nvSpPr>
-          <p:cNvPr id="6" name="Slide Number Placeholder 5"/>
-          <p:cNvSpPr>
-            <a:spLocks noGrp="1"/>
-          </p:cNvSpPr>
-          <p:nvPr>
-            <p:ph type="sldNum" sz="quarter" idx="12"/>
-          </p:nvPr>
-        </p:nvSpPr>
-        <p:spPr/>
-        <p:txBody>
-          <a:bodyPr/>
-          <a:lstStyle/>
-          <a:p>
-            <a:fld id="{BC0D3D34-2E8A-4A38-B864-C677BA056495}" type="slidenum">
-              <a:rPr lang="ru-RU" smtClean="0"/>
-              <a:t>‹#›</a:t>
-            </a:fld>
-            <a:endParaRPr lang="ru-RU"/>
-          </a:p>
-        </p:txBody>
-      </p:sp>
-    </p:spTree>
-    <p:extLst>
-      <p:ext uri="{BB962C8B-B14F-4D97-AF65-F5344CB8AC3E}">
-        <p14:creationId xmlns:p14="http://schemas.microsoft.com/office/powerpoint/2010/main" val="4222294974"/>
-      </p:ext>
-    </p:extLst>
-  </p:cSld>
-  <p:clrMapOvr>
-    <a:masterClrMapping/>
-  </p:clrMapOvr>
-</p:sldLayout>
-</file>
-
-<file path=ppt/slideLayouts/slideLayout2.xml><?xml version="1.0" encoding="utf-8"?>
-<p:sldLayout xmlns:a="http://schemas.openxmlformats.org/drawingml/2006/main" xmlns:r="http://schemas.openxmlformats.org/officeDocument/2006/relationships" xmlns:p="http://schemas.openxmlformats.org/presentationml/2006/main" preserve="1" userDrawn="1">
-  <p:cSld name="1_Title Slide">
-    <p:spTree>
-      <p:nvGrpSpPr>
-        <p:cNvPr id="1" name=""/>
-        <p:cNvGrpSpPr/>
-        <p:nvPr/>
-      </p:nvGrpSpPr>
-      <p:grpSpPr>
-        <a:xfrm>
-          <a:off x="0" y="0"/>
-          <a:ext cx="0" cy="0"/>
-          <a:chOff x="0" y="0"/>
-          <a:chExt cx="0" cy="0"/>
-        </a:xfrm>
-      </p:grpSpPr>
-      <p:sp>
-        <p:nvSpPr>
-          <p:cNvPr id="9" name="TextBox 8"/>
-          <p:cNvSpPr txBox="1"/>
-          <p:nvPr userDrawn="1"/>
-        </p:nvSpPr>
-        <p:spPr>
-          <a:xfrm>
-            <a:off x="2774873" y="2528900"/>
-            <a:ext cx="4240263" cy="461665"/>
-          </a:xfrm>
-          <a:prstGeom prst="rect">
-            <a:avLst/>
-          </a:prstGeom>
-          <a:noFill/>
-        </p:spPr>
-        <p:txBody>
-          <a:bodyPr wrap="none" rtlCol="0">
-            <a:spAutoFit/>
-          </a:bodyPr>
-          <a:lstStyle/>
-          <a:p>
-            <a:r>
-              <a:rPr lang="ru-RU" sz="2400" dirty="0">
-                <a:solidFill>
-                  <a:schemeClr val="bg1"/>
-                </a:solidFill>
-              </a:rPr>
-              <a:t>Занятие №</a:t>
-            </a:r>
-            <a:r>
-              <a:rPr lang="en-US" sz="2400" dirty="0">
-                <a:solidFill>
-                  <a:schemeClr val="bg1"/>
-                </a:solidFill>
-              </a:rPr>
-              <a:t>2</a:t>
-            </a:r>
-            <a:r>
-              <a:rPr lang="ru-RU" sz="2400" dirty="0">
-                <a:solidFill>
-                  <a:schemeClr val="bg1"/>
-                </a:solidFill>
-              </a:rPr>
-              <a:t>. Название занятия</a:t>
-            </a:r>
-            <a:endParaRPr lang="en-US" sz="2400" dirty="0">
-              <a:solidFill>
-                <a:schemeClr val="bg1"/>
-              </a:solidFill>
-            </a:endParaRPr>
-          </a:p>
-        </p:txBody>
-      </p:sp>
-      <p:sp>
-        <p:nvSpPr>
-          <p:cNvPr id="7" name="Rectangle 6"/>
-          <p:cNvSpPr/>
-          <p:nvPr userDrawn="1"/>
-        </p:nvSpPr>
-        <p:spPr>
-          <a:xfrm>
-            <a:off x="143508" y="1304764"/>
-            <a:ext cx="8856984" cy="646331"/>
-          </a:xfrm>
-          <a:prstGeom prst="rect">
-            <a:avLst/>
-          </a:prstGeom>
-        </p:spPr>
-        <p:txBody>
-          <a:bodyPr wrap="square">
-            <a:spAutoFit/>
-          </a:bodyPr>
-          <a:lstStyle/>
-          <a:p>
-            <a:pPr algn="ctr"/>
-            <a:r>
-              <a:rPr lang="ru-RU" sz="3600" b="1" i="1" dirty="0">
-                <a:solidFill>
-                  <a:schemeClr val="bg1"/>
-                </a:solidFill>
-              </a:rPr>
-              <a:t>Основы программирования на </a:t>
-            </a:r>
-            <a:r>
-              <a:rPr lang="en-US" sz="3600" b="1" i="1" dirty="0">
-                <a:solidFill>
-                  <a:schemeClr val="bg1"/>
-                </a:solidFill>
-              </a:rPr>
-              <a:t>C#</a:t>
-            </a:r>
-            <a:endParaRPr lang="ru-RU" sz="3600" b="1" i="1" dirty="0">
-              <a:solidFill>
-                <a:schemeClr val="bg1"/>
-              </a:solidFill>
-            </a:endParaRPr>
-          </a:p>
-        </p:txBody>
-      </p:sp>
-      <p:pic>
-        <p:nvPicPr>
-          <p:cNvPr id="8" name="Picture 5"/>
-          <p:cNvPicPr>
-            <a:picLocks noChangeAspect="1" noChangeArrowheads="1"/>
-          </p:cNvPicPr>
-          <p:nvPr userDrawn="1"/>
-        </p:nvPicPr>
-        <p:blipFill>
-          <a:blip r:embed="rId2">
-            <a:extLst>
-              <a:ext uri="{28A0092B-C50C-407E-A947-70E740481C1C}">
-                <a14:useLocalDpi xmlns:a14="http://schemas.microsoft.com/office/drawing/2010/main" val="0"/>
-              </a:ext>
-            </a:extLst>
-          </a:blip>
-          <a:srcRect/>
-          <a:stretch>
-            <a:fillRect/>
-          </a:stretch>
-        </p:blipFill>
-        <p:spPr bwMode="auto">
-          <a:xfrm>
-            <a:off x="1638300" y="3829211"/>
-            <a:ext cx="5867400" cy="1724025"/>
-          </a:xfrm>
-          <a:prstGeom prst="rect">
-            <a:avLst/>
-          </a:prstGeom>
-          <a:noFill/>
-          <a:ln>
-            <a:noFill/>
-          </a:ln>
-          <a:effectLst/>
-          <a:extLst>
-            <a:ext uri="{909E8E84-426E-40DD-AFC4-6F175D3DCCD1}">
-              <a14:hiddenFill xmlns:a14="http://schemas.microsoft.com/office/drawing/2010/main">
-                <a:solidFill>
-                  <a:schemeClr val="accent1"/>
-                </a:solidFill>
-              </a14:hiddenFill>
-            </a:ext>
-            <a:ext uri="{91240B29-F687-4F45-9708-019B960494DF}">
-              <a14:hiddenLine xmlns:a14="http://schemas.microsoft.com/office/drawing/2010/main" w="9525">
-                <a:solidFill>
-                  <a:schemeClr val="tx1"/>
-                </a:solidFill>
-                <a:miter lim="800000"/>
-                <a:headEnd/>
-                <a:tailEnd/>
-              </a14:hiddenLine>
-            </a:ext>
-            <a:ext uri="{AF507438-7753-43E0-B8FC-AC1667EBCBE1}">
-              <a14:hiddenEffects xmlns:a14="http://schemas.microsoft.com/office/drawing/2010/main">
-                <a:effectLst>
-                  <a:outerShdw dist="35921" dir="2700000" algn="ctr" rotWithShape="0">
-                    <a:schemeClr val="bg2"/>
-                  </a:outerShdw>
-                </a:effectLst>
-              </a14:hiddenEffects>
-            </a:ext>
-          </a:extLst>
-        </p:spPr>
-      </p:pic>
-    </p:spTree>
-    <p:extLst>
-      <p:ext uri="{BB962C8B-B14F-4D97-AF65-F5344CB8AC3E}">
-        <p14:creationId xmlns:p14="http://schemas.microsoft.com/office/powerpoint/2010/main" val="3296324981"/>
-      </p:ext>
-    </p:extLst>
-  </p:cSld>
-  <p:clrMapOvr>
-    <a:masterClrMapping/>
-  </p:clrMapOvr>
-</p:sldLayout>
-</file>
-
-<file path=ppt/slideLayouts/slideLayout3.xml><?xml version="1.0" encoding="utf-8"?>
-<p:sldLayout xmlns:a="http://schemas.openxmlformats.org/drawingml/2006/main" xmlns:r="http://schemas.openxmlformats.org/officeDocument/2006/relationships" xmlns:p="http://schemas.openxmlformats.org/presentationml/2006/main" type="obj" preserve="1">
-  <p:cSld name="Title and Content">
-    <p:spTree>
-      <p:nvGrpSpPr>
-        <p:cNvPr id="1" name=""/>
-        <p:cNvGrpSpPr/>
-        <p:nvPr/>
-      </p:nvGrpSpPr>
-      <p:grpSpPr>
-        <a:xfrm>
-          <a:off x="0" y="0"/>
-          <a:ext cx="0" cy="0"/>
-          <a:chOff x="0" y="0"/>
-          <a:chExt cx="0" cy="0"/>
-        </a:xfrm>
-      </p:grpSpPr>
-      <p:sp>
-        <p:nvSpPr>
-          <p:cNvPr id="2" name="Title 1"/>
-          <p:cNvSpPr>
-            <a:spLocks noGrp="1"/>
-          </p:cNvSpPr>
-          <p:nvPr>
-            <p:ph type="title"/>
-          </p:nvPr>
-        </p:nvSpPr>
-        <p:spPr/>
-        <p:txBody>
-          <a:bodyPr/>
-          <a:lstStyle/>
-          <a:p>
-            <a:r>
-              <a:rPr lang="en-US"/>
-              <a:t>Click to edit Master title style</a:t>
-            </a:r>
-            <a:endParaRPr lang="ru-RU" dirty="0"/>
-          </a:p>
-        </p:txBody>
-      </p:sp>
-      <p:sp>
-        <p:nvSpPr>
-          <p:cNvPr id="3" name="Content Placeholder 2"/>
-          <p:cNvSpPr>
-            <a:spLocks noGrp="1"/>
-          </p:cNvSpPr>
-          <p:nvPr>
-            <p:ph idx="1"/>
-          </p:nvPr>
-        </p:nvSpPr>
-        <p:spPr/>
-        <p:txBody>
-          <a:bodyPr/>
-          <a:lstStyle/>
-          <a:p>
-            <a:pPr lvl="0"/>
-            <a:r>
-              <a:rPr lang="en-US"/>
-              <a:t>Click to edit Master text styles</a:t>
-            </a:r>
-          </a:p>
-          <a:p>
-            <a:pPr lvl="1"/>
-            <a:r>
-              <a:rPr lang="en-US"/>
-              <a:t>Second level</a:t>
-            </a:r>
-          </a:p>
-          <a:p>
-            <a:pPr lvl="2"/>
-            <a:r>
-              <a:rPr lang="en-US"/>
-              <a:t>Third level</a:t>
-            </a:r>
-          </a:p>
-          <a:p>
-            <a:pPr lvl="3"/>
-            <a:r>
-              <a:rPr lang="en-US"/>
-              <a:t>Fourth level</a:t>
-            </a:r>
-          </a:p>
-          <a:p>
-            <a:pPr lvl="4"/>
-            <a:r>
-              <a:rPr lang="en-US"/>
-              <a:t>Fifth level</a:t>
-            </a:r>
-            <a:endParaRPr lang="ru-RU" dirty="0"/>
-          </a:p>
-        </p:txBody>
-      </p:sp>
-    </p:spTree>
-    <p:extLst>
-      <p:ext uri="{BB962C8B-B14F-4D97-AF65-F5344CB8AC3E}">
-        <p14:creationId xmlns:p14="http://schemas.microsoft.com/office/powerpoint/2010/main" val="3363467697"/>
-      </p:ext>
-    </p:extLst>
-  </p:cSld>
-  <p:clrMapOvr>
-    <a:masterClrMapping/>
-  </p:clrMapOvr>
-</p:sldLayout>
-</file>
-
-<file path=ppt/slideLayouts/slideLayout4.xml><?xml version="1.0" encoding="utf-8"?>
-<p:sldLayout xmlns:a="http://schemas.openxmlformats.org/drawingml/2006/main" xmlns:r="http://schemas.openxmlformats.org/officeDocument/2006/relationships" xmlns:p="http://schemas.openxmlformats.org/presentationml/2006/main" type="secHead" preserve="1">
-  <p:cSld name="Section Header">
-    <p:spTree>
-      <p:nvGrpSpPr>
-        <p:cNvPr id="1" name=""/>
-        <p:cNvGrpSpPr/>
-        <p:nvPr/>
-      </p:nvGrpSpPr>
-      <p:grpSpPr>
-        <a:xfrm>
-          <a:off x="0" y="0"/>
-          <a:ext cx="0" cy="0"/>
-          <a:chOff x="0" y="0"/>
-          <a:chExt cx="0" cy="0"/>
-        </a:xfrm>
-      </p:grpSpPr>
-      <p:sp>
-        <p:nvSpPr>
-          <p:cNvPr id="2" name="Title 1"/>
-          <p:cNvSpPr>
-            <a:spLocks noGrp="1"/>
-          </p:cNvSpPr>
-          <p:nvPr>
-            <p:ph type="title"/>
-          </p:nvPr>
-        </p:nvSpPr>
-        <p:spPr>
-          <a:xfrm>
-            <a:off x="722313" y="4406900"/>
-            <a:ext cx="7772400" cy="1362075"/>
-          </a:xfrm>
-        </p:spPr>
-        <p:txBody>
-          <a:bodyPr anchor="t"/>
-          <a:lstStyle>
-            <a:lvl1pPr algn="l">
-              <a:defRPr sz="4000" b="1" cap="all"/>
-            </a:lvl1pPr>
-          </a:lstStyle>
-          <a:p>
-            <a:r>
-              <a:rPr lang="en-US"/>
-              <a:t>Click to edit Master title style</a:t>
-            </a:r>
-            <a:endParaRPr lang="ru-RU" dirty="0"/>
-          </a:p>
-        </p:txBody>
-      </p:sp>
-      <p:sp>
-        <p:nvSpPr>
-          <p:cNvPr id="3" name="Text Placeholder 2"/>
-          <p:cNvSpPr>
-            <a:spLocks noGrp="1"/>
-          </p:cNvSpPr>
-          <p:nvPr>
-            <p:ph type="body" idx="1"/>
-          </p:nvPr>
-        </p:nvSpPr>
-        <p:spPr>
-          <a:xfrm>
-            <a:off x="722313" y="2906713"/>
-            <a:ext cx="7772400" cy="1500187"/>
-          </a:xfrm>
-        </p:spPr>
-        <p:txBody>
-          <a:bodyPr anchor="b"/>
-          <a:lstStyle>
-            <a:lvl1pPr marL="0" indent="0">
-              <a:buNone/>
-              <a:defRPr sz="2000">
-                <a:solidFill>
-                  <a:schemeClr val="tx1">
-                    <a:tint val="75000"/>
-                  </a:schemeClr>
-                </a:solidFill>
-              </a:defRPr>
-            </a:lvl1pPr>
-            <a:lvl2pPr marL="457200" indent="0">
-              <a:buNone/>
-              <a:defRPr sz="1800">
-                <a:solidFill>
-                  <a:schemeClr val="tx1">
-                    <a:tint val="75000"/>
-                  </a:schemeClr>
-                </a:solidFill>
-              </a:defRPr>
-            </a:lvl2pPr>
-            <a:lvl3pPr marL="914400" indent="0">
-              <a:buNone/>
-              <a:defRPr sz="1600">
-                <a:solidFill>
-                  <a:schemeClr val="tx1">
-                    <a:tint val="75000"/>
-                  </a:schemeClr>
-                </a:solidFill>
-              </a:defRPr>
-            </a:lvl3pPr>
-            <a:lvl4pPr marL="1371600" indent="0">
-              <a:buNone/>
-              <a:defRPr sz="1400">
-                <a:solidFill>
-                  <a:schemeClr val="tx1">
-                    <a:tint val="75000"/>
-                  </a:schemeClr>
-                </a:solidFill>
-              </a:defRPr>
-            </a:lvl4pPr>
-            <a:lvl5pPr marL="1828800" indent="0">
-              <a:buNone/>
-              <a:defRPr sz="1400">
-                <a:solidFill>
-                  <a:schemeClr val="tx1">
-                    <a:tint val="75000"/>
-                  </a:schemeClr>
-                </a:solidFill>
-              </a:defRPr>
-            </a:lvl5pPr>
-            <a:lvl6pPr marL="2286000" indent="0">
-              <a:buNone/>
-              <a:defRPr sz="1400">
-                <a:solidFill>
-                  <a:schemeClr val="tx1">
-                    <a:tint val="75000"/>
-                  </a:schemeClr>
-                </a:solidFill>
-              </a:defRPr>
-            </a:lvl6pPr>
-            <a:lvl7pPr marL="2743200" indent="0">
-              <a:buNone/>
-              <a:defRPr sz="1400">
-                <a:solidFill>
-                  <a:schemeClr val="tx1">
-                    <a:tint val="75000"/>
-                  </a:schemeClr>
-                </a:solidFill>
-              </a:defRPr>
-            </a:lvl7pPr>
-            <a:lvl8pPr marL="3200400" indent="0">
-              <a:buNone/>
-              <a:defRPr sz="1400">
-                <a:solidFill>
-                  <a:schemeClr val="tx1">
-                    <a:tint val="75000"/>
-                  </a:schemeClr>
-                </a:solidFill>
-              </a:defRPr>
-            </a:lvl8pPr>
-            <a:lvl9pPr marL="3657600" indent="0">
-              <a:buNone/>
-              <a:defRPr sz="1400">
-                <a:solidFill>
-                  <a:schemeClr val="tx1">
-                    <a:tint val="75000"/>
-                  </a:schemeClr>
-                </a:solidFill>
-              </a:defRPr>
-            </a:lvl9pPr>
-          </a:lstStyle>
-          <a:p>
-            <a:pPr lvl="0"/>
-            <a:r>
-              <a:rPr lang="en-US"/>
-              <a:t>Click to edit Master text styles</a:t>
-            </a:r>
-          </a:p>
-        </p:txBody>
-      </p:sp>
-    </p:spTree>
-    <p:extLst>
-      <p:ext uri="{BB962C8B-B14F-4D97-AF65-F5344CB8AC3E}">
-        <p14:creationId xmlns:p14="http://schemas.microsoft.com/office/powerpoint/2010/main" val="1627150216"/>
-      </p:ext>
-    </p:extLst>
-  </p:cSld>
-  <p:clrMapOvr>
-    <a:masterClrMapping/>
-  </p:clrMapOvr>
-</p:sldLayout>
-</file>
-
-<file path=ppt/slideLayouts/slideLayout5.xml><?xml version="1.0" encoding="utf-8"?>
-<p:sldLayout xmlns:a="http://schemas.openxmlformats.org/drawingml/2006/main" xmlns:r="http://schemas.openxmlformats.org/officeDocument/2006/relationships" xmlns:p="http://schemas.openxmlformats.org/presentationml/2006/main" type="twoObj" preserve="1">
-  <p:cSld name="Two Content">
-    <p:spTree>
-      <p:nvGrpSpPr>
-        <p:cNvPr id="1" name=""/>
-        <p:cNvGrpSpPr/>
-        <p:nvPr/>
-      </p:nvGrpSpPr>
-      <p:grpSpPr>
-        <a:xfrm>
-          <a:off x="0" y="0"/>
-          <a:ext cx="0" cy="0"/>
-          <a:chOff x="0" y="0"/>
-          <a:chExt cx="0" cy="0"/>
-        </a:xfrm>
-      </p:grpSpPr>
-      <p:sp>
-        <p:nvSpPr>
-          <p:cNvPr id="2" name="Title 1"/>
-          <p:cNvSpPr>
-            <a:spLocks noGrp="1"/>
-          </p:cNvSpPr>
-          <p:nvPr>
-            <p:ph type="title"/>
-          </p:nvPr>
-        </p:nvSpPr>
-        <p:spPr/>
-        <p:txBody>
-          <a:bodyPr/>
-          <a:lstStyle/>
-          <a:p>
-            <a:r>
-              <a:rPr lang="en-US"/>
-              <a:t>Click to edit Master title style</a:t>
-            </a:r>
-            <a:endParaRPr lang="ru-RU" dirty="0"/>
-          </a:p>
-        </p:txBody>
-      </p:sp>
-      <p:sp>
-        <p:nvSpPr>
-          <p:cNvPr id="3" name="Content Placeholder 2"/>
-          <p:cNvSpPr>
-            <a:spLocks noGrp="1"/>
-          </p:cNvSpPr>
-          <p:nvPr>
-            <p:ph sz="half" idx="1"/>
-          </p:nvPr>
-        </p:nvSpPr>
-        <p:spPr>
-          <a:xfrm>
-            <a:off x="457200" y="1600200"/>
-            <a:ext cx="4038600" cy="4525963"/>
-          </a:xfrm>
-        </p:spPr>
-        <p:txBody>
-          <a:bodyPr/>
-          <a:lstStyle>
-            <a:lvl1pPr>
-              <a:defRPr sz="2800"/>
-            </a:lvl1pPr>
-            <a:lvl2pPr>
-              <a:defRPr sz="2400"/>
-            </a:lvl2pPr>
-            <a:lvl3pPr>
-              <a:defRPr sz="2000"/>
-            </a:lvl3pPr>
-            <a:lvl4pPr>
-              <a:defRPr sz="1800"/>
-            </a:lvl4pPr>
-            <a:lvl5pPr>
-              <a:defRPr sz="1800"/>
-            </a:lvl5pPr>
-            <a:lvl6pPr>
-              <a:defRPr sz="1800"/>
-            </a:lvl6pPr>
-            <a:lvl7pPr>
-              <a:defRPr sz="1800"/>
-            </a:lvl7pPr>
-            <a:lvl8pPr>
-              <a:defRPr sz="1800"/>
-            </a:lvl8pPr>
-            <a:lvl9pPr>
-              <a:defRPr sz="1800"/>
-            </a:lvl9pPr>
-          </a:lstStyle>
-          <a:p>
-            <a:pPr lvl="0"/>
-            <a:r>
-              <a:rPr lang="en-US"/>
-              <a:t>Click to edit Master text styles</a:t>
-            </a:r>
-          </a:p>
-          <a:p>
-            <a:pPr lvl="1"/>
-            <a:r>
-              <a:rPr lang="en-US"/>
-              <a:t>Second level</a:t>
-            </a:r>
-          </a:p>
-          <a:p>
-            <a:pPr lvl="2"/>
-            <a:r>
-              <a:rPr lang="en-US"/>
-              <a:t>Third level</a:t>
-            </a:r>
-          </a:p>
-          <a:p>
-            <a:pPr lvl="3"/>
-            <a:r>
-              <a:rPr lang="en-US"/>
-              <a:t>Fourth level</a:t>
-            </a:r>
-          </a:p>
-          <a:p>
-            <a:pPr lvl="4"/>
-            <a:r>
-              <a:rPr lang="en-US"/>
-              <a:t>Fifth level</a:t>
-            </a:r>
-            <a:endParaRPr lang="ru-RU" dirty="0"/>
-          </a:p>
-        </p:txBody>
-      </p:sp>
-      <p:sp>
-        <p:nvSpPr>
-          <p:cNvPr id="4" name="Content Placeholder 3"/>
-          <p:cNvSpPr>
-            <a:spLocks noGrp="1"/>
-          </p:cNvSpPr>
-          <p:nvPr>
-            <p:ph sz="half" idx="2"/>
-          </p:nvPr>
-        </p:nvSpPr>
-        <p:spPr>
-          <a:xfrm>
-            <a:off x="4648200" y="1600200"/>
-            <a:ext cx="4038600" cy="4525963"/>
-          </a:xfrm>
-        </p:spPr>
-        <p:txBody>
-          <a:bodyPr/>
-          <a:lstStyle>
-            <a:lvl1pPr>
-              <a:defRPr sz="2800"/>
-            </a:lvl1pPr>
-            <a:lvl2pPr>
-              <a:defRPr sz="2400"/>
-            </a:lvl2pPr>
-            <a:lvl3pPr>
-              <a:defRPr sz="2000"/>
-            </a:lvl3pPr>
-            <a:lvl4pPr>
-              <a:defRPr sz="1800"/>
-            </a:lvl4pPr>
-            <a:lvl5pPr>
-              <a:defRPr sz="1800"/>
-            </a:lvl5pPr>
-            <a:lvl6pPr>
-              <a:defRPr sz="1800"/>
-            </a:lvl6pPr>
-            <a:lvl7pPr>
-              <a:defRPr sz="1800"/>
-            </a:lvl7pPr>
-            <a:lvl8pPr>
-              <a:defRPr sz="1800"/>
-            </a:lvl8pPr>
-            <a:lvl9pPr>
-              <a:defRPr sz="1800"/>
-            </a:lvl9pPr>
-          </a:lstStyle>
-          <a:p>
-            <a:pPr lvl="0"/>
-            <a:r>
-              <a:rPr lang="en-US"/>
-              <a:t>Click to edit Master text styles</a:t>
-            </a:r>
-          </a:p>
-          <a:p>
-            <a:pPr lvl="1"/>
-            <a:r>
-              <a:rPr lang="en-US"/>
-              <a:t>Second level</a:t>
-            </a:r>
-          </a:p>
-          <a:p>
-            <a:pPr lvl="2"/>
-            <a:r>
-              <a:rPr lang="en-US"/>
-              <a:t>Third level</a:t>
-            </a:r>
-          </a:p>
-          <a:p>
-            <a:pPr lvl="3"/>
-            <a:r>
-              <a:rPr lang="en-US"/>
-              <a:t>Fourth level</a:t>
-            </a:r>
-          </a:p>
-          <a:p>
-            <a:pPr lvl="4"/>
-            <a:r>
-              <a:rPr lang="en-US"/>
-              <a:t>Fifth level</a:t>
-            </a:r>
-            <a:endParaRPr lang="ru-RU" dirty="0"/>
-          </a:p>
-        </p:txBody>
-      </p:sp>
-    </p:spTree>
-    <p:extLst>
-      <p:ext uri="{BB962C8B-B14F-4D97-AF65-F5344CB8AC3E}">
-        <p14:creationId xmlns:p14="http://schemas.microsoft.com/office/powerpoint/2010/main" val="1026234569"/>
-      </p:ext>
-    </p:extLst>
-  </p:cSld>
-  <p:clrMapOvr>
-    <a:masterClrMapping/>
-  </p:clrMapOvr>
-</p:sldLayout>
-</file>
-
-<file path=ppt/slideLayouts/slideLayout6.xml><?xml version="1.0" encoding="utf-8"?>
-<p:sldLayout xmlns:a="http://schemas.openxmlformats.org/drawingml/2006/main" xmlns:r="http://schemas.openxmlformats.org/officeDocument/2006/relationships" xmlns:p="http://schemas.openxmlformats.org/presentationml/2006/main" type="twoTxTwoObj" preserve="1">
-  <p:cSld name="Comparison">
-    <p:spTree>
-      <p:nvGrpSpPr>
-        <p:cNvPr id="1" name=""/>
-        <p:cNvGrpSpPr/>
-        <p:nvPr/>
-      </p:nvGrpSpPr>
-      <p:grpSpPr>
-        <a:xfrm>
-          <a:off x="0" y="0"/>
-          <a:ext cx="0" cy="0"/>
-          <a:chOff x="0" y="0"/>
-          <a:chExt cx="0" cy="0"/>
-        </a:xfrm>
-      </p:grpSpPr>
-      <p:sp>
-        <p:nvSpPr>
-          <p:cNvPr id="2" name="Title 1"/>
-          <p:cNvSpPr>
-            <a:spLocks noGrp="1"/>
-          </p:cNvSpPr>
-          <p:nvPr>
-            <p:ph type="title"/>
-          </p:nvPr>
-        </p:nvSpPr>
-        <p:spPr/>
-        <p:txBody>
-          <a:bodyPr/>
-          <a:lstStyle>
-            <a:lvl1pPr>
-              <a:defRPr/>
-            </a:lvl1pPr>
-          </a:lstStyle>
-          <a:p>
-            <a:r>
-              <a:rPr lang="en-US"/>
-              <a:t>Click to edit Master title style</a:t>
-            </a:r>
-            <a:endParaRPr lang="ru-RU" dirty="0"/>
-          </a:p>
-        </p:txBody>
-      </p:sp>
-      <p:sp>
-        <p:nvSpPr>
-          <p:cNvPr id="3" name="Text Placeholder 2"/>
-          <p:cNvSpPr>
-            <a:spLocks noGrp="1"/>
-          </p:cNvSpPr>
-          <p:nvPr>
-            <p:ph type="body" idx="1"/>
-          </p:nvPr>
-        </p:nvSpPr>
-        <p:spPr>
-          <a:xfrm>
-            <a:off x="457200" y="1535113"/>
-            <a:ext cx="4040188" cy="639762"/>
-          </a:xfrm>
-        </p:spPr>
-        <p:txBody>
-          <a:bodyPr anchor="b"/>
-          <a:lstStyle>
-            <a:lvl1pPr marL="0" indent="0">
-              <a:buNone/>
-              <a:defRPr sz="2400" b="1"/>
-            </a:lvl1pPr>
-            <a:lvl2pPr marL="457200" indent="0">
-              <a:buNone/>
-              <a:defRPr sz="2000" b="1"/>
-            </a:lvl2pPr>
-            <a:lvl3pPr marL="914400" indent="0">
-              <a:buNone/>
-              <a:defRPr sz="1800" b="1"/>
-            </a:lvl3pPr>
-            <a:lvl4pPr marL="1371600" indent="0">
-              <a:buNone/>
-              <a:defRPr sz="1600" b="1"/>
-            </a:lvl4pPr>
-            <a:lvl5pPr marL="1828800" indent="0">
-              <a:buNone/>
-              <a:defRPr sz="1600" b="1"/>
-            </a:lvl5pPr>
-            <a:lvl6pPr marL="2286000" indent="0">
-              <a:buNone/>
-              <a:defRPr sz="1600" b="1"/>
-            </a:lvl6pPr>
-            <a:lvl7pPr marL="2743200" indent="0">
-              <a:buNone/>
-              <a:defRPr sz="1600" b="1"/>
-            </a:lvl7pPr>
-            <a:lvl8pPr marL="3200400" indent="0">
-              <a:buNone/>
-              <a:defRPr sz="1600" b="1"/>
-            </a:lvl8pPr>
-            <a:lvl9pPr marL="3657600" indent="0">
-              <a:buNone/>
-              <a:defRPr sz="1600" b="1"/>
-            </a:lvl9pPr>
-          </a:lstStyle>
-          <a:p>
-            <a:pPr lvl="0"/>
-            <a:r>
-              <a:rPr lang="en-US"/>
-              <a:t>Click to edit Master text styles</a:t>
-            </a:r>
-          </a:p>
-        </p:txBody>
-      </p:sp>
-      <p:sp>
-        <p:nvSpPr>
-          <p:cNvPr id="4" name="Content Placeholder 3"/>
-          <p:cNvSpPr>
-            <a:spLocks noGrp="1"/>
-          </p:cNvSpPr>
-          <p:nvPr>
-            <p:ph sz="half" idx="2"/>
-          </p:nvPr>
-        </p:nvSpPr>
-        <p:spPr>
-          <a:xfrm>
-            <a:off x="457200" y="2174875"/>
-            <a:ext cx="4040188" cy="3951288"/>
-          </a:xfrm>
-        </p:spPr>
-        <p:txBody>
-          <a:bodyPr/>
-          <a:lstStyle>
-            <a:lvl1pPr>
-              <a:defRPr sz="2400"/>
-            </a:lvl1pPr>
-            <a:lvl2pPr>
-              <a:defRPr sz="2000"/>
-            </a:lvl2pPr>
-            <a:lvl3pPr>
-              <a:defRPr sz="1800"/>
-            </a:lvl3pPr>
-            <a:lvl4pPr>
-              <a:defRPr sz="1600"/>
-            </a:lvl4pPr>
-            <a:lvl5pPr>
-              <a:defRPr sz="1600"/>
-            </a:lvl5pPr>
-            <a:lvl6pPr>
-              <a:defRPr sz="1600"/>
-            </a:lvl6pPr>
-            <a:lvl7pPr>
-              <a:defRPr sz="1600"/>
-            </a:lvl7pPr>
-            <a:lvl8pPr>
-              <a:defRPr sz="1600"/>
-            </a:lvl8pPr>
-            <a:lvl9pPr>
-              <a:defRPr sz="1600"/>
-            </a:lvl9pPr>
-          </a:lstStyle>
-          <a:p>
-            <a:pPr lvl="0"/>
-            <a:r>
-              <a:rPr lang="en-US"/>
-              <a:t>Click to edit Master text styles</a:t>
-            </a:r>
-          </a:p>
-          <a:p>
-            <a:pPr lvl="1"/>
-            <a:r>
-              <a:rPr lang="en-US"/>
-              <a:t>Second level</a:t>
-            </a:r>
-          </a:p>
-          <a:p>
-            <a:pPr lvl="2"/>
-            <a:r>
-              <a:rPr lang="en-US"/>
-              <a:t>Third level</a:t>
-            </a:r>
-          </a:p>
-          <a:p>
-            <a:pPr lvl="3"/>
-            <a:r>
-              <a:rPr lang="en-US"/>
-              <a:t>Fourth level</a:t>
-            </a:r>
-          </a:p>
-          <a:p>
-            <a:pPr lvl="4"/>
-            <a:r>
-              <a:rPr lang="en-US"/>
-              <a:t>Fifth level</a:t>
-            </a:r>
-            <a:endParaRPr lang="ru-RU" dirty="0"/>
-          </a:p>
-        </p:txBody>
-      </p:sp>
-      <p:sp>
-        <p:nvSpPr>
-          <p:cNvPr id="5" name="Text Placeholder 4"/>
-          <p:cNvSpPr>
-            <a:spLocks noGrp="1"/>
-          </p:cNvSpPr>
-          <p:nvPr>
-            <p:ph type="body" sz="quarter" idx="3"/>
-          </p:nvPr>
-        </p:nvSpPr>
-        <p:spPr>
-          <a:xfrm>
-            <a:off x="4645025" y="1535113"/>
-            <a:ext cx="4041775" cy="639762"/>
-          </a:xfrm>
-        </p:spPr>
-        <p:txBody>
-          <a:bodyPr anchor="b"/>
-          <a:lstStyle>
-            <a:lvl1pPr marL="0" indent="0">
-              <a:buNone/>
-              <a:defRPr sz="2400" b="1"/>
-            </a:lvl1pPr>
-            <a:lvl2pPr marL="457200" indent="0">
-              <a:buNone/>
-              <a:defRPr sz="2000" b="1"/>
-            </a:lvl2pPr>
-            <a:lvl3pPr marL="914400" indent="0">
-              <a:buNone/>
-              <a:defRPr sz="1800" b="1"/>
-            </a:lvl3pPr>
-            <a:lvl4pPr marL="1371600" indent="0">
-              <a:buNone/>
-              <a:defRPr sz="1600" b="1"/>
-            </a:lvl4pPr>
-            <a:lvl5pPr marL="1828800" indent="0">
-              <a:buNone/>
-              <a:defRPr sz="1600" b="1"/>
-            </a:lvl5pPr>
-            <a:lvl6pPr marL="2286000" indent="0">
-              <a:buNone/>
-              <a:defRPr sz="1600" b="1"/>
-            </a:lvl6pPr>
-            <a:lvl7pPr marL="2743200" indent="0">
-              <a:buNone/>
-              <a:defRPr sz="1600" b="1"/>
-            </a:lvl7pPr>
-            <a:lvl8pPr marL="3200400" indent="0">
-              <a:buNone/>
-              <a:defRPr sz="1600" b="1"/>
-            </a:lvl8pPr>
-            <a:lvl9pPr marL="3657600" indent="0">
-              <a:buNone/>
-              <a:defRPr sz="1600" b="1"/>
-            </a:lvl9pPr>
-          </a:lstStyle>
-          <a:p>
-            <a:pPr lvl="0"/>
-            <a:r>
-              <a:rPr lang="en-US"/>
-              <a:t>Click to edit Master text styles</a:t>
-            </a:r>
-          </a:p>
-        </p:txBody>
-      </p:sp>
-      <p:sp>
-        <p:nvSpPr>
-          <p:cNvPr id="6" name="Content Placeholder 5"/>
-          <p:cNvSpPr>
-            <a:spLocks noGrp="1"/>
-          </p:cNvSpPr>
-          <p:nvPr>
-            <p:ph sz="quarter" idx="4"/>
-          </p:nvPr>
-        </p:nvSpPr>
-        <p:spPr>
-          <a:xfrm>
-            <a:off x="4645025" y="2174875"/>
-            <a:ext cx="4041775" cy="3951288"/>
-          </a:xfrm>
-        </p:spPr>
-        <p:txBody>
-          <a:bodyPr/>
-          <a:lstStyle>
-            <a:lvl1pPr>
-              <a:defRPr sz="2400"/>
-            </a:lvl1pPr>
-            <a:lvl2pPr>
-              <a:defRPr sz="2000"/>
-            </a:lvl2pPr>
-            <a:lvl3pPr>
-              <a:defRPr sz="1800"/>
-            </a:lvl3pPr>
-            <a:lvl4pPr>
-              <a:defRPr sz="1600"/>
-            </a:lvl4pPr>
-            <a:lvl5pPr>
-              <a:defRPr sz="1600"/>
-            </a:lvl5pPr>
-            <a:lvl6pPr>
-              <a:defRPr sz="1600"/>
-            </a:lvl6pPr>
-            <a:lvl7pPr>
-              <a:defRPr sz="1600"/>
-            </a:lvl7pPr>
-            <a:lvl8pPr>
-              <a:defRPr sz="1600"/>
-            </a:lvl8pPr>
-            <a:lvl9pPr>
-              <a:defRPr sz="1600"/>
-            </a:lvl9pPr>
-          </a:lstStyle>
-          <a:p>
-            <a:pPr lvl="0"/>
-            <a:r>
-              <a:rPr lang="en-US"/>
-              <a:t>Click to edit Master text styles</a:t>
-            </a:r>
-          </a:p>
-          <a:p>
-            <a:pPr lvl="1"/>
-            <a:r>
-              <a:rPr lang="en-US"/>
-              <a:t>Second level</a:t>
-            </a:r>
-          </a:p>
-          <a:p>
-            <a:pPr lvl="2"/>
-            <a:r>
-              <a:rPr lang="en-US"/>
-              <a:t>Third level</a:t>
-            </a:r>
-          </a:p>
-          <a:p>
-            <a:pPr lvl="3"/>
-            <a:r>
-              <a:rPr lang="en-US"/>
-              <a:t>Fourth level</a:t>
-            </a:r>
-          </a:p>
-          <a:p>
-            <a:pPr lvl="4"/>
-            <a:r>
-              <a:rPr lang="en-US"/>
-              <a:t>Fifth level</a:t>
-            </a:r>
-            <a:endParaRPr lang="ru-RU" dirty="0"/>
-          </a:p>
-        </p:txBody>
-      </p:sp>
-    </p:spTree>
-    <p:extLst>
-      <p:ext uri="{BB962C8B-B14F-4D97-AF65-F5344CB8AC3E}">
-        <p14:creationId xmlns:p14="http://schemas.microsoft.com/office/powerpoint/2010/main" val="4044979405"/>
-      </p:ext>
-    </p:extLst>
-  </p:cSld>
-  <p:clrMapOvr>
-    <a:masterClrMapping/>
-  </p:clrMapOvr>
-</p:sldLayout>
-</file>
-
-<file path=ppt/slideLayouts/slideLayout7.xml><?xml version="1.0" encoding="utf-8"?>
-<p:sldLayout xmlns:a="http://schemas.openxmlformats.org/drawingml/2006/main" xmlns:r="http://schemas.openxmlformats.org/officeDocument/2006/relationships" xmlns:p="http://schemas.openxmlformats.org/presentationml/2006/main" type="titleOnly" preserve="1">
-  <p:cSld name="Title Only">
-    <p:spTree>
-      <p:nvGrpSpPr>
-        <p:cNvPr id="1" name=""/>
-        <p:cNvGrpSpPr/>
-        <p:nvPr/>
-      </p:nvGrpSpPr>
-      <p:grpSpPr>
-        <a:xfrm>
-          <a:off x="0" y="0"/>
-          <a:ext cx="0" cy="0"/>
-          <a:chOff x="0" y="0"/>
-          <a:chExt cx="0" cy="0"/>
-        </a:xfrm>
-      </p:grpSpPr>
-      <p:sp>
-        <p:nvSpPr>
-          <p:cNvPr id="2" name="Title 1"/>
-          <p:cNvSpPr>
-            <a:spLocks noGrp="1"/>
-          </p:cNvSpPr>
-          <p:nvPr>
-            <p:ph type="title"/>
-          </p:nvPr>
-        </p:nvSpPr>
-        <p:spPr/>
-        <p:txBody>
-          <a:bodyPr/>
-          <a:lstStyle/>
-          <a:p>
-            <a:r>
-              <a:rPr lang="en-US"/>
-              <a:t>Click to edit Master title style</a:t>
-            </a:r>
-            <a:endParaRPr lang="ru-RU" dirty="0"/>
-          </a:p>
-        </p:txBody>
-      </p:sp>
-    </p:spTree>
-    <p:extLst>
-      <p:ext uri="{BB962C8B-B14F-4D97-AF65-F5344CB8AC3E}">
-        <p14:creationId xmlns:p14="http://schemas.microsoft.com/office/powerpoint/2010/main" val="125202666"/>
-      </p:ext>
-    </p:extLst>
-  </p:cSld>
-  <p:clrMapOvr>
-    <a:masterClrMapping/>
-  </p:clrMapOvr>
-</p:sldLayout>
-</file>
-
-<file path=ppt/slideLayouts/slideLayout8.xml><?xml version="1.0" encoding="utf-8"?>
-<p:sldLayout xmlns:a="http://schemas.openxmlformats.org/drawingml/2006/main" xmlns:r="http://schemas.openxmlformats.org/officeDocument/2006/relationships" xmlns:p="http://schemas.openxmlformats.org/presentationml/2006/main" preserve="1" userDrawn="1">
-  <p:cSld name="Demo">
-    <p:spTree>
-      <p:nvGrpSpPr>
-        <p:cNvPr id="1" name=""/>
-        <p:cNvGrpSpPr/>
-        <p:nvPr/>
-      </p:nvGrpSpPr>
-      <p:grpSpPr>
-        <a:xfrm>
-          <a:off x="0" y="0"/>
-          <a:ext cx="0" cy="0"/>
-          <a:chOff x="0" y="0"/>
-          <a:chExt cx="0" cy="0"/>
-        </a:xfrm>
-      </p:grpSpPr>
-      <p:sp>
-        <p:nvSpPr>
-          <p:cNvPr id="10" name="TextBox 9"/>
-          <p:cNvSpPr txBox="1"/>
-          <p:nvPr userDrawn="1"/>
-        </p:nvSpPr>
-        <p:spPr>
-          <a:xfrm>
-            <a:off x="359532" y="3136613"/>
-            <a:ext cx="8424936" cy="584775"/>
-          </a:xfrm>
-          <a:prstGeom prst="rect">
-            <a:avLst/>
-          </a:prstGeom>
-          <a:noFill/>
-        </p:spPr>
-        <p:txBody>
-          <a:bodyPr wrap="square" rtlCol="0" anchor="ctr">
-            <a:spAutoFit/>
-          </a:bodyPr>
-          <a:lstStyle/>
-          <a:p>
-            <a:pPr algn="ctr"/>
-            <a:r>
-              <a:rPr lang="ru-RU" sz="3200" dirty="0"/>
-              <a:t>Название.</a:t>
-            </a:r>
-            <a:r>
-              <a:rPr lang="ru-RU" sz="3200" baseline="0" dirty="0"/>
-              <a:t> Демонстрация.</a:t>
-            </a:r>
-            <a:endParaRPr lang="ru-RU" sz="3200" dirty="0"/>
-          </a:p>
-        </p:txBody>
-      </p:sp>
-    </p:spTree>
-    <p:extLst>
-      <p:ext uri="{BB962C8B-B14F-4D97-AF65-F5344CB8AC3E}">
-        <p14:creationId xmlns:p14="http://schemas.microsoft.com/office/powerpoint/2010/main" val="3308008441"/>
-      </p:ext>
-    </p:extLst>
-  </p:cSld>
-  <p:clrMapOvr>
-    <a:masterClrMapping/>
-  </p:clrMapOvr>
-</p:sldLayout>
-</file>
-
-<file path=ppt/slideLayouts/slideLayout9.xml><?xml version="1.0" encoding="utf-8"?>
-<p:sldLayout xmlns:a="http://schemas.openxmlformats.org/drawingml/2006/main" xmlns:r="http://schemas.openxmlformats.org/officeDocument/2006/relationships" xmlns:p="http://schemas.openxmlformats.org/presentationml/2006/main" type="blank" preserve="1">
-  <p:cSld name="1_Blank">
-    <p:spTree>
-      <p:nvGrpSpPr>
-        <p:cNvPr id="1" name=""/>
-        <p:cNvGrpSpPr/>
-        <p:nvPr/>
-      </p:nvGrpSpPr>
-      <p:grpSpPr>
-        <a:xfrm>
-          <a:off x="0" y="0"/>
-          <a:ext cx="0" cy="0"/>
-          <a:chOff x="0" y="0"/>
-          <a:chExt cx="0" cy="0"/>
-        </a:xfrm>
-      </p:grpSpPr>
-    </p:spTree>
-    <p:extLst>
-      <p:ext uri="{BB962C8B-B14F-4D97-AF65-F5344CB8AC3E}">
-        <p14:creationId xmlns:p14="http://schemas.microsoft.com/office/powerpoint/2010/main" val="2618453949"/>
-      </p:ext>
-    </p:extLst>
-  </p:cSld>
-  <p:clrMapOvr>
-    <a:masterClrMapping/>
-  </p:clrMapOvr>
-</p:sldLayout>
-</file>
-
 <file path=ppt/slideMasters/slideMaster1.xml><?xml version="1.0" encoding="utf-8"?>
 <p:sldMaster xmlns:a="http://schemas.openxmlformats.org/drawingml/2006/main" xmlns:r="http://schemas.openxmlformats.org/officeDocument/2006/relationships" xmlns:p="http://schemas.openxmlformats.org/presentationml/2006/main">
   <p:cSld>
     <p:bg>
       <p:bgPr>
         <a:blipFill dpi="0" rotWithShape="1">
-          <a:blip r:embed="rId16">
+          <a:blip r:embed="rId14">
             <a:lum/>
           </a:blip>
           <a:srcRect/>
@@ -2914,7 +2526,7 @@
           <a:p>
             <a:fld id="{AC3D3127-B7C4-45E3-9797-C527EC9FDD78}" type="datetimeFigureOut">
               <a:rPr lang="ru-RU" smtClean="0"/>
-              <a:t>30.11.2018</a:t>
+              <a:t>22.02.2019</a:t>
             </a:fld>
             <a:endParaRPr lang="ru-RU"/>
           </a:p>
@@ -3007,20 +2619,18 @@
   </p:cSld>
   <p:clrMap bg1="lt1" tx1="dk1" bg2="lt2" tx2="dk2" accent1="accent1" accent2="accent2" accent3="accent3" accent4="accent4" accent5="accent5" accent6="accent6" hlink="hlink" folHlink="folHlink"/>
   <p:sldLayoutIdLst>
-    <p:sldLayoutId id="2147483649" r:id="rId1"/>
-    <p:sldLayoutId id="2147483661" r:id="rId2"/>
-    <p:sldLayoutId id="2147483650" r:id="rId3"/>
-    <p:sldLayoutId id="2147483651" r:id="rId4"/>
-    <p:sldLayoutId id="2147483652" r:id="rId5"/>
-    <p:sldLayoutId id="2147483653" r:id="rId6"/>
-    <p:sldLayoutId id="2147483654" r:id="rId7"/>
-    <p:sldLayoutId id="2147483655" r:id="rId8"/>
-    <p:sldLayoutId id="2147483660" r:id="rId9"/>
-    <p:sldLayoutId id="2147483656" r:id="rId10"/>
-    <p:sldLayoutId id="2147483657" r:id="rId11"/>
-    <p:sldLayoutId id="2147483658" r:id="rId12"/>
-    <p:sldLayoutId id="2147483659" r:id="rId13"/>
-    <p:sldLayoutId id="2147483662" r:id="rId14"/>
+    <p:sldLayoutId id="2147483650" r:id="rId1"/>
+    <p:sldLayoutId id="2147483651" r:id="rId2"/>
+    <p:sldLayoutId id="2147483652" r:id="rId3"/>
+    <p:sldLayoutId id="2147483653" r:id="rId4"/>
+    <p:sldLayoutId id="2147483654" r:id="rId5"/>
+    <p:sldLayoutId id="2147483655" r:id="rId6"/>
+    <p:sldLayoutId id="2147483660" r:id="rId7"/>
+    <p:sldLayoutId id="2147483656" r:id="rId8"/>
+    <p:sldLayoutId id="2147483657" r:id="rId9"/>
+    <p:sldLayoutId id="2147483658" r:id="rId10"/>
+    <p:sldLayoutId id="2147483659" r:id="rId11"/>
+    <p:sldLayoutId id="2147483662" r:id="rId12"/>
   </p:sldLayoutIdLst>
   <p:txStyles>
     <p:titleStyle>
@@ -3393,7 +3003,7 @@
           <p:cNvPr id="8" name="TextBox 7">
             <a:extLst>
               <a:ext uri="{FF2B5EF4-FFF2-40B4-BE49-F238E27FC236}">
-                <a16:creationId xmlns:a16="http://schemas.microsoft.com/office/drawing/2014/main" xmlns="" id="{E19F6F93-9A93-B748-9053-0C08EE9A4027}"/>
+                <a16:creationId xmlns="" xmlns:a16="http://schemas.microsoft.com/office/drawing/2014/main" id="{E19F6F93-9A93-B748-9053-0C08EE9A4027}"/>
               </a:ext>
             </a:extLst>
           </p:cNvPr>
